--- a/artifacts/demo/Data-Pipeline-GCS-to-JSON.pptx
+++ b/artifacts/demo/Data-Pipeline-GCS-to-JSON.pptx
@@ -5,21 +5,22 @@
     <p:sldMasterId id="2147483648" r:id="rId1"/>
   </p:sldMasterIdLst>
   <p:notesMasterIdLst>
-    <p:notesMasterId r:id="rId6"/>
+    <p:notesMasterId r:id="rId7"/>
   </p:notesMasterIdLst>
   <p:sldIdLst>
     <p:sldId id="256" r:id="rId2"/>
     <p:sldId id="257" r:id="rId3"/>
-    <p:sldId id="258" r:id="rId4"/>
-    <p:sldId id="259" r:id="rId5"/>
+    <p:sldId id="261" r:id="rId4"/>
+    <p:sldId id="258" r:id="rId5"/>
+    <p:sldId id="259" r:id="rId6"/>
   </p:sldIdLst>
   <p:sldSz cx="14630400" cy="8229600"/>
   <p:notesSz cx="8229600" cy="14630400"/>
   <p:embeddedFontLst>
     <p:embeddedFont>
       <p:font typeface="Lato" panose="020F0502020204030203" pitchFamily="34" charset="0"/>
-      <p:regular r:id="rId7"/>
-      <p:bold r:id="rId8"/>
+      <p:regular r:id="rId8"/>
+      <p:bold r:id="rId9"/>
     </p:embeddedFont>
   </p:embeddedFontLst>
   <p:defaultTextStyle>
@@ -123,6 +124,6384 @@
     </p:ext>
   </p:extLst>
 </p:presentation>
+</file>
+
+<file path=ppt/diagrams/colors1.xml><?xml version="1.0" encoding="utf-8"?>
+<dgm:colorsDef xmlns:dgm="http://schemas.openxmlformats.org/drawingml/2006/diagram" xmlns:a="http://schemas.openxmlformats.org/drawingml/2006/main" uniqueId="urn:microsoft.com/office/officeart/2005/8/colors/colorful4">
+  <dgm:title val=""/>
+  <dgm:desc val=""/>
+  <dgm:catLst>
+    <dgm:cat type="colorful" pri="10400"/>
+  </dgm:catLst>
+  <dgm:styleLbl name="node0">
+    <dgm:fillClrLst meth="repeat">
+      <a:schemeClr val="accent3"/>
+    </dgm:fillClrLst>
+    <dgm:linClrLst meth="repeat">
+      <a:schemeClr val="lt1"/>
+    </dgm:linClrLst>
+    <dgm:effectClrLst/>
+    <dgm:txLinClrLst/>
+    <dgm:txFillClrLst/>
+    <dgm:txEffectClrLst/>
+  </dgm:styleLbl>
+  <dgm:styleLbl name="node1">
+    <dgm:fillClrLst>
+      <a:schemeClr val="accent4"/>
+      <a:schemeClr val="accent5"/>
+    </dgm:fillClrLst>
+    <dgm:linClrLst meth="repeat">
+      <a:schemeClr val="lt1"/>
+    </dgm:linClrLst>
+    <dgm:effectClrLst/>
+    <dgm:txLinClrLst/>
+    <dgm:txFillClrLst/>
+    <dgm:txEffectClrLst/>
+  </dgm:styleLbl>
+  <dgm:styleLbl name="alignNode1">
+    <dgm:fillClrLst>
+      <a:schemeClr val="accent4"/>
+      <a:schemeClr val="accent5"/>
+    </dgm:fillClrLst>
+    <dgm:linClrLst>
+      <a:schemeClr val="accent4"/>
+      <a:schemeClr val="accent5"/>
+    </dgm:linClrLst>
+    <dgm:effectClrLst/>
+    <dgm:txLinClrLst/>
+    <dgm:txFillClrLst/>
+    <dgm:txEffectClrLst/>
+  </dgm:styleLbl>
+  <dgm:styleLbl name="lnNode1">
+    <dgm:fillClrLst>
+      <a:schemeClr val="accent4"/>
+      <a:schemeClr val="accent5"/>
+    </dgm:fillClrLst>
+    <dgm:linClrLst meth="repeat">
+      <a:schemeClr val="lt1"/>
+    </dgm:linClrLst>
+    <dgm:effectClrLst/>
+    <dgm:txLinClrLst/>
+    <dgm:txFillClrLst/>
+    <dgm:txEffectClrLst/>
+  </dgm:styleLbl>
+  <dgm:styleLbl name="vennNode1">
+    <dgm:fillClrLst>
+      <a:schemeClr val="accent4">
+        <a:alpha val="50000"/>
+      </a:schemeClr>
+      <a:schemeClr val="accent5">
+        <a:alpha val="50000"/>
+      </a:schemeClr>
+    </dgm:fillClrLst>
+    <dgm:linClrLst meth="repeat">
+      <a:schemeClr val="lt1"/>
+    </dgm:linClrLst>
+    <dgm:effectClrLst/>
+    <dgm:txLinClrLst/>
+    <dgm:txFillClrLst/>
+    <dgm:txEffectClrLst/>
+  </dgm:styleLbl>
+  <dgm:styleLbl name="node2">
+    <dgm:fillClrLst>
+      <a:schemeClr val="accent5"/>
+    </dgm:fillClrLst>
+    <dgm:linClrLst meth="repeat">
+      <a:schemeClr val="lt1"/>
+    </dgm:linClrLst>
+    <dgm:effectClrLst/>
+    <dgm:txLinClrLst/>
+    <dgm:txFillClrLst/>
+    <dgm:txEffectClrLst/>
+  </dgm:styleLbl>
+  <dgm:styleLbl name="node3">
+    <dgm:fillClrLst>
+      <a:schemeClr val="accent6"/>
+    </dgm:fillClrLst>
+    <dgm:linClrLst meth="repeat">
+      <a:schemeClr val="lt1"/>
+    </dgm:linClrLst>
+    <dgm:effectClrLst/>
+    <dgm:txLinClrLst/>
+    <dgm:txFillClrLst/>
+    <dgm:txEffectClrLst/>
+  </dgm:styleLbl>
+  <dgm:styleLbl name="node4">
+    <dgm:fillClrLst>
+      <a:schemeClr val="accent1"/>
+    </dgm:fillClrLst>
+    <dgm:linClrLst meth="repeat">
+      <a:schemeClr val="lt1"/>
+    </dgm:linClrLst>
+    <dgm:effectClrLst/>
+    <dgm:txLinClrLst/>
+    <dgm:txFillClrLst/>
+    <dgm:txEffectClrLst/>
+  </dgm:styleLbl>
+  <dgm:styleLbl name="fgImgPlace1">
+    <dgm:fillClrLst>
+      <a:schemeClr val="accent4">
+        <a:tint val="50000"/>
+      </a:schemeClr>
+      <a:schemeClr val="accent5">
+        <a:tint val="50000"/>
+      </a:schemeClr>
+    </dgm:fillClrLst>
+    <dgm:linClrLst meth="repeat">
+      <a:schemeClr val="lt1"/>
+    </dgm:linClrLst>
+    <dgm:effectClrLst/>
+    <dgm:txLinClrLst/>
+    <dgm:txFillClrLst meth="repeat">
+      <a:schemeClr val="lt1"/>
+    </dgm:txFillClrLst>
+    <dgm:txEffectClrLst/>
+  </dgm:styleLbl>
+  <dgm:styleLbl name="alignImgPlace1">
+    <dgm:fillClrLst>
+      <a:schemeClr val="accent4">
+        <a:tint val="50000"/>
+      </a:schemeClr>
+      <a:schemeClr val="accent5">
+        <a:tint val="20000"/>
+      </a:schemeClr>
+    </dgm:fillClrLst>
+    <dgm:linClrLst meth="repeat">
+      <a:schemeClr val="lt1"/>
+    </dgm:linClrLst>
+    <dgm:effectClrLst/>
+    <dgm:txLinClrLst/>
+    <dgm:txFillClrLst meth="repeat">
+      <a:schemeClr val="lt1"/>
+    </dgm:txFillClrLst>
+    <dgm:txEffectClrLst/>
+  </dgm:styleLbl>
+  <dgm:styleLbl name="bgImgPlace1">
+    <dgm:fillClrLst>
+      <a:schemeClr val="accent4">
+        <a:tint val="50000"/>
+      </a:schemeClr>
+      <a:schemeClr val="accent5">
+        <a:tint val="20000"/>
+      </a:schemeClr>
+    </dgm:fillClrLst>
+    <dgm:linClrLst meth="repeat">
+      <a:schemeClr val="lt1"/>
+    </dgm:linClrLst>
+    <dgm:effectClrLst/>
+    <dgm:txLinClrLst/>
+    <dgm:txFillClrLst meth="repeat">
+      <a:schemeClr val="lt1"/>
+    </dgm:txFillClrLst>
+    <dgm:txEffectClrLst/>
+  </dgm:styleLbl>
+  <dgm:styleLbl name="sibTrans2D1">
+    <dgm:fillClrLst>
+      <a:schemeClr val="accent4"/>
+      <a:schemeClr val="accent5"/>
+    </dgm:fillClrLst>
+    <dgm:linClrLst meth="repeat">
+      <a:schemeClr val="lt1"/>
+    </dgm:linClrLst>
+    <dgm:effectClrLst/>
+    <dgm:txLinClrLst/>
+    <dgm:txFillClrLst/>
+    <dgm:txEffectClrLst/>
+  </dgm:styleLbl>
+  <dgm:styleLbl name="fgSibTrans2D1">
+    <dgm:fillClrLst>
+      <a:schemeClr val="accent4"/>
+      <a:schemeClr val="accent5"/>
+    </dgm:fillClrLst>
+    <dgm:linClrLst meth="repeat">
+      <a:schemeClr val="lt1"/>
+    </dgm:linClrLst>
+    <dgm:effectClrLst/>
+    <dgm:txLinClrLst/>
+    <dgm:txFillClrLst meth="repeat">
+      <a:schemeClr val="lt1"/>
+    </dgm:txFillClrLst>
+    <dgm:txEffectClrLst/>
+  </dgm:styleLbl>
+  <dgm:styleLbl name="bgSibTrans2D1">
+    <dgm:fillClrLst>
+      <a:schemeClr val="accent4"/>
+      <a:schemeClr val="accent5"/>
+    </dgm:fillClrLst>
+    <dgm:linClrLst meth="repeat">
+      <a:schemeClr val="lt1"/>
+    </dgm:linClrLst>
+    <dgm:effectClrLst/>
+    <dgm:txLinClrLst/>
+    <dgm:txFillClrLst meth="repeat">
+      <a:schemeClr val="lt1"/>
+    </dgm:txFillClrLst>
+    <dgm:txEffectClrLst/>
+  </dgm:styleLbl>
+  <dgm:styleLbl name="sibTrans1D1">
+    <dgm:fillClrLst/>
+    <dgm:linClrLst>
+      <a:schemeClr val="accent4"/>
+      <a:schemeClr val="accent5"/>
+    </dgm:linClrLst>
+    <dgm:effectClrLst/>
+    <dgm:txLinClrLst/>
+    <dgm:txFillClrLst meth="repeat">
+      <a:schemeClr val="tx1"/>
+    </dgm:txFillClrLst>
+    <dgm:txEffectClrLst/>
+  </dgm:styleLbl>
+  <dgm:styleLbl name="callout">
+    <dgm:fillClrLst meth="repeat">
+      <a:schemeClr val="accent4"/>
+    </dgm:fillClrLst>
+    <dgm:linClrLst meth="repeat">
+      <a:schemeClr val="accent4">
+        <a:tint val="50000"/>
+      </a:schemeClr>
+    </dgm:linClrLst>
+    <dgm:effectClrLst/>
+    <dgm:txLinClrLst/>
+    <dgm:txFillClrLst meth="repeat">
+      <a:schemeClr val="tx1"/>
+    </dgm:txFillClrLst>
+    <dgm:txEffectClrLst/>
+  </dgm:styleLbl>
+  <dgm:styleLbl name="asst0">
+    <dgm:fillClrLst meth="repeat">
+      <a:schemeClr val="accent4"/>
+    </dgm:fillClrLst>
+    <dgm:linClrLst meth="repeat">
+      <a:schemeClr val="lt1">
+        <a:shade val="80000"/>
+      </a:schemeClr>
+    </dgm:linClrLst>
+    <dgm:effectClrLst/>
+    <dgm:txLinClrLst/>
+    <dgm:txFillClrLst/>
+    <dgm:txEffectClrLst/>
+  </dgm:styleLbl>
+  <dgm:styleLbl name="asst1">
+    <dgm:fillClrLst meth="repeat">
+      <a:schemeClr val="accent5"/>
+    </dgm:fillClrLst>
+    <dgm:linClrLst meth="repeat">
+      <a:schemeClr val="lt1">
+        <a:shade val="80000"/>
+      </a:schemeClr>
+    </dgm:linClrLst>
+    <dgm:effectClrLst/>
+    <dgm:txLinClrLst/>
+    <dgm:txFillClrLst/>
+    <dgm:txEffectClrLst/>
+  </dgm:styleLbl>
+  <dgm:styleLbl name="asst2">
+    <dgm:fillClrLst>
+      <a:schemeClr val="accent6"/>
+    </dgm:fillClrLst>
+    <dgm:linClrLst meth="repeat">
+      <a:schemeClr val="lt1"/>
+    </dgm:linClrLst>
+    <dgm:effectClrLst/>
+    <dgm:txLinClrLst/>
+    <dgm:txFillClrLst/>
+    <dgm:txEffectClrLst/>
+  </dgm:styleLbl>
+  <dgm:styleLbl name="asst3">
+    <dgm:fillClrLst>
+      <a:schemeClr val="accent1"/>
+    </dgm:fillClrLst>
+    <dgm:linClrLst meth="repeat">
+      <a:schemeClr val="lt1"/>
+    </dgm:linClrLst>
+    <dgm:effectClrLst/>
+    <dgm:txLinClrLst/>
+    <dgm:txFillClrLst/>
+    <dgm:txEffectClrLst/>
+  </dgm:styleLbl>
+  <dgm:styleLbl name="asst4">
+    <dgm:fillClrLst>
+      <a:schemeClr val="accent2"/>
+    </dgm:fillClrLst>
+    <dgm:linClrLst meth="repeat">
+      <a:schemeClr val="lt1"/>
+    </dgm:linClrLst>
+    <dgm:effectClrLst/>
+    <dgm:txLinClrLst/>
+    <dgm:txFillClrLst/>
+    <dgm:txEffectClrLst/>
+  </dgm:styleLbl>
+  <dgm:styleLbl name="parChTrans2D1">
+    <dgm:fillClrLst meth="repeat">
+      <a:schemeClr val="accent4"/>
+    </dgm:fillClrLst>
+    <dgm:linClrLst meth="repeat">
+      <a:schemeClr val="lt1"/>
+    </dgm:linClrLst>
+    <dgm:effectClrLst/>
+    <dgm:txLinClrLst/>
+    <dgm:txFillClrLst meth="repeat">
+      <a:schemeClr val="lt1"/>
+    </dgm:txFillClrLst>
+    <dgm:txEffectClrLst/>
+  </dgm:styleLbl>
+  <dgm:styleLbl name="parChTrans2D2">
+    <dgm:fillClrLst meth="repeat">
+      <a:schemeClr val="accent5"/>
+    </dgm:fillClrLst>
+    <dgm:linClrLst meth="repeat">
+      <a:schemeClr val="lt1"/>
+    </dgm:linClrLst>
+    <dgm:effectClrLst/>
+    <dgm:txLinClrLst/>
+    <dgm:txFillClrLst/>
+    <dgm:txEffectClrLst/>
+  </dgm:styleLbl>
+  <dgm:styleLbl name="parChTrans2D3">
+    <dgm:fillClrLst meth="repeat">
+      <a:schemeClr val="accent5"/>
+    </dgm:fillClrLst>
+    <dgm:linClrLst meth="repeat">
+      <a:schemeClr val="lt1"/>
+    </dgm:linClrLst>
+    <dgm:effectClrLst/>
+    <dgm:txLinClrLst/>
+    <dgm:txFillClrLst/>
+    <dgm:txEffectClrLst/>
+  </dgm:styleLbl>
+  <dgm:styleLbl name="parChTrans2D4">
+    <dgm:fillClrLst meth="repeat">
+      <a:schemeClr val="accent6"/>
+    </dgm:fillClrLst>
+    <dgm:linClrLst meth="repeat">
+      <a:schemeClr val="lt1"/>
+    </dgm:linClrLst>
+    <dgm:effectClrLst/>
+    <dgm:txLinClrLst/>
+    <dgm:txFillClrLst meth="repeat">
+      <a:schemeClr val="lt1"/>
+    </dgm:txFillClrLst>
+    <dgm:txEffectClrLst/>
+  </dgm:styleLbl>
+  <dgm:styleLbl name="parChTrans1D1">
+    <dgm:fillClrLst meth="repeat">
+      <a:schemeClr val="accent4"/>
+    </dgm:fillClrLst>
+    <dgm:linClrLst meth="repeat">
+      <a:schemeClr val="accent4"/>
+    </dgm:linClrLst>
+    <dgm:effectClrLst/>
+    <dgm:txLinClrLst/>
+    <dgm:txFillClrLst meth="repeat">
+      <a:schemeClr val="tx1"/>
+    </dgm:txFillClrLst>
+    <dgm:txEffectClrLst/>
+  </dgm:styleLbl>
+  <dgm:styleLbl name="parChTrans1D2">
+    <dgm:fillClrLst meth="repeat">
+      <a:schemeClr val="accent4">
+        <a:tint val="90000"/>
+      </a:schemeClr>
+    </dgm:fillClrLst>
+    <dgm:linClrLst meth="repeat">
+      <a:schemeClr val="accent5"/>
+    </dgm:linClrLst>
+    <dgm:effectClrLst/>
+    <dgm:txLinClrLst/>
+    <dgm:txFillClrLst meth="repeat">
+      <a:schemeClr val="tx1"/>
+    </dgm:txFillClrLst>
+    <dgm:txEffectClrLst/>
+  </dgm:styleLbl>
+  <dgm:styleLbl name="parChTrans1D3">
+    <dgm:fillClrLst meth="repeat">
+      <a:schemeClr val="accent4">
+        <a:tint val="70000"/>
+      </a:schemeClr>
+    </dgm:fillClrLst>
+    <dgm:linClrLst meth="repeat">
+      <a:schemeClr val="accent6"/>
+    </dgm:linClrLst>
+    <dgm:effectClrLst/>
+    <dgm:txLinClrLst/>
+    <dgm:txFillClrLst meth="repeat">
+      <a:schemeClr val="tx1"/>
+    </dgm:txFillClrLst>
+    <dgm:txEffectClrLst/>
+  </dgm:styleLbl>
+  <dgm:styleLbl name="parChTrans1D4">
+    <dgm:fillClrLst meth="repeat">
+      <a:schemeClr val="accent4">
+        <a:tint val="50000"/>
+      </a:schemeClr>
+    </dgm:fillClrLst>
+    <dgm:linClrLst meth="repeat">
+      <a:schemeClr val="accent1"/>
+    </dgm:linClrLst>
+    <dgm:effectClrLst/>
+    <dgm:txLinClrLst/>
+    <dgm:txFillClrLst meth="repeat">
+      <a:schemeClr val="tx1"/>
+    </dgm:txFillClrLst>
+    <dgm:txEffectClrLst/>
+  </dgm:styleLbl>
+  <dgm:styleLbl name="fgAcc1">
+    <dgm:fillClrLst meth="repeat">
+      <a:schemeClr val="lt1">
+        <a:alpha val="90000"/>
+      </a:schemeClr>
+    </dgm:fillClrLst>
+    <dgm:linClrLst>
+      <a:schemeClr val="accent4"/>
+      <a:schemeClr val="accent5"/>
+    </dgm:linClrLst>
+    <dgm:effectClrLst/>
+    <dgm:txLinClrLst/>
+    <dgm:txFillClrLst meth="repeat">
+      <a:schemeClr val="dk1"/>
+    </dgm:txFillClrLst>
+    <dgm:txEffectClrLst/>
+  </dgm:styleLbl>
+  <dgm:styleLbl name="conFgAcc1">
+    <dgm:fillClrLst meth="repeat">
+      <a:schemeClr val="lt1">
+        <a:alpha val="90000"/>
+      </a:schemeClr>
+    </dgm:fillClrLst>
+    <dgm:linClrLst>
+      <a:schemeClr val="accent4"/>
+      <a:schemeClr val="accent5"/>
+    </dgm:linClrLst>
+    <dgm:effectClrLst/>
+    <dgm:txLinClrLst/>
+    <dgm:txFillClrLst meth="repeat">
+      <a:schemeClr val="dk1"/>
+    </dgm:txFillClrLst>
+    <dgm:txEffectClrLst/>
+  </dgm:styleLbl>
+  <dgm:styleLbl name="alignAcc1">
+    <dgm:fillClrLst meth="repeat">
+      <a:schemeClr val="lt1">
+        <a:alpha val="90000"/>
+      </a:schemeClr>
+    </dgm:fillClrLst>
+    <dgm:linClrLst>
+      <a:schemeClr val="accent4"/>
+      <a:schemeClr val="accent5"/>
+    </dgm:linClrLst>
+    <dgm:effectClrLst/>
+    <dgm:txLinClrLst/>
+    <dgm:txFillClrLst meth="repeat">
+      <a:schemeClr val="dk1"/>
+    </dgm:txFillClrLst>
+    <dgm:txEffectClrLst/>
+  </dgm:styleLbl>
+  <dgm:styleLbl name="trAlignAcc1">
+    <dgm:fillClrLst meth="repeat">
+      <a:schemeClr val="lt1">
+        <a:alpha val="40000"/>
+      </a:schemeClr>
+    </dgm:fillClrLst>
+    <dgm:linClrLst meth="repeat">
+      <a:schemeClr val="accent4"/>
+    </dgm:linClrLst>
+    <dgm:effectClrLst/>
+    <dgm:txLinClrLst/>
+    <dgm:txFillClrLst meth="repeat">
+      <a:schemeClr val="dk1"/>
+    </dgm:txFillClrLst>
+    <dgm:txEffectClrLst/>
+  </dgm:styleLbl>
+  <dgm:styleLbl name="bgAcc1">
+    <dgm:fillClrLst meth="repeat">
+      <a:schemeClr val="lt1">
+        <a:alpha val="90000"/>
+      </a:schemeClr>
+    </dgm:fillClrLst>
+    <dgm:linClrLst>
+      <a:schemeClr val="accent4"/>
+      <a:schemeClr val="accent5"/>
+    </dgm:linClrLst>
+    <dgm:effectClrLst/>
+    <dgm:txLinClrLst/>
+    <dgm:txFillClrLst meth="repeat">
+      <a:schemeClr val="dk1"/>
+    </dgm:txFillClrLst>
+    <dgm:txEffectClrLst/>
+  </dgm:styleLbl>
+  <dgm:styleLbl name="solidFgAcc1">
+    <dgm:fillClrLst meth="repeat">
+      <a:schemeClr val="lt1"/>
+    </dgm:fillClrLst>
+    <dgm:linClrLst>
+      <a:schemeClr val="accent4"/>
+      <a:schemeClr val="accent5"/>
+    </dgm:linClrLst>
+    <dgm:effectClrLst/>
+    <dgm:txLinClrLst/>
+    <dgm:txFillClrLst meth="repeat">
+      <a:schemeClr val="dk1"/>
+    </dgm:txFillClrLst>
+    <dgm:txEffectClrLst/>
+  </dgm:styleLbl>
+  <dgm:styleLbl name="solidAlignAcc1">
+    <dgm:fillClrLst meth="repeat">
+      <a:schemeClr val="lt1"/>
+    </dgm:fillClrLst>
+    <dgm:linClrLst>
+      <a:schemeClr val="accent4"/>
+      <a:schemeClr val="accent5"/>
+    </dgm:linClrLst>
+    <dgm:effectClrLst/>
+    <dgm:txLinClrLst/>
+    <dgm:txFillClrLst meth="repeat">
+      <a:schemeClr val="dk1"/>
+    </dgm:txFillClrLst>
+    <dgm:txEffectClrLst/>
+  </dgm:styleLbl>
+  <dgm:styleLbl name="solidBgAcc1">
+    <dgm:fillClrLst meth="repeat">
+      <a:schemeClr val="lt1"/>
+    </dgm:fillClrLst>
+    <dgm:linClrLst>
+      <a:schemeClr val="accent4"/>
+      <a:schemeClr val="accent5"/>
+    </dgm:linClrLst>
+    <dgm:effectClrLst/>
+    <dgm:txLinClrLst/>
+    <dgm:txFillClrLst meth="repeat">
+      <a:schemeClr val="dk1"/>
+    </dgm:txFillClrLst>
+    <dgm:txEffectClrLst/>
+  </dgm:styleLbl>
+  <dgm:styleLbl name="fgAccFollowNode1">
+    <dgm:fillClrLst>
+      <a:schemeClr val="accent4">
+        <a:tint val="40000"/>
+        <a:alpha val="90000"/>
+      </a:schemeClr>
+      <a:schemeClr val="accent5">
+        <a:tint val="40000"/>
+        <a:alpha val="90000"/>
+      </a:schemeClr>
+    </dgm:fillClrLst>
+    <dgm:linClrLst>
+      <a:schemeClr val="accent4">
+        <a:tint val="40000"/>
+        <a:alpha val="90000"/>
+      </a:schemeClr>
+      <a:schemeClr val="accent5">
+        <a:tint val="40000"/>
+        <a:alpha val="90000"/>
+      </a:schemeClr>
+    </dgm:linClrLst>
+    <dgm:effectClrLst/>
+    <dgm:txLinClrLst/>
+    <dgm:txFillClrLst meth="repeat">
+      <a:schemeClr val="dk1"/>
+    </dgm:txFillClrLst>
+    <dgm:txEffectClrLst/>
+  </dgm:styleLbl>
+  <dgm:styleLbl name="alignAccFollowNode1">
+    <dgm:fillClrLst>
+      <a:schemeClr val="accent4">
+        <a:tint val="40000"/>
+        <a:alpha val="90000"/>
+      </a:schemeClr>
+      <a:schemeClr val="accent5">
+        <a:tint val="40000"/>
+        <a:alpha val="90000"/>
+      </a:schemeClr>
+    </dgm:fillClrLst>
+    <dgm:linClrLst>
+      <a:schemeClr val="accent4">
+        <a:tint val="40000"/>
+        <a:alpha val="90000"/>
+      </a:schemeClr>
+      <a:schemeClr val="accent5">
+        <a:tint val="40000"/>
+        <a:alpha val="90000"/>
+      </a:schemeClr>
+    </dgm:linClrLst>
+    <dgm:effectClrLst/>
+    <dgm:txLinClrLst/>
+    <dgm:txFillClrLst meth="repeat">
+      <a:schemeClr val="dk1"/>
+    </dgm:txFillClrLst>
+    <dgm:txEffectClrLst/>
+  </dgm:styleLbl>
+  <dgm:styleLbl name="bgAccFollowNode1">
+    <dgm:fillClrLst>
+      <a:schemeClr val="accent4">
+        <a:tint val="40000"/>
+        <a:alpha val="90000"/>
+      </a:schemeClr>
+      <a:schemeClr val="accent5">
+        <a:tint val="40000"/>
+        <a:alpha val="90000"/>
+      </a:schemeClr>
+    </dgm:fillClrLst>
+    <dgm:linClrLst>
+      <a:schemeClr val="accent4">
+        <a:tint val="40000"/>
+        <a:alpha val="90000"/>
+      </a:schemeClr>
+      <a:schemeClr val="accent5">
+        <a:tint val="40000"/>
+        <a:alpha val="90000"/>
+      </a:schemeClr>
+    </dgm:linClrLst>
+    <dgm:effectClrLst/>
+    <dgm:txLinClrLst/>
+    <dgm:txFillClrLst meth="repeat">
+      <a:schemeClr val="dk1"/>
+    </dgm:txFillClrLst>
+    <dgm:txEffectClrLst/>
+  </dgm:styleLbl>
+  <dgm:styleLbl name="fgAcc0">
+    <dgm:fillClrLst meth="repeat">
+      <a:schemeClr val="lt1">
+        <a:alpha val="90000"/>
+      </a:schemeClr>
+    </dgm:fillClrLst>
+    <dgm:linClrLst>
+      <a:schemeClr val="accent3"/>
+    </dgm:linClrLst>
+    <dgm:effectClrLst/>
+    <dgm:txLinClrLst/>
+    <dgm:txFillClrLst meth="repeat">
+      <a:schemeClr val="dk1"/>
+    </dgm:txFillClrLst>
+    <dgm:txEffectClrLst/>
+  </dgm:styleLbl>
+  <dgm:styleLbl name="fgAcc2">
+    <dgm:fillClrLst meth="repeat">
+      <a:schemeClr val="lt1">
+        <a:alpha val="90000"/>
+      </a:schemeClr>
+    </dgm:fillClrLst>
+    <dgm:linClrLst>
+      <a:schemeClr val="accent5"/>
+    </dgm:linClrLst>
+    <dgm:effectClrLst/>
+    <dgm:txLinClrLst/>
+    <dgm:txFillClrLst meth="repeat">
+      <a:schemeClr val="dk1"/>
+    </dgm:txFillClrLst>
+    <dgm:txEffectClrLst/>
+  </dgm:styleLbl>
+  <dgm:styleLbl name="fgAcc3">
+    <dgm:fillClrLst meth="repeat">
+      <a:schemeClr val="lt1">
+        <a:alpha val="90000"/>
+      </a:schemeClr>
+    </dgm:fillClrLst>
+    <dgm:linClrLst>
+      <a:schemeClr val="accent6"/>
+    </dgm:linClrLst>
+    <dgm:effectClrLst/>
+    <dgm:txLinClrLst/>
+    <dgm:txFillClrLst meth="repeat">
+      <a:schemeClr val="dk1"/>
+    </dgm:txFillClrLst>
+    <dgm:txEffectClrLst/>
+  </dgm:styleLbl>
+  <dgm:styleLbl name="fgAcc4">
+    <dgm:fillClrLst meth="repeat">
+      <a:schemeClr val="lt1">
+        <a:alpha val="90000"/>
+      </a:schemeClr>
+    </dgm:fillClrLst>
+    <dgm:linClrLst>
+      <a:schemeClr val="accent1"/>
+    </dgm:linClrLst>
+    <dgm:effectClrLst/>
+    <dgm:txLinClrLst/>
+    <dgm:txFillClrLst meth="repeat">
+      <a:schemeClr val="dk1"/>
+    </dgm:txFillClrLst>
+    <dgm:txEffectClrLst/>
+  </dgm:styleLbl>
+  <dgm:styleLbl name="bgShp">
+    <dgm:fillClrLst meth="repeat">
+      <a:schemeClr val="accent4">
+        <a:tint val="40000"/>
+      </a:schemeClr>
+    </dgm:fillClrLst>
+    <dgm:linClrLst meth="repeat">
+      <a:schemeClr val="dk1"/>
+    </dgm:linClrLst>
+    <dgm:effectClrLst/>
+    <dgm:txLinClrLst/>
+    <dgm:txFillClrLst meth="repeat">
+      <a:schemeClr val="dk1"/>
+    </dgm:txFillClrLst>
+    <dgm:txEffectClrLst/>
+  </dgm:styleLbl>
+  <dgm:styleLbl name="dkBgShp">
+    <dgm:fillClrLst meth="repeat">
+      <a:schemeClr val="accent4">
+        <a:shade val="90000"/>
+      </a:schemeClr>
+    </dgm:fillClrLst>
+    <dgm:linClrLst meth="repeat">
+      <a:schemeClr val="dk1"/>
+    </dgm:linClrLst>
+    <dgm:effectClrLst/>
+    <dgm:txLinClrLst/>
+    <dgm:txFillClrLst meth="repeat">
+      <a:schemeClr val="lt1"/>
+    </dgm:txFillClrLst>
+    <dgm:txEffectClrLst/>
+  </dgm:styleLbl>
+  <dgm:styleLbl name="trBgShp">
+    <dgm:fillClrLst meth="repeat">
+      <a:schemeClr val="accent4">
+        <a:tint val="50000"/>
+        <a:alpha val="40000"/>
+      </a:schemeClr>
+    </dgm:fillClrLst>
+    <dgm:linClrLst meth="repeat">
+      <a:schemeClr val="accent4"/>
+    </dgm:linClrLst>
+    <dgm:effectClrLst/>
+    <dgm:txLinClrLst/>
+    <dgm:txFillClrLst meth="repeat">
+      <a:schemeClr val="lt1"/>
+    </dgm:txFillClrLst>
+    <dgm:txEffectClrLst/>
+  </dgm:styleLbl>
+  <dgm:styleLbl name="fgShp">
+    <dgm:fillClrLst meth="repeat">
+      <a:schemeClr val="accent4">
+        <a:tint val="40000"/>
+      </a:schemeClr>
+    </dgm:fillClrLst>
+    <dgm:linClrLst meth="repeat">
+      <a:schemeClr val="lt1"/>
+    </dgm:linClrLst>
+    <dgm:effectClrLst/>
+    <dgm:txLinClrLst/>
+    <dgm:txFillClrLst meth="repeat">
+      <a:schemeClr val="dk1"/>
+    </dgm:txFillClrLst>
+    <dgm:txEffectClrLst/>
+  </dgm:styleLbl>
+  <dgm:styleLbl name="revTx">
+    <dgm:fillClrLst meth="repeat">
+      <a:schemeClr val="lt1">
+        <a:alpha val="0"/>
+      </a:schemeClr>
+    </dgm:fillClrLst>
+    <dgm:linClrLst meth="repeat">
+      <a:schemeClr val="dk1">
+        <a:alpha val="0"/>
+      </a:schemeClr>
+    </dgm:linClrLst>
+    <dgm:effectClrLst/>
+    <dgm:txLinClrLst/>
+    <dgm:txFillClrLst meth="repeat">
+      <a:schemeClr val="tx1"/>
+    </dgm:txFillClrLst>
+    <dgm:txEffectClrLst/>
+  </dgm:styleLbl>
+</dgm:colorsDef>
+</file>
+
+<file path=ppt/diagrams/data1.xml><?xml version="1.0" encoding="utf-8"?>
+<dgm:dataModel xmlns:dgm="http://schemas.openxmlformats.org/drawingml/2006/diagram" xmlns:a="http://schemas.openxmlformats.org/drawingml/2006/main">
+  <dgm:ptLst>
+    <dgm:pt modelId="{2A43055E-5C9C-4045-99DE-347A591FD27F}" type="doc">
+      <dgm:prSet loTypeId="urn:microsoft.com/office/officeart/2011/layout/ConvergingText" loCatId="process" qsTypeId="urn:microsoft.com/office/officeart/2005/8/quickstyle/simple1" qsCatId="simple" csTypeId="urn:microsoft.com/office/officeart/2005/8/colors/colorful4" csCatId="colorful" phldr="1"/>
+      <dgm:spPr/>
+      <dgm:t>
+        <a:bodyPr/>
+        <a:lstStyle/>
+        <a:p>
+          <a:endParaRPr lang="en-IN"/>
+        </a:p>
+      </dgm:t>
+    </dgm:pt>
+    <dgm:pt modelId="{0D22213E-D685-4CB8-9284-405ACE3C6D0B}">
+      <dgm:prSet phldrT="[Text]"/>
+      <dgm:spPr/>
+      <dgm:t>
+        <a:bodyPr/>
+        <a:lstStyle/>
+        <a:p>
+          <a:r>
+            <a:rPr lang="en-IN" dirty="0"/>
+            <a:t>Gemini</a:t>
+          </a:r>
+        </a:p>
+      </dgm:t>
+    </dgm:pt>
+    <dgm:pt modelId="{0FF5CFD6-CED1-4202-9FC9-0D647C5D8CEC}" type="parTrans" cxnId="{46BD6D79-6F00-4410-9C59-5D11A0693856}">
+      <dgm:prSet/>
+      <dgm:spPr/>
+      <dgm:t>
+        <a:bodyPr/>
+        <a:lstStyle/>
+        <a:p>
+          <a:endParaRPr lang="en-IN"/>
+        </a:p>
+      </dgm:t>
+    </dgm:pt>
+    <dgm:pt modelId="{A761DB7A-2404-4278-B341-300951CA870A}" type="sibTrans" cxnId="{46BD6D79-6F00-4410-9C59-5D11A0693856}">
+      <dgm:prSet/>
+      <dgm:spPr/>
+      <dgm:t>
+        <a:bodyPr/>
+        <a:lstStyle/>
+        <a:p>
+          <a:endParaRPr lang="en-IN"/>
+        </a:p>
+      </dgm:t>
+    </dgm:pt>
+    <dgm:pt modelId="{6C60E5B4-5A5A-452A-A8C3-74010131C185}">
+      <dgm:prSet phldrT="[Text]"/>
+      <dgm:spPr/>
+      <dgm:t>
+        <a:bodyPr/>
+        <a:lstStyle/>
+        <a:p>
+          <a:r>
+            <a:rPr lang="en-IN" dirty="0"/>
+            <a:t>Email</a:t>
+          </a:r>
+        </a:p>
+      </dgm:t>
+    </dgm:pt>
+    <dgm:pt modelId="{49F4D668-215F-40F5-8D33-05C30312097E}" type="parTrans" cxnId="{70CB61D2-5344-4321-9F69-8F8FA4A69496}">
+      <dgm:prSet/>
+      <dgm:spPr/>
+      <dgm:t>
+        <a:bodyPr/>
+        <a:lstStyle/>
+        <a:p>
+          <a:endParaRPr lang="en-IN"/>
+        </a:p>
+      </dgm:t>
+    </dgm:pt>
+    <dgm:pt modelId="{D440B46E-916E-4A24-BF3B-2740F581F649}" type="sibTrans" cxnId="{70CB61D2-5344-4321-9F69-8F8FA4A69496}">
+      <dgm:prSet/>
+      <dgm:spPr/>
+      <dgm:t>
+        <a:bodyPr/>
+        <a:lstStyle/>
+        <a:p>
+          <a:endParaRPr lang="en-IN"/>
+        </a:p>
+      </dgm:t>
+    </dgm:pt>
+    <dgm:pt modelId="{6DCF7A54-EB56-4A1C-9052-CDA710766F79}">
+      <dgm:prSet phldrT="[Text]"/>
+      <dgm:spPr/>
+      <dgm:t>
+        <a:bodyPr/>
+        <a:lstStyle/>
+        <a:p>
+          <a:r>
+            <a:rPr lang="en-IN" dirty="0"/>
+            <a:t>Cloud Function</a:t>
+          </a:r>
+        </a:p>
+      </dgm:t>
+    </dgm:pt>
+    <dgm:pt modelId="{D1E18978-085D-4B61-AA42-E392CA25840E}" type="parTrans" cxnId="{5A1E9882-763E-4CAD-974E-CAB0F8321154}">
+      <dgm:prSet/>
+      <dgm:spPr/>
+      <dgm:t>
+        <a:bodyPr/>
+        <a:lstStyle/>
+        <a:p>
+          <a:endParaRPr lang="en-IN"/>
+        </a:p>
+      </dgm:t>
+    </dgm:pt>
+    <dgm:pt modelId="{243AAF8E-231F-41BA-B9BC-CA04E2D931D7}" type="sibTrans" cxnId="{5A1E9882-763E-4CAD-974E-CAB0F8321154}">
+      <dgm:prSet/>
+      <dgm:spPr/>
+      <dgm:t>
+        <a:bodyPr/>
+        <a:lstStyle/>
+        <a:p>
+          <a:endParaRPr lang="en-IN"/>
+        </a:p>
+      </dgm:t>
+    </dgm:pt>
+    <dgm:pt modelId="{D9EC76BC-010E-4E58-A63C-E89CA0BDAEE4}">
+      <dgm:prSet phldrT="[Text]"/>
+      <dgm:spPr/>
+      <dgm:t>
+        <a:bodyPr/>
+        <a:lstStyle/>
+        <a:p>
+          <a:r>
+            <a:rPr lang="en-IN" dirty="0"/>
+            <a:t>Request Type Configuration (Fixed)</a:t>
+          </a:r>
+        </a:p>
+      </dgm:t>
+    </dgm:pt>
+    <dgm:pt modelId="{BF02472E-964C-40FF-A8B2-76DE0A56F99B}" type="parTrans" cxnId="{853C353B-AC85-4589-9B1F-558F39A6AA5A}">
+      <dgm:prSet/>
+      <dgm:spPr/>
+      <dgm:t>
+        <a:bodyPr/>
+        <a:lstStyle/>
+        <a:p>
+          <a:endParaRPr lang="en-IN"/>
+        </a:p>
+      </dgm:t>
+    </dgm:pt>
+    <dgm:pt modelId="{C0F1689F-1494-4105-9FB5-69BC28E4533A}" type="sibTrans" cxnId="{853C353B-AC85-4589-9B1F-558F39A6AA5A}">
+      <dgm:prSet/>
+      <dgm:spPr/>
+      <dgm:t>
+        <a:bodyPr/>
+        <a:lstStyle/>
+        <a:p>
+          <a:endParaRPr lang="en-IN"/>
+        </a:p>
+      </dgm:t>
+    </dgm:pt>
+    <dgm:pt modelId="{60542556-D42E-45A5-A558-11F034B7C652}" type="pres">
+      <dgm:prSet presAssocID="{2A43055E-5C9C-4045-99DE-347A591FD27F}" presName="Name0" presStyleCnt="0">
+        <dgm:presLayoutVars>
+          <dgm:chMax/>
+          <dgm:chPref val="1"/>
+          <dgm:dir/>
+          <dgm:animOne val="branch"/>
+          <dgm:animLvl val="lvl"/>
+          <dgm:resizeHandles/>
+        </dgm:presLayoutVars>
+      </dgm:prSet>
+      <dgm:spPr/>
+    </dgm:pt>
+    <dgm:pt modelId="{C173A83F-B6BF-4118-B6C6-0173517539C4}" type="pres">
+      <dgm:prSet presAssocID="{0D22213E-D685-4CB8-9284-405ACE3C6D0B}" presName="composite" presStyleCnt="0"/>
+      <dgm:spPr/>
+    </dgm:pt>
+    <dgm:pt modelId="{D3EBF980-6D9D-4D69-A307-A6692DE23F8F}" type="pres">
+      <dgm:prSet presAssocID="{0D22213E-D685-4CB8-9284-405ACE3C6D0B}" presName="ParentAccent1" presStyleLbl="alignNode1" presStyleIdx="0" presStyleCnt="34"/>
+      <dgm:spPr/>
+    </dgm:pt>
+    <dgm:pt modelId="{B05DA0EF-ED33-4397-86B8-343CAF897002}" type="pres">
+      <dgm:prSet presAssocID="{0D22213E-D685-4CB8-9284-405ACE3C6D0B}" presName="ParentAccent2" presStyleLbl="alignNode1" presStyleIdx="1" presStyleCnt="34"/>
+      <dgm:spPr/>
+    </dgm:pt>
+    <dgm:pt modelId="{A107E633-43D5-4D54-AB00-2722BE9740E4}" type="pres">
+      <dgm:prSet presAssocID="{0D22213E-D685-4CB8-9284-405ACE3C6D0B}" presName="ParentAccent3" presStyleLbl="alignNode1" presStyleIdx="2" presStyleCnt="34"/>
+      <dgm:spPr/>
+    </dgm:pt>
+    <dgm:pt modelId="{F2728E75-3320-4877-A237-48865086C5BE}" type="pres">
+      <dgm:prSet presAssocID="{0D22213E-D685-4CB8-9284-405ACE3C6D0B}" presName="ParentAccent4" presStyleLbl="alignNode1" presStyleIdx="3" presStyleCnt="34"/>
+      <dgm:spPr/>
+    </dgm:pt>
+    <dgm:pt modelId="{A9B8AD76-0790-44C8-A102-716225E5423B}" type="pres">
+      <dgm:prSet presAssocID="{0D22213E-D685-4CB8-9284-405ACE3C6D0B}" presName="ParentAccent5" presStyleLbl="alignNode1" presStyleIdx="4" presStyleCnt="34"/>
+      <dgm:spPr/>
+    </dgm:pt>
+    <dgm:pt modelId="{183C6D13-72C1-45A4-B23E-20B8EBDA2A19}" type="pres">
+      <dgm:prSet presAssocID="{0D22213E-D685-4CB8-9284-405ACE3C6D0B}" presName="ParentAccent6" presStyleLbl="alignNode1" presStyleIdx="5" presStyleCnt="34"/>
+      <dgm:spPr/>
+    </dgm:pt>
+    <dgm:pt modelId="{26088E71-7DF6-400C-AD8F-3016E63BBF2D}" type="pres">
+      <dgm:prSet presAssocID="{0D22213E-D685-4CB8-9284-405ACE3C6D0B}" presName="ParentAccent7" presStyleLbl="alignNode1" presStyleIdx="6" presStyleCnt="34"/>
+      <dgm:spPr/>
+    </dgm:pt>
+    <dgm:pt modelId="{997CF91A-74E3-4B4B-9A47-8F121DA59A8E}" type="pres">
+      <dgm:prSet presAssocID="{0D22213E-D685-4CB8-9284-405ACE3C6D0B}" presName="ParentAccent8" presStyleLbl="alignNode1" presStyleIdx="7" presStyleCnt="34"/>
+      <dgm:spPr/>
+    </dgm:pt>
+    <dgm:pt modelId="{7E89ADEA-ADE2-4B5D-80B1-D99BA85B2570}" type="pres">
+      <dgm:prSet presAssocID="{0D22213E-D685-4CB8-9284-405ACE3C6D0B}" presName="ParentAccent9" presStyleLbl="alignNode1" presStyleIdx="8" presStyleCnt="34"/>
+      <dgm:spPr/>
+    </dgm:pt>
+    <dgm:pt modelId="{E0572926-42B2-488B-9580-3E4C1EB19B7F}" type="pres">
+      <dgm:prSet presAssocID="{0D22213E-D685-4CB8-9284-405ACE3C6D0B}" presName="ParentAccent10" presStyleLbl="alignNode1" presStyleIdx="9" presStyleCnt="34"/>
+      <dgm:spPr/>
+    </dgm:pt>
+    <dgm:pt modelId="{8F92F180-A36A-499F-BBFB-AA50FB390132}" type="pres">
+      <dgm:prSet presAssocID="{0D22213E-D685-4CB8-9284-405ACE3C6D0B}" presName="Parent" presStyleLbl="alignNode1" presStyleIdx="10" presStyleCnt="34">
+        <dgm:presLayoutVars>
+          <dgm:chMax val="5"/>
+          <dgm:chPref val="3"/>
+          <dgm:bulletEnabled val="1"/>
+        </dgm:presLayoutVars>
+      </dgm:prSet>
+      <dgm:spPr/>
+    </dgm:pt>
+    <dgm:pt modelId="{15562201-52BC-4B58-AA14-090DFD6860B8}" type="pres">
+      <dgm:prSet presAssocID="{6C60E5B4-5A5A-452A-A8C3-74010131C185}" presName="Child1Accent1" presStyleLbl="alignNode1" presStyleIdx="11" presStyleCnt="34"/>
+      <dgm:spPr/>
+    </dgm:pt>
+    <dgm:pt modelId="{99FD7799-AB72-4302-B589-5D9CA47B4D50}" type="pres">
+      <dgm:prSet presAssocID="{6C60E5B4-5A5A-452A-A8C3-74010131C185}" presName="Child1Accent2" presStyleLbl="alignNode1" presStyleIdx="12" presStyleCnt="34"/>
+      <dgm:spPr/>
+    </dgm:pt>
+    <dgm:pt modelId="{E4FD62E4-2A51-4536-B94D-F514C6750B31}" type="pres">
+      <dgm:prSet presAssocID="{6C60E5B4-5A5A-452A-A8C3-74010131C185}" presName="Child1Accent3" presStyleLbl="alignNode1" presStyleIdx="13" presStyleCnt="34"/>
+      <dgm:spPr/>
+    </dgm:pt>
+    <dgm:pt modelId="{63CEF1A8-099C-41B5-8319-4113B1C2BE14}" type="pres">
+      <dgm:prSet presAssocID="{6C60E5B4-5A5A-452A-A8C3-74010131C185}" presName="Child1Accent4" presStyleLbl="alignNode1" presStyleIdx="14" presStyleCnt="34"/>
+      <dgm:spPr/>
+    </dgm:pt>
+    <dgm:pt modelId="{B911C073-F04B-41E4-9908-49C566E93A81}" type="pres">
+      <dgm:prSet presAssocID="{6C60E5B4-5A5A-452A-A8C3-74010131C185}" presName="Child1Accent5" presStyleLbl="alignNode1" presStyleIdx="15" presStyleCnt="34"/>
+      <dgm:spPr/>
+    </dgm:pt>
+    <dgm:pt modelId="{B7F03ADB-3FFA-468F-8F5B-74A048EAA986}" type="pres">
+      <dgm:prSet presAssocID="{6C60E5B4-5A5A-452A-A8C3-74010131C185}" presName="Child1Accent6" presStyleLbl="alignNode1" presStyleIdx="16" presStyleCnt="34"/>
+      <dgm:spPr/>
+    </dgm:pt>
+    <dgm:pt modelId="{8054B884-93C8-4E36-B426-A35DDB87D946}" type="pres">
+      <dgm:prSet presAssocID="{6C60E5B4-5A5A-452A-A8C3-74010131C185}" presName="Child1Accent7" presStyleLbl="alignNode1" presStyleIdx="17" presStyleCnt="34"/>
+      <dgm:spPr/>
+    </dgm:pt>
+    <dgm:pt modelId="{0022FD8F-87A9-4D2B-B33D-60839308E0D9}" type="pres">
+      <dgm:prSet presAssocID="{6C60E5B4-5A5A-452A-A8C3-74010131C185}" presName="Child1Accent8" presStyleLbl="alignNode1" presStyleIdx="18" presStyleCnt="34"/>
+      <dgm:spPr/>
+    </dgm:pt>
+    <dgm:pt modelId="{61259062-377B-412F-A997-15EBB79B352C}" type="pres">
+      <dgm:prSet presAssocID="{6C60E5B4-5A5A-452A-A8C3-74010131C185}" presName="Child1Accent9" presStyleLbl="alignNode1" presStyleIdx="19" presStyleCnt="34"/>
+      <dgm:spPr/>
+    </dgm:pt>
+    <dgm:pt modelId="{AC2D0A11-D93A-4D5F-9291-5A2FB9123128}" type="pres">
+      <dgm:prSet presAssocID="{6C60E5B4-5A5A-452A-A8C3-74010131C185}" presName="Child1" presStyleLbl="revTx" presStyleIdx="0" presStyleCnt="3">
+        <dgm:presLayoutVars>
+          <dgm:chMax/>
+          <dgm:chPref val="0"/>
+          <dgm:bulletEnabled val="1"/>
+        </dgm:presLayoutVars>
+      </dgm:prSet>
+      <dgm:spPr/>
+    </dgm:pt>
+    <dgm:pt modelId="{82FC235C-66AB-405A-88C7-5560B98275FD}" type="pres">
+      <dgm:prSet presAssocID="{6DCF7A54-EB56-4A1C-9052-CDA710766F79}" presName="Child2Accent1" presStyleLbl="alignNode1" presStyleIdx="20" presStyleCnt="34"/>
+      <dgm:spPr/>
+    </dgm:pt>
+    <dgm:pt modelId="{47218CD0-42C7-4CE7-B5A6-BCB50DC09C55}" type="pres">
+      <dgm:prSet presAssocID="{6DCF7A54-EB56-4A1C-9052-CDA710766F79}" presName="Child2Accent2" presStyleLbl="alignNode1" presStyleIdx="21" presStyleCnt="34"/>
+      <dgm:spPr/>
+    </dgm:pt>
+    <dgm:pt modelId="{46CC77FA-2BB7-4301-B3B3-60D6052A36D1}" type="pres">
+      <dgm:prSet presAssocID="{6DCF7A54-EB56-4A1C-9052-CDA710766F79}" presName="Child2Accent3" presStyleLbl="alignNode1" presStyleIdx="22" presStyleCnt="34"/>
+      <dgm:spPr/>
+    </dgm:pt>
+    <dgm:pt modelId="{6B94F927-84F4-4537-84DE-3C0196DC6953}" type="pres">
+      <dgm:prSet presAssocID="{6DCF7A54-EB56-4A1C-9052-CDA710766F79}" presName="Child2Accent4" presStyleLbl="alignNode1" presStyleIdx="23" presStyleCnt="34"/>
+      <dgm:spPr/>
+    </dgm:pt>
+    <dgm:pt modelId="{159AE894-3CEA-4182-8915-1F6586539420}" type="pres">
+      <dgm:prSet presAssocID="{6DCF7A54-EB56-4A1C-9052-CDA710766F79}" presName="Child2Accent5" presStyleLbl="alignNode1" presStyleIdx="24" presStyleCnt="34"/>
+      <dgm:spPr/>
+    </dgm:pt>
+    <dgm:pt modelId="{9E7FB175-554B-4EA4-A06D-4E46C50607C2}" type="pres">
+      <dgm:prSet presAssocID="{6DCF7A54-EB56-4A1C-9052-CDA710766F79}" presName="Child2Accent6" presStyleLbl="alignNode1" presStyleIdx="25" presStyleCnt="34"/>
+      <dgm:spPr/>
+    </dgm:pt>
+    <dgm:pt modelId="{B5423346-EA94-4901-B867-974BB73CA0E3}" type="pres">
+      <dgm:prSet presAssocID="{6DCF7A54-EB56-4A1C-9052-CDA710766F79}" presName="Child2Accent7" presStyleLbl="alignNode1" presStyleIdx="26" presStyleCnt="34"/>
+      <dgm:spPr/>
+    </dgm:pt>
+    <dgm:pt modelId="{05ABA0D0-814C-4533-A54D-22560FAE7DAF}" type="pres">
+      <dgm:prSet presAssocID="{6DCF7A54-EB56-4A1C-9052-CDA710766F79}" presName="Child2" presStyleLbl="revTx" presStyleIdx="1" presStyleCnt="3">
+        <dgm:presLayoutVars>
+          <dgm:chMax/>
+          <dgm:chPref val="0"/>
+          <dgm:bulletEnabled val="1"/>
+        </dgm:presLayoutVars>
+      </dgm:prSet>
+      <dgm:spPr/>
+    </dgm:pt>
+    <dgm:pt modelId="{4068AFA5-31F5-4BF2-980A-E6D95E9E80D1}" type="pres">
+      <dgm:prSet presAssocID="{D9EC76BC-010E-4E58-A63C-E89CA0BDAEE4}" presName="Child3Accent1" presStyleLbl="alignNode1" presStyleIdx="27" presStyleCnt="34"/>
+      <dgm:spPr/>
+    </dgm:pt>
+    <dgm:pt modelId="{37055555-0657-4F35-B219-51D657975A80}" type="pres">
+      <dgm:prSet presAssocID="{D9EC76BC-010E-4E58-A63C-E89CA0BDAEE4}" presName="Child3Accent2" presStyleLbl="alignNode1" presStyleIdx="28" presStyleCnt="34"/>
+      <dgm:spPr/>
+    </dgm:pt>
+    <dgm:pt modelId="{166E2CCF-FEB1-49D6-83AF-3973E2EA839B}" type="pres">
+      <dgm:prSet presAssocID="{D9EC76BC-010E-4E58-A63C-E89CA0BDAEE4}" presName="Child3Accent3" presStyleLbl="alignNode1" presStyleIdx="29" presStyleCnt="34"/>
+      <dgm:spPr/>
+    </dgm:pt>
+    <dgm:pt modelId="{7299BDC0-80FD-49EA-9F13-EDBA14E5C63E}" type="pres">
+      <dgm:prSet presAssocID="{D9EC76BC-010E-4E58-A63C-E89CA0BDAEE4}" presName="Child3Accent4" presStyleLbl="alignNode1" presStyleIdx="30" presStyleCnt="34"/>
+      <dgm:spPr/>
+    </dgm:pt>
+    <dgm:pt modelId="{ED7CDA69-43CF-452A-8C55-A3C5B09356EB}" type="pres">
+      <dgm:prSet presAssocID="{D9EC76BC-010E-4E58-A63C-E89CA0BDAEE4}" presName="Child3Accent5" presStyleLbl="alignNode1" presStyleIdx="31" presStyleCnt="34"/>
+      <dgm:spPr/>
+    </dgm:pt>
+    <dgm:pt modelId="{A1F40C65-6DC2-4AD8-ADD6-BF6A947B7DDF}" type="pres">
+      <dgm:prSet presAssocID="{D9EC76BC-010E-4E58-A63C-E89CA0BDAEE4}" presName="Child3Accent6" presStyleLbl="alignNode1" presStyleIdx="32" presStyleCnt="34"/>
+      <dgm:spPr/>
+    </dgm:pt>
+    <dgm:pt modelId="{4377C246-9FA2-4534-8915-B7A19624FCDB}" type="pres">
+      <dgm:prSet presAssocID="{D9EC76BC-010E-4E58-A63C-E89CA0BDAEE4}" presName="Child3Accent7" presStyleLbl="alignNode1" presStyleIdx="33" presStyleCnt="34"/>
+      <dgm:spPr/>
+    </dgm:pt>
+    <dgm:pt modelId="{F4173BD1-6B29-4B24-AE63-FFACAC25478D}" type="pres">
+      <dgm:prSet presAssocID="{D9EC76BC-010E-4E58-A63C-E89CA0BDAEE4}" presName="Child3" presStyleLbl="revTx" presStyleIdx="2" presStyleCnt="3">
+        <dgm:presLayoutVars>
+          <dgm:chMax/>
+          <dgm:chPref val="0"/>
+          <dgm:bulletEnabled val="1"/>
+        </dgm:presLayoutVars>
+      </dgm:prSet>
+      <dgm:spPr/>
+    </dgm:pt>
+  </dgm:ptLst>
+  <dgm:cxnLst>
+    <dgm:cxn modelId="{853C353B-AC85-4589-9B1F-558F39A6AA5A}" srcId="{0D22213E-D685-4CB8-9284-405ACE3C6D0B}" destId="{D9EC76BC-010E-4E58-A63C-E89CA0BDAEE4}" srcOrd="2" destOrd="0" parTransId="{BF02472E-964C-40FF-A8B2-76DE0A56F99B}" sibTransId="{C0F1689F-1494-4105-9FB5-69BC28E4533A}"/>
+    <dgm:cxn modelId="{06E75C3E-6AF7-4ECE-8E20-71C46FA8A77F}" type="presOf" srcId="{0D22213E-D685-4CB8-9284-405ACE3C6D0B}" destId="{8F92F180-A36A-499F-BBFB-AA50FB390132}" srcOrd="0" destOrd="0" presId="urn:microsoft.com/office/officeart/2011/layout/ConvergingText"/>
+    <dgm:cxn modelId="{8CB6BF61-0692-41DA-9A3F-277DE8489BB4}" type="presOf" srcId="{6C60E5B4-5A5A-452A-A8C3-74010131C185}" destId="{AC2D0A11-D93A-4D5F-9291-5A2FB9123128}" srcOrd="0" destOrd="0" presId="urn:microsoft.com/office/officeart/2011/layout/ConvergingText"/>
+    <dgm:cxn modelId="{46BD6D79-6F00-4410-9C59-5D11A0693856}" srcId="{2A43055E-5C9C-4045-99DE-347A591FD27F}" destId="{0D22213E-D685-4CB8-9284-405ACE3C6D0B}" srcOrd="0" destOrd="0" parTransId="{0FF5CFD6-CED1-4202-9FC9-0D647C5D8CEC}" sibTransId="{A761DB7A-2404-4278-B341-300951CA870A}"/>
+    <dgm:cxn modelId="{5A1E9882-763E-4CAD-974E-CAB0F8321154}" srcId="{0D22213E-D685-4CB8-9284-405ACE3C6D0B}" destId="{6DCF7A54-EB56-4A1C-9052-CDA710766F79}" srcOrd="1" destOrd="0" parTransId="{D1E18978-085D-4B61-AA42-E392CA25840E}" sibTransId="{243AAF8E-231F-41BA-B9BC-CA04E2D931D7}"/>
+    <dgm:cxn modelId="{C3A7DCC3-CC0A-4193-A544-A037E273E855}" type="presOf" srcId="{D9EC76BC-010E-4E58-A63C-E89CA0BDAEE4}" destId="{F4173BD1-6B29-4B24-AE63-FFACAC25478D}" srcOrd="0" destOrd="0" presId="urn:microsoft.com/office/officeart/2011/layout/ConvergingText"/>
+    <dgm:cxn modelId="{70CB61D2-5344-4321-9F69-8F8FA4A69496}" srcId="{0D22213E-D685-4CB8-9284-405ACE3C6D0B}" destId="{6C60E5B4-5A5A-452A-A8C3-74010131C185}" srcOrd="0" destOrd="0" parTransId="{49F4D668-215F-40F5-8D33-05C30312097E}" sibTransId="{D440B46E-916E-4A24-BF3B-2740F581F649}"/>
+    <dgm:cxn modelId="{6AE583F2-B402-4B6E-8AA4-DFE550B3AD08}" type="presOf" srcId="{6DCF7A54-EB56-4A1C-9052-CDA710766F79}" destId="{05ABA0D0-814C-4533-A54D-22560FAE7DAF}" srcOrd="0" destOrd="0" presId="urn:microsoft.com/office/officeart/2011/layout/ConvergingText"/>
+    <dgm:cxn modelId="{98810AFB-15B6-48D3-872E-06187D0C37DC}" type="presOf" srcId="{2A43055E-5C9C-4045-99DE-347A591FD27F}" destId="{60542556-D42E-45A5-A558-11F034B7C652}" srcOrd="0" destOrd="0" presId="urn:microsoft.com/office/officeart/2011/layout/ConvergingText"/>
+    <dgm:cxn modelId="{7C828295-85D5-402F-9EFC-5A62A56F0892}" type="presParOf" srcId="{60542556-D42E-45A5-A558-11F034B7C652}" destId="{C173A83F-B6BF-4118-B6C6-0173517539C4}" srcOrd="0" destOrd="0" presId="urn:microsoft.com/office/officeart/2011/layout/ConvergingText"/>
+    <dgm:cxn modelId="{055ECE38-DEFD-43DC-8516-726B702B7579}" type="presParOf" srcId="{C173A83F-B6BF-4118-B6C6-0173517539C4}" destId="{D3EBF980-6D9D-4D69-A307-A6692DE23F8F}" srcOrd="0" destOrd="0" presId="urn:microsoft.com/office/officeart/2011/layout/ConvergingText"/>
+    <dgm:cxn modelId="{C2A94A16-EEC0-42C6-9277-300CE68EA14D}" type="presParOf" srcId="{C173A83F-B6BF-4118-B6C6-0173517539C4}" destId="{B05DA0EF-ED33-4397-86B8-343CAF897002}" srcOrd="1" destOrd="0" presId="urn:microsoft.com/office/officeart/2011/layout/ConvergingText"/>
+    <dgm:cxn modelId="{DA85BDA8-7655-447C-81C9-A6F449A07020}" type="presParOf" srcId="{C173A83F-B6BF-4118-B6C6-0173517539C4}" destId="{A107E633-43D5-4D54-AB00-2722BE9740E4}" srcOrd="2" destOrd="0" presId="urn:microsoft.com/office/officeart/2011/layout/ConvergingText"/>
+    <dgm:cxn modelId="{F4198D77-1CA2-4870-85F6-4C60C85085DD}" type="presParOf" srcId="{C173A83F-B6BF-4118-B6C6-0173517539C4}" destId="{F2728E75-3320-4877-A237-48865086C5BE}" srcOrd="3" destOrd="0" presId="urn:microsoft.com/office/officeart/2011/layout/ConvergingText"/>
+    <dgm:cxn modelId="{EDD03642-E7ED-4661-9901-CDA456B92756}" type="presParOf" srcId="{C173A83F-B6BF-4118-B6C6-0173517539C4}" destId="{A9B8AD76-0790-44C8-A102-716225E5423B}" srcOrd="4" destOrd="0" presId="urn:microsoft.com/office/officeart/2011/layout/ConvergingText"/>
+    <dgm:cxn modelId="{A10E5508-F763-4A0E-98B0-F37F0A21F3D2}" type="presParOf" srcId="{C173A83F-B6BF-4118-B6C6-0173517539C4}" destId="{183C6D13-72C1-45A4-B23E-20B8EBDA2A19}" srcOrd="5" destOrd="0" presId="urn:microsoft.com/office/officeart/2011/layout/ConvergingText"/>
+    <dgm:cxn modelId="{CDE3857B-0623-41AF-9BEC-03A8137FD52B}" type="presParOf" srcId="{C173A83F-B6BF-4118-B6C6-0173517539C4}" destId="{26088E71-7DF6-400C-AD8F-3016E63BBF2D}" srcOrd="6" destOrd="0" presId="urn:microsoft.com/office/officeart/2011/layout/ConvergingText"/>
+    <dgm:cxn modelId="{00DC26ED-75A2-41DC-BDC8-AA591CA7CF05}" type="presParOf" srcId="{C173A83F-B6BF-4118-B6C6-0173517539C4}" destId="{997CF91A-74E3-4B4B-9A47-8F121DA59A8E}" srcOrd="7" destOrd="0" presId="urn:microsoft.com/office/officeart/2011/layout/ConvergingText"/>
+    <dgm:cxn modelId="{1572F48F-B7C9-4D15-A8E8-EDF1F5C4BAF8}" type="presParOf" srcId="{C173A83F-B6BF-4118-B6C6-0173517539C4}" destId="{7E89ADEA-ADE2-4B5D-80B1-D99BA85B2570}" srcOrd="8" destOrd="0" presId="urn:microsoft.com/office/officeart/2011/layout/ConvergingText"/>
+    <dgm:cxn modelId="{658A2A53-878E-445B-92C9-09C2A32EC6F4}" type="presParOf" srcId="{C173A83F-B6BF-4118-B6C6-0173517539C4}" destId="{E0572926-42B2-488B-9580-3E4C1EB19B7F}" srcOrd="9" destOrd="0" presId="urn:microsoft.com/office/officeart/2011/layout/ConvergingText"/>
+    <dgm:cxn modelId="{EB0EA7CB-1FE7-467F-B1B2-4003537F4CEC}" type="presParOf" srcId="{C173A83F-B6BF-4118-B6C6-0173517539C4}" destId="{8F92F180-A36A-499F-BBFB-AA50FB390132}" srcOrd="10" destOrd="0" presId="urn:microsoft.com/office/officeart/2011/layout/ConvergingText"/>
+    <dgm:cxn modelId="{F518DF4D-40ED-467C-A1F1-3B32AB91EE93}" type="presParOf" srcId="{C173A83F-B6BF-4118-B6C6-0173517539C4}" destId="{15562201-52BC-4B58-AA14-090DFD6860B8}" srcOrd="11" destOrd="0" presId="urn:microsoft.com/office/officeart/2011/layout/ConvergingText"/>
+    <dgm:cxn modelId="{0FAC9760-4B5D-4214-9DBF-42581D615970}" type="presParOf" srcId="{C173A83F-B6BF-4118-B6C6-0173517539C4}" destId="{99FD7799-AB72-4302-B589-5D9CA47B4D50}" srcOrd="12" destOrd="0" presId="urn:microsoft.com/office/officeart/2011/layout/ConvergingText"/>
+    <dgm:cxn modelId="{CED2ED97-3E93-4C9C-9336-1DB1543BC7B6}" type="presParOf" srcId="{C173A83F-B6BF-4118-B6C6-0173517539C4}" destId="{E4FD62E4-2A51-4536-B94D-F514C6750B31}" srcOrd="13" destOrd="0" presId="urn:microsoft.com/office/officeart/2011/layout/ConvergingText"/>
+    <dgm:cxn modelId="{61918788-CD39-4CB7-B6A0-6A8669737861}" type="presParOf" srcId="{C173A83F-B6BF-4118-B6C6-0173517539C4}" destId="{63CEF1A8-099C-41B5-8319-4113B1C2BE14}" srcOrd="14" destOrd="0" presId="urn:microsoft.com/office/officeart/2011/layout/ConvergingText"/>
+    <dgm:cxn modelId="{67E11E87-C91A-4420-A6E4-BB014F0B66CB}" type="presParOf" srcId="{C173A83F-B6BF-4118-B6C6-0173517539C4}" destId="{B911C073-F04B-41E4-9908-49C566E93A81}" srcOrd="15" destOrd="0" presId="urn:microsoft.com/office/officeart/2011/layout/ConvergingText"/>
+    <dgm:cxn modelId="{BA53AFC8-1124-422F-A067-3B400A889E6E}" type="presParOf" srcId="{C173A83F-B6BF-4118-B6C6-0173517539C4}" destId="{B7F03ADB-3FFA-468F-8F5B-74A048EAA986}" srcOrd="16" destOrd="0" presId="urn:microsoft.com/office/officeart/2011/layout/ConvergingText"/>
+    <dgm:cxn modelId="{498513DC-9330-408A-9B18-B8394CD74380}" type="presParOf" srcId="{C173A83F-B6BF-4118-B6C6-0173517539C4}" destId="{8054B884-93C8-4E36-B426-A35DDB87D946}" srcOrd="17" destOrd="0" presId="urn:microsoft.com/office/officeart/2011/layout/ConvergingText"/>
+    <dgm:cxn modelId="{94A18F63-8112-455A-8489-C7E416DEC8D2}" type="presParOf" srcId="{C173A83F-B6BF-4118-B6C6-0173517539C4}" destId="{0022FD8F-87A9-4D2B-B33D-60839308E0D9}" srcOrd="18" destOrd="0" presId="urn:microsoft.com/office/officeart/2011/layout/ConvergingText"/>
+    <dgm:cxn modelId="{A4D3D367-711F-4852-83FA-2B0565312EEB}" type="presParOf" srcId="{C173A83F-B6BF-4118-B6C6-0173517539C4}" destId="{61259062-377B-412F-A997-15EBB79B352C}" srcOrd="19" destOrd="0" presId="urn:microsoft.com/office/officeart/2011/layout/ConvergingText"/>
+    <dgm:cxn modelId="{958479D3-7AB3-43A8-AABD-D559244A337A}" type="presParOf" srcId="{C173A83F-B6BF-4118-B6C6-0173517539C4}" destId="{AC2D0A11-D93A-4D5F-9291-5A2FB9123128}" srcOrd="20" destOrd="0" presId="urn:microsoft.com/office/officeart/2011/layout/ConvergingText"/>
+    <dgm:cxn modelId="{180D1A49-4030-4D09-B48B-71F44FDE7B65}" type="presParOf" srcId="{C173A83F-B6BF-4118-B6C6-0173517539C4}" destId="{82FC235C-66AB-405A-88C7-5560B98275FD}" srcOrd="21" destOrd="0" presId="urn:microsoft.com/office/officeart/2011/layout/ConvergingText"/>
+    <dgm:cxn modelId="{ABF47FEB-7C67-4D95-8B29-41719FCDD35E}" type="presParOf" srcId="{C173A83F-B6BF-4118-B6C6-0173517539C4}" destId="{47218CD0-42C7-4CE7-B5A6-BCB50DC09C55}" srcOrd="22" destOrd="0" presId="urn:microsoft.com/office/officeart/2011/layout/ConvergingText"/>
+    <dgm:cxn modelId="{511C6165-4B47-494F-85ED-9D705DB3048A}" type="presParOf" srcId="{C173A83F-B6BF-4118-B6C6-0173517539C4}" destId="{46CC77FA-2BB7-4301-B3B3-60D6052A36D1}" srcOrd="23" destOrd="0" presId="urn:microsoft.com/office/officeart/2011/layout/ConvergingText"/>
+    <dgm:cxn modelId="{1640D8D8-445B-4C60-956F-96B52D305875}" type="presParOf" srcId="{C173A83F-B6BF-4118-B6C6-0173517539C4}" destId="{6B94F927-84F4-4537-84DE-3C0196DC6953}" srcOrd="24" destOrd="0" presId="urn:microsoft.com/office/officeart/2011/layout/ConvergingText"/>
+    <dgm:cxn modelId="{4FC73F04-63EF-44FD-B4B9-131251AFDA0A}" type="presParOf" srcId="{C173A83F-B6BF-4118-B6C6-0173517539C4}" destId="{159AE894-3CEA-4182-8915-1F6586539420}" srcOrd="25" destOrd="0" presId="urn:microsoft.com/office/officeart/2011/layout/ConvergingText"/>
+    <dgm:cxn modelId="{15EEF05A-4DBB-4E63-9C33-B3710CCFC608}" type="presParOf" srcId="{C173A83F-B6BF-4118-B6C6-0173517539C4}" destId="{9E7FB175-554B-4EA4-A06D-4E46C50607C2}" srcOrd="26" destOrd="0" presId="urn:microsoft.com/office/officeart/2011/layout/ConvergingText"/>
+    <dgm:cxn modelId="{7AFA98B4-E92C-47AF-80F7-C3F8CFE7BE8B}" type="presParOf" srcId="{C173A83F-B6BF-4118-B6C6-0173517539C4}" destId="{B5423346-EA94-4901-B867-974BB73CA0E3}" srcOrd="27" destOrd="0" presId="urn:microsoft.com/office/officeart/2011/layout/ConvergingText"/>
+    <dgm:cxn modelId="{5DD055CB-E1EB-41FC-9238-57F347387CE4}" type="presParOf" srcId="{C173A83F-B6BF-4118-B6C6-0173517539C4}" destId="{05ABA0D0-814C-4533-A54D-22560FAE7DAF}" srcOrd="28" destOrd="0" presId="urn:microsoft.com/office/officeart/2011/layout/ConvergingText"/>
+    <dgm:cxn modelId="{AC6A8100-6265-46F8-9BF3-641418ADB7FA}" type="presParOf" srcId="{C173A83F-B6BF-4118-B6C6-0173517539C4}" destId="{4068AFA5-31F5-4BF2-980A-E6D95E9E80D1}" srcOrd="29" destOrd="0" presId="urn:microsoft.com/office/officeart/2011/layout/ConvergingText"/>
+    <dgm:cxn modelId="{8E393769-BD4F-4B74-AAB9-CF5D7B37CB55}" type="presParOf" srcId="{C173A83F-B6BF-4118-B6C6-0173517539C4}" destId="{37055555-0657-4F35-B219-51D657975A80}" srcOrd="30" destOrd="0" presId="urn:microsoft.com/office/officeart/2011/layout/ConvergingText"/>
+    <dgm:cxn modelId="{45BCFC46-1E8D-45A2-BF1F-C6C45D1F01C3}" type="presParOf" srcId="{C173A83F-B6BF-4118-B6C6-0173517539C4}" destId="{166E2CCF-FEB1-49D6-83AF-3973E2EA839B}" srcOrd="31" destOrd="0" presId="urn:microsoft.com/office/officeart/2011/layout/ConvergingText"/>
+    <dgm:cxn modelId="{65C732B4-CB1D-44DB-817D-6B0308B9BEFF}" type="presParOf" srcId="{C173A83F-B6BF-4118-B6C6-0173517539C4}" destId="{7299BDC0-80FD-49EA-9F13-EDBA14E5C63E}" srcOrd="32" destOrd="0" presId="urn:microsoft.com/office/officeart/2011/layout/ConvergingText"/>
+    <dgm:cxn modelId="{20C17259-8CC0-4A53-AD30-127178D9556E}" type="presParOf" srcId="{C173A83F-B6BF-4118-B6C6-0173517539C4}" destId="{ED7CDA69-43CF-452A-8C55-A3C5B09356EB}" srcOrd="33" destOrd="0" presId="urn:microsoft.com/office/officeart/2011/layout/ConvergingText"/>
+    <dgm:cxn modelId="{4C8B045B-6485-4A3B-AE98-2B9D056820AE}" type="presParOf" srcId="{C173A83F-B6BF-4118-B6C6-0173517539C4}" destId="{A1F40C65-6DC2-4AD8-ADD6-BF6A947B7DDF}" srcOrd="34" destOrd="0" presId="urn:microsoft.com/office/officeart/2011/layout/ConvergingText"/>
+    <dgm:cxn modelId="{12ABA21D-0652-405C-8F6A-2957FB1A0069}" type="presParOf" srcId="{C173A83F-B6BF-4118-B6C6-0173517539C4}" destId="{4377C246-9FA2-4534-8915-B7A19624FCDB}" srcOrd="35" destOrd="0" presId="urn:microsoft.com/office/officeart/2011/layout/ConvergingText"/>
+    <dgm:cxn modelId="{DF296609-DEA3-4124-B4DD-824D51812668}" type="presParOf" srcId="{C173A83F-B6BF-4118-B6C6-0173517539C4}" destId="{F4173BD1-6B29-4B24-AE63-FFACAC25478D}" srcOrd="36" destOrd="0" presId="urn:microsoft.com/office/officeart/2011/layout/ConvergingText"/>
+  </dgm:cxnLst>
+  <dgm:bg>
+    <a:noFill/>
+  </dgm:bg>
+  <dgm:whole/>
+  <dgm:extLst>
+    <a:ext uri="http://schemas.microsoft.com/office/drawing/2008/diagram">
+      <dsp:dataModelExt xmlns:dsp="http://schemas.microsoft.com/office/drawing/2008/diagram" relId="rId6" minVer="http://schemas.openxmlformats.org/drawingml/2006/diagram"/>
+    </a:ext>
+  </dgm:extLst>
+</dgm:dataModel>
+</file>
+
+<file path=ppt/diagrams/drawing1.xml><?xml version="1.0" encoding="utf-8"?>
+<dsp:drawing xmlns:dgm="http://schemas.openxmlformats.org/drawingml/2006/diagram" xmlns:dsp="http://schemas.microsoft.com/office/drawing/2008/diagram" xmlns:a="http://schemas.openxmlformats.org/drawingml/2006/main">
+  <dsp:spTree>
+    <dsp:nvGrpSpPr>
+      <dsp:cNvPr id="0" name=""/>
+      <dsp:cNvGrpSpPr/>
+    </dsp:nvGrpSpPr>
+    <dsp:grpSpPr/>
+    <dsp:sp modelId="{D3EBF980-6D9D-4D69-A307-A6692DE23F8F}">
+      <dsp:nvSpPr>
+        <dsp:cNvPr id="0" name=""/>
+        <dsp:cNvSpPr/>
+      </dsp:nvSpPr>
+      <dsp:spPr>
+        <a:xfrm>
+          <a:off x="9473671" y="3486465"/>
+          <a:ext cx="279928" cy="279923"/>
+        </a:xfrm>
+        <a:prstGeom prst="ellipse">
+          <a:avLst/>
+        </a:prstGeom>
+        <a:solidFill>
+          <a:schemeClr val="accent4">
+            <a:hueOff val="0"/>
+            <a:satOff val="0"/>
+            <a:lumOff val="0"/>
+            <a:alphaOff val="0"/>
+          </a:schemeClr>
+        </a:solidFill>
+        <a:ln w="12700" cap="flat" cmpd="sng" algn="ctr">
+          <a:solidFill>
+            <a:schemeClr val="accent4">
+              <a:hueOff val="0"/>
+              <a:satOff val="0"/>
+              <a:lumOff val="0"/>
+              <a:alphaOff val="0"/>
+            </a:schemeClr>
+          </a:solidFill>
+          <a:prstDash val="solid"/>
+          <a:miter lim="800000"/>
+        </a:ln>
+        <a:effectLst/>
+      </dsp:spPr>
+      <dsp:style>
+        <a:lnRef idx="2">
+          <a:scrgbClr r="0" g="0" b="0"/>
+        </a:lnRef>
+        <a:fillRef idx="1">
+          <a:scrgbClr r="0" g="0" b="0"/>
+        </a:fillRef>
+        <a:effectRef idx="0">
+          <a:scrgbClr r="0" g="0" b="0"/>
+        </a:effectRef>
+        <a:fontRef idx="minor">
+          <a:schemeClr val="lt1"/>
+        </a:fontRef>
+      </dsp:style>
+    </dsp:sp>
+    <dsp:sp modelId="{B05DA0EF-ED33-4397-86B8-343CAF897002}">
+      <dsp:nvSpPr>
+        <dsp:cNvPr id="0" name=""/>
+        <dsp:cNvSpPr/>
+      </dsp:nvSpPr>
+      <dsp:spPr>
+        <a:xfrm>
+          <a:off x="8960632" y="3486465"/>
+          <a:ext cx="279928" cy="279923"/>
+        </a:xfrm>
+        <a:prstGeom prst="ellipse">
+          <a:avLst/>
+        </a:prstGeom>
+        <a:solidFill>
+          <a:schemeClr val="accent4">
+            <a:hueOff val="296997"/>
+            <a:satOff val="-1236"/>
+            <a:lumOff val="291"/>
+            <a:alphaOff val="0"/>
+          </a:schemeClr>
+        </a:solidFill>
+        <a:ln w="12700" cap="flat" cmpd="sng" algn="ctr">
+          <a:solidFill>
+            <a:schemeClr val="accent4">
+              <a:hueOff val="296997"/>
+              <a:satOff val="-1236"/>
+              <a:lumOff val="291"/>
+              <a:alphaOff val="0"/>
+            </a:schemeClr>
+          </a:solidFill>
+          <a:prstDash val="solid"/>
+          <a:miter lim="800000"/>
+        </a:ln>
+        <a:effectLst/>
+      </dsp:spPr>
+      <dsp:style>
+        <a:lnRef idx="2">
+          <a:scrgbClr r="0" g="0" b="0"/>
+        </a:lnRef>
+        <a:fillRef idx="1">
+          <a:scrgbClr r="0" g="0" b="0"/>
+        </a:fillRef>
+        <a:effectRef idx="0">
+          <a:scrgbClr r="0" g="0" b="0"/>
+        </a:effectRef>
+        <a:fontRef idx="minor">
+          <a:schemeClr val="lt1"/>
+        </a:fontRef>
+      </dsp:style>
+    </dsp:sp>
+    <dsp:sp modelId="{A107E633-43D5-4D54-AB00-2722BE9740E4}">
+      <dsp:nvSpPr>
+        <dsp:cNvPr id="0" name=""/>
+        <dsp:cNvSpPr/>
+      </dsp:nvSpPr>
+      <dsp:spPr>
+        <a:xfrm>
+          <a:off x="8447592" y="3486465"/>
+          <a:ext cx="279928" cy="279923"/>
+        </a:xfrm>
+        <a:prstGeom prst="ellipse">
+          <a:avLst/>
+        </a:prstGeom>
+        <a:solidFill>
+          <a:schemeClr val="accent4">
+            <a:hueOff val="593993"/>
+            <a:satOff val="-2471"/>
+            <a:lumOff val="582"/>
+            <a:alphaOff val="0"/>
+          </a:schemeClr>
+        </a:solidFill>
+        <a:ln w="12700" cap="flat" cmpd="sng" algn="ctr">
+          <a:solidFill>
+            <a:schemeClr val="accent4">
+              <a:hueOff val="593993"/>
+              <a:satOff val="-2471"/>
+              <a:lumOff val="582"/>
+              <a:alphaOff val="0"/>
+            </a:schemeClr>
+          </a:solidFill>
+          <a:prstDash val="solid"/>
+          <a:miter lim="800000"/>
+        </a:ln>
+        <a:effectLst/>
+      </dsp:spPr>
+      <dsp:style>
+        <a:lnRef idx="2">
+          <a:scrgbClr r="0" g="0" b="0"/>
+        </a:lnRef>
+        <a:fillRef idx="1">
+          <a:scrgbClr r="0" g="0" b="0"/>
+        </a:fillRef>
+        <a:effectRef idx="0">
+          <a:scrgbClr r="0" g="0" b="0"/>
+        </a:effectRef>
+        <a:fontRef idx="minor">
+          <a:schemeClr val="lt1"/>
+        </a:fontRef>
+      </dsp:style>
+    </dsp:sp>
+    <dsp:sp modelId="{F2728E75-3320-4877-A237-48865086C5BE}">
+      <dsp:nvSpPr>
+        <dsp:cNvPr id="0" name=""/>
+        <dsp:cNvSpPr/>
+      </dsp:nvSpPr>
+      <dsp:spPr>
+        <a:xfrm>
+          <a:off x="7935528" y="3486465"/>
+          <a:ext cx="279928" cy="279923"/>
+        </a:xfrm>
+        <a:prstGeom prst="ellipse">
+          <a:avLst/>
+        </a:prstGeom>
+        <a:solidFill>
+          <a:schemeClr val="accent4">
+            <a:hueOff val="890990"/>
+            <a:satOff val="-3707"/>
+            <a:lumOff val="873"/>
+            <a:alphaOff val="0"/>
+          </a:schemeClr>
+        </a:solidFill>
+        <a:ln w="12700" cap="flat" cmpd="sng" algn="ctr">
+          <a:solidFill>
+            <a:schemeClr val="accent4">
+              <a:hueOff val="890990"/>
+              <a:satOff val="-3707"/>
+              <a:lumOff val="873"/>
+              <a:alphaOff val="0"/>
+            </a:schemeClr>
+          </a:solidFill>
+          <a:prstDash val="solid"/>
+          <a:miter lim="800000"/>
+        </a:ln>
+        <a:effectLst/>
+      </dsp:spPr>
+      <dsp:style>
+        <a:lnRef idx="2">
+          <a:scrgbClr r="0" g="0" b="0"/>
+        </a:lnRef>
+        <a:fillRef idx="1">
+          <a:scrgbClr r="0" g="0" b="0"/>
+        </a:fillRef>
+        <a:effectRef idx="0">
+          <a:scrgbClr r="0" g="0" b="0"/>
+        </a:effectRef>
+        <a:fontRef idx="minor">
+          <a:schemeClr val="lt1"/>
+        </a:fontRef>
+      </dsp:style>
+    </dsp:sp>
+    <dsp:sp modelId="{A9B8AD76-0790-44C8-A102-716225E5423B}">
+      <dsp:nvSpPr>
+        <dsp:cNvPr id="0" name=""/>
+        <dsp:cNvSpPr/>
+      </dsp:nvSpPr>
+      <dsp:spPr>
+        <a:xfrm>
+          <a:off x="7422489" y="3486465"/>
+          <a:ext cx="279928" cy="279923"/>
+        </a:xfrm>
+        <a:prstGeom prst="ellipse">
+          <a:avLst/>
+        </a:prstGeom>
+        <a:solidFill>
+          <a:schemeClr val="accent4">
+            <a:hueOff val="1187987"/>
+            <a:satOff val="-4943"/>
+            <a:lumOff val="1165"/>
+            <a:alphaOff val="0"/>
+          </a:schemeClr>
+        </a:solidFill>
+        <a:ln w="12700" cap="flat" cmpd="sng" algn="ctr">
+          <a:solidFill>
+            <a:schemeClr val="accent4">
+              <a:hueOff val="1187987"/>
+              <a:satOff val="-4943"/>
+              <a:lumOff val="1165"/>
+              <a:alphaOff val="0"/>
+            </a:schemeClr>
+          </a:solidFill>
+          <a:prstDash val="solid"/>
+          <a:miter lim="800000"/>
+        </a:ln>
+        <a:effectLst/>
+      </dsp:spPr>
+      <dsp:style>
+        <a:lnRef idx="2">
+          <a:scrgbClr r="0" g="0" b="0"/>
+        </a:lnRef>
+        <a:fillRef idx="1">
+          <a:scrgbClr r="0" g="0" b="0"/>
+        </a:fillRef>
+        <a:effectRef idx="0">
+          <a:scrgbClr r="0" g="0" b="0"/>
+        </a:effectRef>
+        <a:fontRef idx="minor">
+          <a:schemeClr val="lt1"/>
+        </a:fontRef>
+      </dsp:style>
+    </dsp:sp>
+    <dsp:sp modelId="{183C6D13-72C1-45A4-B23E-20B8EBDA2A19}">
+      <dsp:nvSpPr>
+        <dsp:cNvPr id="0" name=""/>
+        <dsp:cNvSpPr/>
+      </dsp:nvSpPr>
+      <dsp:spPr>
+        <a:xfrm>
+          <a:off x="6629521" y="3346503"/>
+          <a:ext cx="559856" cy="560308"/>
+        </a:xfrm>
+        <a:prstGeom prst="ellipse">
+          <a:avLst/>
+        </a:prstGeom>
+        <a:solidFill>
+          <a:schemeClr val="accent4">
+            <a:hueOff val="1484983"/>
+            <a:satOff val="-6178"/>
+            <a:lumOff val="1456"/>
+            <a:alphaOff val="0"/>
+          </a:schemeClr>
+        </a:solidFill>
+        <a:ln w="12700" cap="flat" cmpd="sng" algn="ctr">
+          <a:solidFill>
+            <a:schemeClr val="accent4">
+              <a:hueOff val="1484983"/>
+              <a:satOff val="-6178"/>
+              <a:lumOff val="1456"/>
+              <a:alphaOff val="0"/>
+            </a:schemeClr>
+          </a:solidFill>
+          <a:prstDash val="solid"/>
+          <a:miter lim="800000"/>
+        </a:ln>
+        <a:effectLst/>
+      </dsp:spPr>
+      <dsp:style>
+        <a:lnRef idx="2">
+          <a:scrgbClr r="0" g="0" b="0"/>
+        </a:lnRef>
+        <a:fillRef idx="1">
+          <a:scrgbClr r="0" g="0" b="0"/>
+        </a:fillRef>
+        <a:effectRef idx="0">
+          <a:scrgbClr r="0" g="0" b="0"/>
+        </a:effectRef>
+        <a:fontRef idx="minor">
+          <a:schemeClr val="lt1"/>
+        </a:fontRef>
+      </dsp:style>
+    </dsp:sp>
+    <dsp:sp modelId="{26088E71-7DF6-400C-AD8F-3016E63BBF2D}">
+      <dsp:nvSpPr>
+        <dsp:cNvPr id="0" name=""/>
+        <dsp:cNvSpPr/>
+      </dsp:nvSpPr>
+      <dsp:spPr>
+        <a:xfrm>
+          <a:off x="9017203" y="2908201"/>
+          <a:ext cx="279928" cy="279923"/>
+        </a:xfrm>
+        <a:prstGeom prst="ellipse">
+          <a:avLst/>
+        </a:prstGeom>
+        <a:solidFill>
+          <a:schemeClr val="accent4">
+            <a:hueOff val="1781980"/>
+            <a:satOff val="-7414"/>
+            <a:lumOff val="1747"/>
+            <a:alphaOff val="0"/>
+          </a:schemeClr>
+        </a:solidFill>
+        <a:ln w="12700" cap="flat" cmpd="sng" algn="ctr">
+          <a:solidFill>
+            <a:schemeClr val="accent4">
+              <a:hueOff val="1781980"/>
+              <a:satOff val="-7414"/>
+              <a:lumOff val="1747"/>
+              <a:alphaOff val="0"/>
+            </a:schemeClr>
+          </a:solidFill>
+          <a:prstDash val="solid"/>
+          <a:miter lim="800000"/>
+        </a:ln>
+        <a:effectLst/>
+      </dsp:spPr>
+      <dsp:style>
+        <a:lnRef idx="2">
+          <a:scrgbClr r="0" g="0" b="0"/>
+        </a:lnRef>
+        <a:fillRef idx="1">
+          <a:scrgbClr r="0" g="0" b="0"/>
+        </a:fillRef>
+        <a:effectRef idx="0">
+          <a:scrgbClr r="0" g="0" b="0"/>
+        </a:effectRef>
+        <a:fontRef idx="minor">
+          <a:schemeClr val="lt1"/>
+        </a:fontRef>
+      </dsp:style>
+    </dsp:sp>
+    <dsp:sp modelId="{997CF91A-74E3-4B4B-9A47-8F121DA59A8E}">
+      <dsp:nvSpPr>
+        <dsp:cNvPr id="0" name=""/>
+        <dsp:cNvSpPr/>
+      </dsp:nvSpPr>
+      <dsp:spPr>
+        <a:xfrm>
+          <a:off x="9017203" y="4068872"/>
+          <a:ext cx="279928" cy="279923"/>
+        </a:xfrm>
+        <a:prstGeom prst="ellipse">
+          <a:avLst/>
+        </a:prstGeom>
+        <a:solidFill>
+          <a:schemeClr val="accent4">
+            <a:hueOff val="2078977"/>
+            <a:satOff val="-8650"/>
+            <a:lumOff val="2038"/>
+            <a:alphaOff val="0"/>
+          </a:schemeClr>
+        </a:solidFill>
+        <a:ln w="12700" cap="flat" cmpd="sng" algn="ctr">
+          <a:solidFill>
+            <a:schemeClr val="accent4">
+              <a:hueOff val="2078977"/>
+              <a:satOff val="-8650"/>
+              <a:lumOff val="2038"/>
+              <a:alphaOff val="0"/>
+            </a:schemeClr>
+          </a:solidFill>
+          <a:prstDash val="solid"/>
+          <a:miter lim="800000"/>
+        </a:ln>
+        <a:effectLst/>
+      </dsp:spPr>
+      <dsp:style>
+        <a:lnRef idx="2">
+          <a:scrgbClr r="0" g="0" b="0"/>
+        </a:lnRef>
+        <a:fillRef idx="1">
+          <a:scrgbClr r="0" g="0" b="0"/>
+        </a:fillRef>
+        <a:effectRef idx="0">
+          <a:scrgbClr r="0" g="0" b="0"/>
+        </a:effectRef>
+        <a:fontRef idx="minor">
+          <a:schemeClr val="lt1"/>
+        </a:fontRef>
+      </dsp:style>
+    </dsp:sp>
+    <dsp:sp modelId="{7E89ADEA-ADE2-4B5D-80B1-D99BA85B2570}">
+      <dsp:nvSpPr>
+        <dsp:cNvPr id="0" name=""/>
+        <dsp:cNvSpPr/>
+      </dsp:nvSpPr>
+      <dsp:spPr>
+        <a:xfrm>
+          <a:off x="9266895" y="3159580"/>
+          <a:ext cx="279928" cy="279923"/>
+        </a:xfrm>
+        <a:prstGeom prst="ellipse">
+          <a:avLst/>
+        </a:prstGeom>
+        <a:solidFill>
+          <a:schemeClr val="accent4">
+            <a:hueOff val="2375974"/>
+            <a:satOff val="-9885"/>
+            <a:lumOff val="2329"/>
+            <a:alphaOff val="0"/>
+          </a:schemeClr>
+        </a:solidFill>
+        <a:ln w="12700" cap="flat" cmpd="sng" algn="ctr">
+          <a:solidFill>
+            <a:schemeClr val="accent4">
+              <a:hueOff val="2375974"/>
+              <a:satOff val="-9885"/>
+              <a:lumOff val="2329"/>
+              <a:alphaOff val="0"/>
+            </a:schemeClr>
+          </a:solidFill>
+          <a:prstDash val="solid"/>
+          <a:miter lim="800000"/>
+        </a:ln>
+        <a:effectLst/>
+      </dsp:spPr>
+      <dsp:style>
+        <a:lnRef idx="2">
+          <a:scrgbClr r="0" g="0" b="0"/>
+        </a:lnRef>
+        <a:fillRef idx="1">
+          <a:scrgbClr r="0" g="0" b="0"/>
+        </a:fillRef>
+        <a:effectRef idx="0">
+          <a:scrgbClr r="0" g="0" b="0"/>
+        </a:effectRef>
+        <a:fontRef idx="minor">
+          <a:schemeClr val="lt1"/>
+        </a:fontRef>
+      </dsp:style>
+    </dsp:sp>
+    <dsp:sp modelId="{E0572926-42B2-488B-9580-3E4C1EB19B7F}">
+      <dsp:nvSpPr>
+        <dsp:cNvPr id="0" name=""/>
+        <dsp:cNvSpPr/>
+      </dsp:nvSpPr>
+      <dsp:spPr>
+        <a:xfrm>
+          <a:off x="9283476" y="3818874"/>
+          <a:ext cx="279928" cy="279923"/>
+        </a:xfrm>
+        <a:prstGeom prst="ellipse">
+          <a:avLst/>
+        </a:prstGeom>
+        <a:solidFill>
+          <a:schemeClr val="accent4">
+            <a:hueOff val="2672970"/>
+            <a:satOff val="-11121"/>
+            <a:lumOff val="2620"/>
+            <a:alphaOff val="0"/>
+          </a:schemeClr>
+        </a:solidFill>
+        <a:ln w="12700" cap="flat" cmpd="sng" algn="ctr">
+          <a:solidFill>
+            <a:schemeClr val="accent4">
+              <a:hueOff val="2672970"/>
+              <a:satOff val="-11121"/>
+              <a:lumOff val="2620"/>
+              <a:alphaOff val="0"/>
+            </a:schemeClr>
+          </a:solidFill>
+          <a:prstDash val="solid"/>
+          <a:miter lim="800000"/>
+        </a:ln>
+        <a:effectLst/>
+      </dsp:spPr>
+      <dsp:style>
+        <a:lnRef idx="2">
+          <a:scrgbClr r="0" g="0" b="0"/>
+        </a:lnRef>
+        <a:fillRef idx="1">
+          <a:scrgbClr r="0" g="0" b="0"/>
+        </a:fillRef>
+        <a:effectRef idx="0">
+          <a:scrgbClr r="0" g="0" b="0"/>
+        </a:effectRef>
+        <a:fontRef idx="minor">
+          <a:schemeClr val="lt1"/>
+        </a:fontRef>
+      </dsp:style>
+    </dsp:sp>
+    <dsp:sp modelId="{8F92F180-A36A-499F-BBFB-AA50FB390132}">
+      <dsp:nvSpPr>
+        <dsp:cNvPr id="0" name=""/>
+        <dsp:cNvSpPr/>
+      </dsp:nvSpPr>
+      <dsp:spPr>
+        <a:xfrm>
+          <a:off x="3562990" y="2209312"/>
+          <a:ext cx="2834396" cy="2834690"/>
+        </a:xfrm>
+        <a:prstGeom prst="ellipse">
+          <a:avLst/>
+        </a:prstGeom>
+        <a:solidFill>
+          <a:schemeClr val="accent4">
+            <a:hueOff val="2969967"/>
+            <a:satOff val="-12357"/>
+            <a:lumOff val="2912"/>
+            <a:alphaOff val="0"/>
+          </a:schemeClr>
+        </a:solidFill>
+        <a:ln w="12700" cap="flat" cmpd="sng" algn="ctr">
+          <a:solidFill>
+            <a:schemeClr val="accent4">
+              <a:hueOff val="2969967"/>
+              <a:satOff val="-12357"/>
+              <a:lumOff val="2912"/>
+              <a:alphaOff val="0"/>
+            </a:schemeClr>
+          </a:solidFill>
+          <a:prstDash val="solid"/>
+          <a:miter lim="800000"/>
+        </a:ln>
+        <a:effectLst/>
+      </dsp:spPr>
+      <dsp:style>
+        <a:lnRef idx="2">
+          <a:scrgbClr r="0" g="0" b="0"/>
+        </a:lnRef>
+        <a:fillRef idx="1">
+          <a:scrgbClr r="0" g="0" b="0"/>
+        </a:fillRef>
+        <a:effectRef idx="0">
+          <a:scrgbClr r="0" g="0" b="0"/>
+        </a:effectRef>
+        <a:fontRef idx="minor">
+          <a:schemeClr val="lt1"/>
+        </a:fontRef>
+      </dsp:style>
+      <dsp:txBody>
+        <a:bodyPr spcFirstLastPara="0" vert="horz" wrap="square" lIns="63500" tIns="63500" rIns="63500" bIns="63500" numCol="1" spcCol="1270" anchor="ctr" anchorCtr="0">
+          <a:noAutofit/>
+        </a:bodyPr>
+        <a:lstStyle/>
+        <a:p>
+          <a:pPr marL="0" lvl="0" indent="0" algn="ctr" defTabSz="2222500">
+            <a:lnSpc>
+              <a:spcPct val="90000"/>
+            </a:lnSpc>
+            <a:spcBef>
+              <a:spcPct val="0"/>
+            </a:spcBef>
+            <a:spcAft>
+              <a:spcPct val="35000"/>
+            </a:spcAft>
+            <a:buNone/>
+          </a:pPr>
+          <a:r>
+            <a:rPr lang="en-IN" sz="5000" kern="1200" dirty="0"/>
+            <a:t>Gemini</a:t>
+          </a:r>
+        </a:p>
+      </dsp:txBody>
+      <dsp:txXfrm>
+        <a:off x="3978078" y="2624443"/>
+        <a:ext cx="2004220" cy="2004428"/>
+      </dsp:txXfrm>
+    </dsp:sp>
+    <dsp:sp modelId="{15562201-52BC-4B58-AA14-090DFD6860B8}">
+      <dsp:nvSpPr>
+        <dsp:cNvPr id="0" name=""/>
+        <dsp:cNvSpPr/>
+      </dsp:nvSpPr>
+      <dsp:spPr>
+        <a:xfrm>
+          <a:off x="3351336" y="1967140"/>
+          <a:ext cx="559856" cy="560308"/>
+        </a:xfrm>
+        <a:prstGeom prst="ellipse">
+          <a:avLst/>
+        </a:prstGeom>
+        <a:solidFill>
+          <a:schemeClr val="accent4">
+            <a:hueOff val="3266964"/>
+            <a:satOff val="-13592"/>
+            <a:lumOff val="3203"/>
+            <a:alphaOff val="0"/>
+          </a:schemeClr>
+        </a:solidFill>
+        <a:ln w="12700" cap="flat" cmpd="sng" algn="ctr">
+          <a:solidFill>
+            <a:schemeClr val="accent4">
+              <a:hueOff val="3266964"/>
+              <a:satOff val="-13592"/>
+              <a:lumOff val="3203"/>
+              <a:alphaOff val="0"/>
+            </a:schemeClr>
+          </a:solidFill>
+          <a:prstDash val="solid"/>
+          <a:miter lim="800000"/>
+        </a:ln>
+        <a:effectLst/>
+      </dsp:spPr>
+      <dsp:style>
+        <a:lnRef idx="2">
+          <a:scrgbClr r="0" g="0" b="0"/>
+        </a:lnRef>
+        <a:fillRef idx="1">
+          <a:scrgbClr r="0" g="0" b="0"/>
+        </a:fillRef>
+        <a:effectRef idx="0">
+          <a:scrgbClr r="0" g="0" b="0"/>
+        </a:effectRef>
+        <a:fontRef idx="minor">
+          <a:schemeClr val="lt1"/>
+        </a:fontRef>
+      </dsp:style>
+    </dsp:sp>
+    <dsp:sp modelId="{99FD7799-AB72-4302-B589-5D9CA47B4D50}">
+      <dsp:nvSpPr>
+        <dsp:cNvPr id="0" name=""/>
+        <dsp:cNvSpPr/>
+      </dsp:nvSpPr>
+      <dsp:spPr>
+        <a:xfrm>
+          <a:off x="2992404" y="1671563"/>
+          <a:ext cx="279928" cy="279923"/>
+        </a:xfrm>
+        <a:prstGeom prst="ellipse">
+          <a:avLst/>
+        </a:prstGeom>
+        <a:solidFill>
+          <a:schemeClr val="accent4">
+            <a:hueOff val="3563960"/>
+            <a:satOff val="-14828"/>
+            <a:lumOff val="3494"/>
+            <a:alphaOff val="0"/>
+          </a:schemeClr>
+        </a:solidFill>
+        <a:ln w="12700" cap="flat" cmpd="sng" algn="ctr">
+          <a:solidFill>
+            <a:schemeClr val="accent4">
+              <a:hueOff val="3563960"/>
+              <a:satOff val="-14828"/>
+              <a:lumOff val="3494"/>
+              <a:alphaOff val="0"/>
+            </a:schemeClr>
+          </a:solidFill>
+          <a:prstDash val="solid"/>
+          <a:miter lim="800000"/>
+        </a:ln>
+        <a:effectLst/>
+      </dsp:spPr>
+      <dsp:style>
+        <a:lnRef idx="2">
+          <a:scrgbClr r="0" g="0" b="0"/>
+        </a:lnRef>
+        <a:fillRef idx="1">
+          <a:scrgbClr r="0" g="0" b="0"/>
+        </a:fillRef>
+        <a:effectRef idx="0">
+          <a:scrgbClr r="0" g="0" b="0"/>
+        </a:effectRef>
+        <a:fontRef idx="minor">
+          <a:schemeClr val="lt1"/>
+        </a:fontRef>
+      </dsp:style>
+    </dsp:sp>
+    <dsp:sp modelId="{E4FD62E4-2A51-4536-B94D-F514C6750B31}">
+      <dsp:nvSpPr>
+        <dsp:cNvPr id="0" name=""/>
+        <dsp:cNvSpPr/>
+      </dsp:nvSpPr>
+      <dsp:spPr>
+        <a:xfrm>
+          <a:off x="2394508" y="1671563"/>
+          <a:ext cx="279928" cy="279923"/>
+        </a:xfrm>
+        <a:prstGeom prst="ellipse">
+          <a:avLst/>
+        </a:prstGeom>
+        <a:solidFill>
+          <a:schemeClr val="accent4">
+            <a:hueOff val="3860957"/>
+            <a:satOff val="-16064"/>
+            <a:lumOff val="3785"/>
+            <a:alphaOff val="0"/>
+          </a:schemeClr>
+        </a:solidFill>
+        <a:ln w="12700" cap="flat" cmpd="sng" algn="ctr">
+          <a:solidFill>
+            <a:schemeClr val="accent4">
+              <a:hueOff val="3860957"/>
+              <a:satOff val="-16064"/>
+              <a:lumOff val="3785"/>
+              <a:alphaOff val="0"/>
+            </a:schemeClr>
+          </a:solidFill>
+          <a:prstDash val="solid"/>
+          <a:miter lim="800000"/>
+        </a:ln>
+        <a:effectLst/>
+      </dsp:spPr>
+      <dsp:style>
+        <a:lnRef idx="2">
+          <a:scrgbClr r="0" g="0" b="0"/>
+        </a:lnRef>
+        <a:fillRef idx="1">
+          <a:scrgbClr r="0" g="0" b="0"/>
+        </a:fillRef>
+        <a:effectRef idx="0">
+          <a:scrgbClr r="0" g="0" b="0"/>
+        </a:effectRef>
+        <a:fontRef idx="minor">
+          <a:schemeClr val="lt1"/>
+        </a:fontRef>
+      </dsp:style>
+    </dsp:sp>
+    <dsp:sp modelId="{63CEF1A8-099C-41B5-8319-4113B1C2BE14}">
+      <dsp:nvSpPr>
+        <dsp:cNvPr id="0" name=""/>
+        <dsp:cNvSpPr/>
+      </dsp:nvSpPr>
+      <dsp:spPr>
+        <a:xfrm>
+          <a:off x="1796613" y="1671563"/>
+          <a:ext cx="279928" cy="279923"/>
+        </a:xfrm>
+        <a:prstGeom prst="ellipse">
+          <a:avLst/>
+        </a:prstGeom>
+        <a:solidFill>
+          <a:schemeClr val="accent4">
+            <a:hueOff val="4157953"/>
+            <a:satOff val="-17299"/>
+            <a:lumOff val="4076"/>
+            <a:alphaOff val="0"/>
+          </a:schemeClr>
+        </a:solidFill>
+        <a:ln w="12700" cap="flat" cmpd="sng" algn="ctr">
+          <a:solidFill>
+            <a:schemeClr val="accent4">
+              <a:hueOff val="4157953"/>
+              <a:satOff val="-17299"/>
+              <a:lumOff val="4076"/>
+              <a:alphaOff val="0"/>
+            </a:schemeClr>
+          </a:solidFill>
+          <a:prstDash val="solid"/>
+          <a:miter lim="800000"/>
+        </a:ln>
+        <a:effectLst/>
+      </dsp:spPr>
+      <dsp:style>
+        <a:lnRef idx="2">
+          <a:scrgbClr r="0" g="0" b="0"/>
+        </a:lnRef>
+        <a:fillRef idx="1">
+          <a:scrgbClr r="0" g="0" b="0"/>
+        </a:fillRef>
+        <a:effectRef idx="0">
+          <a:scrgbClr r="0" g="0" b="0"/>
+        </a:effectRef>
+        <a:fontRef idx="minor">
+          <a:schemeClr val="lt1"/>
+        </a:fontRef>
+      </dsp:style>
+    </dsp:sp>
+    <dsp:sp modelId="{B911C073-F04B-41E4-9908-49C566E93A81}">
+      <dsp:nvSpPr>
+        <dsp:cNvPr id="0" name=""/>
+        <dsp:cNvSpPr/>
+      </dsp:nvSpPr>
+      <dsp:spPr>
+        <a:xfrm>
+          <a:off x="1198717" y="1671563"/>
+          <a:ext cx="279928" cy="279923"/>
+        </a:xfrm>
+        <a:prstGeom prst="ellipse">
+          <a:avLst/>
+        </a:prstGeom>
+        <a:solidFill>
+          <a:schemeClr val="accent4">
+            <a:hueOff val="4454951"/>
+            <a:satOff val="-18535"/>
+            <a:lumOff val="4367"/>
+            <a:alphaOff val="0"/>
+          </a:schemeClr>
+        </a:solidFill>
+        <a:ln w="12700" cap="flat" cmpd="sng" algn="ctr">
+          <a:solidFill>
+            <a:schemeClr val="accent4">
+              <a:hueOff val="4454951"/>
+              <a:satOff val="-18535"/>
+              <a:lumOff val="4367"/>
+              <a:alphaOff val="0"/>
+            </a:schemeClr>
+          </a:solidFill>
+          <a:prstDash val="solid"/>
+          <a:miter lim="800000"/>
+        </a:ln>
+        <a:effectLst/>
+      </dsp:spPr>
+      <dsp:style>
+        <a:lnRef idx="2">
+          <a:scrgbClr r="0" g="0" b="0"/>
+        </a:lnRef>
+        <a:fillRef idx="1">
+          <a:scrgbClr r="0" g="0" b="0"/>
+        </a:fillRef>
+        <a:effectRef idx="0">
+          <a:scrgbClr r="0" g="0" b="0"/>
+        </a:effectRef>
+        <a:fontRef idx="minor">
+          <a:schemeClr val="lt1"/>
+        </a:fontRef>
+      </dsp:style>
+    </dsp:sp>
+    <dsp:sp modelId="{B7F03ADB-3FFA-468F-8F5B-74A048EAA986}">
+      <dsp:nvSpPr>
+        <dsp:cNvPr id="0" name=""/>
+        <dsp:cNvSpPr/>
+      </dsp:nvSpPr>
+      <dsp:spPr>
+        <a:xfrm>
+          <a:off x="599846" y="1671563"/>
+          <a:ext cx="279928" cy="279923"/>
+        </a:xfrm>
+        <a:prstGeom prst="ellipse">
+          <a:avLst/>
+        </a:prstGeom>
+        <a:solidFill>
+          <a:schemeClr val="accent4">
+            <a:hueOff val="4751947"/>
+            <a:satOff val="-19771"/>
+            <a:lumOff val="4658"/>
+            <a:alphaOff val="0"/>
+          </a:schemeClr>
+        </a:solidFill>
+        <a:ln w="12700" cap="flat" cmpd="sng" algn="ctr">
+          <a:solidFill>
+            <a:schemeClr val="accent4">
+              <a:hueOff val="4751947"/>
+              <a:satOff val="-19771"/>
+              <a:lumOff val="4658"/>
+              <a:alphaOff val="0"/>
+            </a:schemeClr>
+          </a:solidFill>
+          <a:prstDash val="solid"/>
+          <a:miter lim="800000"/>
+        </a:ln>
+        <a:effectLst/>
+      </dsp:spPr>
+      <dsp:style>
+        <a:lnRef idx="2">
+          <a:scrgbClr r="0" g="0" b="0"/>
+        </a:lnRef>
+        <a:fillRef idx="1">
+          <a:scrgbClr r="0" g="0" b="0"/>
+        </a:fillRef>
+        <a:effectRef idx="0">
+          <a:scrgbClr r="0" g="0" b="0"/>
+        </a:effectRef>
+        <a:fontRef idx="minor">
+          <a:schemeClr val="lt1"/>
+        </a:fontRef>
+      </dsp:style>
+    </dsp:sp>
+    <dsp:sp modelId="{8054B884-93C8-4E36-B426-A35DDB87D946}">
+      <dsp:nvSpPr>
+        <dsp:cNvPr id="0" name=""/>
+        <dsp:cNvSpPr/>
+      </dsp:nvSpPr>
+      <dsp:spPr>
+        <a:xfrm>
+          <a:off x="1950" y="1671563"/>
+          <a:ext cx="279928" cy="279923"/>
+        </a:xfrm>
+        <a:prstGeom prst="ellipse">
+          <a:avLst/>
+        </a:prstGeom>
+        <a:solidFill>
+          <a:schemeClr val="accent4">
+            <a:hueOff val="5048943"/>
+            <a:satOff val="-21006"/>
+            <a:lumOff val="4950"/>
+            <a:alphaOff val="0"/>
+          </a:schemeClr>
+        </a:solidFill>
+        <a:ln w="12700" cap="flat" cmpd="sng" algn="ctr">
+          <a:solidFill>
+            <a:schemeClr val="accent4">
+              <a:hueOff val="5048943"/>
+              <a:satOff val="-21006"/>
+              <a:lumOff val="4950"/>
+              <a:alphaOff val="0"/>
+            </a:schemeClr>
+          </a:solidFill>
+          <a:prstDash val="solid"/>
+          <a:miter lim="800000"/>
+        </a:ln>
+        <a:effectLst/>
+      </dsp:spPr>
+      <dsp:style>
+        <a:lnRef idx="2">
+          <a:scrgbClr r="0" g="0" b="0"/>
+        </a:lnRef>
+        <a:fillRef idx="1">
+          <a:scrgbClr r="0" g="0" b="0"/>
+        </a:fillRef>
+        <a:effectRef idx="0">
+          <a:scrgbClr r="0" g="0" b="0"/>
+        </a:effectRef>
+        <a:fontRef idx="minor">
+          <a:schemeClr val="lt1"/>
+        </a:fontRef>
+      </dsp:style>
+    </dsp:sp>
+    <dsp:sp modelId="{AC2D0A11-D93A-4D5F-9291-5A2FB9123128}">
+      <dsp:nvSpPr>
+        <dsp:cNvPr id="0" name=""/>
+        <dsp:cNvSpPr/>
+      </dsp:nvSpPr>
+      <dsp:spPr>
+        <a:xfrm>
+          <a:off x="0" y="949193"/>
+          <a:ext cx="3281111" cy="720067"/>
+        </a:xfrm>
+        <a:prstGeom prst="rect">
+          <a:avLst/>
+        </a:prstGeom>
+        <a:noFill/>
+        <a:ln>
+          <a:noFill/>
+        </a:ln>
+        <a:effectLst/>
+      </dsp:spPr>
+      <dsp:style>
+        <a:lnRef idx="0">
+          <a:scrgbClr r="0" g="0" b="0"/>
+        </a:lnRef>
+        <a:fillRef idx="0">
+          <a:scrgbClr r="0" g="0" b="0"/>
+        </a:fillRef>
+        <a:effectRef idx="0">
+          <a:scrgbClr r="0" g="0" b="0"/>
+        </a:effectRef>
+        <a:fontRef idx="minor"/>
+      </dsp:style>
+      <dsp:txBody>
+        <a:bodyPr spcFirstLastPara="0" vert="horz" wrap="square" lIns="0" tIns="0" rIns="0" bIns="0" numCol="1" spcCol="1270" anchor="b" anchorCtr="0">
+          <a:noAutofit/>
+        </a:bodyPr>
+        <a:lstStyle/>
+        <a:p>
+          <a:pPr marL="0" lvl="0" indent="0" algn="l" defTabSz="1111250">
+            <a:lnSpc>
+              <a:spcPct val="90000"/>
+            </a:lnSpc>
+            <a:spcBef>
+              <a:spcPct val="0"/>
+            </a:spcBef>
+            <a:spcAft>
+              <a:spcPct val="35000"/>
+            </a:spcAft>
+            <a:buNone/>
+          </a:pPr>
+          <a:r>
+            <a:rPr lang="en-IN" sz="2500" kern="1200" dirty="0"/>
+            <a:t>Email</a:t>
+          </a:r>
+        </a:p>
+      </dsp:txBody>
+      <dsp:txXfrm>
+        <a:off x="0" y="949193"/>
+        <a:ext cx="3281111" cy="720067"/>
+      </dsp:txXfrm>
+    </dsp:sp>
+    <dsp:sp modelId="{82FC235C-66AB-405A-88C7-5560B98275FD}">
+      <dsp:nvSpPr>
+        <dsp:cNvPr id="0" name=""/>
+        <dsp:cNvSpPr/>
+      </dsp:nvSpPr>
+      <dsp:spPr>
+        <a:xfrm>
+          <a:off x="2770022" y="3346503"/>
+          <a:ext cx="559856" cy="560308"/>
+        </a:xfrm>
+        <a:prstGeom prst="ellipse">
+          <a:avLst/>
+        </a:prstGeom>
+        <a:solidFill>
+          <a:schemeClr val="accent4">
+            <a:hueOff val="5939934"/>
+            <a:satOff val="-24713"/>
+            <a:lumOff val="5823"/>
+            <a:alphaOff val="0"/>
+          </a:schemeClr>
+        </a:solidFill>
+        <a:ln w="12700" cap="flat" cmpd="sng" algn="ctr">
+          <a:solidFill>
+            <a:schemeClr val="accent4">
+              <a:hueOff val="5939934"/>
+              <a:satOff val="-24713"/>
+              <a:lumOff val="5823"/>
+              <a:alphaOff val="0"/>
+            </a:schemeClr>
+          </a:solidFill>
+          <a:prstDash val="solid"/>
+          <a:miter lim="800000"/>
+        </a:ln>
+        <a:effectLst/>
+      </dsp:spPr>
+      <dsp:style>
+        <a:lnRef idx="2">
+          <a:scrgbClr r="0" g="0" b="0"/>
+        </a:lnRef>
+        <a:fillRef idx="1">
+          <a:scrgbClr r="0" g="0" b="0"/>
+        </a:fillRef>
+        <a:effectRef idx="0">
+          <a:scrgbClr r="0" g="0" b="0"/>
+        </a:effectRef>
+        <a:fontRef idx="minor">
+          <a:schemeClr val="lt1"/>
+        </a:fontRef>
+      </dsp:style>
+    </dsp:sp>
+    <dsp:sp modelId="{47218CD0-42C7-4CE7-B5A6-BCB50DC09C55}">
+      <dsp:nvSpPr>
+        <dsp:cNvPr id="0" name=""/>
+        <dsp:cNvSpPr/>
+      </dsp:nvSpPr>
+      <dsp:spPr>
+        <a:xfrm>
+          <a:off x="2216017" y="3486465"/>
+          <a:ext cx="279928" cy="279923"/>
+        </a:xfrm>
+        <a:prstGeom prst="ellipse">
+          <a:avLst/>
+        </a:prstGeom>
+        <a:solidFill>
+          <a:schemeClr val="accent4">
+            <a:hueOff val="6236930"/>
+            <a:satOff val="-25949"/>
+            <a:lumOff val="6114"/>
+            <a:alphaOff val="0"/>
+          </a:schemeClr>
+        </a:solidFill>
+        <a:ln w="12700" cap="flat" cmpd="sng" algn="ctr">
+          <a:solidFill>
+            <a:schemeClr val="accent4">
+              <a:hueOff val="6236930"/>
+              <a:satOff val="-25949"/>
+              <a:lumOff val="6114"/>
+              <a:alphaOff val="0"/>
+            </a:schemeClr>
+          </a:solidFill>
+          <a:prstDash val="solid"/>
+          <a:miter lim="800000"/>
+        </a:ln>
+        <a:effectLst/>
+      </dsp:spPr>
+      <dsp:style>
+        <a:lnRef idx="2">
+          <a:scrgbClr r="0" g="0" b="0"/>
+        </a:lnRef>
+        <a:fillRef idx="1">
+          <a:scrgbClr r="0" g="0" b="0"/>
+        </a:fillRef>
+        <a:effectRef idx="0">
+          <a:scrgbClr r="0" g="0" b="0"/>
+        </a:effectRef>
+        <a:fontRef idx="minor">
+          <a:schemeClr val="lt1"/>
+        </a:fontRef>
+      </dsp:style>
+    </dsp:sp>
+    <dsp:sp modelId="{46CC77FA-2BB7-4301-B3B3-60D6052A36D1}">
+      <dsp:nvSpPr>
+        <dsp:cNvPr id="0" name=""/>
+        <dsp:cNvSpPr/>
+      </dsp:nvSpPr>
+      <dsp:spPr>
+        <a:xfrm>
+          <a:off x="1662988" y="3486465"/>
+          <a:ext cx="279928" cy="279923"/>
+        </a:xfrm>
+        <a:prstGeom prst="ellipse">
+          <a:avLst/>
+        </a:prstGeom>
+        <a:solidFill>
+          <a:schemeClr val="accent4">
+            <a:hueOff val="6533927"/>
+            <a:satOff val="-27185"/>
+            <a:lumOff val="6405"/>
+            <a:alphaOff val="0"/>
+          </a:schemeClr>
+        </a:solidFill>
+        <a:ln w="12700" cap="flat" cmpd="sng" algn="ctr">
+          <a:solidFill>
+            <a:schemeClr val="accent4">
+              <a:hueOff val="6533927"/>
+              <a:satOff val="-27185"/>
+              <a:lumOff val="6405"/>
+              <a:alphaOff val="0"/>
+            </a:schemeClr>
+          </a:solidFill>
+          <a:prstDash val="solid"/>
+          <a:miter lim="800000"/>
+        </a:ln>
+        <a:effectLst/>
+      </dsp:spPr>
+      <dsp:style>
+        <a:lnRef idx="2">
+          <a:scrgbClr r="0" g="0" b="0"/>
+        </a:lnRef>
+        <a:fillRef idx="1">
+          <a:scrgbClr r="0" g="0" b="0"/>
+        </a:fillRef>
+        <a:effectRef idx="0">
+          <a:scrgbClr r="0" g="0" b="0"/>
+        </a:effectRef>
+        <a:fontRef idx="minor">
+          <a:schemeClr val="lt1"/>
+        </a:fontRef>
+      </dsp:style>
+    </dsp:sp>
+    <dsp:sp modelId="{6B94F927-84F4-4537-84DE-3C0196DC6953}">
+      <dsp:nvSpPr>
+        <dsp:cNvPr id="0" name=""/>
+        <dsp:cNvSpPr/>
+      </dsp:nvSpPr>
+      <dsp:spPr>
+        <a:xfrm>
+          <a:off x="1108984" y="3486465"/>
+          <a:ext cx="279928" cy="279923"/>
+        </a:xfrm>
+        <a:prstGeom prst="ellipse">
+          <a:avLst/>
+        </a:prstGeom>
+        <a:solidFill>
+          <a:schemeClr val="accent4">
+            <a:hueOff val="6830923"/>
+            <a:satOff val="-28420"/>
+            <a:lumOff val="6696"/>
+            <a:alphaOff val="0"/>
+          </a:schemeClr>
+        </a:solidFill>
+        <a:ln w="12700" cap="flat" cmpd="sng" algn="ctr">
+          <a:solidFill>
+            <a:schemeClr val="accent4">
+              <a:hueOff val="6830923"/>
+              <a:satOff val="-28420"/>
+              <a:lumOff val="6696"/>
+              <a:alphaOff val="0"/>
+            </a:schemeClr>
+          </a:solidFill>
+          <a:prstDash val="solid"/>
+          <a:miter lim="800000"/>
+        </a:ln>
+        <a:effectLst/>
+      </dsp:spPr>
+      <dsp:style>
+        <a:lnRef idx="2">
+          <a:scrgbClr r="0" g="0" b="0"/>
+        </a:lnRef>
+        <a:fillRef idx="1">
+          <a:scrgbClr r="0" g="0" b="0"/>
+        </a:fillRef>
+        <a:effectRef idx="0">
+          <a:scrgbClr r="0" g="0" b="0"/>
+        </a:effectRef>
+        <a:fontRef idx="minor">
+          <a:schemeClr val="lt1"/>
+        </a:fontRef>
+      </dsp:style>
+    </dsp:sp>
+    <dsp:sp modelId="{159AE894-3CEA-4182-8915-1F6586539420}">
+      <dsp:nvSpPr>
+        <dsp:cNvPr id="0" name=""/>
+        <dsp:cNvSpPr/>
+      </dsp:nvSpPr>
+      <dsp:spPr>
+        <a:xfrm>
+          <a:off x="555955" y="3486465"/>
+          <a:ext cx="279928" cy="279923"/>
+        </a:xfrm>
+        <a:prstGeom prst="ellipse">
+          <a:avLst/>
+        </a:prstGeom>
+        <a:solidFill>
+          <a:schemeClr val="accent4">
+            <a:hueOff val="7127921"/>
+            <a:satOff val="-29656"/>
+            <a:lumOff val="6988"/>
+            <a:alphaOff val="0"/>
+          </a:schemeClr>
+        </a:solidFill>
+        <a:ln w="12700" cap="flat" cmpd="sng" algn="ctr">
+          <a:solidFill>
+            <a:schemeClr val="accent4">
+              <a:hueOff val="7127921"/>
+              <a:satOff val="-29656"/>
+              <a:lumOff val="6988"/>
+              <a:alphaOff val="0"/>
+            </a:schemeClr>
+          </a:solidFill>
+          <a:prstDash val="solid"/>
+          <a:miter lim="800000"/>
+        </a:ln>
+        <a:effectLst/>
+      </dsp:spPr>
+      <dsp:style>
+        <a:lnRef idx="2">
+          <a:scrgbClr r="0" g="0" b="0"/>
+        </a:lnRef>
+        <a:fillRef idx="1">
+          <a:scrgbClr r="0" g="0" b="0"/>
+        </a:fillRef>
+        <a:effectRef idx="0">
+          <a:scrgbClr r="0" g="0" b="0"/>
+        </a:effectRef>
+        <a:fontRef idx="minor">
+          <a:schemeClr val="lt1"/>
+        </a:fontRef>
+      </dsp:style>
+    </dsp:sp>
+    <dsp:sp modelId="{9E7FB175-554B-4EA4-A06D-4E46C50607C2}">
+      <dsp:nvSpPr>
+        <dsp:cNvPr id="0" name=""/>
+        <dsp:cNvSpPr/>
+      </dsp:nvSpPr>
+      <dsp:spPr>
+        <a:xfrm>
+          <a:off x="1950" y="3486465"/>
+          <a:ext cx="279928" cy="279923"/>
+        </a:xfrm>
+        <a:prstGeom prst="ellipse">
+          <a:avLst/>
+        </a:prstGeom>
+        <a:solidFill>
+          <a:schemeClr val="accent4">
+            <a:hueOff val="7424917"/>
+            <a:satOff val="-30892"/>
+            <a:lumOff val="7279"/>
+            <a:alphaOff val="0"/>
+          </a:schemeClr>
+        </a:solidFill>
+        <a:ln w="12700" cap="flat" cmpd="sng" algn="ctr">
+          <a:solidFill>
+            <a:schemeClr val="accent4">
+              <a:hueOff val="7424917"/>
+              <a:satOff val="-30892"/>
+              <a:lumOff val="7279"/>
+              <a:alphaOff val="0"/>
+            </a:schemeClr>
+          </a:solidFill>
+          <a:prstDash val="solid"/>
+          <a:miter lim="800000"/>
+        </a:ln>
+        <a:effectLst/>
+      </dsp:spPr>
+      <dsp:style>
+        <a:lnRef idx="2">
+          <a:scrgbClr r="0" g="0" b="0"/>
+        </a:lnRef>
+        <a:fillRef idx="1">
+          <a:scrgbClr r="0" g="0" b="0"/>
+        </a:fillRef>
+        <a:effectRef idx="0">
+          <a:scrgbClr r="0" g="0" b="0"/>
+        </a:effectRef>
+        <a:fontRef idx="minor">
+          <a:schemeClr val="lt1"/>
+        </a:fontRef>
+      </dsp:style>
+    </dsp:sp>
+    <dsp:sp modelId="{05ABA0D0-814C-4533-A54D-22560FAE7DAF}">
+      <dsp:nvSpPr>
+        <dsp:cNvPr id="0" name=""/>
+        <dsp:cNvSpPr/>
+      </dsp:nvSpPr>
+      <dsp:spPr>
+        <a:xfrm>
+          <a:off x="0" y="2770080"/>
+          <a:ext cx="2481315" cy="720067"/>
+        </a:xfrm>
+        <a:prstGeom prst="rect">
+          <a:avLst/>
+        </a:prstGeom>
+        <a:noFill/>
+        <a:ln>
+          <a:noFill/>
+        </a:ln>
+        <a:effectLst/>
+      </dsp:spPr>
+      <dsp:style>
+        <a:lnRef idx="0">
+          <a:scrgbClr r="0" g="0" b="0"/>
+        </a:lnRef>
+        <a:fillRef idx="0">
+          <a:scrgbClr r="0" g="0" b="0"/>
+        </a:fillRef>
+        <a:effectRef idx="0">
+          <a:scrgbClr r="0" g="0" b="0"/>
+        </a:effectRef>
+        <a:fontRef idx="minor"/>
+      </dsp:style>
+      <dsp:txBody>
+        <a:bodyPr spcFirstLastPara="0" vert="horz" wrap="square" lIns="0" tIns="0" rIns="0" bIns="0" numCol="1" spcCol="1270" anchor="b" anchorCtr="0">
+          <a:noAutofit/>
+        </a:bodyPr>
+        <a:lstStyle/>
+        <a:p>
+          <a:pPr marL="0" lvl="0" indent="0" algn="l" defTabSz="1111250">
+            <a:lnSpc>
+              <a:spcPct val="90000"/>
+            </a:lnSpc>
+            <a:spcBef>
+              <a:spcPct val="0"/>
+            </a:spcBef>
+            <a:spcAft>
+              <a:spcPct val="35000"/>
+            </a:spcAft>
+            <a:buNone/>
+          </a:pPr>
+          <a:r>
+            <a:rPr lang="en-IN" sz="2500" kern="1200" dirty="0"/>
+            <a:t>Cloud Function</a:t>
+          </a:r>
+        </a:p>
+      </dsp:txBody>
+      <dsp:txXfrm>
+        <a:off x="0" y="2770080"/>
+        <a:ext cx="2481315" cy="720067"/>
+      </dsp:txXfrm>
+    </dsp:sp>
+    <dsp:sp modelId="{4068AFA5-31F5-4BF2-980A-E6D95E9E80D1}">
+      <dsp:nvSpPr>
+        <dsp:cNvPr id="0" name=""/>
+        <dsp:cNvSpPr/>
+      </dsp:nvSpPr>
+      <dsp:spPr>
+        <a:xfrm>
+          <a:off x="3351336" y="4702845"/>
+          <a:ext cx="559856" cy="560308"/>
+        </a:xfrm>
+        <a:prstGeom prst="ellipse">
+          <a:avLst/>
+        </a:prstGeom>
+        <a:solidFill>
+          <a:schemeClr val="accent4">
+            <a:hueOff val="8018910"/>
+            <a:satOff val="-33363"/>
+            <a:lumOff val="7861"/>
+            <a:alphaOff val="0"/>
+          </a:schemeClr>
+        </a:solidFill>
+        <a:ln w="12700" cap="flat" cmpd="sng" algn="ctr">
+          <a:solidFill>
+            <a:schemeClr val="accent4">
+              <a:hueOff val="8018910"/>
+              <a:satOff val="-33363"/>
+              <a:lumOff val="7861"/>
+              <a:alphaOff val="0"/>
+            </a:schemeClr>
+          </a:solidFill>
+          <a:prstDash val="solid"/>
+          <a:miter lim="800000"/>
+        </a:ln>
+        <a:effectLst/>
+      </dsp:spPr>
+      <dsp:style>
+        <a:lnRef idx="2">
+          <a:scrgbClr r="0" g="0" b="0"/>
+        </a:lnRef>
+        <a:fillRef idx="1">
+          <a:scrgbClr r="0" g="0" b="0"/>
+        </a:fillRef>
+        <a:effectRef idx="0">
+          <a:scrgbClr r="0" g="0" b="0"/>
+        </a:effectRef>
+        <a:fontRef idx="minor">
+          <a:schemeClr val="lt1"/>
+        </a:fontRef>
+      </dsp:style>
+    </dsp:sp>
+    <dsp:sp modelId="{37055555-0657-4F35-B219-51D657975A80}">
+      <dsp:nvSpPr>
+        <dsp:cNvPr id="0" name=""/>
+        <dsp:cNvSpPr/>
+      </dsp:nvSpPr>
+      <dsp:spPr>
+        <a:xfrm>
+          <a:off x="2992404" y="5273282"/>
+          <a:ext cx="279928" cy="279923"/>
+        </a:xfrm>
+        <a:prstGeom prst="ellipse">
+          <a:avLst/>
+        </a:prstGeom>
+        <a:solidFill>
+          <a:schemeClr val="accent4">
+            <a:hueOff val="8315907"/>
+            <a:satOff val="-34599"/>
+            <a:lumOff val="8152"/>
+            <a:alphaOff val="0"/>
+          </a:schemeClr>
+        </a:solidFill>
+        <a:ln w="12700" cap="flat" cmpd="sng" algn="ctr">
+          <a:solidFill>
+            <a:schemeClr val="accent4">
+              <a:hueOff val="8315907"/>
+              <a:satOff val="-34599"/>
+              <a:lumOff val="8152"/>
+              <a:alphaOff val="0"/>
+            </a:schemeClr>
+          </a:solidFill>
+          <a:prstDash val="solid"/>
+          <a:miter lim="800000"/>
+        </a:ln>
+        <a:effectLst/>
+      </dsp:spPr>
+      <dsp:style>
+        <a:lnRef idx="2">
+          <a:scrgbClr r="0" g="0" b="0"/>
+        </a:lnRef>
+        <a:fillRef idx="1">
+          <a:scrgbClr r="0" g="0" b="0"/>
+        </a:fillRef>
+        <a:effectRef idx="0">
+          <a:scrgbClr r="0" g="0" b="0"/>
+        </a:effectRef>
+        <a:fontRef idx="minor">
+          <a:schemeClr val="lt1"/>
+        </a:fontRef>
+      </dsp:style>
+    </dsp:sp>
+    <dsp:sp modelId="{166E2CCF-FEB1-49D6-83AF-3973E2EA839B}">
+      <dsp:nvSpPr>
+        <dsp:cNvPr id="0" name=""/>
+        <dsp:cNvSpPr/>
+      </dsp:nvSpPr>
+      <dsp:spPr>
+        <a:xfrm>
+          <a:off x="2394508" y="5273282"/>
+          <a:ext cx="279928" cy="279923"/>
+        </a:xfrm>
+        <a:prstGeom prst="ellipse">
+          <a:avLst/>
+        </a:prstGeom>
+        <a:solidFill>
+          <a:schemeClr val="accent4">
+            <a:hueOff val="8612904"/>
+            <a:satOff val="-35834"/>
+            <a:lumOff val="8443"/>
+            <a:alphaOff val="0"/>
+          </a:schemeClr>
+        </a:solidFill>
+        <a:ln w="12700" cap="flat" cmpd="sng" algn="ctr">
+          <a:solidFill>
+            <a:schemeClr val="accent4">
+              <a:hueOff val="8612904"/>
+              <a:satOff val="-35834"/>
+              <a:lumOff val="8443"/>
+              <a:alphaOff val="0"/>
+            </a:schemeClr>
+          </a:solidFill>
+          <a:prstDash val="solid"/>
+          <a:miter lim="800000"/>
+        </a:ln>
+        <a:effectLst/>
+      </dsp:spPr>
+      <dsp:style>
+        <a:lnRef idx="2">
+          <a:scrgbClr r="0" g="0" b="0"/>
+        </a:lnRef>
+        <a:fillRef idx="1">
+          <a:scrgbClr r="0" g="0" b="0"/>
+        </a:fillRef>
+        <a:effectRef idx="0">
+          <a:scrgbClr r="0" g="0" b="0"/>
+        </a:effectRef>
+        <a:fontRef idx="minor">
+          <a:schemeClr val="lt1"/>
+        </a:fontRef>
+      </dsp:style>
+    </dsp:sp>
+    <dsp:sp modelId="{7299BDC0-80FD-49EA-9F13-EDBA14E5C63E}">
+      <dsp:nvSpPr>
+        <dsp:cNvPr id="0" name=""/>
+        <dsp:cNvSpPr/>
+      </dsp:nvSpPr>
+      <dsp:spPr>
+        <a:xfrm>
+          <a:off x="1796613" y="5273282"/>
+          <a:ext cx="279928" cy="279923"/>
+        </a:xfrm>
+        <a:prstGeom prst="ellipse">
+          <a:avLst/>
+        </a:prstGeom>
+        <a:solidFill>
+          <a:schemeClr val="accent4">
+            <a:hueOff val="8909901"/>
+            <a:satOff val="-37070"/>
+            <a:lumOff val="8735"/>
+            <a:alphaOff val="0"/>
+          </a:schemeClr>
+        </a:solidFill>
+        <a:ln w="12700" cap="flat" cmpd="sng" algn="ctr">
+          <a:solidFill>
+            <a:schemeClr val="accent4">
+              <a:hueOff val="8909901"/>
+              <a:satOff val="-37070"/>
+              <a:lumOff val="8735"/>
+              <a:alphaOff val="0"/>
+            </a:schemeClr>
+          </a:solidFill>
+          <a:prstDash val="solid"/>
+          <a:miter lim="800000"/>
+        </a:ln>
+        <a:effectLst/>
+      </dsp:spPr>
+      <dsp:style>
+        <a:lnRef idx="2">
+          <a:scrgbClr r="0" g="0" b="0"/>
+        </a:lnRef>
+        <a:fillRef idx="1">
+          <a:scrgbClr r="0" g="0" b="0"/>
+        </a:fillRef>
+        <a:effectRef idx="0">
+          <a:scrgbClr r="0" g="0" b="0"/>
+        </a:effectRef>
+        <a:fontRef idx="minor">
+          <a:schemeClr val="lt1"/>
+        </a:fontRef>
+      </dsp:style>
+    </dsp:sp>
+    <dsp:sp modelId="{ED7CDA69-43CF-452A-8C55-A3C5B09356EB}">
+      <dsp:nvSpPr>
+        <dsp:cNvPr id="0" name=""/>
+        <dsp:cNvSpPr/>
+      </dsp:nvSpPr>
+      <dsp:spPr>
+        <a:xfrm>
+          <a:off x="1198717" y="5273282"/>
+          <a:ext cx="279928" cy="279923"/>
+        </a:xfrm>
+        <a:prstGeom prst="ellipse">
+          <a:avLst/>
+        </a:prstGeom>
+        <a:solidFill>
+          <a:schemeClr val="accent4">
+            <a:hueOff val="9206897"/>
+            <a:satOff val="-38306"/>
+            <a:lumOff val="9026"/>
+            <a:alphaOff val="0"/>
+          </a:schemeClr>
+        </a:solidFill>
+        <a:ln w="12700" cap="flat" cmpd="sng" algn="ctr">
+          <a:solidFill>
+            <a:schemeClr val="accent4">
+              <a:hueOff val="9206897"/>
+              <a:satOff val="-38306"/>
+              <a:lumOff val="9026"/>
+              <a:alphaOff val="0"/>
+            </a:schemeClr>
+          </a:solidFill>
+          <a:prstDash val="solid"/>
+          <a:miter lim="800000"/>
+        </a:ln>
+        <a:effectLst/>
+      </dsp:spPr>
+      <dsp:style>
+        <a:lnRef idx="2">
+          <a:scrgbClr r="0" g="0" b="0"/>
+        </a:lnRef>
+        <a:fillRef idx="1">
+          <a:scrgbClr r="0" g="0" b="0"/>
+        </a:fillRef>
+        <a:effectRef idx="0">
+          <a:scrgbClr r="0" g="0" b="0"/>
+        </a:effectRef>
+        <a:fontRef idx="minor">
+          <a:schemeClr val="lt1"/>
+        </a:fontRef>
+      </dsp:style>
+    </dsp:sp>
+    <dsp:sp modelId="{A1F40C65-6DC2-4AD8-ADD6-BF6A947B7DDF}">
+      <dsp:nvSpPr>
+        <dsp:cNvPr id="0" name=""/>
+        <dsp:cNvSpPr/>
+      </dsp:nvSpPr>
+      <dsp:spPr>
+        <a:xfrm>
+          <a:off x="599846" y="5273282"/>
+          <a:ext cx="279928" cy="279923"/>
+        </a:xfrm>
+        <a:prstGeom prst="ellipse">
+          <a:avLst/>
+        </a:prstGeom>
+        <a:solidFill>
+          <a:schemeClr val="accent4">
+            <a:hueOff val="9503894"/>
+            <a:satOff val="-39541"/>
+            <a:lumOff val="9317"/>
+            <a:alphaOff val="0"/>
+          </a:schemeClr>
+        </a:solidFill>
+        <a:ln w="12700" cap="flat" cmpd="sng" algn="ctr">
+          <a:solidFill>
+            <a:schemeClr val="accent4">
+              <a:hueOff val="9503894"/>
+              <a:satOff val="-39541"/>
+              <a:lumOff val="9317"/>
+              <a:alphaOff val="0"/>
+            </a:schemeClr>
+          </a:solidFill>
+          <a:prstDash val="solid"/>
+          <a:miter lim="800000"/>
+        </a:ln>
+        <a:effectLst/>
+      </dsp:spPr>
+      <dsp:style>
+        <a:lnRef idx="2">
+          <a:scrgbClr r="0" g="0" b="0"/>
+        </a:lnRef>
+        <a:fillRef idx="1">
+          <a:scrgbClr r="0" g="0" b="0"/>
+        </a:fillRef>
+        <a:effectRef idx="0">
+          <a:scrgbClr r="0" g="0" b="0"/>
+        </a:effectRef>
+        <a:fontRef idx="minor">
+          <a:schemeClr val="lt1"/>
+        </a:fontRef>
+      </dsp:style>
+    </dsp:sp>
+    <dsp:sp modelId="{4377C246-9FA2-4534-8915-B7A19624FCDB}">
+      <dsp:nvSpPr>
+        <dsp:cNvPr id="0" name=""/>
+        <dsp:cNvSpPr/>
+      </dsp:nvSpPr>
+      <dsp:spPr>
+        <a:xfrm>
+          <a:off x="1950" y="5273282"/>
+          <a:ext cx="279928" cy="279923"/>
+        </a:xfrm>
+        <a:prstGeom prst="ellipse">
+          <a:avLst/>
+        </a:prstGeom>
+        <a:solidFill>
+          <a:schemeClr val="accent4">
+            <a:hueOff val="9800891"/>
+            <a:satOff val="-40777"/>
+            <a:lumOff val="9608"/>
+            <a:alphaOff val="0"/>
+          </a:schemeClr>
+        </a:solidFill>
+        <a:ln w="12700" cap="flat" cmpd="sng" algn="ctr">
+          <a:solidFill>
+            <a:schemeClr val="accent4">
+              <a:hueOff val="9800891"/>
+              <a:satOff val="-40777"/>
+              <a:lumOff val="9608"/>
+              <a:alphaOff val="0"/>
+            </a:schemeClr>
+          </a:solidFill>
+          <a:prstDash val="solid"/>
+          <a:miter lim="800000"/>
+        </a:ln>
+        <a:effectLst/>
+      </dsp:spPr>
+      <dsp:style>
+        <a:lnRef idx="2">
+          <a:scrgbClr r="0" g="0" b="0"/>
+        </a:lnRef>
+        <a:fillRef idx="1">
+          <a:scrgbClr r="0" g="0" b="0"/>
+        </a:fillRef>
+        <a:effectRef idx="0">
+          <a:scrgbClr r="0" g="0" b="0"/>
+        </a:effectRef>
+        <a:fontRef idx="minor">
+          <a:schemeClr val="lt1"/>
+        </a:fontRef>
+      </dsp:style>
+    </dsp:sp>
+    <dsp:sp modelId="{F4173BD1-6B29-4B24-AE63-FFACAC25478D}">
+      <dsp:nvSpPr>
+        <dsp:cNvPr id="0" name=""/>
+        <dsp:cNvSpPr/>
+      </dsp:nvSpPr>
+      <dsp:spPr>
+        <a:xfrm>
+          <a:off x="0" y="4550452"/>
+          <a:ext cx="3281111" cy="720067"/>
+        </a:xfrm>
+        <a:prstGeom prst="rect">
+          <a:avLst/>
+        </a:prstGeom>
+        <a:noFill/>
+        <a:ln>
+          <a:noFill/>
+        </a:ln>
+        <a:effectLst/>
+      </dsp:spPr>
+      <dsp:style>
+        <a:lnRef idx="0">
+          <a:scrgbClr r="0" g="0" b="0"/>
+        </a:lnRef>
+        <a:fillRef idx="0">
+          <a:scrgbClr r="0" g="0" b="0"/>
+        </a:fillRef>
+        <a:effectRef idx="0">
+          <a:scrgbClr r="0" g="0" b="0"/>
+        </a:effectRef>
+        <a:fontRef idx="minor"/>
+      </dsp:style>
+      <dsp:txBody>
+        <a:bodyPr spcFirstLastPara="0" vert="horz" wrap="square" lIns="0" tIns="0" rIns="0" bIns="0" numCol="1" spcCol="1270" anchor="b" anchorCtr="0">
+          <a:noAutofit/>
+        </a:bodyPr>
+        <a:lstStyle/>
+        <a:p>
+          <a:pPr marL="0" lvl="0" indent="0" algn="l" defTabSz="1111250">
+            <a:lnSpc>
+              <a:spcPct val="90000"/>
+            </a:lnSpc>
+            <a:spcBef>
+              <a:spcPct val="0"/>
+            </a:spcBef>
+            <a:spcAft>
+              <a:spcPct val="35000"/>
+            </a:spcAft>
+            <a:buNone/>
+          </a:pPr>
+          <a:r>
+            <a:rPr lang="en-IN" sz="2500" kern="1200" dirty="0"/>
+            <a:t>Request Type Configuration (Fixed)</a:t>
+          </a:r>
+        </a:p>
+      </dsp:txBody>
+      <dsp:txXfrm>
+        <a:off x="0" y="4550452"/>
+        <a:ext cx="3281111" cy="720067"/>
+      </dsp:txXfrm>
+    </dsp:sp>
+  </dsp:spTree>
+</dsp:drawing>
+</file>
+
+<file path=ppt/diagrams/layout1.xml><?xml version="1.0" encoding="utf-8"?>
+<dgm:layoutDef xmlns:dgm="http://schemas.openxmlformats.org/drawingml/2006/diagram" xmlns:a="http://schemas.openxmlformats.org/drawingml/2006/main" uniqueId="urn:microsoft.com/office/officeart/2011/layout/ConvergingText">
+  <dgm:title val="Converging Text"/>
+  <dgm:desc val="Use to show multiple steps or parts that merge into a whole. Limited to one Level 1 shape that contains text and a maximum of five Level 2 shapes."/>
+  <dgm:catLst>
+    <dgm:cat type="process" pri="6500"/>
+    <dgm:cat type="officeonline" pri="5000"/>
+  </dgm:catLst>
+  <dgm:sampData>
+    <dgm:dataModel>
+      <dgm:ptLst>
+        <dgm:pt modelId="0" type="doc"/>
+        <dgm:pt modelId="10">
+          <dgm:prSet phldr="1"/>
+        </dgm:pt>
+        <dgm:pt modelId="11">
+          <dgm:prSet phldr="1"/>
+        </dgm:pt>
+        <dgm:pt modelId="12">
+          <dgm:prSet phldr="1"/>
+        </dgm:pt>
+        <dgm:pt modelId="13">
+          <dgm:prSet phldr="1"/>
+        </dgm:pt>
+      </dgm:ptLst>
+      <dgm:cxnLst>
+        <dgm:cxn modelId="1" srcId="0" destId="10" srcOrd="0" destOrd="0"/>
+        <dgm:cxn modelId="2" srcId="10" destId="11" srcOrd="0" destOrd="0"/>
+        <dgm:cxn modelId="3" srcId="10" destId="12" srcOrd="1" destOrd="0"/>
+        <dgm:cxn modelId="4" srcId="10" destId="13" srcOrd="2" destOrd="0"/>
+      </dgm:cxnLst>
+      <dgm:bg/>
+      <dgm:whole/>
+    </dgm:dataModel>
+  </dgm:sampData>
+  <dgm:styleData>
+    <dgm:dataModel>
+      <dgm:ptLst>
+        <dgm:pt modelId="0" type="doc"/>
+        <dgm:pt modelId="10">
+          <dgm:prSet phldr="1"/>
+        </dgm:pt>
+        <dgm:pt modelId="11">
+          <dgm:prSet phldr="1"/>
+        </dgm:pt>
+        <dgm:pt modelId="12">
+          <dgm:prSet phldr="1"/>
+        </dgm:pt>
+        <dgm:pt modelId="13">
+          <dgm:prSet phldr="1"/>
+        </dgm:pt>
+      </dgm:ptLst>
+      <dgm:cxnLst>
+        <dgm:cxn modelId="1" srcId="0" destId="10" srcOrd="0" destOrd="0"/>
+        <dgm:cxn modelId="2" srcId="10" destId="11" srcOrd="0" destOrd="0"/>
+        <dgm:cxn modelId="3" srcId="10" destId="12" srcOrd="1" destOrd="0"/>
+        <dgm:cxn modelId="4" srcId="10" destId="13" srcOrd="2" destOrd="0"/>
+      </dgm:cxnLst>
+      <dgm:bg/>
+      <dgm:whole/>
+    </dgm:dataModel>
+  </dgm:styleData>
+  <dgm:clrData>
+    <dgm:dataModel>
+      <dgm:ptLst>
+        <dgm:pt modelId="0" type="doc"/>
+        <dgm:pt modelId="10">
+          <dgm:prSet phldr="1"/>
+        </dgm:pt>
+        <dgm:pt modelId="11">
+          <dgm:prSet phldr="1"/>
+        </dgm:pt>
+        <dgm:pt modelId="12">
+          <dgm:prSet phldr="1"/>
+        </dgm:pt>
+        <dgm:pt modelId="13">
+          <dgm:prSet phldr="1"/>
+        </dgm:pt>
+      </dgm:ptLst>
+      <dgm:cxnLst>
+        <dgm:cxn modelId="1" srcId="0" destId="10" srcOrd="0" destOrd="0"/>
+        <dgm:cxn modelId="2" srcId="10" destId="11" srcOrd="0" destOrd="0"/>
+        <dgm:cxn modelId="3" srcId="10" destId="12" srcOrd="1" destOrd="0"/>
+        <dgm:cxn modelId="4" srcId="10" destId="13" srcOrd="2" destOrd="0"/>
+      </dgm:cxnLst>
+      <dgm:bg/>
+      <dgm:whole/>
+    </dgm:dataModel>
+  </dgm:clrData>
+  <dgm:layoutNode name="Name0">
+    <dgm:varLst>
+      <dgm:chMax/>
+      <dgm:chPref val="1"/>
+      <dgm:dir/>
+      <dgm:animOne val="branch"/>
+      <dgm:animLvl val="lvl"/>
+      <dgm:resizeHandles/>
+    </dgm:varLst>
+    <dgm:choose name="Name1">
+      <dgm:if name="Name2" func="var" arg="dir" op="equ" val="norm">
+        <dgm:alg type="lin">
+          <dgm:param type="linDir" val="fromL"/>
+          <dgm:param type="vertAlign" val="mid"/>
+          <dgm:param type="nodeVertAlign" val="mid"/>
+          <dgm:param type="horzAlign" val="ctr"/>
+        </dgm:alg>
+      </dgm:if>
+      <dgm:else name="Name3">
+        <dgm:alg type="lin">
+          <dgm:param type="linDir" val="fromR"/>
+          <dgm:param type="vertAlign" val="mid"/>
+          <dgm:param type="nodeVertAlign" val="mid"/>
+          <dgm:param type="horzAlign" val="ctr"/>
+        </dgm:alg>
+      </dgm:else>
+    </dgm:choose>
+    <dgm:shape xmlns:r="http://schemas.openxmlformats.org/officeDocument/2006/relationships" r:blip="">
+      <dgm:adjLst/>
+    </dgm:shape>
+    <dgm:constrLst>
+      <dgm:constr type="primFontSz" for="des" forName="Parent" op="equ" val="65"/>
+      <dgm:constr type="primFontSz" for="des" forName="Child1" op="equ" val="65"/>
+      <dgm:constr type="primFontSz" for="des" forName="Child2" refType="primFontSz" refFor="des" refForName="Child1" op="equ"/>
+      <dgm:constr type="primFontSz" for="des" forName="Child3" refType="primFontSz" refFor="des" refForName="Child1" op="equ"/>
+      <dgm:constr type="primFontSz" for="des" forName="Child4" refType="primFontSz" refFor="des" refForName="Child1" op="equ"/>
+      <dgm:constr type="primFontSz" for="des" forName="Child5" refType="primFontSz" refFor="des" refForName="Child1" op="equ"/>
+      <dgm:constr type="primFontSz" for="des" forName="Child1" refType="primFontSz" refFor="des" refForName="Parent" op="lte"/>
+      <dgm:constr type="primFontSz" for="des" forName="Child2" refType="primFontSz" refFor="des" refForName="Parent" op="lte"/>
+      <dgm:constr type="primFontSz" for="des" forName="Child3" refType="primFontSz" refFor="des" refForName="Parent" op="lte"/>
+      <dgm:constr type="primFontSz" for="des" forName="Child4" refType="primFontSz" refFor="des" refForName="Parent" op="lte"/>
+      <dgm:constr type="primFontSz" for="des" forName="Child5" refType="primFontSz" refFor="des" refForName="Parent" op="lte"/>
+      <dgm:constr type="w" for="ch" forName="composite" refType="w"/>
+      <dgm:constr type="h" for="ch" forName="composite" refType="h"/>
+      <dgm:constr type="sp" refType="w" refFor="ch" refForName="composite" op="equ" fact="0.05"/>
+      <dgm:constr type="w" for="ch" forName="sibTrans" refType="w" refFor="ch" refForName="composite" op="equ" fact="0.05"/>
+      <dgm:constr type="h" for="ch" forName="sibTrans" refType="w" refFor="ch" refForName="sibTrans" op="equ"/>
+    </dgm:constrLst>
+    <dgm:forEach name="nodesForEach" axis="ch" ptType="node">
+      <dgm:layoutNode name="composite">
+        <dgm:choose name="Name4">
+          <dgm:if name="Name5" func="var" arg="dir" op="equ" val="norm">
+            <dgm:choose name="Name6">
+              <dgm:if name="Name7" axis="ch" ptType="node" func="cnt" op="equ" val="0">
+                <dgm:alg type="composite">
+                  <dgm:param type="ar" val="2.1059"/>
+                </dgm:alg>
+                <dgm:constrLst>
+                  <dgm:constr type="l" for="ch" forName="Parent" refType="w" fact="0"/>
+                  <dgm:constr type="t" for="ch" forName="Parent" refType="h" fact="0"/>
+                  <dgm:constr type="w" for="ch" forName="Parent" refType="w" fact="0.4749"/>
+                  <dgm:constr type="h" for="ch" forName="Parent" refType="h"/>
+                  <dgm:constr type="l" for="ch" forName="ParentAccent1" refType="w" fact="0.9531"/>
+                  <dgm:constr type="t" for="ch" forName="ParentAccent1" refType="h" fact="0.4506"/>
+                  <dgm:constr type="w" for="ch" forName="ParentAccent1" refType="w" fact="0.0469"/>
+                  <dgm:constr type="h" for="ch" forName="ParentAccent1" refType="h" fact="0.0988"/>
+                  <dgm:constr type="l" for="ch" forName="ParentAccent2" refType="w" fact="0.8734"/>
+                  <dgm:constr type="t" for="ch" forName="ParentAccent2" refType="h" fact="0.4506"/>
+                  <dgm:constr type="w" for="ch" forName="ParentAccent2" refType="w" fact="0.0469"/>
+                  <dgm:constr type="h" for="ch" forName="ParentAccent2" refType="h" fact="0.0988"/>
+                  <dgm:constr type="l" for="ch" forName="ParentAccent3" refType="w" fact="0.7937"/>
+                  <dgm:constr type="t" for="ch" forName="ParentAccent3" refType="h" fact="0.4506"/>
+                  <dgm:constr type="w" for="ch" forName="ParentAccent3" refType="w" fact="0.0469"/>
+                  <dgm:constr type="h" for="ch" forName="ParentAccent3" refType="h" fact="0.0988"/>
+                  <dgm:constr type="l" for="ch" forName="ParentAccent4" refType="w" fact="0.714"/>
+                  <dgm:constr type="t" for="ch" forName="ParentAccent4" refType="h" fact="0.4506"/>
+                  <dgm:constr type="w" for="ch" forName="ParentAccent4" refType="w" fact="0.0469"/>
+                  <dgm:constr type="h" for="ch" forName="ParentAccent4" refType="h" fact="0.0988"/>
+                  <dgm:constr type="l" for="ch" forName="ParentAccent5" refType="w" fact="0.6343"/>
+                  <dgm:constr type="t" for="ch" forName="ParentAccent5" refType="h" fact="0.4506"/>
+                  <dgm:constr type="w" for="ch" forName="ParentAccent5" refType="w" fact="0.0469"/>
+                  <dgm:constr type="h" for="ch" forName="ParentAccent5" refType="h" fact="0.0988"/>
+                  <dgm:constr type="l" for="ch" forName="ParentAccent6" refType="w" fact="0.5076"/>
+                  <dgm:constr type="t" for="ch" forName="ParentAccent6" refType="h" fact="0.4012"/>
+                  <dgm:constr type="w" for="ch" forName="ParentAccent6" refType="w" fact="0.0939"/>
+                  <dgm:constr type="h" for="ch" forName="ParentAccent6" refType="h" fact="0.1976"/>
+                  <dgm:constr type="l" for="ch" forName="ParentAccent7" refType="w" fact="0.8766"/>
+                  <dgm:constr type="t" for="ch" forName="ParentAccent7" refType="h" fact="0.2465"/>
+                  <dgm:constr type="w" for="ch" forName="ParentAccent7" refType="w" fact="0.0469"/>
+                  <dgm:constr type="h" for="ch" forName="ParentAccent7" refType="h" fact="0.0988"/>
+                  <dgm:constr type="l" for="ch" forName="ParentAccent8" refType="w" fact="0.8766"/>
+                  <dgm:constr type="t" for="ch" forName="ParentAccent8" refType="h" fact="0.6562"/>
+                  <dgm:constr type="w" for="ch" forName="ParentAccent8" refType="w" fact="0.0469"/>
+                  <dgm:constr type="h" for="ch" forName="ParentAccent8" refType="h" fact="0.0988"/>
+                  <dgm:constr type="l" for="ch" forName="ParentAccent9" refType="w" fact="0.9185"/>
+                  <dgm:constr type="t" for="ch" forName="ParentAccent9" refType="h" fact="0.3353"/>
+                  <dgm:constr type="w" for="ch" forName="ParentAccent9" refType="w" fact="0.0469"/>
+                  <dgm:constr type="h" for="ch" forName="ParentAccent9" refType="h" fact="0.0988"/>
+                  <dgm:constr type="l" for="ch" forName="ParentAccent10" refType="w" fact="0.9213"/>
+                  <dgm:constr type="t" for="ch" forName="ParentAccent10" refType="h" fact="0.5679"/>
+                  <dgm:constr type="w" for="ch" forName="ParentAccent10" refType="w" fact="0.0469"/>
+                  <dgm:constr type="h" for="ch" forName="ParentAccent10" refType="h" fact="0.0988"/>
+                </dgm:constrLst>
+              </dgm:if>
+              <dgm:if name="Name8" axis="ch" ptType="node" func="cnt" op="equ" val="1">
+                <dgm:alg type="composite">
+                  <dgm:param type="ar" val="3.4411"/>
+                </dgm:alg>
+                <dgm:constrLst>
+                  <dgm:constr type="l" for="ch" forName="Child1Accent1" refType="w" fact="0.284"/>
+                  <dgm:constr type="t" for="ch" forName="Child1Accent1" refType="h" fact="0.4012"/>
+                  <dgm:constr type="w" for="ch" forName="Child1Accent1" refType="w" fact="0.0574"/>
+                  <dgm:constr type="h" for="ch" forName="Child1Accent1" refType="h" fact="0.1976"/>
+                  <dgm:constr type="l" for="ch" forName="Child1Accent2" refType="w" fact="0.2272"/>
+                  <dgm:constr type="t" for="ch" forName="Child1Accent2" refType="h" fact="0.4506"/>
+                  <dgm:constr type="w" for="ch" forName="Child1Accent2" refType="w" fact="0.0287"/>
+                  <dgm:constr type="h" for="ch" forName="Child1Accent2" refType="h" fact="0.0988"/>
+                  <dgm:constr type="l" for="ch" forName="Child1Accent3" refType="w" fact="0.1705"/>
+                  <dgm:constr type="t" for="ch" forName="Child1Accent3" refType="h" fact="0.4506"/>
+                  <dgm:constr type="w" for="ch" forName="Child1Accent3" refType="w" fact="0.0287"/>
+                  <dgm:constr type="h" for="ch" forName="Child1Accent3" refType="h" fact="0.0988"/>
+                  <dgm:constr type="l" for="ch" forName="Child1Accent4" refType="w" fact="0.1137"/>
+                  <dgm:constr type="t" for="ch" forName="Child1Accent4" refType="h" fact="0.4506"/>
+                  <dgm:constr type="w" for="ch" forName="Child1Accent4" refType="w" fact="0.0287"/>
+                  <dgm:constr type="h" for="ch" forName="Child1Accent4" refType="h" fact="0.0988"/>
+                  <dgm:constr type="l" for="ch" forName="Child1Accent5" refType="w" fact="0.057"/>
+                  <dgm:constr type="t" for="ch" forName="Child1Accent5" refType="h" fact="0.4506"/>
+                  <dgm:constr type="w" for="ch" forName="Child1Accent5" refType="w" fact="0.0287"/>
+                  <dgm:constr type="h" for="ch" forName="Child1Accent5" refType="h" fact="0.0988"/>
+                  <dgm:constr type="l" for="ch" forName="Child1Accent6" refType="w" fact="0.0002"/>
+                  <dgm:constr type="t" for="ch" forName="Child1Accent6" refType="h" fact="0.4506"/>
+                  <dgm:constr type="w" for="ch" forName="Child1Accent6" refType="w" fact="0.0287"/>
+                  <dgm:constr type="h" for="ch" forName="Child1Accent6" refType="h" fact="0.0988"/>
+                  <dgm:constr type="l" for="ch" forName="Child1Accent7" refType="w" fact="0"/>
+                  <dgm:constr type="t" for="ch" forName="Child1Accent7" refType="h" fact="0"/>
+                  <dgm:constr type="w" for="ch" forName="Child1Accent7" refType="w" fact="0"/>
+                  <dgm:constr type="h" for="ch" forName="Child1Accent7" refType="h" fact="0"/>
+                  <dgm:constr type="l" for="ch" forName="Child1Accent8" refType="w" fact="0"/>
+                  <dgm:constr type="t" for="ch" forName="Child1Accent8" refType="h" fact="0"/>
+                  <dgm:constr type="w" for="ch" forName="Child1Accent8" refType="w" fact="0"/>
+                  <dgm:constr type="h" for="ch" forName="Child1Accent8" refType="h" fact="0"/>
+                  <dgm:constr type="l" for="ch" forName="Child1Accent9" refType="w" fact="0"/>
+                  <dgm:constr type="t" for="ch" forName="Child1Accent9" refType="h" fact="0"/>
+                  <dgm:constr type="w" for="ch" forName="Child1Accent9" refType="w" fact="0"/>
+                  <dgm:constr type="h" for="ch" forName="Child1Accent9" refType="h" fact="0"/>
+                  <dgm:constr type="l" for="ch" forName="ParentAccent1" refType="w" fact="0.9713"/>
+                  <dgm:constr type="t" for="ch" forName="ParentAccent1" refType="h" fact="0.4506"/>
+                  <dgm:constr type="w" for="ch" forName="ParentAccent1" refType="w" fact="0.0287"/>
+                  <dgm:constr type="h" for="ch" forName="ParentAccent1" refType="h" fact="0.0988"/>
+                  <dgm:constr type="l" for="ch" forName="ParentAccent2" refType="w" fact="0.9187"/>
+                  <dgm:constr type="t" for="ch" forName="ParentAccent2" refType="h" fact="0.4506"/>
+                  <dgm:constr type="w" for="ch" forName="ParentAccent2" refType="w" fact="0.0287"/>
+                  <dgm:constr type="h" for="ch" forName="ParentAccent2" refType="h" fact="0.0988"/>
+                  <dgm:constr type="l" for="ch" forName="ParentAccent3" refType="w" fact="0.8661"/>
+                  <dgm:constr type="t" for="ch" forName="ParentAccent3" refType="h" fact="0.4506"/>
+                  <dgm:constr type="w" for="ch" forName="ParentAccent3" refType="w" fact="0.0287"/>
+                  <dgm:constr type="h" for="ch" forName="ParentAccent3" refType="h" fact="0.0988"/>
+                  <dgm:constr type="l" for="ch" forName="ParentAccent4" refType="w" fact="0.8136"/>
+                  <dgm:constr type="t" for="ch" forName="ParentAccent4" refType="h" fact="0.4506"/>
+                  <dgm:constr type="w" for="ch" forName="ParentAccent4" refType="w" fact="0.0287"/>
+                  <dgm:constr type="h" for="ch" forName="ParentAccent4" refType="h" fact="0.0988"/>
+                  <dgm:constr type="l" for="ch" forName="ParentAccent5" refType="w" fact="0.761"/>
+                  <dgm:constr type="t" for="ch" forName="ParentAccent5" refType="h" fact="0.4506"/>
+                  <dgm:constr type="w" for="ch" forName="ParentAccent5" refType="w" fact="0.0287"/>
+                  <dgm:constr type="h" for="ch" forName="ParentAccent5" refType="h" fact="0.0988"/>
+                  <dgm:constr type="l" for="ch" forName="ParentAccent6" refType="w" fact="0.6797"/>
+                  <dgm:constr type="t" for="ch" forName="ParentAccent6" refType="h" fact="0.4012"/>
+                  <dgm:constr type="w" for="ch" forName="ParentAccent6" refType="w" fact="0.0574"/>
+                  <dgm:constr type="h" for="ch" forName="ParentAccent6" refType="h" fact="0.1976"/>
+                  <dgm:constr type="l" for="ch" forName="ParentAccent7" refType="w" fact="0.9245"/>
+                  <dgm:constr type="t" for="ch" forName="ParentAccent7" refType="h" fact="0.2465"/>
+                  <dgm:constr type="w" for="ch" forName="ParentAccent7" refType="w" fact="0.0287"/>
+                  <dgm:constr type="h" for="ch" forName="ParentAccent7" refType="h" fact="0.0988"/>
+                  <dgm:constr type="l" for="ch" forName="ParentAccent8" refType="w" fact="0.9245"/>
+                  <dgm:constr type="t" for="ch" forName="ParentAccent8" refType="h" fact="0.6562"/>
+                  <dgm:constr type="w" for="ch" forName="ParentAccent8" refType="w" fact="0.0287"/>
+                  <dgm:constr type="h" for="ch" forName="ParentAccent8" refType="h" fact="0.0988"/>
+                  <dgm:constr type="l" for="ch" forName="ParentAccent9" refType="w" fact="0.9501"/>
+                  <dgm:constr type="t" for="ch" forName="ParentAccent9" refType="h" fact="0.3353"/>
+                  <dgm:constr type="w" for="ch" forName="ParentAccent9" refType="w" fact="0.0287"/>
+                  <dgm:constr type="h" for="ch" forName="ParentAccent9" refType="h" fact="0.0988"/>
+                  <dgm:constr type="l" for="ch" forName="ParentAccent10" refType="w" fact="0.9518"/>
+                  <dgm:constr type="t" for="ch" forName="ParentAccent10" refType="h" fact="0.5679"/>
+                  <dgm:constr type="w" for="ch" forName="ParentAccent10" refType="w" fact="0.0287"/>
+                  <dgm:constr type="h" for="ch" forName="ParentAccent10" refType="h" fact="0.0988"/>
+                  <dgm:constr type="l" for="ch" forName="Child1" refType="w" fact="0"/>
+                  <dgm:constr type="t" for="ch" forName="Child1" refType="h" fact="0.1978"/>
+                  <dgm:constr type="w" for="ch" forName="Child1" refType="w" fact="0.2544"/>
+                  <dgm:constr type="h" for="ch" forName="Child1" refType="h" fact="0.2541"/>
+                  <dgm:constr type="l" for="ch" forName="Parent" refType="w" fact="0.3653"/>
+                  <dgm:constr type="t" for="ch" forName="Parent" refType="h" fact="0"/>
+                  <dgm:constr type="w" for="ch" forName="Parent" refType="w" fact="0.2906"/>
+                  <dgm:constr type="h" for="ch" forName="Parent" refType="h"/>
+                </dgm:constrLst>
+              </dgm:if>
+              <dgm:if name="Name9" axis="ch" ptType="node" func="cnt" op="equ" val="2">
+                <dgm:alg type="composite">
+                  <dgm:param type="ar" val="2.1185"/>
+                </dgm:alg>
+                <dgm:constrLst>
+                  <dgm:constr type="l" for="ch" forName="Child1Accent1" refType="w" fact="0.3436"/>
+                  <dgm:constr type="t" for="ch" forName="Child1Accent1" refType="h" fact="0.2211"/>
+                  <dgm:constr type="w" for="ch" forName="Child1Accent1" refType="w" fact="0.0574"/>
+                  <dgm:constr type="h" for="ch" forName="Child1Accent1" refType="h" fact="0.1217"/>
+                  <dgm:constr type="l" for="ch" forName="Child1Accent2" refType="w" fact="0.3068"/>
+                  <dgm:constr type="t" for="ch" forName="Child1Accent2" refType="h" fact="0.1569"/>
+                  <dgm:constr type="w" for="ch" forName="Child1Accent2" refType="w" fact="0.0287"/>
+                  <dgm:constr type="h" for="ch" forName="Child1Accent2" refType="h" fact="0.0608"/>
+                  <dgm:constr type="l" for="ch" forName="Child1Accent3" refType="w" fact="0.2455"/>
+                  <dgm:constr type="t" for="ch" forName="Child1Accent3" refType="h" fact="0.1569"/>
+                  <dgm:constr type="w" for="ch" forName="Child1Accent3" refType="w" fact="0.0287"/>
+                  <dgm:constr type="h" for="ch" forName="Child1Accent3" refType="h" fact="0.0608"/>
+                  <dgm:constr type="l" for="ch" forName="Child1Accent4" refType="w" fact="0.1842"/>
+                  <dgm:constr type="t" for="ch" forName="Child1Accent4" refType="h" fact="0.1569"/>
+                  <dgm:constr type="w" for="ch" forName="Child1Accent4" refType="w" fact="0.0287"/>
+                  <dgm:constr type="h" for="ch" forName="Child1Accent4" refType="h" fact="0.0608"/>
+                  <dgm:constr type="l" for="ch" forName="Child1Accent5" refType="w" fact="0.1229"/>
+                  <dgm:constr type="t" for="ch" forName="Child1Accent5" refType="h" fact="0.1569"/>
+                  <dgm:constr type="w" for="ch" forName="Child1Accent5" refType="w" fact="0.0287"/>
+                  <dgm:constr type="h" for="ch" forName="Child1Accent5" refType="h" fact="0.0608"/>
+                  <dgm:constr type="l" for="ch" forName="Child1Accent6" refType="w" fact="0.0615"/>
+                  <dgm:constr type="t" for="ch" forName="Child1Accent6" refType="h" fact="0.1569"/>
+                  <dgm:constr type="w" for="ch" forName="Child1Accent6" refType="w" fact="0.0287"/>
+                  <dgm:constr type="h" for="ch" forName="Child1Accent6" refType="h" fact="0.0608"/>
+                  <dgm:constr type="l" for="ch" forName="Child1Accent7" refType="w" fact="0.0002"/>
+                  <dgm:constr type="t" for="ch" forName="Child1Accent7" refType="h" fact="0.1569"/>
+                  <dgm:constr type="w" for="ch" forName="Child1Accent7" refType="w" fact="0.0287"/>
+                  <dgm:constr type="h" for="ch" forName="Child1Accent7" refType="h" fact="0.0608"/>
+                  <dgm:constr type="l" for="ch" forName="Child1Accent8" refType="w" fact="0"/>
+                  <dgm:constr type="t" for="ch" forName="Child1Accent8" refType="h" fact="0"/>
+                  <dgm:constr type="w" for="ch" forName="Child1Accent8" refType="w" fact="0"/>
+                  <dgm:constr type="h" for="ch" forName="Child1Accent8" refType="h" fact="0"/>
+                  <dgm:constr type="l" for="ch" forName="Child1Accent9" refType="w" fact="0"/>
+                  <dgm:constr type="t" for="ch" forName="Child1Accent9" refType="h" fact="0"/>
+                  <dgm:constr type="w" for="ch" forName="Child1Accent9" refType="w" fact="0"/>
+                  <dgm:constr type="h" for="ch" forName="Child1Accent9" refType="h" fact="0"/>
+                  <dgm:constr type="l" for="ch" forName="Child2Accent1" refType="w" fact="0.3436"/>
+                  <dgm:constr type="t" for="ch" forName="Child2Accent1" refType="h" fact="0.8153"/>
+                  <dgm:constr type="w" for="ch" forName="Child2Accent1" refType="w" fact="0.0574"/>
+                  <dgm:constr type="h" for="ch" forName="Child2Accent1" refType="h" fact="0.1217"/>
+                  <dgm:constr type="l" for="ch" forName="Child2Accent2" refType="w" fact="0.3068"/>
+                  <dgm:constr type="t" for="ch" forName="Child2Accent2" refType="h" fact="0.9392"/>
+                  <dgm:constr type="w" for="ch" forName="Child2Accent2" refType="w" fact="0.0287"/>
+                  <dgm:constr type="h" for="ch" forName="Child2Accent2" refType="h" fact="0.0608"/>
+                  <dgm:constr type="l" for="ch" forName="Child2Accent3" refType="w" fact="0.2455"/>
+                  <dgm:constr type="t" for="ch" forName="Child2Accent3" refType="h" fact="0.9392"/>
+                  <dgm:constr type="w" for="ch" forName="Child2Accent3" refType="w" fact="0.0287"/>
+                  <dgm:constr type="h" for="ch" forName="Child2Accent3" refType="h" fact="0.0608"/>
+                  <dgm:constr type="l" for="ch" forName="Child2Accent4" refType="w" fact="0.1842"/>
+                  <dgm:constr type="t" for="ch" forName="Child2Accent4" refType="h" fact="0.9392"/>
+                  <dgm:constr type="w" for="ch" forName="Child2Accent4" refType="w" fact="0.0287"/>
+                  <dgm:constr type="h" for="ch" forName="Child2Accent4" refType="h" fact="0.0608"/>
+                  <dgm:constr type="l" for="ch" forName="Child2Accent5" refType="w" fact="0.1229"/>
+                  <dgm:constr type="t" for="ch" forName="Child2Accent5" refType="h" fact="0.9392"/>
+                  <dgm:constr type="w" for="ch" forName="Child2Accent5" refType="w" fact="0.0287"/>
+                  <dgm:constr type="h" for="ch" forName="Child2Accent5" refType="h" fact="0.0608"/>
+                  <dgm:constr type="l" for="ch" forName="Child2Accent6" refType="w" fact="0.0615"/>
+                  <dgm:constr type="t" for="ch" forName="Child2Accent6" refType="h" fact="0.9392"/>
+                  <dgm:constr type="w" for="ch" forName="Child2Accent6" refType="w" fact="0.0287"/>
+                  <dgm:constr type="h" for="ch" forName="Child2Accent6" refType="h" fact="0.0608"/>
+                  <dgm:constr type="l" for="ch" forName="Child2Accent7" refType="w" fact="0.0002"/>
+                  <dgm:constr type="t" for="ch" forName="Child2Accent7" refType="h" fact="0.9392"/>
+                  <dgm:constr type="w" for="ch" forName="Child2Accent7" refType="w" fact="0.0287"/>
+                  <dgm:constr type="h" for="ch" forName="Child2Accent7" refType="h" fact="0.0608"/>
+                  <dgm:constr type="l" for="ch" forName="ParentAccent1" refType="w" fact="0.9713"/>
+                  <dgm:constr type="t" for="ch" forName="ParentAccent1" refType="h" fact="0.5511"/>
+                  <dgm:constr type="w" for="ch" forName="ParentAccent1" refType="w" fact="0.0287"/>
+                  <dgm:constr type="h" for="ch" forName="ParentAccent1" refType="h" fact="0.0608"/>
+                  <dgm:constr type="l" for="ch" forName="ParentAccent2" refType="w" fact="0.9187"/>
+                  <dgm:constr type="t" for="ch" forName="ParentAccent2" refType="h" fact="0.5511"/>
+                  <dgm:constr type="w" for="ch" forName="ParentAccent2" refType="w" fact="0.0287"/>
+                  <dgm:constr type="h" for="ch" forName="ParentAccent2" refType="h" fact="0.0608"/>
+                  <dgm:constr type="l" for="ch" forName="ParentAccent3" refType="w" fact="0.8661"/>
+                  <dgm:constr type="t" for="ch" forName="ParentAccent3" refType="h" fact="0.5511"/>
+                  <dgm:constr type="w" for="ch" forName="ParentAccent3" refType="w" fact="0.0287"/>
+                  <dgm:constr type="h" for="ch" forName="ParentAccent3" refType="h" fact="0.0608"/>
+                  <dgm:constr type="l" for="ch" forName="ParentAccent4" refType="w" fact="0.8136"/>
+                  <dgm:constr type="t" for="ch" forName="ParentAccent4" refType="h" fact="0.5511"/>
+                  <dgm:constr type="w" for="ch" forName="ParentAccent4" refType="w" fact="0.0287"/>
+                  <dgm:constr type="h" for="ch" forName="ParentAccent4" refType="h" fact="0.0608"/>
+                  <dgm:constr type="l" for="ch" forName="ParentAccent5" refType="w" fact="0.761"/>
+                  <dgm:constr type="t" for="ch" forName="ParentAccent5" refType="h" fact="0.5511"/>
+                  <dgm:constr type="w" for="ch" forName="ParentAccent5" refType="w" fact="0.0287"/>
+                  <dgm:constr type="h" for="ch" forName="ParentAccent5" refType="h" fact="0.0608"/>
+                  <dgm:constr type="l" for="ch" forName="ParentAccent6" refType="w" fact="0.6797"/>
+                  <dgm:constr type="t" for="ch" forName="ParentAccent6" refType="h" fact="0.5207"/>
+                  <dgm:constr type="w" for="ch" forName="ParentAccent6" refType="w" fact="0.0574"/>
+                  <dgm:constr type="h" for="ch" forName="ParentAccent6" refType="h" fact="0.1217"/>
+                  <dgm:constr type="l" for="ch" forName="ParentAccent7" refType="w" fact="0.9245"/>
+                  <dgm:constr type="t" for="ch" forName="ParentAccent7" refType="h" fact="0.4255"/>
+                  <dgm:constr type="w" for="ch" forName="ParentAccent7" refType="w" fact="0.0287"/>
+                  <dgm:constr type="h" for="ch" forName="ParentAccent7" refType="h" fact="0.0608"/>
+                  <dgm:constr type="l" for="ch" forName="ParentAccent8" refType="w" fact="0.9245"/>
+                  <dgm:constr type="t" for="ch" forName="ParentAccent8" refType="h" fact="0.6776"/>
+                  <dgm:constr type="w" for="ch" forName="ParentAccent8" refType="w" fact="0.0287"/>
+                  <dgm:constr type="h" for="ch" forName="ParentAccent8" refType="h" fact="0.0608"/>
+                  <dgm:constr type="l" for="ch" forName="ParentAccent9" refType="w" fact="0.9501"/>
+                  <dgm:constr type="t" for="ch" forName="ParentAccent9" refType="h" fact="0.4801"/>
+                  <dgm:constr type="w" for="ch" forName="ParentAccent9" refType="w" fact="0.0287"/>
+                  <dgm:constr type="h" for="ch" forName="ParentAccent9" refType="h" fact="0.0608"/>
+                  <dgm:constr type="l" for="ch" forName="ParentAccent10" refType="w" fact="0.9518"/>
+                  <dgm:constr type="t" for="ch" forName="ParentAccent10" refType="h" fact="0.6233"/>
+                  <dgm:constr type="w" for="ch" forName="ParentAccent10" refType="w" fact="0.0287"/>
+                  <dgm:constr type="h" for="ch" forName="ParentAccent10" refType="h" fact="0.0608"/>
+                  <dgm:constr type="l" for="ch" forName="Child2" refType="w" fact="0"/>
+                  <dgm:constr type="t" for="ch" forName="Child2" refType="h" fact="0.7822"/>
+                  <dgm:constr type="w" for="ch" forName="Child2" refType="w" fact="0.3364"/>
+                  <dgm:constr type="h" for="ch" forName="Child2" refType="h" fact="0.1564"/>
+                  <dgm:constr type="l" for="ch" forName="Child1" refType="w" fact="0"/>
+                  <dgm:constr type="t" for="ch" forName="Child1" refType="h" fact="0"/>
+                  <dgm:constr type="w" for="ch" forName="Child1" refType="w" fact="0.3364"/>
+                  <dgm:constr type="h" for="ch" forName="Child1" refType="h" fact="0.1564"/>
+                  <dgm:constr type="l" for="ch" forName="Parent" refType="w" fact="0.3653"/>
+                  <dgm:constr type="t" for="ch" forName="Parent" refType="h" fact="0.2737"/>
+                  <dgm:constr type="w" for="ch" forName="Parent" refType="w" fact="0.2906"/>
+                  <dgm:constr type="h" for="ch" forName="Parent" refType="h" fact="0.6157"/>
+                </dgm:constrLst>
+              </dgm:if>
+              <dgm:if name="Name10" axis="ch" ptType="node" func="cnt" op="equ" val="3">
+                <dgm:alg type="composite">
+                  <dgm:param type="ar" val="2.1185"/>
+                </dgm:alg>
+                <dgm:constrLst>
+                  <dgm:constr type="l" for="ch" forName="Child1Accent1" refType="w" fact="0.3436"/>
+                  <dgm:constr type="t" for="ch" forName="Child1Accent1" refType="h" fact="0.2211"/>
+                  <dgm:constr type="w" for="ch" forName="Child1Accent1" refType="w" fact="0.0574"/>
+                  <dgm:constr type="h" for="ch" forName="Child1Accent1" refType="h" fact="0.1217"/>
+                  <dgm:constr type="l" for="ch" forName="Child1Accent2" refType="w" fact="0.3068"/>
+                  <dgm:constr type="t" for="ch" forName="Child1Accent2" refType="h" fact="0.1569"/>
+                  <dgm:constr type="w" for="ch" forName="Child1Accent2" refType="w" fact="0.0287"/>
+                  <dgm:constr type="h" for="ch" forName="Child1Accent2" refType="h" fact="0.0608"/>
+                  <dgm:constr type="l" for="ch" forName="Child1Accent3" refType="w" fact="0.2455"/>
+                  <dgm:constr type="t" for="ch" forName="Child1Accent3" refType="h" fact="0.1569"/>
+                  <dgm:constr type="w" for="ch" forName="Child1Accent3" refType="w" fact="0.0287"/>
+                  <dgm:constr type="h" for="ch" forName="Child1Accent3" refType="h" fact="0.0608"/>
+                  <dgm:constr type="l" for="ch" forName="Child1Accent4" refType="w" fact="0.1842"/>
+                  <dgm:constr type="t" for="ch" forName="Child1Accent4" refType="h" fact="0.1569"/>
+                  <dgm:constr type="w" for="ch" forName="Child1Accent4" refType="w" fact="0.0287"/>
+                  <dgm:constr type="h" for="ch" forName="Child1Accent4" refType="h" fact="0.0608"/>
+                  <dgm:constr type="l" for="ch" forName="Child1Accent5" refType="w" fact="0.1229"/>
+                  <dgm:constr type="t" for="ch" forName="Child1Accent5" refType="h" fact="0.1569"/>
+                  <dgm:constr type="w" for="ch" forName="Child1Accent5" refType="w" fact="0.0287"/>
+                  <dgm:constr type="h" for="ch" forName="Child1Accent5" refType="h" fact="0.0608"/>
+                  <dgm:constr type="l" for="ch" forName="Child2Accent1" refType="w" fact="0.284"/>
+                  <dgm:constr type="t" for="ch" forName="Child2Accent1" refType="h" fact="0.5207"/>
+                  <dgm:constr type="w" for="ch" forName="Child2Accent1" refType="w" fact="0.0574"/>
+                  <dgm:constr type="h" for="ch" forName="Child2Accent1" refType="h" fact="0.1217"/>
+                  <dgm:constr type="l" for="ch" forName="Child2Accent2" refType="w" fact="0.2272"/>
+                  <dgm:constr type="t" for="ch" forName="Child2Accent2" refType="h" fact="0.5511"/>
+                  <dgm:constr type="w" for="ch" forName="Child2Accent2" refType="w" fact="0.0287"/>
+                  <dgm:constr type="h" for="ch" forName="Child2Accent2" refType="h" fact="0.0608"/>
+                  <dgm:constr type="l" for="ch" forName="Child2Accent3" refType="w" fact="0.1705"/>
+                  <dgm:constr type="t" for="ch" forName="Child2Accent3" refType="h" fact="0.5511"/>
+                  <dgm:constr type="w" for="ch" forName="Child2Accent3" refType="w" fact="0.0287"/>
+                  <dgm:constr type="h" for="ch" forName="Child2Accent3" refType="h" fact="0.0608"/>
+                  <dgm:constr type="l" for="ch" forName="Child2Accent4" refType="w" fact="0.1137"/>
+                  <dgm:constr type="t" for="ch" forName="Child2Accent4" refType="h" fact="0.5511"/>
+                  <dgm:constr type="w" for="ch" forName="Child2Accent4" refType="w" fact="0.0287"/>
+                  <dgm:constr type="h" for="ch" forName="Child2Accent4" refType="h" fact="0.0608"/>
+                  <dgm:constr type="l" for="ch" forName="Child1Accent6" refType="w" fact="0.0615"/>
+                  <dgm:constr type="t" for="ch" forName="Child1Accent6" refType="h" fact="0.1569"/>
+                  <dgm:constr type="w" for="ch" forName="Child1Accent6" refType="w" fact="0.0287"/>
+                  <dgm:constr type="h" for="ch" forName="Child1Accent6" refType="h" fact="0.0608"/>
+                  <dgm:constr type="l" for="ch" forName="Child2Accent5" refType="w" fact="0.057"/>
+                  <dgm:constr type="t" for="ch" forName="Child2Accent5" refType="h" fact="0.5511"/>
+                  <dgm:constr type="w" for="ch" forName="Child2Accent5" refType="w" fact="0.0287"/>
+                  <dgm:constr type="h" for="ch" forName="Child2Accent5" refType="h" fact="0.0608"/>
+                  <dgm:constr type="l" for="ch" forName="Child1Accent7" refType="w" fact="0.0002"/>
+                  <dgm:constr type="t" for="ch" forName="Child1Accent7" refType="h" fact="0.1569"/>
+                  <dgm:constr type="w" for="ch" forName="Child1Accent7" refType="w" fact="0.0287"/>
+                  <dgm:constr type="h" for="ch" forName="Child1Accent7" refType="h" fact="0.0608"/>
+                  <dgm:constr type="l" for="ch" forName="Child1Accent8" refType="w" fact="0"/>
+                  <dgm:constr type="t" for="ch" forName="Child1Accent8" refType="h" fact="0"/>
+                  <dgm:constr type="w" for="ch" forName="Child1Accent8" refType="w" fact="0"/>
+                  <dgm:constr type="h" for="ch" forName="Child1Accent8" refType="h" fact="0"/>
+                  <dgm:constr type="l" for="ch" forName="Child1Accent9" refType="w" fact="0"/>
+                  <dgm:constr type="t" for="ch" forName="Child1Accent9" refType="h" fact="0"/>
+                  <dgm:constr type="w" for="ch" forName="Child1Accent9" refType="w" fact="0"/>
+                  <dgm:constr type="h" for="ch" forName="Child1Accent9" refType="h" fact="0"/>
+                  <dgm:constr type="l" for="ch" forName="Child2Accent6" refType="w" fact="0.0002"/>
+                  <dgm:constr type="t" for="ch" forName="Child2Accent6" refType="h" fact="0.5511"/>
+                  <dgm:constr type="w" for="ch" forName="Child2Accent6" refType="w" fact="0.0287"/>
+                  <dgm:constr type="h" for="ch" forName="Child2Accent6" refType="h" fact="0.0608"/>
+                  <dgm:constr type="l" for="ch" forName="Child2Accent7" refType="w" fact="0"/>
+                  <dgm:constr type="t" for="ch" forName="Child2Accent7" refType="h" fact="0"/>
+                  <dgm:constr type="w" for="ch" forName="Child2Accent7" refType="w" fact="0"/>
+                  <dgm:constr type="h" for="ch" forName="Child2Accent7" refType="h" fact="0"/>
+                  <dgm:constr type="l" for="ch" forName="Child3Accent1" refType="w" fact="0.3436"/>
+                  <dgm:constr type="t" for="ch" forName="Child3Accent1" refType="h" fact="0.8153"/>
+                  <dgm:constr type="w" for="ch" forName="Child3Accent1" refType="w" fact="0.0574"/>
+                  <dgm:constr type="h" for="ch" forName="Child3Accent1" refType="h" fact="0.1217"/>
+                  <dgm:constr type="l" for="ch" forName="Child3Accent2" refType="w" fact="0.3068"/>
+                  <dgm:constr type="t" for="ch" forName="Child3Accent2" refType="h" fact="0.9392"/>
+                  <dgm:constr type="w" for="ch" forName="Child3Accent2" refType="w" fact="0.0287"/>
+                  <dgm:constr type="h" for="ch" forName="Child3Accent2" refType="h" fact="0.0608"/>
+                  <dgm:constr type="l" for="ch" forName="Child3Accent3" refType="w" fact="0.2455"/>
+                  <dgm:constr type="t" for="ch" forName="Child3Accent3" refType="h" fact="0.9392"/>
+                  <dgm:constr type="w" for="ch" forName="Child3Accent3" refType="w" fact="0.0287"/>
+                  <dgm:constr type="h" for="ch" forName="Child3Accent3" refType="h" fact="0.0608"/>
+                  <dgm:constr type="l" for="ch" forName="Child3Accent4" refType="w" fact="0.1842"/>
+                  <dgm:constr type="t" for="ch" forName="Child3Accent4" refType="h" fact="0.9392"/>
+                  <dgm:constr type="w" for="ch" forName="Child3Accent4" refType="w" fact="0.0287"/>
+                  <dgm:constr type="h" for="ch" forName="Child3Accent4" refType="h" fact="0.0608"/>
+                  <dgm:constr type="l" for="ch" forName="Child3Accent5" refType="w" fact="0.1229"/>
+                  <dgm:constr type="t" for="ch" forName="Child3Accent5" refType="h" fact="0.9392"/>
+                  <dgm:constr type="w" for="ch" forName="Child3Accent5" refType="w" fact="0.0287"/>
+                  <dgm:constr type="h" for="ch" forName="Child3Accent5" refType="h" fact="0.0608"/>
+                  <dgm:constr type="l" for="ch" forName="Child3Accent6" refType="w" fact="0.0615"/>
+                  <dgm:constr type="t" for="ch" forName="Child3Accent6" refType="h" fact="0.9392"/>
+                  <dgm:constr type="w" for="ch" forName="Child3Accent6" refType="w" fact="0.0287"/>
+                  <dgm:constr type="h" for="ch" forName="Child3Accent6" refType="h" fact="0.0608"/>
+                  <dgm:constr type="l" for="ch" forName="Child3Accent7" refType="w" fact="0.0002"/>
+                  <dgm:constr type="t" for="ch" forName="Child3Accent7" refType="h" fact="0.9392"/>
+                  <dgm:constr type="w" for="ch" forName="Child3Accent7" refType="w" fact="0.0287"/>
+                  <dgm:constr type="h" for="ch" forName="Child3Accent7" refType="h" fact="0.0608"/>
+                  <dgm:constr type="l" for="ch" forName="ParentAccent1" refType="w" fact="0.9713"/>
+                  <dgm:constr type="t" for="ch" forName="ParentAccent1" refType="h" fact="0.5511"/>
+                  <dgm:constr type="w" for="ch" forName="ParentAccent1" refType="w" fact="0.0287"/>
+                  <dgm:constr type="h" for="ch" forName="ParentAccent1" refType="h" fact="0.0608"/>
+                  <dgm:constr type="l" for="ch" forName="ParentAccent2" refType="w" fact="0.9187"/>
+                  <dgm:constr type="t" for="ch" forName="ParentAccent2" refType="h" fact="0.5511"/>
+                  <dgm:constr type="w" for="ch" forName="ParentAccent2" refType="w" fact="0.0287"/>
+                  <dgm:constr type="h" for="ch" forName="ParentAccent2" refType="h" fact="0.0608"/>
+                  <dgm:constr type="l" for="ch" forName="ParentAccent3" refType="w" fact="0.8661"/>
+                  <dgm:constr type="t" for="ch" forName="ParentAccent3" refType="h" fact="0.5511"/>
+                  <dgm:constr type="w" for="ch" forName="ParentAccent3" refType="w" fact="0.0287"/>
+                  <dgm:constr type="h" for="ch" forName="ParentAccent3" refType="h" fact="0.0608"/>
+                  <dgm:constr type="l" for="ch" forName="ParentAccent4" refType="w" fact="0.8136"/>
+                  <dgm:constr type="t" for="ch" forName="ParentAccent4" refType="h" fact="0.5511"/>
+                  <dgm:constr type="w" for="ch" forName="ParentAccent4" refType="w" fact="0.0287"/>
+                  <dgm:constr type="h" for="ch" forName="ParentAccent4" refType="h" fact="0.0608"/>
+                  <dgm:constr type="l" for="ch" forName="ParentAccent5" refType="w" fact="0.761"/>
+                  <dgm:constr type="t" for="ch" forName="ParentAccent5" refType="h" fact="0.5511"/>
+                  <dgm:constr type="w" for="ch" forName="ParentAccent5" refType="w" fact="0.0287"/>
+                  <dgm:constr type="h" for="ch" forName="ParentAccent5" refType="h" fact="0.0608"/>
+                  <dgm:constr type="l" for="ch" forName="ParentAccent6" refType="w" fact="0.6797"/>
+                  <dgm:constr type="t" for="ch" forName="ParentAccent6" refType="h" fact="0.5207"/>
+                  <dgm:constr type="w" for="ch" forName="ParentAccent6" refType="w" fact="0.0574"/>
+                  <dgm:constr type="h" for="ch" forName="ParentAccent6" refType="h" fact="0.1217"/>
+                  <dgm:constr type="l" for="ch" forName="ParentAccent7" refType="w" fact="0.9245"/>
+                  <dgm:constr type="t" for="ch" forName="ParentAccent7" refType="h" fact="0.4255"/>
+                  <dgm:constr type="w" for="ch" forName="ParentAccent7" refType="w" fact="0.0287"/>
+                  <dgm:constr type="h" for="ch" forName="ParentAccent7" refType="h" fact="0.0608"/>
+                  <dgm:constr type="l" for="ch" forName="ParentAccent8" refType="w" fact="0.9245"/>
+                  <dgm:constr type="t" for="ch" forName="ParentAccent8" refType="h" fact="0.6776"/>
+                  <dgm:constr type="w" for="ch" forName="ParentAccent8" refType="w" fact="0.0287"/>
+                  <dgm:constr type="h" for="ch" forName="ParentAccent8" refType="h" fact="0.0608"/>
+                  <dgm:constr type="l" for="ch" forName="ParentAccent9" refType="w" fact="0.9501"/>
+                  <dgm:constr type="t" for="ch" forName="ParentAccent9" refType="h" fact="0.4801"/>
+                  <dgm:constr type="w" for="ch" forName="ParentAccent9" refType="w" fact="0.0287"/>
+                  <dgm:constr type="h" for="ch" forName="ParentAccent9" refType="h" fact="0.0608"/>
+                  <dgm:constr type="l" for="ch" forName="ParentAccent10" refType="w" fact="0.9518"/>
+                  <dgm:constr type="t" for="ch" forName="ParentAccent10" refType="h" fact="0.6233"/>
+                  <dgm:constr type="w" for="ch" forName="ParentAccent10" refType="w" fact="0.0287"/>
+                  <dgm:constr type="h" for="ch" forName="ParentAccent10" refType="h" fact="0.0608"/>
+                  <dgm:constr type="l" for="ch" forName="Child3" refType="w" fact="0"/>
+                  <dgm:constr type="t" for="ch" forName="Child3" refType="h" fact="0.7822"/>
+                  <dgm:constr type="w" for="ch" forName="Child3" refType="w" fact="0.3364"/>
+                  <dgm:constr type="h" for="ch" forName="Child3" refType="h" fact="0.1564"/>
+                  <dgm:constr type="l" for="ch" forName="Child2" refType="w" fact="0"/>
+                  <dgm:constr type="t" for="ch" forName="Child2" refType="h" fact="0.3955"/>
+                  <dgm:constr type="w" for="ch" forName="Child2" refType="w" fact="0.2544"/>
+                  <dgm:constr type="h" for="ch" forName="Child2" refType="h" fact="0.1564"/>
+                  <dgm:constr type="l" for="ch" forName="Child1" refType="w" fact="0"/>
+                  <dgm:constr type="t" for="ch" forName="Child1" refType="h" fact="0"/>
+                  <dgm:constr type="w" for="ch" forName="Child1" refType="w" fact="0.3364"/>
+                  <dgm:constr type="h" for="ch" forName="Child1" refType="h" fact="0.1564"/>
+                  <dgm:constr type="l" for="ch" forName="Parent" refType="w" fact="0.3653"/>
+                  <dgm:constr type="t" for="ch" forName="Parent" refType="h" fact="0.2737"/>
+                  <dgm:constr type="w" for="ch" forName="Parent" refType="w" fact="0.2906"/>
+                  <dgm:constr type="h" for="ch" forName="Parent" refType="h" fact="0.6157"/>
+                </dgm:constrLst>
+              </dgm:if>
+              <dgm:if name="Name11" axis="ch" ptType="node" func="cnt" op="equ" val="4">
+                <dgm:alg type="composite">
+                  <dgm:param type="ar" val="1.8304"/>
+                </dgm:alg>
+                <dgm:constrLst>
+                  <dgm:constr type="l" for="ch" forName="Parent" refType="w" fact="0.3771"/>
+                  <dgm:constr type="t" for="ch" forName="Parent" refType="h" fact="0.2946"/>
+                  <dgm:constr type="w" for="ch" forName="Parent" refType="w" fact="0.2862"/>
+                  <dgm:constr type="h" for="ch" forName="Parent" refType="h" fact="0.5239"/>
+                  <dgm:constr type="l" for="ch" forName="Child1Accent1" refType="w" fact="0.3904"/>
+                  <dgm:constr type="t" for="ch" forName="Child1Accent1" refType="h" fact="0.2104"/>
+                  <dgm:constr type="w" for="ch" forName="Child1Accent1" refType="w" fact="0.0566"/>
+                  <dgm:constr type="h" for="ch" forName="Child1Accent1" refType="h" fact="0.1035"/>
+                  <dgm:constr type="l" for="ch" forName="Child1Accent3" refType="w" fact="0.3001"/>
+                  <dgm:constr type="t" for="ch" forName="Child1Accent3" refType="h" fact="0.128"/>
+                  <dgm:constr type="w" for="ch" forName="Child1Accent3" refType="w" fact="0.0283"/>
+                  <dgm:constr type="h" for="ch" forName="Child1Accent3" refType="h" fact="0.0518"/>
+                  <dgm:constr type="l" for="ch" forName="Child1Accent4" refType="w" fact="0.2418"/>
+                  <dgm:constr type="t" for="ch" forName="Child1Accent4" refType="h" fact="0.128"/>
+                  <dgm:constr type="w" for="ch" forName="Child1Accent4" refType="w" fact="0.0283"/>
+                  <dgm:constr type="h" for="ch" forName="Child1Accent4" refType="h" fact="0.0518"/>
+                  <dgm:constr type="l" for="ch" forName="Child1Accent5" refType="w" fact="0.1835"/>
+                  <dgm:constr type="t" for="ch" forName="Child1Accent5" refType="h" fact="0.128"/>
+                  <dgm:constr type="w" for="ch" forName="Child1Accent5" refType="w" fact="0.0283"/>
+                  <dgm:constr type="h" for="ch" forName="Child1Accent5" refType="h" fact="0.0518"/>
+                  <dgm:constr type="l" for="ch" forName="Child1Accent6" refType="w" fact="0.1252"/>
+                  <dgm:constr type="t" for="ch" forName="Child1Accent6" refType="h" fact="0.128"/>
+                  <dgm:constr type="w" for="ch" forName="Child1Accent6" refType="w" fact="0.0283"/>
+                  <dgm:constr type="h" for="ch" forName="Child1Accent6" refType="h" fact="0.0518"/>
+                  <dgm:constr type="l" for="ch" forName="Child3Accent1" refType="w" fact="0.3158"/>
+                  <dgm:constr type="t" for="ch" forName="Child3Accent1" refType="h" fact="0.6212"/>
+                  <dgm:constr type="w" for="ch" forName="Child3Accent1" refType="w" fact="0.0566"/>
+                  <dgm:constr type="h" for="ch" forName="Child3Accent1" refType="h" fact="0.1035"/>
+                  <dgm:constr type="l" for="ch" forName="Child3Accent2" refType="w" fact="0.2689"/>
+                  <dgm:constr type="t" for="ch" forName="Child3Accent2" refType="h" fact="0.6828"/>
+                  <dgm:constr type="w" for="ch" forName="Child3Accent2" refType="w" fact="0.0283"/>
+                  <dgm:constr type="h" for="ch" forName="Child3Accent2" refType="h" fact="0.0518"/>
+                  <dgm:constr type="l" for="ch" forName="Child3Accent4" refType="w" fact="0.1614"/>
+                  <dgm:constr type="t" for="ch" forName="Child3Accent4" refType="h" fact="0.6828"/>
+                  <dgm:constr type="w" for="ch" forName="Child3Accent4" refType="w" fact="0.0283"/>
+                  <dgm:constr type="h" for="ch" forName="Child3Accent4" refType="h" fact="0.0518"/>
+                  <dgm:constr type="l" for="ch" forName="Child3Accent5" refType="w" fact="0.1077"/>
+                  <dgm:constr type="t" for="ch" forName="Child3Accent5" refType="h" fact="0.6828"/>
+                  <dgm:constr type="w" for="ch" forName="Child3Accent5" refType="w" fact="0.0283"/>
+                  <dgm:constr type="h" for="ch" forName="Child3Accent5" refType="h" fact="0.0518"/>
+                  <dgm:constr type="l" for="ch" forName="Child1Accent7" refType="w" fact="0.0668"/>
+                  <dgm:constr type="t" for="ch" forName="Child1Accent7" refType="h" fact="0.128"/>
+                  <dgm:constr type="w" for="ch" forName="Child1Accent7" refType="w" fact="0.0283"/>
+                  <dgm:constr type="h" for="ch" forName="Child1Accent7" refType="h" fact="0.0518"/>
+                  <dgm:constr type="l" for="ch" forName="Child3Accent6" refType="w" fact="0.0539"/>
+                  <dgm:constr type="t" for="ch" forName="Child3Accent6" refType="h" fact="0.6828"/>
+                  <dgm:constr type="w" for="ch" forName="Child3Accent6" refType="w" fact="0.0283"/>
+                  <dgm:constr type="h" for="ch" forName="Child3Accent6" refType="h" fact="0.0518"/>
+                  <dgm:constr type="l" for="ch" forName="Child1Accent8" refType="w" fact="0.0085"/>
+                  <dgm:constr type="t" for="ch" forName="Child1Accent8" refType="h" fact="0.128"/>
+                  <dgm:constr type="w" for="ch" forName="Child1Accent8" refType="w" fact="0.0283"/>
+                  <dgm:constr type="h" for="ch" forName="Child1Accent8" refType="h" fact="0.0518"/>
+                  <dgm:constr type="l" for="ch" forName="Child1Accent9" refType="w" fact="0"/>
+                  <dgm:constr type="t" for="ch" forName="Child1Accent9" refType="h" fact="0"/>
+                  <dgm:constr type="w" for="ch" forName="Child1Accent9" refType="w" fact="0"/>
+                  <dgm:constr type="h" for="ch" forName="Child1Accent9" refType="h" fact="0"/>
+                  <dgm:constr type="l" for="ch" forName="Child3Accent7" refType="w" fact="0.0002"/>
+                  <dgm:constr type="t" for="ch" forName="Child3Accent7" refType="h" fact="0.6828"/>
+                  <dgm:constr type="w" for="ch" forName="Child3Accent7" refType="w" fact="0.0283"/>
+                  <dgm:constr type="h" for="ch" forName="Child3Accent7" refType="h" fact="0.0518"/>
+                  <dgm:constr type="l" for="ch" forName="Child4Accent1" refType="w" fact="0.3904"/>
+                  <dgm:constr type="t" for="ch" forName="Child4Accent1" refType="h" fact="0.8"/>
+                  <dgm:constr type="w" for="ch" forName="Child4Accent1" refType="w" fact="0.0566"/>
+                  <dgm:constr type="h" for="ch" forName="Child4Accent1" refType="h" fact="0.1035"/>
+                  <dgm:constr type="l" for="ch" forName="Child4Accent3" refType="w" fact="0.2998"/>
+                  <dgm:constr type="t" for="ch" forName="Child4Accent3" refType="h" fact="0.9482"/>
+                  <dgm:constr type="w" for="ch" forName="Child4Accent3" refType="w" fact="0.0283"/>
+                  <dgm:constr type="h" for="ch" forName="Child4Accent3" refType="h" fact="0.0518"/>
+                  <dgm:constr type="l" for="ch" forName="Child4Accent4" refType="w" fact="0.2415"/>
+                  <dgm:constr type="t" for="ch" forName="Child4Accent4" refType="h" fact="0.9482"/>
+                  <dgm:constr type="w" for="ch" forName="Child4Accent4" refType="w" fact="0.0283"/>
+                  <dgm:constr type="h" for="ch" forName="Child4Accent4" refType="h" fact="0.0518"/>
+                  <dgm:constr type="l" for="ch" forName="Child4Accent5" refType="w" fact="0.1833"/>
+                  <dgm:constr type="t" for="ch" forName="Child4Accent5" refType="h" fact="0.9482"/>
+                  <dgm:constr type="w" for="ch" forName="Child4Accent5" refType="w" fact="0.0283"/>
+                  <dgm:constr type="h" for="ch" forName="Child4Accent5" refType="h" fact="0.0518"/>
+                  <dgm:constr type="l" for="ch" forName="Child4Accent6" refType="w" fact="0.1251"/>
+                  <dgm:constr type="t" for="ch" forName="Child4Accent6" refType="h" fact="0.9482"/>
+                  <dgm:constr type="w" for="ch" forName="Child4Accent6" refType="w" fact="0.0283"/>
+                  <dgm:constr type="h" for="ch" forName="Child4Accent6" refType="h" fact="0.0518"/>
+                  <dgm:constr type="l" for="ch" forName="Child4Accent7" refType="w" fact="0.0668"/>
+                  <dgm:constr type="t" for="ch" forName="Child4Accent7" refType="h" fact="0.9482"/>
+                  <dgm:constr type="w" for="ch" forName="Child4Accent7" refType="w" fact="0.0283"/>
+                  <dgm:constr type="h" for="ch" forName="Child4Accent7" refType="h" fact="0.0518"/>
+                  <dgm:constr type="l" for="ch" forName="Child4Accent8" refType="w" fact="0.0086"/>
+                  <dgm:constr type="t" for="ch" forName="Child4Accent8" refType="h" fact="0.9482"/>
+                  <dgm:constr type="w" for="ch" forName="Child4Accent8" refType="w" fact="0.0283"/>
+                  <dgm:constr type="h" for="ch" forName="Child4Accent8" refType="h" fact="0.0518"/>
+                  <dgm:constr type="l" for="ch" forName="Child2Accent1" refType="w" fact="0.3158"/>
+                  <dgm:constr type="t" for="ch" forName="Child2Accent1" refType="h" fact="0.3725"/>
+                  <dgm:constr type="w" for="ch" forName="Child2Accent1" refType="w" fact="0.0566"/>
+                  <dgm:constr type="h" for="ch" forName="Child2Accent1" refType="h" fact="0.1035"/>
+                  <dgm:constr type="l" for="ch" forName="Child4Accent2" refType="w" fact="0.358"/>
+                  <dgm:constr type="t" for="ch" forName="Child4Accent2" refType="h" fact="0.8993"/>
+                  <dgm:constr type="w" for="ch" forName="Child4Accent2" refType="w" fact="0.0283"/>
+                  <dgm:constr type="h" for="ch" forName="Child4Accent2" refType="h" fact="0.0518"/>
+                  <dgm:constr type="l" for="ch" forName="Child1Accent2" refType="w" fact="0.3585"/>
+                  <dgm:constr type="t" for="ch" forName="Child1Accent2" refType="h" fact="0.162"/>
+                  <dgm:constr type="w" for="ch" forName="Child1Accent2" refType="w" fact="0.0283"/>
+                  <dgm:constr type="h" for="ch" forName="Child1Accent2" refType="h" fact="0.0518"/>
+                  <dgm:constr type="l" for="ch" forName="Child3Accent3" refType="w" fact="0.2151"/>
+                  <dgm:constr type="t" for="ch" forName="Child3Accent3" refType="h" fact="0.6828"/>
+                  <dgm:constr type="w" for="ch" forName="Child3Accent3" refType="w" fact="0.0283"/>
+                  <dgm:constr type="h" for="ch" forName="Child3Accent3" refType="h" fact="0.0518"/>
+                  <dgm:constr type="l" for="ch" forName="Child2Accent2" refType="w" fact="0.2689"/>
+                  <dgm:constr type="t" for="ch" forName="Child2Accent2" refType="h" fact="0.3937"/>
+                  <dgm:constr type="w" for="ch" forName="Child2Accent2" refType="w" fact="0.0283"/>
+                  <dgm:constr type="h" for="ch" forName="Child2Accent2" refType="h" fact="0.0518"/>
+                  <dgm:constr type="l" for="ch" forName="Child2Accent4" refType="w" fact="0.1614"/>
+                  <dgm:constr type="t" for="ch" forName="Child2Accent4" refType="h" fact="0.3937"/>
+                  <dgm:constr type="w" for="ch" forName="Child2Accent4" refType="w" fact="0.0283"/>
+                  <dgm:constr type="h" for="ch" forName="Child2Accent4" refType="h" fact="0.0518"/>
+                  <dgm:constr type="l" for="ch" forName="Child2Accent5" refType="w" fact="0.1077"/>
+                  <dgm:constr type="t" for="ch" forName="Child2Accent5" refType="h" fact="0.3937"/>
+                  <dgm:constr type="w" for="ch" forName="Child2Accent5" refType="w" fact="0.0283"/>
+                  <dgm:constr type="h" for="ch" forName="Child2Accent5" refType="h" fact="0.0518"/>
+                  <dgm:constr type="l" for="ch" forName="Child2Accent6" refType="w" fact="0.0539"/>
+                  <dgm:constr type="t" for="ch" forName="Child2Accent6" refType="h" fact="0.3937"/>
+                  <dgm:constr type="w" for="ch" forName="Child2Accent6" refType="w" fact="0.0283"/>
+                  <dgm:constr type="h" for="ch" forName="Child2Accent6" refType="h" fact="0.0518"/>
+                  <dgm:constr type="l" for="ch" forName="Child2Accent7" refType="w" fact="0.0002"/>
+                  <dgm:constr type="t" for="ch" forName="Child2Accent7" refType="h" fact="0.3937"/>
+                  <dgm:constr type="w" for="ch" forName="Child2Accent7" refType="w" fact="0.0283"/>
+                  <dgm:constr type="h" for="ch" forName="Child2Accent7" refType="h" fact="0.0518"/>
+                  <dgm:constr type="l" for="ch" forName="Child2Accent3" refType="w" fact="0.2151"/>
+                  <dgm:constr type="t" for="ch" forName="Child2Accent3" refType="h" fact="0.3937"/>
+                  <dgm:constr type="w" for="ch" forName="Child2Accent3" refType="w" fact="0.0283"/>
+                  <dgm:constr type="h" for="ch" forName="Child2Accent3" refType="h" fact="0.0518"/>
+                  <dgm:constr type="l" for="ch" forName="ParentAccent1" refType="w" fact="0.9717"/>
+                  <dgm:constr type="t" for="ch" forName="ParentAccent1" refType="h" fact="0.5316"/>
+                  <dgm:constr type="w" for="ch" forName="ParentAccent1" refType="w" fact="0.0283"/>
+                  <dgm:constr type="h" for="ch" forName="ParentAccent1" refType="h" fact="0.0518"/>
+                  <dgm:constr type="l" for="ch" forName="ParentAccent2" refType="w" fact="0.9199"/>
+                  <dgm:constr type="t" for="ch" forName="ParentAccent2" refType="h" fact="0.5316"/>
+                  <dgm:constr type="w" for="ch" forName="ParentAccent2" refType="w" fact="0.0283"/>
+                  <dgm:constr type="h" for="ch" forName="ParentAccent2" refType="h" fact="0.0518"/>
+                  <dgm:constr type="l" for="ch" forName="ParentAccent3" refType="w" fact="0.8682"/>
+                  <dgm:constr type="t" for="ch" forName="ParentAccent3" refType="h" fact="0.5316"/>
+                  <dgm:constr type="w" for="ch" forName="ParentAccent3" refType="w" fact="0.0283"/>
+                  <dgm:constr type="h" for="ch" forName="ParentAccent3" refType="h" fact="0.0518"/>
+                  <dgm:constr type="l" for="ch" forName="ParentAccent4" refType="w" fact="0.8164"/>
+                  <dgm:constr type="t" for="ch" forName="ParentAccent4" refType="h" fact="0.5316"/>
+                  <dgm:constr type="w" for="ch" forName="ParentAccent4" refType="w" fact="0.0283"/>
+                  <dgm:constr type="h" for="ch" forName="ParentAccent4" refType="h" fact="0.0518"/>
+                  <dgm:constr type="l" for="ch" forName="ParentAccent5" refType="w" fact="0.7646"/>
+                  <dgm:constr type="t" for="ch" forName="ParentAccent5" refType="h" fact="0.5316"/>
+                  <dgm:constr type="w" for="ch" forName="ParentAccent5" refType="w" fact="0.0283"/>
+                  <dgm:constr type="h" for="ch" forName="ParentAccent5" refType="h" fact="0.0518"/>
+                  <dgm:constr type="l" for="ch" forName="ParentAccent6" refType="w" fact="0.6846"/>
+                  <dgm:constr type="t" for="ch" forName="ParentAccent6" refType="h" fact="0.5057"/>
+                  <dgm:constr type="w" for="ch" forName="ParentAccent6" refType="w" fact="0.0566"/>
+                  <dgm:constr type="h" for="ch" forName="ParentAccent6" refType="h" fact="0.1035"/>
+                  <dgm:constr type="l" for="ch" forName="ParentAccent7" refType="w" fact="0.9256"/>
+                  <dgm:constr type="t" for="ch" forName="ParentAccent7" refType="h" fact="0.4247"/>
+                  <dgm:constr type="w" for="ch" forName="ParentAccent7" refType="w" fact="0.0283"/>
+                  <dgm:constr type="h" for="ch" forName="ParentAccent7" refType="h" fact="0.0518"/>
+                  <dgm:constr type="l" for="ch" forName="ParentAccent8" refType="w" fact="0.9256"/>
+                  <dgm:constr type="t" for="ch" forName="ParentAccent8" refType="h" fact="0.6392"/>
+                  <dgm:constr type="w" for="ch" forName="ParentAccent8" refType="w" fact="0.0283"/>
+                  <dgm:constr type="h" for="ch" forName="ParentAccent8" refType="h" fact="0.0518"/>
+                  <dgm:constr type="l" for="ch" forName="ParentAccent9" refType="w" fact="0.9509"/>
+                  <dgm:constr type="t" for="ch" forName="ParentAccent9" refType="h" fact="0.4712"/>
+                  <dgm:constr type="w" for="ch" forName="ParentAccent9" refType="w" fact="0.0283"/>
+                  <dgm:constr type="h" for="ch" forName="ParentAccent9" refType="h" fact="0.0518"/>
+                  <dgm:constr type="l" for="ch" forName="ParentAccent10" refType="w" fact="0.9525"/>
+                  <dgm:constr type="t" for="ch" forName="ParentAccent10" refType="h" fact="0.593"/>
+                  <dgm:constr type="w" for="ch" forName="ParentAccent10" refType="w" fact="0.0283"/>
+                  <dgm:constr type="h" for="ch" forName="ParentAccent10" refType="h" fact="0.0518"/>
+                  <dgm:constr type="l" for="ch" forName="Child4" refType="w" fact="0.0081"/>
+                  <dgm:constr type="t" for="ch" forName="Child4" refType="h" fact="0.8184"/>
+                  <dgm:constr type="w" for="ch" forName="Child4" refType="w" fact="0.3192"/>
+                  <dgm:constr type="h" for="ch" forName="Child4" refType="h" fact="0.1294"/>
+                  <dgm:constr type="l" for="ch" forName="Child3" refType="w" fact="0"/>
+                  <dgm:constr type="t" for="ch" forName="Child3" refType="h" fact="0.5547"/>
+                  <dgm:constr type="w" for="ch" forName="Child3" refType="w" fact="0.297"/>
+                  <dgm:constr type="h" for="ch" forName="Child3" refType="h" fact="0.1294"/>
+                  <dgm:constr type="l" for="ch" forName="Child2" refType="w" fact="0"/>
+                  <dgm:constr type="t" for="ch" forName="Child2" refType="h" fact="0.2662"/>
+                  <dgm:constr type="w" for="ch" forName="Child2" refType="w" fact="0.297"/>
+                  <dgm:constr type="h" for="ch" forName="Child2" refType="h" fact="0.1294"/>
+                  <dgm:constr type="l" for="ch" forName="Child1" refType="w" fact="0.0081"/>
+                  <dgm:constr type="t" for="ch" forName="Child1" refType="h" fact="0"/>
+                  <dgm:constr type="w" for="ch" forName="Child1" refType="w" fact="0.3192"/>
+                  <dgm:constr type="h" for="ch" forName="Child1" refType="h" fact="0.1294"/>
+                </dgm:constrLst>
+              </dgm:if>
+              <dgm:else name="Name12">
+                <dgm:alg type="composite">
+                  <dgm:param type="ar" val="1.3278"/>
+                </dgm:alg>
+                <dgm:constrLst>
+                  <dgm:constr type="l" for="ch" forName="Child2Accent1" refType="w" fact="0.3436"/>
+                  <dgm:constr type="t" for="ch" forName="Child2Accent1" refType="h" fact="0.3184"/>
+                  <dgm:constr type="w" for="ch" forName="Child2Accent1" refType="w" fact="0.0574"/>
+                  <dgm:constr type="h" for="ch" forName="Child2Accent1" refType="h" fact="0.0763"/>
+                  <dgm:constr type="l" for="ch" forName="Child2Accent2" refType="w" fact="0.3068"/>
+                  <dgm:constr type="t" for="ch" forName="Child2Accent2" refType="h" fact="0.2781"/>
+                  <dgm:constr type="w" for="ch" forName="Child2Accent2" refType="w" fact="0.0287"/>
+                  <dgm:constr type="h" for="ch" forName="Child2Accent2" refType="h" fact="0.0381"/>
+                  <dgm:constr type="l" for="ch" forName="Child2Accent3" refType="w" fact="0.2455"/>
+                  <dgm:constr type="t" for="ch" forName="Child2Accent3" refType="h" fact="0.2781"/>
+                  <dgm:constr type="w" for="ch" forName="Child2Accent3" refType="w" fact="0.0287"/>
+                  <dgm:constr type="h" for="ch" forName="Child2Accent3" refType="h" fact="0.0381"/>
+                  <dgm:constr type="l" for="ch" forName="Child2Accent4" refType="w" fact="0.1842"/>
+                  <dgm:constr type="t" for="ch" forName="Child2Accent4" refType="h" fact="0.2781"/>
+                  <dgm:constr type="w" for="ch" forName="Child2Accent4" refType="w" fact="0.0287"/>
+                  <dgm:constr type="h" for="ch" forName="Child2Accent4" refType="h" fact="0.0381"/>
+                  <dgm:constr type="l" for="ch" forName="Child2Accent5" refType="w" fact="0.1229"/>
+                  <dgm:constr type="t" for="ch" forName="Child2Accent5" refType="h" fact="0.2781"/>
+                  <dgm:constr type="w" for="ch" forName="Child2Accent5" refType="w" fact="0.0287"/>
+                  <dgm:constr type="h" for="ch" forName="Child2Accent5" refType="h" fact="0.0381"/>
+                  <dgm:constr type="l" for="ch" forName="Child3Accent1" refType="w" fact="0.284"/>
+                  <dgm:constr type="t" for="ch" forName="Child3Accent1" refType="h" fact="0.5061"/>
+                  <dgm:constr type="w" for="ch" forName="Child3Accent1" refType="w" fact="0.0574"/>
+                  <dgm:constr type="h" for="ch" forName="Child3Accent1" refType="h" fact="0.0763"/>
+                  <dgm:constr type="l" for="ch" forName="Child3Accent2" refType="w" fact="0.2272"/>
+                  <dgm:constr type="t" for="ch" forName="Child3Accent2" refType="h" fact="0.5252"/>
+                  <dgm:constr type="w" for="ch" forName="Child3Accent2" refType="w" fact="0.0287"/>
+                  <dgm:constr type="h" for="ch" forName="Child3Accent2" refType="h" fact="0.0381"/>
+                  <dgm:constr type="l" for="ch" forName="Child3Accent3" refType="w" fact="0.1705"/>
+                  <dgm:constr type="t" for="ch" forName="Child3Accent3" refType="h" fact="0.5252"/>
+                  <dgm:constr type="w" for="ch" forName="Child3Accent3" refType="w" fact="0.0287"/>
+                  <dgm:constr type="h" for="ch" forName="Child3Accent3" refType="h" fact="0.0381"/>
+                  <dgm:constr type="l" for="ch" forName="Child3Accent4" refType="w" fact="0.1137"/>
+                  <dgm:constr type="t" for="ch" forName="Child3Accent4" refType="h" fact="0.5252"/>
+                  <dgm:constr type="w" for="ch" forName="Child3Accent4" refType="w" fact="0.0287"/>
+                  <dgm:constr type="h" for="ch" forName="Child3Accent4" refType="h" fact="0.0381"/>
+                  <dgm:constr type="l" for="ch" forName="Child2Accent6" refType="w" fact="0.0615"/>
+                  <dgm:constr type="t" for="ch" forName="Child2Accent6" refType="h" fact="0.2781"/>
+                  <dgm:constr type="w" for="ch" forName="Child2Accent6" refType="w" fact="0.0287"/>
+                  <dgm:constr type="h" for="ch" forName="Child2Accent6" refType="h" fact="0.0381"/>
+                  <dgm:constr type="l" for="ch" forName="Child3Accent5" refType="w" fact="0.057"/>
+                  <dgm:constr type="t" for="ch" forName="Child3Accent5" refType="h" fact="0.5252"/>
+                  <dgm:constr type="w" for="ch" forName="Child3Accent5" refType="w" fact="0.0287"/>
+                  <dgm:constr type="h" for="ch" forName="Child3Accent5" refType="h" fact="0.0381"/>
+                  <dgm:constr type="l" for="ch" forName="Child2Accent7" refType="w" fact="0.0002"/>
+                  <dgm:constr type="t" for="ch" forName="Child2Accent7" refType="h" fact="0.2781"/>
+                  <dgm:constr type="w" for="ch" forName="Child2Accent7" refType="w" fact="0.0287"/>
+                  <dgm:constr type="h" for="ch" forName="Child2Accent7" refType="h" fact="0.0381"/>
+                  <dgm:constr type="l" for="ch" forName="Child3Accent6" refType="w" fact="0.0002"/>
+                  <dgm:constr type="t" for="ch" forName="Child3Accent6" refType="h" fact="0.5252"/>
+                  <dgm:constr type="w" for="ch" forName="Child3Accent6" refType="w" fact="0.0287"/>
+                  <dgm:constr type="h" for="ch" forName="Child3Accent6" refType="h" fact="0.0381"/>
+                  <dgm:constr type="l" for="ch" forName="Child3Accent7" refType="w" fact="0"/>
+                  <dgm:constr type="t" for="ch" forName="Child3Accent7" refType="h" fact="0"/>
+                  <dgm:constr type="w" for="ch" forName="Child3Accent7" refType="w" fact="0"/>
+                  <dgm:constr type="h" for="ch" forName="Child3Accent7" refType="h" fact="0"/>
+                  <dgm:constr type="l" for="ch" forName="Child4Accent1" refType="w" fact="0.3436"/>
+                  <dgm:constr type="t" for="ch" forName="Child4Accent1" refType="h" fact="0.6908"/>
+                  <dgm:constr type="w" for="ch" forName="Child4Accent1" refType="w" fact="0.0574"/>
+                  <dgm:constr type="h" for="ch" forName="Child4Accent1" refType="h" fact="0.0763"/>
+                  <dgm:constr type="l" for="ch" forName="Child4Accent2" refType="w" fact="0.3068"/>
+                  <dgm:constr type="t" for="ch" forName="Child4Accent2" refType="h" fact="0.7684"/>
+                  <dgm:constr type="w" for="ch" forName="Child4Accent2" refType="w" fact="0.0287"/>
+                  <dgm:constr type="h" for="ch" forName="Child4Accent2" refType="h" fact="0.0381"/>
+                  <dgm:constr type="l" for="ch" forName="Child4Accent3" refType="w" fact="0.2455"/>
+                  <dgm:constr type="t" for="ch" forName="Child4Accent3" refType="h" fact="0.7684"/>
+                  <dgm:constr type="w" for="ch" forName="Child4Accent3" refType="w" fact="0.0287"/>
+                  <dgm:constr type="h" for="ch" forName="Child4Accent3" refType="h" fact="0.0381"/>
+                  <dgm:constr type="l" for="ch" forName="Child4Accent4" refType="w" fact="0.1842"/>
+                  <dgm:constr type="t" for="ch" forName="Child4Accent4" refType="h" fact="0.7684"/>
+                  <dgm:constr type="w" for="ch" forName="Child4Accent4" refType="w" fact="0.0287"/>
+                  <dgm:constr type="h" for="ch" forName="Child4Accent4" refType="h" fact="0.0381"/>
+                  <dgm:constr type="l" for="ch" forName="Child4Accent5" refType="w" fact="0.1229"/>
+                  <dgm:constr type="t" for="ch" forName="Child4Accent5" refType="h" fact="0.7684"/>
+                  <dgm:constr type="w" for="ch" forName="Child4Accent5" refType="w" fact="0.0287"/>
+                  <dgm:constr type="h" for="ch" forName="Child4Accent5" refType="h" fact="0.0381"/>
+                  <dgm:constr type="l" for="ch" forName="Child4Accent6" refType="w" fact="0.0615"/>
+                  <dgm:constr type="t" for="ch" forName="Child4Accent6" refType="h" fact="0.7684"/>
+                  <dgm:constr type="w" for="ch" forName="Child4Accent6" refType="w" fact="0.0287"/>
+                  <dgm:constr type="h" for="ch" forName="Child4Accent6" refType="h" fact="0.0381"/>
+                  <dgm:constr type="l" for="ch" forName="Child4Accent7" refType="w" fact="0.0002"/>
+                  <dgm:constr type="t" for="ch" forName="Child4Accent7" refType="h" fact="0.7684"/>
+                  <dgm:constr type="w" for="ch" forName="Child4Accent7" refType="w" fact="0.0287"/>
+                  <dgm:constr type="h" for="ch" forName="Child4Accent7" refType="h" fact="0.0381"/>
+                  <dgm:constr type="l" for="ch" forName="Child4Accent8" refType="w" fact="0"/>
+                  <dgm:constr type="t" for="ch" forName="Child4Accent8" refType="h" fact="0"/>
+                  <dgm:constr type="w" for="ch" forName="Child4Accent8" refType="w" fact="0"/>
+                  <dgm:constr type="h" for="ch" forName="Child4Accent8" refType="h" fact="0"/>
+                  <dgm:constr type="l" for="ch" forName="ParentAccent1" refType="w" fact="0.9713"/>
+                  <dgm:constr type="t" for="ch" forName="ParentAccent1" refType="h" fact="0.5252"/>
+                  <dgm:constr type="w" for="ch" forName="ParentAccent1" refType="w" fact="0.0287"/>
+                  <dgm:constr type="h" for="ch" forName="ParentAccent1" refType="h" fact="0.0381"/>
+                  <dgm:constr type="l" for="ch" forName="ParentAccent2" refType="w" fact="0.9187"/>
+                  <dgm:constr type="t" for="ch" forName="ParentAccent2" refType="h" fact="0.5252"/>
+                  <dgm:constr type="w" for="ch" forName="ParentAccent2" refType="w" fact="0.0287"/>
+                  <dgm:constr type="h" for="ch" forName="ParentAccent2" refType="h" fact="0.0381"/>
+                  <dgm:constr type="l" for="ch" forName="ParentAccent3" refType="w" fact="0.8661"/>
+                  <dgm:constr type="t" for="ch" forName="ParentAccent3" refType="h" fact="0.5252"/>
+                  <dgm:constr type="w" for="ch" forName="ParentAccent3" refType="w" fact="0.0287"/>
+                  <dgm:constr type="h" for="ch" forName="ParentAccent3" refType="h" fact="0.0381"/>
+                  <dgm:constr type="l" for="ch" forName="ParentAccent4" refType="w" fact="0.8136"/>
+                  <dgm:constr type="t" for="ch" forName="ParentAccent4" refType="h" fact="0.5252"/>
+                  <dgm:constr type="w" for="ch" forName="ParentAccent4" refType="w" fact="0.0287"/>
+                  <dgm:constr type="h" for="ch" forName="ParentAccent4" refType="h" fact="0.0381"/>
+                  <dgm:constr type="l" for="ch" forName="ParentAccent5" refType="w" fact="0.761"/>
+                  <dgm:constr type="t" for="ch" forName="ParentAccent5" refType="h" fact="0.5252"/>
+                  <dgm:constr type="w" for="ch" forName="ParentAccent5" refType="w" fact="0.0287"/>
+                  <dgm:constr type="h" for="ch" forName="ParentAccent5" refType="h" fact="0.0381"/>
+                  <dgm:constr type="l" for="ch" forName="ParentAccent6" refType="w" fact="0.6797"/>
+                  <dgm:constr type="t" for="ch" forName="ParentAccent6" refType="h" fact="0.5061"/>
+                  <dgm:constr type="w" for="ch" forName="ParentAccent6" refType="w" fact="0.0574"/>
+                  <dgm:constr type="h" for="ch" forName="ParentAccent6" refType="h" fact="0.0763"/>
+                  <dgm:constr type="l" for="ch" forName="ParentAccent7" refType="w" fact="0.9245"/>
+                  <dgm:constr type="t" for="ch" forName="ParentAccent7" refType="h" fact="0.4464"/>
+                  <dgm:constr type="w" for="ch" forName="ParentAccent7" refType="w" fact="0.0287"/>
+                  <dgm:constr type="h" for="ch" forName="ParentAccent7" refType="h" fact="0.0381"/>
+                  <dgm:constr type="l" for="ch" forName="ParentAccent8" refType="w" fact="0.9245"/>
+                  <dgm:constr type="t" for="ch" forName="ParentAccent8" refType="h" fact="0.6045"/>
+                  <dgm:constr type="w" for="ch" forName="ParentAccent8" refType="w" fact="0.0287"/>
+                  <dgm:constr type="h" for="ch" forName="ParentAccent8" refType="h" fact="0.0381"/>
+                  <dgm:constr type="l" for="ch" forName="ParentAccent9" refType="w" fact="0.9501"/>
+                  <dgm:constr type="t" for="ch" forName="ParentAccent9" refType="h" fact="0.4807"/>
+                  <dgm:constr type="w" for="ch" forName="ParentAccent9" refType="w" fact="0.0287"/>
+                  <dgm:constr type="h" for="ch" forName="ParentAccent9" refType="h" fact="0.0381"/>
+                  <dgm:constr type="l" for="ch" forName="ParentAccent10" refType="w" fact="0.9518"/>
+                  <dgm:constr type="t" for="ch" forName="ParentAccent10" refType="h" fact="0.5705"/>
+                  <dgm:constr type="w" for="ch" forName="ParentAccent10" refType="w" fact="0.0287"/>
+                  <dgm:constr type="h" for="ch" forName="ParentAccent10" refType="h" fact="0.0381"/>
+                  <dgm:constr type="l" for="ch" forName="Child1Accent1" refType="w" fact="0.4819"/>
+                  <dgm:constr type="t" for="ch" forName="Child1Accent1" refType="h" fact="0.2457"/>
+                  <dgm:constr type="w" for="ch" forName="Child1Accent1" refType="w" fact="0.0574"/>
+                  <dgm:constr type="h" for="ch" forName="Child1Accent1" refType="h" fact="0.0763"/>
+                  <dgm:constr type="l" for="ch" forName="Child1Accent4" refType="w" fact="0.3653"/>
+                  <dgm:constr type="t" for="ch" forName="Child1Accent4" refType="h" fact="0.097"/>
+                  <dgm:constr type="w" for="ch" forName="Child1Accent4" refType="w" fact="0.0287"/>
+                  <dgm:constr type="h" for="ch" forName="Child1Accent4" refType="h" fact="0.0381"/>
+                  <dgm:constr type="l" for="ch" forName="Child1Accent5" refType="w" fact="0.304"/>
+                  <dgm:constr type="t" for="ch" forName="Child1Accent5" refType="h" fact="0.097"/>
+                  <dgm:constr type="w" for="ch" forName="Child1Accent5" refType="w" fact="0.0287"/>
+                  <dgm:constr type="h" for="ch" forName="Child1Accent5" refType="h" fact="0.0381"/>
+                  <dgm:constr type="l" for="ch" forName="Child1Accent6" refType="w" fact="0.2426"/>
+                  <dgm:constr type="t" for="ch" forName="Child1Accent6" refType="h" fact="0.097"/>
+                  <dgm:constr type="w" for="ch" forName="Child1Accent6" refType="w" fact="0.0287"/>
+                  <dgm:constr type="h" for="ch" forName="Child1Accent6" refType="h" fact="0.0381"/>
+                  <dgm:constr type="l" for="ch" forName="Child1Accent7" refType="w" fact="0.1813"/>
+                  <dgm:constr type="t" for="ch" forName="Child1Accent7" refType="h" fact="0.097"/>
+                  <dgm:constr type="w" for="ch" forName="Child1Accent7" refType="w" fact="0.0287"/>
+                  <dgm:constr type="h" for="ch" forName="Child1Accent7" refType="h" fact="0.0381"/>
+                  <dgm:constr type="l" for="ch" forName="Child1Accent8" refType="w" fact="0.12"/>
+                  <dgm:constr type="t" for="ch" forName="Child1Accent8" refType="h" fact="0.097"/>
+                  <dgm:constr type="w" for="ch" forName="Child1Accent8" refType="w" fact="0.0287"/>
+                  <dgm:constr type="h" for="ch" forName="Child1Accent8" refType="h" fact="0.0381"/>
+                  <dgm:constr type="l" for="ch" forName="Child1Accent9" refType="w" fact="0.0587"/>
+                  <dgm:constr type="t" for="ch" forName="Child1Accent9" refType="h" fact="0.097"/>
+                  <dgm:constr type="w" for="ch" forName="Child1Accent9" refType="w" fact="0.0287"/>
+                  <dgm:constr type="h" for="ch" forName="Child1Accent9" refType="h" fact="0.0381"/>
+                  <dgm:constr type="l" for="ch" forName="Child5Accent1" refType="w" fact="0.4819"/>
+                  <dgm:constr type="t" for="ch" forName="Child5Accent1" refType="h" fact="0.7601"/>
+                  <dgm:constr type="w" for="ch" forName="Child5Accent1" refType="w" fact="0.0574"/>
+                  <dgm:constr type="h" for="ch" forName="Child5Accent1" refType="h" fact="0.0763"/>
+                  <dgm:constr type="l" for="ch" forName="Child5Accent4" refType="w" fact="0.3653"/>
+                  <dgm:constr type="t" for="ch" forName="Child5Accent4" refType="h" fact="0.9619"/>
+                  <dgm:constr type="w" for="ch" forName="Child5Accent4" refType="w" fact="0.0287"/>
+                  <dgm:constr type="h" for="ch" forName="Child5Accent4" refType="h" fact="0.0381"/>
+                  <dgm:constr type="l" for="ch" forName="Child5Accent5" refType="w" fact="0.304"/>
+                  <dgm:constr type="t" for="ch" forName="Child5Accent5" refType="h" fact="0.9619"/>
+                  <dgm:constr type="w" for="ch" forName="Child5Accent5" refType="w" fact="0.0287"/>
+                  <dgm:constr type="h" for="ch" forName="Child5Accent5" refType="h" fact="0.0381"/>
+                  <dgm:constr type="l" for="ch" forName="Child5Accent6" refType="w" fact="0.2426"/>
+                  <dgm:constr type="t" for="ch" forName="Child5Accent6" refType="h" fact="0.9619"/>
+                  <dgm:constr type="w" for="ch" forName="Child5Accent6" refType="w" fact="0.0287"/>
+                  <dgm:constr type="h" for="ch" forName="Child5Accent6" refType="h" fact="0.0381"/>
+                  <dgm:constr type="l" for="ch" forName="Child5Accent7" refType="w" fact="0.1813"/>
+                  <dgm:constr type="t" for="ch" forName="Child5Accent7" refType="h" fact="0.9619"/>
+                  <dgm:constr type="w" for="ch" forName="Child5Accent7" refType="w" fact="0.0287"/>
+                  <dgm:constr type="h" for="ch" forName="Child5Accent7" refType="h" fact="0.0381"/>
+                  <dgm:constr type="l" for="ch" forName="Child5Accent8" refType="w" fact="0.12"/>
+                  <dgm:constr type="t" for="ch" forName="Child5Accent8" refType="h" fact="0.9619"/>
+                  <dgm:constr type="w" for="ch" forName="Child5Accent8" refType="w" fact="0.0287"/>
+                  <dgm:constr type="h" for="ch" forName="Child5Accent8" refType="h" fact="0.0381"/>
+                  <dgm:constr type="l" for="ch" forName="Child5Accent9" refType="w" fact="0.0587"/>
+                  <dgm:constr type="t" for="ch" forName="Child5Accent9" refType="h" fact="0.9619"/>
+                  <dgm:constr type="w" for="ch" forName="Child5Accent9" refType="w" fact="0.0287"/>
+                  <dgm:constr type="h" for="ch" forName="Child5Accent9" refType="h" fact="0.0381"/>
+                  <dgm:constr type="l" for="ch" forName="Child5Accent2" refType="w" fact="0.453"/>
+                  <dgm:constr type="t" for="ch" forName="Child5Accent2" refType="h" fact="0.8375"/>
+                  <dgm:constr type="w" for="ch" forName="Child5Accent2" refType="w" fact="0.0287"/>
+                  <dgm:constr type="h" for="ch" forName="Child5Accent2" refType="h" fact="0.0381"/>
+                  <dgm:constr type="l" for="ch" forName="Child5Accent3" refType="w" fact="0.4118"/>
+                  <dgm:constr type="t" for="ch" forName="Child5Accent3" refType="h" fact="0.8991"/>
+                  <dgm:constr type="w" for="ch" forName="Child5Accent3" refType="w" fact="0.0287"/>
+                  <dgm:constr type="h" for="ch" forName="Child5Accent3" refType="h" fact="0.0381"/>
+                  <dgm:constr type="l" for="ch" forName="Child1Accent2" refType="w" fact="0.4458"/>
+                  <dgm:constr type="t" for="ch" forName="Child1Accent2" refType="h" fact="0.2004"/>
+                  <dgm:constr type="w" for="ch" forName="Child1Accent2" refType="w" fact="0.0287"/>
+                  <dgm:constr type="h" for="ch" forName="Child1Accent2" refType="h" fact="0.0381"/>
+                  <dgm:constr type="l" for="ch" forName="Child1Accent3" refType="w" fact="0.4054"/>
+                  <dgm:constr type="t" for="ch" forName="Child1Accent3" refType="h" fact="0.1445"/>
+                  <dgm:constr type="w" for="ch" forName="Child1Accent3" refType="w" fact="0.0287"/>
+                  <dgm:constr type="h" for="ch" forName="Child1Accent3" refType="h" fact="0.0381"/>
+                  <dgm:constr type="l" for="ch" forName="Child5" refType="w" fact="0.0581"/>
+                  <dgm:constr type="t" for="ch" forName="Child5" refType="h" fact="0.8635"/>
+                  <dgm:constr type="w" for="ch" forName="Child5" refType="w" fact="0.3364"/>
+                  <dgm:constr type="h" for="ch" forName="Child5" refType="h" fact="0.0981"/>
+                  <dgm:constr type="l" for="ch" forName="Child4" refType="w" fact="0"/>
+                  <dgm:constr type="t" for="ch" forName="Child4" refType="h" fact="0.6701"/>
+                  <dgm:constr type="w" for="ch" forName="Child4" refType="w" fact="0.3364"/>
+                  <dgm:constr type="h" for="ch" forName="Child4" refType="h" fact="0.0981"/>
+                  <dgm:constr type="l" for="ch" forName="Child3" refType="w" fact="0"/>
+                  <dgm:constr type="t" for="ch" forName="Child3" refType="h" fact="0.4276"/>
+                  <dgm:constr type="w" for="ch" forName="Child3" refType="w" fact="0.2544"/>
+                  <dgm:constr type="h" for="ch" forName="Child3" refType="h" fact="0.0981"/>
+                  <dgm:constr type="l" for="ch" forName="Child2" refType="w" fact="0"/>
+                  <dgm:constr type="t" for="ch" forName="Child2" refType="h" fact="0.1798"/>
+                  <dgm:constr type="w" for="ch" forName="Child2" refType="w" fact="0.3364"/>
+                  <dgm:constr type="h" for="ch" forName="Child2" refType="h" fact="0.0981"/>
+                  <dgm:constr type="l" for="ch" forName="Child1" refType="w" fact="0.0581"/>
+                  <dgm:constr type="t" for="ch" forName="Child1" refType="h" fact="0"/>
+                  <dgm:constr type="w" for="ch" forName="Child1" refType="w" fact="0.3364"/>
+                  <dgm:constr type="h" for="ch" forName="Child1" refType="h" fact="0.0981"/>
+                  <dgm:constr type="l" for="ch" forName="Parent" refType="w" fact="0.3653"/>
+                  <dgm:constr type="t" for="ch" forName="Parent" refType="h" fact="0.3513"/>
+                  <dgm:constr type="w" for="ch" forName="Parent" refType="w" fact="0.2906"/>
+                  <dgm:constr type="h" for="ch" forName="Parent" refType="h" fact="0.3859"/>
+                </dgm:constrLst>
+              </dgm:else>
+            </dgm:choose>
+          </dgm:if>
+          <dgm:else name="Name13">
+            <dgm:choose name="Name14">
+              <dgm:if name="Name15" axis="ch" ptType="node" func="cnt" op="equ" val="0">
+                <dgm:alg type="composite">
+                  <dgm:param type="ar" val="2.1059"/>
+                </dgm:alg>
+                <dgm:constrLst>
+                  <dgm:constr type="r" for="ch" forName="Parent" refType="w"/>
+                  <dgm:constr type="t" for="ch" forName="Parent" refType="h" fact="0"/>
+                  <dgm:constr type="w" for="ch" forName="Parent" refType="w" fact="0.4749"/>
+                  <dgm:constr type="h" for="ch" forName="Parent" refType="h"/>
+                  <dgm:constr type="r" for="ch" forName="ParentAccent1" refType="w" fact="0.0469"/>
+                  <dgm:constr type="t" for="ch" forName="ParentAccent1" refType="h" fact="0.4506"/>
+                  <dgm:constr type="w" for="ch" forName="ParentAccent1" refType="w" fact="0.0469"/>
+                  <dgm:constr type="h" for="ch" forName="ParentAccent1" refType="h" fact="0.0988"/>
+                  <dgm:constr type="r" for="ch" forName="ParentAccent2" refType="w" fact="0.1266"/>
+                  <dgm:constr type="t" for="ch" forName="ParentAccent2" refType="h" fact="0.4506"/>
+                  <dgm:constr type="w" for="ch" forName="ParentAccent2" refType="w" fact="0.0469"/>
+                  <dgm:constr type="h" for="ch" forName="ParentAccent2" refType="h" fact="0.0988"/>
+                  <dgm:constr type="r" for="ch" forName="ParentAccent3" refType="w" fact="0.2063"/>
+                  <dgm:constr type="t" for="ch" forName="ParentAccent3" refType="h" fact="0.4506"/>
+                  <dgm:constr type="w" for="ch" forName="ParentAccent3" refType="w" fact="0.0469"/>
+                  <dgm:constr type="h" for="ch" forName="ParentAccent3" refType="h" fact="0.0988"/>
+                  <dgm:constr type="r" for="ch" forName="ParentAccent4" refType="w" fact="0.286"/>
+                  <dgm:constr type="t" for="ch" forName="ParentAccent4" refType="h" fact="0.4506"/>
+                  <dgm:constr type="w" for="ch" forName="ParentAccent4" refType="w" fact="0.0469"/>
+                  <dgm:constr type="h" for="ch" forName="ParentAccent4" refType="h" fact="0.0988"/>
+                  <dgm:constr type="r" for="ch" forName="ParentAccent5" refType="w" fact="0.3657"/>
+                  <dgm:constr type="t" for="ch" forName="ParentAccent5" refType="h" fact="0.4506"/>
+                  <dgm:constr type="w" for="ch" forName="ParentAccent5" refType="w" fact="0.0469"/>
+                  <dgm:constr type="h" for="ch" forName="ParentAccent5" refType="h" fact="0.0988"/>
+                  <dgm:constr type="r" for="ch" forName="ParentAccent6" refType="w" fact="0.4924"/>
+                  <dgm:constr type="t" for="ch" forName="ParentAccent6" refType="h" fact="0.4012"/>
+                  <dgm:constr type="w" for="ch" forName="ParentAccent6" refType="w" fact="0.0939"/>
+                  <dgm:constr type="h" for="ch" forName="ParentAccent6" refType="h" fact="0.1976"/>
+                  <dgm:constr type="r" for="ch" forName="ParentAccent7" refType="w" fact="0.1234"/>
+                  <dgm:constr type="t" for="ch" forName="ParentAccent7" refType="h" fact="0.2465"/>
+                  <dgm:constr type="w" for="ch" forName="ParentAccent7" refType="w" fact="0.0469"/>
+                  <dgm:constr type="h" for="ch" forName="ParentAccent7" refType="h" fact="0.0988"/>
+                  <dgm:constr type="r" for="ch" forName="ParentAccent8" refType="w" fact="0.1234"/>
+                  <dgm:constr type="t" for="ch" forName="ParentAccent8" refType="h" fact="0.6562"/>
+                  <dgm:constr type="w" for="ch" forName="ParentAccent8" refType="w" fact="0.0469"/>
+                  <dgm:constr type="h" for="ch" forName="ParentAccent8" refType="h" fact="0.0988"/>
+                  <dgm:constr type="r" for="ch" forName="ParentAccent9" refType="w" fact="0.0815"/>
+                  <dgm:constr type="t" for="ch" forName="ParentAccent9" refType="h" fact="0.3353"/>
+                  <dgm:constr type="w" for="ch" forName="ParentAccent9" refType="w" fact="0.0469"/>
+                  <dgm:constr type="h" for="ch" forName="ParentAccent9" refType="h" fact="0.0988"/>
+                  <dgm:constr type="r" for="ch" forName="ParentAccent10" refType="w" fact="0.0787"/>
+                  <dgm:constr type="t" for="ch" forName="ParentAccent10" refType="h" fact="0.5679"/>
+                  <dgm:constr type="w" for="ch" forName="ParentAccent10" refType="w" fact="0.0469"/>
+                  <dgm:constr type="h" for="ch" forName="ParentAccent10" refType="h" fact="0.0988"/>
+                </dgm:constrLst>
+              </dgm:if>
+              <dgm:if name="Name16" axis="ch" ptType="node" func="cnt" op="equ" val="1">
+                <dgm:alg type="composite">
+                  <dgm:param type="ar" val="3.4411"/>
+                </dgm:alg>
+                <dgm:constrLst>
+                  <dgm:constr type="primFontSz" for="des" forName="Child1" val="65"/>
+                  <dgm:constr type="primFontSz" for="des" forName="Child1" refType="primFontSz" refFor="des" refForName="Parent" op="lte"/>
+                  <dgm:constr type="r" for="ch" forName="Child1Accent1" refType="w" fact="0.716"/>
+                  <dgm:constr type="t" for="ch" forName="Child1Accent1" refType="h" fact="0.4012"/>
+                  <dgm:constr type="w" for="ch" forName="Child1Accent1" refType="w" fact="0.0574"/>
+                  <dgm:constr type="h" for="ch" forName="Child1Accent1" refType="h" fact="0.1976"/>
+                  <dgm:constr type="r" for="ch" forName="Child1Accent2" refType="w" fact="0.7728"/>
+                  <dgm:constr type="t" for="ch" forName="Child1Accent2" refType="h" fact="0.4506"/>
+                  <dgm:constr type="w" for="ch" forName="Child1Accent2" refType="w" fact="0.0287"/>
+                  <dgm:constr type="h" for="ch" forName="Child1Accent2" refType="h" fact="0.0988"/>
+                  <dgm:constr type="r" for="ch" forName="Child1Accent3" refType="w" fact="0.8295"/>
+                  <dgm:constr type="t" for="ch" forName="Child1Accent3" refType="h" fact="0.4506"/>
+                  <dgm:constr type="w" for="ch" forName="Child1Accent3" refType="w" fact="0.0287"/>
+                  <dgm:constr type="h" for="ch" forName="Child1Accent3" refType="h" fact="0.0988"/>
+                  <dgm:constr type="r" for="ch" forName="Child1Accent4" refType="w" fact="0.8863"/>
+                  <dgm:constr type="t" for="ch" forName="Child1Accent4" refType="h" fact="0.4506"/>
+                  <dgm:constr type="w" for="ch" forName="Child1Accent4" refType="w" fact="0.0287"/>
+                  <dgm:constr type="h" for="ch" forName="Child1Accent4" refType="h" fact="0.0988"/>
+                  <dgm:constr type="r" for="ch" forName="Child1Accent5" refType="w" fact="0.943"/>
+                  <dgm:constr type="t" for="ch" forName="Child1Accent5" refType="h" fact="0.4506"/>
+                  <dgm:constr type="w" for="ch" forName="Child1Accent5" refType="w" fact="0.0287"/>
+                  <dgm:constr type="h" for="ch" forName="Child1Accent5" refType="h" fact="0.0988"/>
+                  <dgm:constr type="r" for="ch" forName="Child1Accent6" refType="w" fact="0.9998"/>
+                  <dgm:constr type="t" for="ch" forName="Child1Accent6" refType="h" fact="0.4506"/>
+                  <dgm:constr type="w" for="ch" forName="Child1Accent6" refType="w" fact="0.0287"/>
+                  <dgm:constr type="h" for="ch" forName="Child1Accent6" refType="h" fact="0.0988"/>
+                  <dgm:constr type="l" for="ch" forName="Child1Accent7" refType="w" fact="0"/>
+                  <dgm:constr type="t" for="ch" forName="Child1Accent7" refType="h" fact="0"/>
+                  <dgm:constr type="w" for="ch" forName="Child1Accent7" refType="w" fact="0"/>
+                  <dgm:constr type="h" for="ch" forName="Child1Accent7" refType="h" fact="0"/>
+                  <dgm:constr type="l" for="ch" forName="Child1Accent8" refType="w" fact="0"/>
+                  <dgm:constr type="t" for="ch" forName="Child1Accent8" refType="h" fact="0"/>
+                  <dgm:constr type="w" for="ch" forName="Child1Accent8" refType="w" fact="0"/>
+                  <dgm:constr type="h" for="ch" forName="Child1Accent8" refType="h" fact="0"/>
+                  <dgm:constr type="l" for="ch" forName="Child1Accent9" refType="w" fact="0"/>
+                  <dgm:constr type="t" for="ch" forName="Child1Accent9" refType="h" fact="0"/>
+                  <dgm:constr type="w" for="ch" forName="Child1Accent9" refType="w" fact="0"/>
+                  <dgm:constr type="h" for="ch" forName="Child1Accent9" refType="h" fact="0"/>
+                  <dgm:constr type="r" for="ch" forName="ParentAccent1" refType="w" fact="0.0287"/>
+                  <dgm:constr type="t" for="ch" forName="ParentAccent1" refType="h" fact="0.4506"/>
+                  <dgm:constr type="w" for="ch" forName="ParentAccent1" refType="w" fact="0.0287"/>
+                  <dgm:constr type="h" for="ch" forName="ParentAccent1" refType="h" fact="0.0988"/>
+                  <dgm:constr type="r" for="ch" forName="ParentAccent2" refType="w" fact="0.0813"/>
+                  <dgm:constr type="t" for="ch" forName="ParentAccent2" refType="h" fact="0.4506"/>
+                  <dgm:constr type="w" for="ch" forName="ParentAccent2" refType="w" fact="0.0287"/>
+                  <dgm:constr type="h" for="ch" forName="ParentAccent2" refType="h" fact="0.0988"/>
+                  <dgm:constr type="r" for="ch" forName="ParentAccent3" refType="w" fact="0.1339"/>
+                  <dgm:constr type="t" for="ch" forName="ParentAccent3" refType="h" fact="0.4506"/>
+                  <dgm:constr type="w" for="ch" forName="ParentAccent3" refType="w" fact="0.0287"/>
+                  <dgm:constr type="h" for="ch" forName="ParentAccent3" refType="h" fact="0.0988"/>
+                  <dgm:constr type="r" for="ch" forName="ParentAccent4" refType="w" fact="0.1864"/>
+                  <dgm:constr type="t" for="ch" forName="ParentAccent4" refType="h" fact="0.4506"/>
+                  <dgm:constr type="w" for="ch" forName="ParentAccent4" refType="w" fact="0.0287"/>
+                  <dgm:constr type="h" for="ch" forName="ParentAccent4" refType="h" fact="0.0988"/>
+                  <dgm:constr type="r" for="ch" forName="ParentAccent5" refType="w" fact="0.239"/>
+                  <dgm:constr type="t" for="ch" forName="ParentAccent5" refType="h" fact="0.4506"/>
+                  <dgm:constr type="w" for="ch" forName="ParentAccent5" refType="w" fact="0.0287"/>
+                  <dgm:constr type="h" for="ch" forName="ParentAccent5" refType="h" fact="0.0988"/>
+                  <dgm:constr type="r" for="ch" forName="ParentAccent6" refType="w" fact="0.3203"/>
+                  <dgm:constr type="t" for="ch" forName="ParentAccent6" refType="h" fact="0.4012"/>
+                  <dgm:constr type="w" for="ch" forName="ParentAccent6" refType="w" fact="0.0574"/>
+                  <dgm:constr type="h" for="ch" forName="ParentAccent6" refType="h" fact="0.1976"/>
+                  <dgm:constr type="r" for="ch" forName="ParentAccent7" refType="w" fact="0.0755"/>
+                  <dgm:constr type="t" for="ch" forName="ParentAccent7" refType="h" fact="0.2465"/>
+                  <dgm:constr type="w" for="ch" forName="ParentAccent7" refType="w" fact="0.0287"/>
+                  <dgm:constr type="h" for="ch" forName="ParentAccent7" refType="h" fact="0.0988"/>
+                  <dgm:constr type="r" for="ch" forName="ParentAccent8" refType="w" fact="0.0755"/>
+                  <dgm:constr type="t" for="ch" forName="ParentAccent8" refType="h" fact="0.6562"/>
+                  <dgm:constr type="w" for="ch" forName="ParentAccent8" refType="w" fact="0.0287"/>
+                  <dgm:constr type="h" for="ch" forName="ParentAccent8" refType="h" fact="0.0988"/>
+                  <dgm:constr type="r" for="ch" forName="ParentAccent9" refType="w" fact="0.0499"/>
+                  <dgm:constr type="t" for="ch" forName="ParentAccent9" refType="h" fact="0.3353"/>
+                  <dgm:constr type="w" for="ch" forName="ParentAccent9" refType="w" fact="0.0287"/>
+                  <dgm:constr type="h" for="ch" forName="ParentAccent9" refType="h" fact="0.0988"/>
+                  <dgm:constr type="r" for="ch" forName="ParentAccent10" refType="w" fact="0.0482"/>
+                  <dgm:constr type="t" for="ch" forName="ParentAccent10" refType="h" fact="0.5679"/>
+                  <dgm:constr type="w" for="ch" forName="ParentAccent10" refType="w" fact="0.0287"/>
+                  <dgm:constr type="h" for="ch" forName="ParentAccent10" refType="h" fact="0.0988"/>
+                  <dgm:constr type="r" for="ch" forName="Child1" refType="w"/>
+                  <dgm:constr type="t" for="ch" forName="Child1" refType="h" fact="0.1978"/>
+                  <dgm:constr type="w" for="ch" forName="Child1" refType="w" fact="0.2544"/>
+                  <dgm:constr type="h" for="ch" forName="Child1" refType="h" fact="0.2541"/>
+                  <dgm:constr type="r" for="ch" forName="Parent" refType="w" fact="0.6347"/>
+                  <dgm:constr type="t" for="ch" forName="Parent" refType="h" fact="0"/>
+                  <dgm:constr type="w" for="ch" forName="Parent" refType="w" fact="0.2906"/>
+                  <dgm:constr type="h" for="ch" forName="Parent" refType="h"/>
+                </dgm:constrLst>
+              </dgm:if>
+              <dgm:if name="Name17" axis="ch" ptType="node" func="cnt" op="equ" val="2">
+                <dgm:alg type="composite">
+                  <dgm:param type="ar" val="2.1185"/>
+                </dgm:alg>
+                <dgm:constrLst>
+                  <dgm:constr type="primFontSz" for="des" forName="Child1" val="65"/>
+                  <dgm:constr type="primFontSz" for="des" forName="Child1" refType="primFontSz" refFor="des" refForName="Parent" op="lte"/>
+                  <dgm:constr type="primFontSz" for="des" forName="Child2" refType="primFontSz" refFor="des" refForName="Parent" op="lte"/>
+                  <dgm:constr type="primFontSz" for="des" forName="Child2" refType="primFontSz" refFor="des" refForName="Child1" op="equ"/>
+                  <dgm:constr type="r" for="ch" forName="Child1Accent1" refType="w" fact="0.6564"/>
+                  <dgm:constr type="t" for="ch" forName="Child1Accent1" refType="h" fact="0.2211"/>
+                  <dgm:constr type="w" for="ch" forName="Child1Accent1" refType="w" fact="0.0574"/>
+                  <dgm:constr type="h" for="ch" forName="Child1Accent1" refType="h" fact="0.1217"/>
+                  <dgm:constr type="r" for="ch" forName="Child1Accent2" refType="w" fact="0.6932"/>
+                  <dgm:constr type="t" for="ch" forName="Child1Accent2" refType="h" fact="0.1569"/>
+                  <dgm:constr type="w" for="ch" forName="Child1Accent2" refType="w" fact="0.0287"/>
+                  <dgm:constr type="h" for="ch" forName="Child1Accent2" refType="h" fact="0.0608"/>
+                  <dgm:constr type="r" for="ch" forName="Child1Accent3" refType="w" fact="0.7545"/>
+                  <dgm:constr type="t" for="ch" forName="Child1Accent3" refType="h" fact="0.1569"/>
+                  <dgm:constr type="w" for="ch" forName="Child1Accent3" refType="w" fact="0.0287"/>
+                  <dgm:constr type="h" for="ch" forName="Child1Accent3" refType="h" fact="0.0608"/>
+                  <dgm:constr type="r" for="ch" forName="Child1Accent4" refType="w" fact="0.8158"/>
+                  <dgm:constr type="t" for="ch" forName="Child1Accent4" refType="h" fact="0.1569"/>
+                  <dgm:constr type="w" for="ch" forName="Child1Accent4" refType="w" fact="0.0287"/>
+                  <dgm:constr type="h" for="ch" forName="Child1Accent4" refType="h" fact="0.0608"/>
+                  <dgm:constr type="r" for="ch" forName="Child1Accent5" refType="w" fact="0.8771"/>
+                  <dgm:constr type="t" for="ch" forName="Child1Accent5" refType="h" fact="0.1569"/>
+                  <dgm:constr type="w" for="ch" forName="Child1Accent5" refType="w" fact="0.0287"/>
+                  <dgm:constr type="h" for="ch" forName="Child1Accent5" refType="h" fact="0.0608"/>
+                  <dgm:constr type="r" for="ch" forName="Child1Accent6" refType="w" fact="0.9385"/>
+                  <dgm:constr type="t" for="ch" forName="Child1Accent6" refType="h" fact="0.1569"/>
+                  <dgm:constr type="w" for="ch" forName="Child1Accent6" refType="w" fact="0.0287"/>
+                  <dgm:constr type="h" for="ch" forName="Child1Accent6" refType="h" fact="0.0608"/>
+                  <dgm:constr type="r" for="ch" forName="Child1Accent7" refType="w" fact="0.9998"/>
+                  <dgm:constr type="t" for="ch" forName="Child1Accent7" refType="h" fact="0.1569"/>
+                  <dgm:constr type="w" for="ch" forName="Child1Accent7" refType="w" fact="0.0287"/>
+                  <dgm:constr type="h" for="ch" forName="Child1Accent7" refType="h" fact="0.0608"/>
+                  <dgm:constr type="l" for="ch" forName="Child1Accent8" refType="w" fact="0"/>
+                  <dgm:constr type="t" for="ch" forName="Child1Accent8" refType="h" fact="0"/>
+                  <dgm:constr type="w" for="ch" forName="Child1Accent8" refType="w" fact="0"/>
+                  <dgm:constr type="h" for="ch" forName="Child1Accent8" refType="h" fact="0"/>
+                  <dgm:constr type="l" for="ch" forName="Child1Accent9" refType="w" fact="0"/>
+                  <dgm:constr type="t" for="ch" forName="Child1Accent9" refType="h" fact="0"/>
+                  <dgm:constr type="w" for="ch" forName="Child1Accent9" refType="w" fact="0"/>
+                  <dgm:constr type="h" for="ch" forName="Child1Accent9" refType="h" fact="0"/>
+                  <dgm:constr type="r" for="ch" forName="Child2Accent1" refType="w" fact="0.6564"/>
+                  <dgm:constr type="t" for="ch" forName="Child2Accent1" refType="h" fact="0.8153"/>
+                  <dgm:constr type="w" for="ch" forName="Child2Accent1" refType="w" fact="0.0574"/>
+                  <dgm:constr type="h" for="ch" forName="Child2Accent1" refType="h" fact="0.1217"/>
+                  <dgm:constr type="r" for="ch" forName="Child2Accent2" refType="w" fact="0.6932"/>
+                  <dgm:constr type="t" for="ch" forName="Child2Accent2" refType="h" fact="0.9392"/>
+                  <dgm:constr type="w" for="ch" forName="Child2Accent2" refType="w" fact="0.0287"/>
+                  <dgm:constr type="h" for="ch" forName="Child2Accent2" refType="h" fact="0.0608"/>
+                  <dgm:constr type="r" for="ch" forName="Child2Accent3" refType="w" fact="0.7545"/>
+                  <dgm:constr type="t" for="ch" forName="Child2Accent3" refType="h" fact="0.9392"/>
+                  <dgm:constr type="w" for="ch" forName="Child2Accent3" refType="w" fact="0.0287"/>
+                  <dgm:constr type="h" for="ch" forName="Child2Accent3" refType="h" fact="0.0608"/>
+                  <dgm:constr type="r" for="ch" forName="Child2Accent4" refType="w" fact="0.8158"/>
+                  <dgm:constr type="t" for="ch" forName="Child2Accent4" refType="h" fact="0.9392"/>
+                  <dgm:constr type="w" for="ch" forName="Child2Accent4" refType="w" fact="0.0287"/>
+                  <dgm:constr type="h" for="ch" forName="Child2Accent4" refType="h" fact="0.0608"/>
+                  <dgm:constr type="r" for="ch" forName="Child2Accent5" refType="w" fact="0.8771"/>
+                  <dgm:constr type="t" for="ch" forName="Child2Accent5" refType="h" fact="0.9392"/>
+                  <dgm:constr type="w" for="ch" forName="Child2Accent5" refType="w" fact="0.0287"/>
+                  <dgm:constr type="h" for="ch" forName="Child2Accent5" refType="h" fact="0.0608"/>
+                  <dgm:constr type="r" for="ch" forName="Child2Accent6" refType="w" fact="0.9385"/>
+                  <dgm:constr type="t" for="ch" forName="Child2Accent6" refType="h" fact="0.9392"/>
+                  <dgm:constr type="w" for="ch" forName="Child2Accent6" refType="w" fact="0.0287"/>
+                  <dgm:constr type="h" for="ch" forName="Child2Accent6" refType="h" fact="0.0608"/>
+                  <dgm:constr type="r" for="ch" forName="Child2Accent7" refType="w" fact="0.9998"/>
+                  <dgm:constr type="t" for="ch" forName="Child2Accent7" refType="h" fact="0.9392"/>
+                  <dgm:constr type="w" for="ch" forName="Child2Accent7" refType="w" fact="0.0287"/>
+                  <dgm:constr type="h" for="ch" forName="Child2Accent7" refType="h" fact="0.0608"/>
+                  <dgm:constr type="r" for="ch" forName="ParentAccent1" refType="w" fact="0.0287"/>
+                  <dgm:constr type="t" for="ch" forName="ParentAccent1" refType="h" fact="0.5511"/>
+                  <dgm:constr type="w" for="ch" forName="ParentAccent1" refType="w" fact="0.0287"/>
+                  <dgm:constr type="h" for="ch" forName="ParentAccent1" refType="h" fact="0.0608"/>
+                  <dgm:constr type="r" for="ch" forName="ParentAccent2" refType="w" fact="0.0813"/>
+                  <dgm:constr type="t" for="ch" forName="ParentAccent2" refType="h" fact="0.5511"/>
+                  <dgm:constr type="w" for="ch" forName="ParentAccent2" refType="w" fact="0.0287"/>
+                  <dgm:constr type="h" for="ch" forName="ParentAccent2" refType="h" fact="0.0608"/>
+                  <dgm:constr type="r" for="ch" forName="ParentAccent3" refType="w" fact="0.1339"/>
+                  <dgm:constr type="t" for="ch" forName="ParentAccent3" refType="h" fact="0.5511"/>
+                  <dgm:constr type="w" for="ch" forName="ParentAccent3" refType="w" fact="0.0287"/>
+                  <dgm:constr type="h" for="ch" forName="ParentAccent3" refType="h" fact="0.0608"/>
+                  <dgm:constr type="r" for="ch" forName="ParentAccent4" refType="w" fact="0.1864"/>
+                  <dgm:constr type="t" for="ch" forName="ParentAccent4" refType="h" fact="0.5511"/>
+                  <dgm:constr type="w" for="ch" forName="ParentAccent4" refType="w" fact="0.0287"/>
+                  <dgm:constr type="h" for="ch" forName="ParentAccent4" refType="h" fact="0.0608"/>
+                  <dgm:constr type="r" for="ch" forName="ParentAccent5" refType="w" fact="0.239"/>
+                  <dgm:constr type="t" for="ch" forName="ParentAccent5" refType="h" fact="0.5511"/>
+                  <dgm:constr type="w" for="ch" forName="ParentAccent5" refType="w" fact="0.0287"/>
+                  <dgm:constr type="h" for="ch" forName="ParentAccent5" refType="h" fact="0.0608"/>
+                  <dgm:constr type="r" for="ch" forName="ParentAccent6" refType="w" fact="0.3203"/>
+                  <dgm:constr type="t" for="ch" forName="ParentAccent6" refType="h" fact="0.5207"/>
+                  <dgm:constr type="w" for="ch" forName="ParentAccent6" refType="w" fact="0.0574"/>
+                  <dgm:constr type="h" for="ch" forName="ParentAccent6" refType="h" fact="0.1217"/>
+                  <dgm:constr type="r" for="ch" forName="ParentAccent7" refType="w" fact="0.0755"/>
+                  <dgm:constr type="t" for="ch" forName="ParentAccent7" refType="h" fact="0.4255"/>
+                  <dgm:constr type="w" for="ch" forName="ParentAccent7" refType="w" fact="0.0287"/>
+                  <dgm:constr type="h" for="ch" forName="ParentAccent7" refType="h" fact="0.0608"/>
+                  <dgm:constr type="r" for="ch" forName="ParentAccent8" refType="w" fact="0.0755"/>
+                  <dgm:constr type="t" for="ch" forName="ParentAccent8" refType="h" fact="0.6776"/>
+                  <dgm:constr type="w" for="ch" forName="ParentAccent8" refType="w" fact="0.0287"/>
+                  <dgm:constr type="h" for="ch" forName="ParentAccent8" refType="h" fact="0.0608"/>
+                  <dgm:constr type="r" for="ch" forName="ParentAccent9" refType="w" fact="0.0499"/>
+                  <dgm:constr type="t" for="ch" forName="ParentAccent9" refType="h" fact="0.4801"/>
+                  <dgm:constr type="w" for="ch" forName="ParentAccent9" refType="w" fact="0.0287"/>
+                  <dgm:constr type="h" for="ch" forName="ParentAccent9" refType="h" fact="0.0608"/>
+                  <dgm:constr type="r" for="ch" forName="ParentAccent10" refType="w" fact="0.0482"/>
+                  <dgm:constr type="t" for="ch" forName="ParentAccent10" refType="h" fact="0.6233"/>
+                  <dgm:constr type="w" for="ch" forName="ParentAccent10" refType="w" fact="0.0287"/>
+                  <dgm:constr type="h" for="ch" forName="ParentAccent10" refType="h" fact="0.0608"/>
+                  <dgm:constr type="r" for="ch" forName="Child2" refType="w"/>
+                  <dgm:constr type="t" for="ch" forName="Child2" refType="h" fact="0.7822"/>
+                  <dgm:constr type="w" for="ch" forName="Child2" refType="w" fact="0.3364"/>
+                  <dgm:constr type="h" for="ch" forName="Child2" refType="h" fact="0.1564"/>
+                  <dgm:constr type="r" for="ch" forName="Child1" refType="w"/>
+                  <dgm:constr type="t" for="ch" forName="Child1" refType="h" fact="0"/>
+                  <dgm:constr type="w" for="ch" forName="Child1" refType="w" fact="0.3364"/>
+                  <dgm:constr type="h" for="ch" forName="Child1" refType="h" fact="0.1564"/>
+                  <dgm:constr type="r" for="ch" forName="Parent" refType="w" fact="0.6347"/>
+                  <dgm:constr type="t" for="ch" forName="Parent" refType="h" fact="0.2737"/>
+                  <dgm:constr type="w" for="ch" forName="Parent" refType="w" fact="0.2906"/>
+                  <dgm:constr type="h" for="ch" forName="Parent" refType="h" fact="0.6157"/>
+                </dgm:constrLst>
+              </dgm:if>
+              <dgm:if name="Name18" axis="ch" ptType="node" func="cnt" op="equ" val="3">
+                <dgm:alg type="composite">
+                  <dgm:param type="ar" val="2.1185"/>
+                </dgm:alg>
+                <dgm:constrLst>
+                  <dgm:constr type="primFontSz" for="des" forName="Child1" val="65"/>
+                  <dgm:constr type="primFontSz" for="des" forName="Child1" refType="primFontSz" refFor="des" refForName="Parent" op="lte"/>
+                  <dgm:constr type="primFontSz" for="des" forName="Child2" refType="primFontSz" refFor="des" refForName="Parent" op="lte"/>
+                  <dgm:constr type="primFontSz" for="des" forName="Child3" refType="primFontSz" refFor="des" refForName="Parent" op="lte"/>
+                  <dgm:constr type="primFontSz" for="des" forName="Child2" refType="primFontSz" refFor="des" refForName="Child1" op="equ"/>
+                  <dgm:constr type="primFontSz" for="des" forName="Child3" refType="primFontSz" refFor="des" refForName="Child1" op="equ"/>
+                  <dgm:constr type="r" for="ch" forName="Child1Accent1" refType="w" fact="0.6564"/>
+                  <dgm:constr type="t" for="ch" forName="Child1Accent1" refType="h" fact="0.2211"/>
+                  <dgm:constr type="w" for="ch" forName="Child1Accent1" refType="w" fact="0.0574"/>
+                  <dgm:constr type="h" for="ch" forName="Child1Accent1" refType="h" fact="0.1217"/>
+                  <dgm:constr type="r" for="ch" forName="Child1Accent2" refType="w" fact="0.6932"/>
+                  <dgm:constr type="t" for="ch" forName="Child1Accent2" refType="h" fact="0.1569"/>
+                  <dgm:constr type="w" for="ch" forName="Child1Accent2" refType="w" fact="0.0287"/>
+                  <dgm:constr type="h" for="ch" forName="Child1Accent2" refType="h" fact="0.0608"/>
+                  <dgm:constr type="r" for="ch" forName="Child1Accent3" refType="w" fact="0.7545"/>
+                  <dgm:constr type="t" for="ch" forName="Child1Accent3" refType="h" fact="0.1569"/>
+                  <dgm:constr type="w" for="ch" forName="Child1Accent3" refType="w" fact="0.0287"/>
+                  <dgm:constr type="h" for="ch" forName="Child1Accent3" refType="h" fact="0.0608"/>
+                  <dgm:constr type="r" for="ch" forName="Child1Accent4" refType="w" fact="0.8158"/>
+                  <dgm:constr type="t" for="ch" forName="Child1Accent4" refType="h" fact="0.1569"/>
+                  <dgm:constr type="w" for="ch" forName="Child1Accent4" refType="w" fact="0.0287"/>
+                  <dgm:constr type="h" for="ch" forName="Child1Accent4" refType="h" fact="0.0608"/>
+                  <dgm:constr type="r" for="ch" forName="Child1Accent5" refType="w" fact="0.8771"/>
+                  <dgm:constr type="t" for="ch" forName="Child1Accent5" refType="h" fact="0.1569"/>
+                  <dgm:constr type="w" for="ch" forName="Child1Accent5" refType="w" fact="0.0287"/>
+                  <dgm:constr type="h" for="ch" forName="Child1Accent5" refType="h" fact="0.0608"/>
+                  <dgm:constr type="r" for="ch" forName="Child1Accent6" refType="w" fact="0.9385"/>
+                  <dgm:constr type="t" for="ch" forName="Child1Accent6" refType="h" fact="0.1569"/>
+                  <dgm:constr type="w" for="ch" forName="Child1Accent6" refType="w" fact="0.0287"/>
+                  <dgm:constr type="h" for="ch" forName="Child1Accent6" refType="h" fact="0.0608"/>
+                  <dgm:constr type="r" for="ch" forName="Child1Accent7" refType="w" fact="0.9998"/>
+                  <dgm:constr type="t" for="ch" forName="Child1Accent7" refType="h" fact="0.1569"/>
+                  <dgm:constr type="w" for="ch" forName="Child1Accent7" refType="w" fact="0.0287"/>
+                  <dgm:constr type="h" for="ch" forName="Child1Accent7" refType="h" fact="0.0608"/>
+                  <dgm:constr type="r" for="ch" forName="Child1Accent8" refType="w" fact="0"/>
+                  <dgm:constr type="t" for="ch" forName="Child1Accent8" refType="h" fact="0"/>
+                  <dgm:constr type="w" for="ch" forName="Child1Accent8" refType="w" fact="0"/>
+                  <dgm:constr type="h" for="ch" forName="Child1Accent8" refType="h" fact="0"/>
+                  <dgm:constr type="r" for="ch" forName="Child1Accent9" refType="w" fact="0"/>
+                  <dgm:constr type="t" for="ch" forName="Child1Accent9" refType="h" fact="0"/>
+                  <dgm:constr type="w" for="ch" forName="Child1Accent9" refType="w" fact="0"/>
+                  <dgm:constr type="h" for="ch" forName="Child1Accent9" refType="h" fact="0"/>
+                  <dgm:constr type="r" for="ch" forName="Child2Accent1" refType="w" fact="0.716"/>
+                  <dgm:constr type="t" for="ch" forName="Child2Accent1" refType="h" fact="0.5207"/>
+                  <dgm:constr type="w" for="ch" forName="Child2Accent1" refType="w" fact="0.0574"/>
+                  <dgm:constr type="h" for="ch" forName="Child2Accent1" refType="h" fact="0.1217"/>
+                  <dgm:constr type="r" for="ch" forName="Child2Accent2" refType="w" fact="0.7728"/>
+                  <dgm:constr type="t" for="ch" forName="Child2Accent2" refType="h" fact="0.5511"/>
+                  <dgm:constr type="w" for="ch" forName="Child2Accent2" refType="w" fact="0.0287"/>
+                  <dgm:constr type="h" for="ch" forName="Child2Accent2" refType="h" fact="0.0608"/>
+                  <dgm:constr type="r" for="ch" forName="Child2Accent3" refType="w" fact="0.8295"/>
+                  <dgm:constr type="t" for="ch" forName="Child2Accent3" refType="h" fact="0.5511"/>
+                  <dgm:constr type="w" for="ch" forName="Child2Accent3" refType="w" fact="0.0287"/>
+                  <dgm:constr type="h" for="ch" forName="Child2Accent3" refType="h" fact="0.0608"/>
+                  <dgm:constr type="r" for="ch" forName="Child2Accent4" refType="w" fact="0.8863"/>
+                  <dgm:constr type="t" for="ch" forName="Child2Accent4" refType="h" fact="0.5511"/>
+                  <dgm:constr type="w" for="ch" forName="Child2Accent4" refType="w" fact="0.0287"/>
+                  <dgm:constr type="h" for="ch" forName="Child2Accent4" refType="h" fact="0.0608"/>
+                  <dgm:constr type="r" for="ch" forName="Child2Accent5" refType="w" fact="0.943"/>
+                  <dgm:constr type="t" for="ch" forName="Child2Accent5" refType="h" fact="0.5511"/>
+                  <dgm:constr type="w" for="ch" forName="Child2Accent5" refType="w" fact="0.0287"/>
+                  <dgm:constr type="h" for="ch" forName="Child2Accent5" refType="h" fact="0.0608"/>
+                  <dgm:constr type="r" for="ch" forName="Child2Accent6" refType="w" fact="0.9998"/>
+                  <dgm:constr type="t" for="ch" forName="Child2Accent6" refType="h" fact="0.5511"/>
+                  <dgm:constr type="w" for="ch" forName="Child2Accent6" refType="w" fact="0.0287"/>
+                  <dgm:constr type="h" for="ch" forName="Child2Accent6" refType="h" fact="0.0608"/>
+                  <dgm:constr type="r" for="ch" forName="Child2Accent7" refType="w" fact="0"/>
+                  <dgm:constr type="t" for="ch" forName="Child2Accent7" refType="h" fact="0"/>
+                  <dgm:constr type="w" for="ch" forName="Child2Accent7" refType="w" fact="0"/>
+                  <dgm:constr type="h" for="ch" forName="Child2Accent7" refType="h" fact="0"/>
+                  <dgm:constr type="r" for="ch" forName="Child3Accent1" refType="w" fact="0.6564"/>
+                  <dgm:constr type="t" for="ch" forName="Child3Accent1" refType="h" fact="0.8153"/>
+                  <dgm:constr type="w" for="ch" forName="Child3Accent1" refType="w" fact="0.0574"/>
+                  <dgm:constr type="h" for="ch" forName="Child3Accent1" refType="h" fact="0.1217"/>
+                  <dgm:constr type="r" for="ch" forName="Child3Accent2" refType="w" fact="0.6932"/>
+                  <dgm:constr type="t" for="ch" forName="Child3Accent2" refType="h" fact="0.9392"/>
+                  <dgm:constr type="w" for="ch" forName="Child3Accent2" refType="w" fact="0.0287"/>
+                  <dgm:constr type="h" for="ch" forName="Child3Accent2" refType="h" fact="0.0608"/>
+                  <dgm:constr type="r" for="ch" forName="Child3Accent3" refType="w" fact="0.7545"/>
+                  <dgm:constr type="t" for="ch" forName="Child3Accent3" refType="h" fact="0.9392"/>
+                  <dgm:constr type="w" for="ch" forName="Child3Accent3" refType="w" fact="0.0287"/>
+                  <dgm:constr type="h" for="ch" forName="Child3Accent3" refType="h" fact="0.0608"/>
+                  <dgm:constr type="r" for="ch" forName="Child3Accent4" refType="w" fact="0.8158"/>
+                  <dgm:constr type="t" for="ch" forName="Child3Accent4" refType="h" fact="0.9392"/>
+                  <dgm:constr type="w" for="ch" forName="Child3Accent4" refType="w" fact="0.0287"/>
+                  <dgm:constr type="h" for="ch" forName="Child3Accent4" refType="h" fact="0.0608"/>
+                  <dgm:constr type="r" for="ch" forName="Child3Accent5" refType="w" fact="0.8771"/>
+                  <dgm:constr type="t" for="ch" forName="Child3Accent5" refType="h" fact="0.9392"/>
+                  <dgm:constr type="w" for="ch" forName="Child3Accent5" refType="w" fact="0.0287"/>
+                  <dgm:constr type="h" for="ch" forName="Child3Accent5" refType="h" fact="0.0608"/>
+                  <dgm:constr type="r" for="ch" forName="Child3Accent6" refType="w" fact="0.9385"/>
+                  <dgm:constr type="t" for="ch" forName="Child3Accent6" refType="h" fact="0.9392"/>
+                  <dgm:constr type="w" for="ch" forName="Child3Accent6" refType="w" fact="0.0287"/>
+                  <dgm:constr type="h" for="ch" forName="Child3Accent6" refType="h" fact="0.0608"/>
+                  <dgm:constr type="r" for="ch" forName="Child3Accent7" refType="w" fact="0.9998"/>
+                  <dgm:constr type="t" for="ch" forName="Child3Accent7" refType="h" fact="0.9392"/>
+                  <dgm:constr type="w" for="ch" forName="Child3Accent7" refType="w" fact="0.0287"/>
+                  <dgm:constr type="h" for="ch" forName="Child3Accent7" refType="h" fact="0.0608"/>
+                  <dgm:constr type="r" for="ch" forName="ParentAccent1" refType="w" fact="0.0287"/>
+                  <dgm:constr type="t" for="ch" forName="ParentAccent1" refType="h" fact="0.5511"/>
+                  <dgm:constr type="w" for="ch" forName="ParentAccent1" refType="w" fact="0.0287"/>
+                  <dgm:constr type="h" for="ch" forName="ParentAccent1" refType="h" fact="0.0608"/>
+                  <dgm:constr type="r" for="ch" forName="ParentAccent2" refType="w" fact="0.0813"/>
+                  <dgm:constr type="t" for="ch" forName="ParentAccent2" refType="h" fact="0.5511"/>
+                  <dgm:constr type="w" for="ch" forName="ParentAccent2" refType="w" fact="0.0287"/>
+                  <dgm:constr type="h" for="ch" forName="ParentAccent2" refType="h" fact="0.0608"/>
+                  <dgm:constr type="r" for="ch" forName="ParentAccent3" refType="w" fact="0.1339"/>
+                  <dgm:constr type="t" for="ch" forName="ParentAccent3" refType="h" fact="0.5511"/>
+                  <dgm:constr type="w" for="ch" forName="ParentAccent3" refType="w" fact="0.0287"/>
+                  <dgm:constr type="h" for="ch" forName="ParentAccent3" refType="h" fact="0.0608"/>
+                  <dgm:constr type="r" for="ch" forName="ParentAccent4" refType="w" fact="0.1864"/>
+                  <dgm:constr type="t" for="ch" forName="ParentAccent4" refType="h" fact="0.5511"/>
+                  <dgm:constr type="w" for="ch" forName="ParentAccent4" refType="w" fact="0.0287"/>
+                  <dgm:constr type="h" for="ch" forName="ParentAccent4" refType="h" fact="0.0608"/>
+                  <dgm:constr type="r" for="ch" forName="ParentAccent5" refType="w" fact="0.239"/>
+                  <dgm:constr type="t" for="ch" forName="ParentAccent5" refType="h" fact="0.5511"/>
+                  <dgm:constr type="w" for="ch" forName="ParentAccent5" refType="w" fact="0.0287"/>
+                  <dgm:constr type="h" for="ch" forName="ParentAccent5" refType="h" fact="0.0608"/>
+                  <dgm:constr type="r" for="ch" forName="ParentAccent6" refType="w" fact="0.3203"/>
+                  <dgm:constr type="t" for="ch" forName="ParentAccent6" refType="h" fact="0.5207"/>
+                  <dgm:constr type="w" for="ch" forName="ParentAccent6" refType="w" fact="0.0574"/>
+                  <dgm:constr type="h" for="ch" forName="ParentAccent6" refType="h" fact="0.1217"/>
+                  <dgm:constr type="r" for="ch" forName="ParentAccent7" refType="w" fact="0.0755"/>
+                  <dgm:constr type="t" for="ch" forName="ParentAccent7" refType="h" fact="0.4255"/>
+                  <dgm:constr type="w" for="ch" forName="ParentAccent7" refType="w" fact="0.0287"/>
+                  <dgm:constr type="h" for="ch" forName="ParentAccent7" refType="h" fact="0.0608"/>
+                  <dgm:constr type="r" for="ch" forName="ParentAccent8" refType="w" fact="0.0755"/>
+                  <dgm:constr type="t" for="ch" forName="ParentAccent8" refType="h" fact="0.6776"/>
+                  <dgm:constr type="w" for="ch" forName="ParentAccent8" refType="w" fact="0.0287"/>
+                  <dgm:constr type="h" for="ch" forName="ParentAccent8" refType="h" fact="0.0608"/>
+                  <dgm:constr type="r" for="ch" forName="ParentAccent9" refType="w" fact="0.0499"/>
+                  <dgm:constr type="t" for="ch" forName="ParentAccent9" refType="h" fact="0.4801"/>
+                  <dgm:constr type="w" for="ch" forName="ParentAccent9" refType="w" fact="0.0287"/>
+                  <dgm:constr type="h" for="ch" forName="ParentAccent9" refType="h" fact="0.0608"/>
+                  <dgm:constr type="r" for="ch" forName="ParentAccent10" refType="w" fact="0.0482"/>
+                  <dgm:constr type="t" for="ch" forName="ParentAccent10" refType="h" fact="0.6233"/>
+                  <dgm:constr type="w" for="ch" forName="ParentAccent10" refType="w" fact="0.0287"/>
+                  <dgm:constr type="h" for="ch" forName="ParentAccent10" refType="h" fact="0.0608"/>
+                  <dgm:constr type="r" for="ch" forName="Child3" refType="w"/>
+                  <dgm:constr type="t" for="ch" forName="Child3" refType="h" fact="0.7822"/>
+                  <dgm:constr type="w" for="ch" forName="Child3" refType="w" fact="0.3364"/>
+                  <dgm:constr type="h" for="ch" forName="Child3" refType="h" fact="0.1564"/>
+                  <dgm:constr type="r" for="ch" forName="Child2" refType="w"/>
+                  <dgm:constr type="t" for="ch" forName="Child2" refType="h" fact="0.3955"/>
+                  <dgm:constr type="w" for="ch" forName="Child2" refType="w" fact="0.2544"/>
+                  <dgm:constr type="h" for="ch" forName="Child2" refType="h" fact="0.1564"/>
+                  <dgm:constr type="r" for="ch" forName="Child1" refType="w"/>
+                  <dgm:constr type="t" for="ch" forName="Child1" refType="h" fact="0"/>
+                  <dgm:constr type="w" for="ch" forName="Child1" refType="w" fact="0.3364"/>
+                  <dgm:constr type="h" for="ch" forName="Child1" refType="h" fact="0.1564"/>
+                  <dgm:constr type="r" for="ch" forName="Parent" refType="w" fact="0.6347"/>
+                  <dgm:constr type="t" for="ch" forName="Parent" refType="h" fact="0.2737"/>
+                  <dgm:constr type="w" for="ch" forName="Parent" refType="w" fact="0.2906"/>
+                  <dgm:constr type="h" for="ch" forName="Parent" refType="h" fact="0.6157"/>
+                </dgm:constrLst>
+              </dgm:if>
+              <dgm:if name="Name19" axis="ch" ptType="node" func="cnt" op="equ" val="4">
+                <dgm:alg type="composite">
+                  <dgm:param type="ar" val="1.8304"/>
+                </dgm:alg>
+                <dgm:constrLst>
+                  <dgm:constr type="primFontSz" for="des" forName="Child1" val="65"/>
+                  <dgm:constr type="primFontSz" for="des" forName="Child1" refType="primFontSz" refFor="des" refForName="Parent" op="lte"/>
+                  <dgm:constr type="primFontSz" for="des" forName="Child2" refType="primFontSz" refFor="des" refForName="Parent" op="lte"/>
+                  <dgm:constr type="primFontSz" for="des" forName="Child3" refType="primFontSz" refFor="des" refForName="Parent" op="lte"/>
+                  <dgm:constr type="primFontSz" for="des" forName="Child4" refType="primFontSz" refFor="des" refForName="Parent" op="lte"/>
+                  <dgm:constr type="primFontSz" for="des" forName="Child2" refType="primFontSz" refFor="des" refForName="Child1" op="equ"/>
+                  <dgm:constr type="primFontSz" for="des" forName="Child3" refType="primFontSz" refFor="des" refForName="Child1" op="equ"/>
+                  <dgm:constr type="primFontSz" for="des" forName="Child4" refType="primFontSz" refFor="des" refForName="Child1" op="equ"/>
+                  <dgm:constr type="r" for="ch" forName="Parent" refType="w" fact="0.6229"/>
+                  <dgm:constr type="t" for="ch" forName="Parent" refType="h" fact="0.2946"/>
+                  <dgm:constr type="w" for="ch" forName="Parent" refType="w" fact="0.2862"/>
+                  <dgm:constr type="h" for="ch" forName="Parent" refType="h" fact="0.5239"/>
+                  <dgm:constr type="r" for="ch" forName="Child1Accent1" refType="w" fact="0.6096"/>
+                  <dgm:constr type="t" for="ch" forName="Child1Accent1" refType="h" fact="0.2104"/>
+                  <dgm:constr type="w" for="ch" forName="Child1Accent1" refType="w" fact="0.0566"/>
+                  <dgm:constr type="h" for="ch" forName="Child1Accent1" refType="h" fact="0.1035"/>
+                  <dgm:constr type="r" for="ch" forName="Child1Accent3" refType="w" fact="0.6999"/>
+                  <dgm:constr type="t" for="ch" forName="Child1Accent3" refType="h" fact="0.128"/>
+                  <dgm:constr type="w" for="ch" forName="Child1Accent3" refType="w" fact="0.0283"/>
+                  <dgm:constr type="h" for="ch" forName="Child1Accent3" refType="h" fact="0.0518"/>
+                  <dgm:constr type="r" for="ch" forName="Child1Accent4" refType="w" fact="0.7582"/>
+                  <dgm:constr type="t" for="ch" forName="Child1Accent4" refType="h" fact="0.128"/>
+                  <dgm:constr type="w" for="ch" forName="Child1Accent4" refType="w" fact="0.0283"/>
+                  <dgm:constr type="h" for="ch" forName="Child1Accent4" refType="h" fact="0.0518"/>
+                  <dgm:constr type="r" for="ch" forName="Child1Accent5" refType="w" fact="0.8165"/>
+                  <dgm:constr type="t" for="ch" forName="Child1Accent5" refType="h" fact="0.128"/>
+                  <dgm:constr type="w" for="ch" forName="Child1Accent5" refType="w" fact="0.0283"/>
+                  <dgm:constr type="h" for="ch" forName="Child1Accent5" refType="h" fact="0.0518"/>
+                  <dgm:constr type="r" for="ch" forName="Child1Accent6" refType="w" fact="0.8748"/>
+                  <dgm:constr type="t" for="ch" forName="Child1Accent6" refType="h" fact="0.128"/>
+                  <dgm:constr type="w" for="ch" forName="Child1Accent6" refType="w" fact="0.0283"/>
+                  <dgm:constr type="h" for="ch" forName="Child1Accent6" refType="h" fact="0.0518"/>
+                  <dgm:constr type="r" for="ch" forName="Child3Accent1" refType="w" fact="0.6842"/>
+                  <dgm:constr type="t" for="ch" forName="Child3Accent1" refType="h" fact="0.6212"/>
+                  <dgm:constr type="w" for="ch" forName="Child3Accent1" refType="w" fact="0.0566"/>
+                  <dgm:constr type="h" for="ch" forName="Child3Accent1" refType="h" fact="0.1035"/>
+                  <dgm:constr type="r" for="ch" forName="Child3Accent2" refType="w" fact="0.7311"/>
+                  <dgm:constr type="t" for="ch" forName="Child3Accent2" refType="h" fact="0.6828"/>
+                  <dgm:constr type="w" for="ch" forName="Child3Accent2" refType="w" fact="0.0283"/>
+                  <dgm:constr type="h" for="ch" forName="Child3Accent2" refType="h" fact="0.0518"/>
+                  <dgm:constr type="r" for="ch" forName="Child3Accent4" refType="w" fact="0.8386"/>
+                  <dgm:constr type="t" for="ch" forName="Child3Accent4" refType="h" fact="0.6828"/>
+                  <dgm:constr type="w" for="ch" forName="Child3Accent4" refType="w" fact="0.0283"/>
+                  <dgm:constr type="h" for="ch" forName="Child3Accent4" refType="h" fact="0.0518"/>
+                  <dgm:constr type="r" for="ch" forName="Child3Accent5" refType="w" fact="0.8923"/>
+                  <dgm:constr type="t" for="ch" forName="Child3Accent5" refType="h" fact="0.6828"/>
+                  <dgm:constr type="w" for="ch" forName="Child3Accent5" refType="w" fact="0.0283"/>
+                  <dgm:constr type="h" for="ch" forName="Child3Accent5" refType="h" fact="0.0518"/>
+                  <dgm:constr type="r" for="ch" forName="Child1Accent7" refType="w" fact="0.9332"/>
+                  <dgm:constr type="t" for="ch" forName="Child1Accent7" refType="h" fact="0.128"/>
+                  <dgm:constr type="w" for="ch" forName="Child1Accent7" refType="w" fact="0.0283"/>
+                  <dgm:constr type="h" for="ch" forName="Child1Accent7" refType="h" fact="0.0518"/>
+                  <dgm:constr type="r" for="ch" forName="Child3Accent6" refType="w" fact="0.9461"/>
+                  <dgm:constr type="t" for="ch" forName="Child3Accent6" refType="h" fact="0.6828"/>
+                  <dgm:constr type="w" for="ch" forName="Child3Accent6" refType="w" fact="0.0283"/>
+                  <dgm:constr type="h" for="ch" forName="Child3Accent6" refType="h" fact="0.0518"/>
+                  <dgm:constr type="r" for="ch" forName="Child1Accent8" refType="w" fact="0.9915"/>
+                  <dgm:constr type="t" for="ch" forName="Child1Accent8" refType="h" fact="0.128"/>
+                  <dgm:constr type="w" for="ch" forName="Child1Accent8" refType="w" fact="0.0283"/>
+                  <dgm:constr type="h" for="ch" forName="Child1Accent8" refType="h" fact="0.0518"/>
+                  <dgm:constr type="r" for="ch" forName="Child1Accent9" refType="w" fact="0"/>
+                  <dgm:constr type="t" for="ch" forName="Child1Accent9" refType="h" fact="0"/>
+                  <dgm:constr type="w" for="ch" forName="Child1Accent9" refType="w" fact="0"/>
+                  <dgm:constr type="h" for="ch" forName="Child1Accent9" refType="h" fact="0"/>
+                  <dgm:constr type="r" for="ch" forName="Child3Accent7" refType="w" fact="0.9998"/>
+                  <dgm:constr type="t" for="ch" forName="Child3Accent7" refType="h" fact="0.6828"/>
+                  <dgm:constr type="w" for="ch" forName="Child3Accent7" refType="w" fact="0.0283"/>
+                  <dgm:constr type="h" for="ch" forName="Child3Accent7" refType="h" fact="0.0518"/>
+                  <dgm:constr type="r" for="ch" forName="Child4Accent1" refType="w" fact="0.6096"/>
+                  <dgm:constr type="t" for="ch" forName="Child4Accent1" refType="h" fact="0.8"/>
+                  <dgm:constr type="w" for="ch" forName="Child4Accent1" refType="w" fact="0.0566"/>
+                  <dgm:constr type="h" for="ch" forName="Child4Accent1" refType="h" fact="0.1035"/>
+                  <dgm:constr type="r" for="ch" forName="Child4Accent3" refType="w" fact="0.7002"/>
+                  <dgm:constr type="t" for="ch" forName="Child4Accent3" refType="h" fact="0.9482"/>
+                  <dgm:constr type="w" for="ch" forName="Child4Accent3" refType="w" fact="0.0283"/>
+                  <dgm:constr type="h" for="ch" forName="Child4Accent3" refType="h" fact="0.0518"/>
+                  <dgm:constr type="r" for="ch" forName="Child4Accent4" refType="w" fact="0.7585"/>
+                  <dgm:constr type="t" for="ch" forName="Child4Accent4" refType="h" fact="0.9482"/>
+                  <dgm:constr type="w" for="ch" forName="Child4Accent4" refType="w" fact="0.0283"/>
+                  <dgm:constr type="h" for="ch" forName="Child4Accent4" refType="h" fact="0.0518"/>
+                  <dgm:constr type="r" for="ch" forName="Child4Accent5" refType="w" fact="0.8167"/>
+                  <dgm:constr type="t" for="ch" forName="Child4Accent5" refType="h" fact="0.9482"/>
+                  <dgm:constr type="w" for="ch" forName="Child4Accent5" refType="w" fact="0.0283"/>
+                  <dgm:constr type="h" for="ch" forName="Child4Accent5" refType="h" fact="0.0518"/>
+                  <dgm:constr type="r" for="ch" forName="Child4Accent6" refType="w" fact="0.8749"/>
+                  <dgm:constr type="t" for="ch" forName="Child4Accent6" refType="h" fact="0.9482"/>
+                  <dgm:constr type="w" for="ch" forName="Child4Accent6" refType="w" fact="0.0283"/>
+                  <dgm:constr type="h" for="ch" forName="Child4Accent6" refType="h" fact="0.0518"/>
+                  <dgm:constr type="r" for="ch" forName="Child4Accent7" refType="w" fact="0.9332"/>
+                  <dgm:constr type="t" for="ch" forName="Child4Accent7" refType="h" fact="0.9482"/>
+                  <dgm:constr type="w" for="ch" forName="Child4Accent7" refType="w" fact="0.0283"/>
+                  <dgm:constr type="h" for="ch" forName="Child4Accent7" refType="h" fact="0.0518"/>
+                  <dgm:constr type="r" for="ch" forName="Child4Accent8" refType="w" fact="0.9914"/>
+                  <dgm:constr type="t" for="ch" forName="Child4Accent8" refType="h" fact="0.9482"/>
+                  <dgm:constr type="w" for="ch" forName="Child4Accent8" refType="w" fact="0.0283"/>
+                  <dgm:constr type="h" for="ch" forName="Child4Accent8" refType="h" fact="0.0518"/>
+                  <dgm:constr type="r" for="ch" forName="Child2Accent1" refType="w" fact="0.6842"/>
+                  <dgm:constr type="t" for="ch" forName="Child2Accent1" refType="h" fact="0.3725"/>
+                  <dgm:constr type="w" for="ch" forName="Child2Accent1" refType="w" fact="0.0566"/>
+                  <dgm:constr type="h" for="ch" forName="Child2Accent1" refType="h" fact="0.1035"/>
+                  <dgm:constr type="r" for="ch" forName="Child4Accent2" refType="w" fact="0.642"/>
+                  <dgm:constr type="t" for="ch" forName="Child4Accent2" refType="h" fact="0.8993"/>
+                  <dgm:constr type="w" for="ch" forName="Child4Accent2" refType="w" fact="0.0283"/>
+                  <dgm:constr type="h" for="ch" forName="Child4Accent2" refType="h" fact="0.0518"/>
+                  <dgm:constr type="r" for="ch" forName="Child1Accent2" refType="w" fact="0.6415"/>
+                  <dgm:constr type="t" for="ch" forName="Child1Accent2" refType="h" fact="0.162"/>
+                  <dgm:constr type="w" for="ch" forName="Child1Accent2" refType="w" fact="0.0283"/>
+                  <dgm:constr type="h" for="ch" forName="Child1Accent2" refType="h" fact="0.0518"/>
+                  <dgm:constr type="r" for="ch" forName="Child3Accent3" refType="w" fact="0.7849"/>
+                  <dgm:constr type="t" for="ch" forName="Child3Accent3" refType="h" fact="0.6828"/>
+                  <dgm:constr type="w" for="ch" forName="Child3Accent3" refType="w" fact="0.0283"/>
+                  <dgm:constr type="h" for="ch" forName="Child3Accent3" refType="h" fact="0.0518"/>
+                  <dgm:constr type="r" for="ch" forName="Child2Accent2" refType="w" fact="0.7311"/>
+                  <dgm:constr type="t" for="ch" forName="Child2Accent2" refType="h" fact="0.3937"/>
+                  <dgm:constr type="w" for="ch" forName="Child2Accent2" refType="w" fact="0.0283"/>
+                  <dgm:constr type="h" for="ch" forName="Child2Accent2" refType="h" fact="0.0518"/>
+                  <dgm:constr type="r" for="ch" forName="Child2Accent4" refType="w" fact="0.8386"/>
+                  <dgm:constr type="t" for="ch" forName="Child2Accent4" refType="h" fact="0.3937"/>
+                  <dgm:constr type="w" for="ch" forName="Child2Accent4" refType="w" fact="0.0283"/>
+                  <dgm:constr type="h" for="ch" forName="Child2Accent4" refType="h" fact="0.0518"/>
+                  <dgm:constr type="r" for="ch" forName="Child2Accent5" refType="w" fact="0.8923"/>
+                  <dgm:constr type="t" for="ch" forName="Child2Accent5" refType="h" fact="0.3937"/>
+                  <dgm:constr type="w" for="ch" forName="Child2Accent5" refType="w" fact="0.0283"/>
+                  <dgm:constr type="h" for="ch" forName="Child2Accent5" refType="h" fact="0.0518"/>
+                  <dgm:constr type="r" for="ch" forName="Child2Accent6" refType="w" fact="0.9461"/>
+                  <dgm:constr type="t" for="ch" forName="Child2Accent6" refType="h" fact="0.3937"/>
+                  <dgm:constr type="w" for="ch" forName="Child2Accent6" refType="w" fact="0.0283"/>
+                  <dgm:constr type="h" for="ch" forName="Child2Accent6" refType="h" fact="0.0518"/>
+                  <dgm:constr type="r" for="ch" forName="Child2Accent7" refType="w" fact="0.9998"/>
+                  <dgm:constr type="t" for="ch" forName="Child2Accent7" refType="h" fact="0.3937"/>
+                  <dgm:constr type="w" for="ch" forName="Child2Accent7" refType="w" fact="0.0283"/>
+                  <dgm:constr type="h" for="ch" forName="Child2Accent7" refType="h" fact="0.0518"/>
+                  <dgm:constr type="r" for="ch" forName="Child2Accent3" refType="w" fact="0.7849"/>
+                  <dgm:constr type="t" for="ch" forName="Child2Accent3" refType="h" fact="0.3937"/>
+                  <dgm:constr type="w" for="ch" forName="Child2Accent3" refType="w" fact="0.0283"/>
+                  <dgm:constr type="h" for="ch" forName="Child2Accent3" refType="h" fact="0.0518"/>
+                  <dgm:constr type="r" for="ch" forName="ParentAccent1" refType="w" fact="0.0283"/>
+                  <dgm:constr type="t" for="ch" forName="ParentAccent1" refType="h" fact="0.5316"/>
+                  <dgm:constr type="w" for="ch" forName="ParentAccent1" refType="w" fact="0.0283"/>
+                  <dgm:constr type="h" for="ch" forName="ParentAccent1" refType="h" fact="0.0518"/>
+                  <dgm:constr type="r" for="ch" forName="ParentAccent2" refType="w" fact="0.0801"/>
+                  <dgm:constr type="t" for="ch" forName="ParentAccent2" refType="h" fact="0.5316"/>
+                  <dgm:constr type="w" for="ch" forName="ParentAccent2" refType="w" fact="0.0283"/>
+                  <dgm:constr type="h" for="ch" forName="ParentAccent2" refType="h" fact="0.0518"/>
+                  <dgm:constr type="r" for="ch" forName="ParentAccent3" refType="w" fact="0.1318"/>
+                  <dgm:constr type="t" for="ch" forName="ParentAccent3" refType="h" fact="0.5316"/>
+                  <dgm:constr type="w" for="ch" forName="ParentAccent3" refType="w" fact="0.0283"/>
+                  <dgm:constr type="h" for="ch" forName="ParentAccent3" refType="h" fact="0.0518"/>
+                  <dgm:constr type="r" for="ch" forName="ParentAccent4" refType="w" fact="0.1836"/>
+                  <dgm:constr type="t" for="ch" forName="ParentAccent4" refType="h" fact="0.5316"/>
+                  <dgm:constr type="w" for="ch" forName="ParentAccent4" refType="w" fact="0.0283"/>
+                  <dgm:constr type="h" for="ch" forName="ParentAccent4" refType="h" fact="0.0518"/>
+                  <dgm:constr type="r" for="ch" forName="ParentAccent5" refType="w" fact="0.2354"/>
+                  <dgm:constr type="t" for="ch" forName="ParentAccent5" refType="h" fact="0.5316"/>
+                  <dgm:constr type="w" for="ch" forName="ParentAccent5" refType="w" fact="0.0283"/>
+                  <dgm:constr type="h" for="ch" forName="ParentAccent5" refType="h" fact="0.0518"/>
+                  <dgm:constr type="r" for="ch" forName="ParentAccent6" refType="w" fact="0.3154"/>
+                  <dgm:constr type="t" for="ch" forName="ParentAccent6" refType="h" fact="0.5057"/>
+                  <dgm:constr type="w" for="ch" forName="ParentAccent6" refType="w" fact="0.0566"/>
+                  <dgm:constr type="h" for="ch" forName="ParentAccent6" refType="h" fact="0.1035"/>
+                  <dgm:constr type="r" for="ch" forName="ParentAccent7" refType="w" fact="0.0744"/>
+                  <dgm:constr type="t" for="ch" forName="ParentAccent7" refType="h" fact="0.4247"/>
+                  <dgm:constr type="w" for="ch" forName="ParentAccent7" refType="w" fact="0.0283"/>
+                  <dgm:constr type="h" for="ch" forName="ParentAccent7" refType="h" fact="0.0518"/>
+                  <dgm:constr type="r" for="ch" forName="ParentAccent8" refType="w" fact="0.0744"/>
+                  <dgm:constr type="t" for="ch" forName="ParentAccent8" refType="h" fact="0.6392"/>
+                  <dgm:constr type="w" for="ch" forName="ParentAccent8" refType="w" fact="0.0283"/>
+                  <dgm:constr type="h" for="ch" forName="ParentAccent8" refType="h" fact="0.0518"/>
+                  <dgm:constr type="r" for="ch" forName="ParentAccent9" refType="w" fact="0.0491"/>
+                  <dgm:constr type="t" for="ch" forName="ParentAccent9" refType="h" fact="0.4712"/>
+                  <dgm:constr type="w" for="ch" forName="ParentAccent9" refType="w" fact="0.0283"/>
+                  <dgm:constr type="h" for="ch" forName="ParentAccent9" refType="h" fact="0.0518"/>
+                  <dgm:constr type="r" for="ch" forName="ParentAccent10" refType="w" fact="0.0475"/>
+                  <dgm:constr type="t" for="ch" forName="ParentAccent10" refType="h" fact="0.593"/>
+                  <dgm:constr type="w" for="ch" forName="ParentAccent10" refType="w" fact="0.0283"/>
+                  <dgm:constr type="h" for="ch" forName="ParentAccent10" refType="h" fact="0.0518"/>
+                  <dgm:constr type="r" for="ch" forName="Child4" refType="w" fact="0.9919"/>
+                  <dgm:constr type="t" for="ch" forName="Child4" refType="h" fact="0.8184"/>
+                  <dgm:constr type="w" for="ch" forName="Child4" refType="w" fact="0.3192"/>
+                  <dgm:constr type="h" for="ch" forName="Child4" refType="h" fact="0.1294"/>
+                  <dgm:constr type="r" for="ch" forName="Child3" refType="w"/>
+                  <dgm:constr type="t" for="ch" forName="Child3" refType="h" fact="0.5547"/>
+                  <dgm:constr type="w" for="ch" forName="Child3" refType="w" fact="0.297"/>
+                  <dgm:constr type="h" for="ch" forName="Child3" refType="h" fact="0.1294"/>
+                  <dgm:constr type="r" for="ch" forName="Child2" refType="w"/>
+                  <dgm:constr type="t" for="ch" forName="Child2" refType="h" fact="0.2662"/>
+                  <dgm:constr type="w" for="ch" forName="Child2" refType="w" fact="0.297"/>
+                  <dgm:constr type="h" for="ch" forName="Child2" refType="h" fact="0.1294"/>
+                  <dgm:constr type="r" for="ch" forName="Child1" refType="w" fact="0.9919"/>
+                  <dgm:constr type="t" for="ch" forName="Child1" refType="h" fact="0"/>
+                  <dgm:constr type="w" for="ch" forName="Child1" refType="w" fact="0.3192"/>
+                  <dgm:constr type="h" for="ch" forName="Child1" refType="h" fact="0.1294"/>
+                </dgm:constrLst>
+              </dgm:if>
+              <dgm:else name="Name20">
+                <dgm:alg type="composite">
+                  <dgm:param type="ar" val="1.3278"/>
+                </dgm:alg>
+                <dgm:constrLst>
+                  <dgm:constr type="primFontSz" for="des" forName="Child1" val="65"/>
+                  <dgm:constr type="primFontSz" for="des" forName="Child1" refType="primFontSz" refFor="des" refForName="Parent" op="lte"/>
+                  <dgm:constr type="primFontSz" for="des" forName="Child2" refType="primFontSz" refFor="des" refForName="Parent" op="lte"/>
+                  <dgm:constr type="primFontSz" for="des" forName="Child3" refType="primFontSz" refFor="des" refForName="Parent" op="lte"/>
+                  <dgm:constr type="primFontSz" for="des" forName="Child4" refType="primFontSz" refFor="des" refForName="Parent" op="lte"/>
+                  <dgm:constr type="primFontSz" for="des" forName="Child5" refType="primFontSz" refFor="des" refForName="Parent" op="lte"/>
+                  <dgm:constr type="primFontSz" for="des" forName="Child2" refType="primFontSz" refFor="des" refForName="Child1" op="equ"/>
+                  <dgm:constr type="primFontSz" for="des" forName="Child3" refType="primFontSz" refFor="des" refForName="Child1" op="equ"/>
+                  <dgm:constr type="primFontSz" for="des" forName="Child4" refType="primFontSz" refFor="des" refForName="Child1" op="equ"/>
+                  <dgm:constr type="primFontSz" for="des" forName="Child5" refType="primFontSz" refFor="des" refForName="Child1" op="equ"/>
+                  <dgm:constr type="r" for="ch" forName="Child2Accent1" refType="w" fact="0.6564"/>
+                  <dgm:constr type="t" for="ch" forName="Child2Accent1" refType="h" fact="0.3184"/>
+                  <dgm:constr type="w" for="ch" forName="Child2Accent1" refType="w" fact="0.0574"/>
+                  <dgm:constr type="h" for="ch" forName="Child2Accent1" refType="h" fact="0.0763"/>
+                  <dgm:constr type="r" for="ch" forName="Child2Accent2" refType="w" fact="0.6932"/>
+                  <dgm:constr type="t" for="ch" forName="Child2Accent2" refType="h" fact="0.2781"/>
+                  <dgm:constr type="w" for="ch" forName="Child2Accent2" refType="w" fact="0.0287"/>
+                  <dgm:constr type="h" for="ch" forName="Child2Accent2" refType="h" fact="0.0381"/>
+                  <dgm:constr type="r" for="ch" forName="Child2Accent3" refType="w" fact="0.7545"/>
+                  <dgm:constr type="t" for="ch" forName="Child2Accent3" refType="h" fact="0.2781"/>
+                  <dgm:constr type="w" for="ch" forName="Child2Accent3" refType="w" fact="0.0287"/>
+                  <dgm:constr type="h" for="ch" forName="Child2Accent3" refType="h" fact="0.0381"/>
+                  <dgm:constr type="r" for="ch" forName="Child2Accent4" refType="w" fact="0.8158"/>
+                  <dgm:constr type="t" for="ch" forName="Child2Accent4" refType="h" fact="0.2781"/>
+                  <dgm:constr type="w" for="ch" forName="Child2Accent4" refType="w" fact="0.0287"/>
+                  <dgm:constr type="h" for="ch" forName="Child2Accent4" refType="h" fact="0.0381"/>
+                  <dgm:constr type="r" for="ch" forName="Child2Accent5" refType="w" fact="0.8771"/>
+                  <dgm:constr type="t" for="ch" forName="Child2Accent5" refType="h" fact="0.2781"/>
+                  <dgm:constr type="w" for="ch" forName="Child2Accent5" refType="w" fact="0.0287"/>
+                  <dgm:constr type="h" for="ch" forName="Child2Accent5" refType="h" fact="0.0381"/>
+                  <dgm:constr type="r" for="ch" forName="Child2Accent6" refType="w" fact="0.9385"/>
+                  <dgm:constr type="t" for="ch" forName="Child2Accent6" refType="h" fact="0.2781"/>
+                  <dgm:constr type="w" for="ch" forName="Child2Accent6" refType="w" fact="0.0287"/>
+                  <dgm:constr type="h" for="ch" forName="Child2Accent6" refType="h" fact="0.0381"/>
+                  <dgm:constr type="r" for="ch" forName="Child2Accent7" refType="w" fact="0.9998"/>
+                  <dgm:constr type="t" for="ch" forName="Child2Accent7" refType="h" fact="0.2781"/>
+                  <dgm:constr type="w" for="ch" forName="Child2Accent7" refType="w" fact="0.0287"/>
+                  <dgm:constr type="h" for="ch" forName="Child2Accent7" refType="h" fact="0.0381"/>
+                  <dgm:constr type="r" for="ch" forName="Child3Accent1" refType="w" fact="0.716"/>
+                  <dgm:constr type="t" for="ch" forName="Child3Accent1" refType="h" fact="0.5061"/>
+                  <dgm:constr type="w" for="ch" forName="Child3Accent1" refType="w" fact="0.0574"/>
+                  <dgm:constr type="h" for="ch" forName="Child3Accent1" refType="h" fact="0.0763"/>
+                  <dgm:constr type="r" for="ch" forName="Child3Accent2" refType="w" fact="0.7728"/>
+                  <dgm:constr type="t" for="ch" forName="Child3Accent2" refType="h" fact="0.5252"/>
+                  <dgm:constr type="w" for="ch" forName="Child3Accent2" refType="w" fact="0.0287"/>
+                  <dgm:constr type="h" for="ch" forName="Child3Accent2" refType="h" fact="0.0381"/>
+                  <dgm:constr type="r" for="ch" forName="Child3Accent3" refType="w" fact="0.8295"/>
+                  <dgm:constr type="t" for="ch" forName="Child3Accent3" refType="h" fact="0.5252"/>
+                  <dgm:constr type="w" for="ch" forName="Child3Accent3" refType="w" fact="0.0287"/>
+                  <dgm:constr type="h" for="ch" forName="Child3Accent3" refType="h" fact="0.0381"/>
+                  <dgm:constr type="r" for="ch" forName="Child3Accent4" refType="w" fact="0.8863"/>
+                  <dgm:constr type="t" for="ch" forName="Child3Accent4" refType="h" fact="0.5252"/>
+                  <dgm:constr type="w" for="ch" forName="Child3Accent4" refType="w" fact="0.0287"/>
+                  <dgm:constr type="h" for="ch" forName="Child3Accent4" refType="h" fact="0.0381"/>
+                  <dgm:constr type="r" for="ch" forName="Child3Accent5" refType="w" fact="0.943"/>
+                  <dgm:constr type="t" for="ch" forName="Child3Accent5" refType="h" fact="0.5252"/>
+                  <dgm:constr type="w" for="ch" forName="Child3Accent5" refType="w" fact="0.0287"/>
+                  <dgm:constr type="h" for="ch" forName="Child3Accent5" refType="h" fact="0.0381"/>
+                  <dgm:constr type="r" for="ch" forName="Child3Accent6" refType="w" fact="0.9998"/>
+                  <dgm:constr type="t" for="ch" forName="Child3Accent6" refType="h" fact="0.5252"/>
+                  <dgm:constr type="w" for="ch" forName="Child3Accent6" refType="w" fact="0.0287"/>
+                  <dgm:constr type="h" for="ch" forName="Child3Accent6" refType="h" fact="0.0381"/>
+                  <dgm:constr type="r" for="ch" forName="Child3Accent7" refType="w" fact="0"/>
+                  <dgm:constr type="t" for="ch" forName="Child3Accent7" refType="h" fact="0"/>
+                  <dgm:constr type="w" for="ch" forName="Child3Accent7" refType="w" fact="0"/>
+                  <dgm:constr type="h" for="ch" forName="Child3Accent7" refType="h" fact="0"/>
+                  <dgm:constr type="r" for="ch" forName="Child4Accent1" refType="w" fact="0.6564"/>
+                  <dgm:constr type="t" for="ch" forName="Child4Accent1" refType="h" fact="0.6908"/>
+                  <dgm:constr type="w" for="ch" forName="Child4Accent1" refType="w" fact="0.0574"/>
+                  <dgm:constr type="h" for="ch" forName="Child4Accent1" refType="h" fact="0.0763"/>
+                  <dgm:constr type="r" for="ch" forName="Child4Accent2" refType="w" fact="0.6932"/>
+                  <dgm:constr type="t" for="ch" forName="Child4Accent2" refType="h" fact="0.7684"/>
+                  <dgm:constr type="w" for="ch" forName="Child4Accent2" refType="w" fact="0.0287"/>
+                  <dgm:constr type="h" for="ch" forName="Child4Accent2" refType="h" fact="0.0381"/>
+                  <dgm:constr type="r" for="ch" forName="Child4Accent3" refType="w" fact="0.7545"/>
+                  <dgm:constr type="t" for="ch" forName="Child4Accent3" refType="h" fact="0.7684"/>
+                  <dgm:constr type="w" for="ch" forName="Child4Accent3" refType="w" fact="0.0287"/>
+                  <dgm:constr type="h" for="ch" forName="Child4Accent3" refType="h" fact="0.0381"/>
+                  <dgm:constr type="r" for="ch" forName="Child4Accent4" refType="w" fact="0.8158"/>
+                  <dgm:constr type="t" for="ch" forName="Child4Accent4" refType="h" fact="0.7684"/>
+                  <dgm:constr type="w" for="ch" forName="Child4Accent4" refType="w" fact="0.0287"/>
+                  <dgm:constr type="h" for="ch" forName="Child4Accent4" refType="h" fact="0.0381"/>
+                  <dgm:constr type="r" for="ch" forName="Child4Accent5" refType="w" fact="0.8771"/>
+                  <dgm:constr type="t" for="ch" forName="Child4Accent5" refType="h" fact="0.7684"/>
+                  <dgm:constr type="w" for="ch" forName="Child4Accent5" refType="w" fact="0.0287"/>
+                  <dgm:constr type="h" for="ch" forName="Child4Accent5" refType="h" fact="0.0381"/>
+                  <dgm:constr type="r" for="ch" forName="Child4Accent6" refType="w" fact="0.9385"/>
+                  <dgm:constr type="t" for="ch" forName="Child4Accent6" refType="h" fact="0.7684"/>
+                  <dgm:constr type="w" for="ch" forName="Child4Accent6" refType="w" fact="0.0287"/>
+                  <dgm:constr type="h" for="ch" forName="Child4Accent6" refType="h" fact="0.0381"/>
+                  <dgm:constr type="r" for="ch" forName="Child4Accent7" refType="w" fact="0.9998"/>
+                  <dgm:constr type="t" for="ch" forName="Child4Accent7" refType="h" fact="0.7684"/>
+                  <dgm:constr type="w" for="ch" forName="Child4Accent7" refType="w" fact="0.0287"/>
+                  <dgm:constr type="h" for="ch" forName="Child4Accent7" refType="h" fact="0.0381"/>
+                  <dgm:constr type="r" for="ch" forName="Child4Accent8" refType="w" fact="0"/>
+                  <dgm:constr type="t" for="ch" forName="Child4Accent8" refType="h" fact="0"/>
+                  <dgm:constr type="w" for="ch" forName="Child4Accent8" refType="w" fact="0"/>
+                  <dgm:constr type="h" for="ch" forName="Child4Accent8" refType="h" fact="0"/>
+                  <dgm:constr type="r" for="ch" forName="ParentAccent1" refType="w" fact="0.0287"/>
+                  <dgm:constr type="t" for="ch" forName="ParentAccent1" refType="h" fact="0.5252"/>
+                  <dgm:constr type="w" for="ch" forName="ParentAccent1" refType="w" fact="0.0287"/>
+                  <dgm:constr type="h" for="ch" forName="ParentAccent1" refType="h" fact="0.0381"/>
+                  <dgm:constr type="r" for="ch" forName="ParentAccent2" refType="w" fact="0.0813"/>
+                  <dgm:constr type="t" for="ch" forName="ParentAccent2" refType="h" fact="0.5252"/>
+                  <dgm:constr type="w" for="ch" forName="ParentAccent2" refType="w" fact="0.0287"/>
+                  <dgm:constr type="h" for="ch" forName="ParentAccent2" refType="h" fact="0.0381"/>
+                  <dgm:constr type="r" for="ch" forName="ParentAccent3" refType="w" fact="0.1339"/>
+                  <dgm:constr type="t" for="ch" forName="ParentAccent3" refType="h" fact="0.5252"/>
+                  <dgm:constr type="w" for="ch" forName="ParentAccent3" refType="w" fact="0.0287"/>
+                  <dgm:constr type="h" for="ch" forName="ParentAccent3" refType="h" fact="0.0381"/>
+                  <dgm:constr type="r" for="ch" forName="ParentAccent4" refType="w" fact="0.1864"/>
+                  <dgm:constr type="t" for="ch" forName="ParentAccent4" refType="h" fact="0.5252"/>
+                  <dgm:constr type="w" for="ch" forName="ParentAccent4" refType="w" fact="0.0287"/>
+                  <dgm:constr type="h" for="ch" forName="ParentAccent4" refType="h" fact="0.0381"/>
+                  <dgm:constr type="r" for="ch" forName="ParentAccent5" refType="w" fact="0.239"/>
+                  <dgm:constr type="t" for="ch" forName="ParentAccent5" refType="h" fact="0.5252"/>
+                  <dgm:constr type="w" for="ch" forName="ParentAccent5" refType="w" fact="0.0287"/>
+                  <dgm:constr type="h" for="ch" forName="ParentAccent5" refType="h" fact="0.0381"/>
+                  <dgm:constr type="r" for="ch" forName="ParentAccent6" refType="w" fact="0.3203"/>
+                  <dgm:constr type="t" for="ch" forName="ParentAccent6" refType="h" fact="0.5061"/>
+                  <dgm:constr type="w" for="ch" forName="ParentAccent6" refType="w" fact="0.0574"/>
+                  <dgm:constr type="h" for="ch" forName="ParentAccent6" refType="h" fact="0.0763"/>
+                  <dgm:constr type="r" for="ch" forName="ParentAccent7" refType="w" fact="0.0755"/>
+                  <dgm:constr type="t" for="ch" forName="ParentAccent7" refType="h" fact="0.4464"/>
+                  <dgm:constr type="w" for="ch" forName="ParentAccent7" refType="w" fact="0.0287"/>
+                  <dgm:constr type="h" for="ch" forName="ParentAccent7" refType="h" fact="0.0381"/>
+                  <dgm:constr type="r" for="ch" forName="ParentAccent8" refType="w" fact="0.0755"/>
+                  <dgm:constr type="t" for="ch" forName="ParentAccent8" refType="h" fact="0.6045"/>
+                  <dgm:constr type="w" for="ch" forName="ParentAccent8" refType="w" fact="0.0287"/>
+                  <dgm:constr type="h" for="ch" forName="ParentAccent8" refType="h" fact="0.0381"/>
+                  <dgm:constr type="r" for="ch" forName="ParentAccent9" refType="w" fact="0.0499"/>
+                  <dgm:constr type="t" for="ch" forName="ParentAccent9" refType="h" fact="0.4807"/>
+                  <dgm:constr type="w" for="ch" forName="ParentAccent9" refType="w" fact="0.0287"/>
+                  <dgm:constr type="h" for="ch" forName="ParentAccent9" refType="h" fact="0.0381"/>
+                  <dgm:constr type="r" for="ch" forName="ParentAccent10" refType="w" fact="0.0482"/>
+                  <dgm:constr type="t" for="ch" forName="ParentAccent10" refType="h" fact="0.5705"/>
+                  <dgm:constr type="w" for="ch" forName="ParentAccent10" refType="w" fact="0.0287"/>
+                  <dgm:constr type="h" for="ch" forName="ParentAccent10" refType="h" fact="0.0381"/>
+                  <dgm:constr type="r" for="ch" forName="Child1Accent1" refType="w" fact="0.5181"/>
+                  <dgm:constr type="t" for="ch" forName="Child1Accent1" refType="h" fact="0.2457"/>
+                  <dgm:constr type="w" for="ch" forName="Child1Accent1" refType="w" fact="0.0574"/>
+                  <dgm:constr type="h" for="ch" forName="Child1Accent1" refType="h" fact="0.0763"/>
+                  <dgm:constr type="r" for="ch" forName="Child1Accent2" refType="w" fact="0.5542"/>
+                  <dgm:constr type="t" for="ch" forName="Child1Accent2" refType="h" fact="0.2004"/>
+                  <dgm:constr type="w" for="ch" forName="Child1Accent2" refType="w" fact="0.0287"/>
+                  <dgm:constr type="h" for="ch" forName="Child1Accent2" refType="h" fact="0.0381"/>
+                  <dgm:constr type="r" for="ch" forName="Child1Accent3" refType="w" fact="0.5946"/>
+                  <dgm:constr type="t" for="ch" forName="Child1Accent3" refType="h" fact="0.1445"/>
+                  <dgm:constr type="w" for="ch" forName="Child1Accent3" refType="w" fact="0.0287"/>
+                  <dgm:constr type="h" for="ch" forName="Child1Accent3" refType="h" fact="0.0381"/>
+                  <dgm:constr type="r" for="ch" forName="Child1Accent4" refType="w" fact="0.6347"/>
+                  <dgm:constr type="t" for="ch" forName="Child1Accent4" refType="h" fact="0.097"/>
+                  <dgm:constr type="w" for="ch" forName="Child1Accent4" refType="w" fact="0.0287"/>
+                  <dgm:constr type="h" for="ch" forName="Child1Accent4" refType="h" fact="0.0381"/>
+                  <dgm:constr type="r" for="ch" forName="Child1Accent5" refType="w" fact="0.696"/>
+                  <dgm:constr type="t" for="ch" forName="Child1Accent5" refType="h" fact="0.097"/>
+                  <dgm:constr type="w" for="ch" forName="Child1Accent5" refType="w" fact="0.0287"/>
+                  <dgm:constr type="h" for="ch" forName="Child1Accent5" refType="h" fact="0.0381"/>
+                  <dgm:constr type="r" for="ch" forName="Child1Accent6" refType="w" fact="0.7574"/>
+                  <dgm:constr type="t" for="ch" forName="Child1Accent6" refType="h" fact="0.097"/>
+                  <dgm:constr type="w" for="ch" forName="Child1Accent6" refType="w" fact="0.0287"/>
+                  <dgm:constr type="h" for="ch" forName="Child1Accent6" refType="h" fact="0.0381"/>
+                  <dgm:constr type="r" for="ch" forName="Child1Accent7" refType="w" fact="0.8187"/>
+                  <dgm:constr type="t" for="ch" forName="Child1Accent7" refType="h" fact="0.097"/>
+                  <dgm:constr type="w" for="ch" forName="Child1Accent7" refType="w" fact="0.0287"/>
+                  <dgm:constr type="h" for="ch" forName="Child1Accent7" refType="h" fact="0.0381"/>
+                  <dgm:constr type="r" for="ch" forName="Child1Accent8" refType="w" fact="0.88"/>
+                  <dgm:constr type="t" for="ch" forName="Child1Accent8" refType="h" fact="0.097"/>
+                  <dgm:constr type="w" for="ch" forName="Child1Accent8" refType="w" fact="0.0287"/>
+                  <dgm:constr type="h" for="ch" forName="Child1Accent8" refType="h" fact="0.0381"/>
+                  <dgm:constr type="r" for="ch" forName="Child1Accent9" refType="w" fact="0.9413"/>
+                  <dgm:constr type="t" for="ch" forName="Child1Accent9" refType="h" fact="0.097"/>
+                  <dgm:constr type="w" for="ch" forName="Child1Accent9" refType="w" fact="0.0287"/>
+                  <dgm:constr type="h" for="ch" forName="Child1Accent9" refType="h" fact="0.0381"/>
+                  <dgm:constr type="r" for="ch" forName="Child5Accent1" refType="w" fact="0.5181"/>
+                  <dgm:constr type="t" for="ch" forName="Child5Accent1" refType="h" fact="0.7601"/>
+                  <dgm:constr type="w" for="ch" forName="Child5Accent1" refType="w" fact="0.0574"/>
+                  <dgm:constr type="h" for="ch" forName="Child5Accent1" refType="h" fact="0.0763"/>
+                  <dgm:constr type="r" for="ch" forName="Child5Accent2" refType="w" fact="0.547"/>
+                  <dgm:constr type="t" for="ch" forName="Child5Accent2" refType="h" fact="0.8375"/>
+                  <dgm:constr type="w" for="ch" forName="Child5Accent2" refType="w" fact="0.0287"/>
+                  <dgm:constr type="h" for="ch" forName="Child5Accent2" refType="h" fact="0.0381"/>
+                  <dgm:constr type="r" for="ch" forName="Child5Accent3" refType="w" fact="0.5882"/>
+                  <dgm:constr type="t" for="ch" forName="Child5Accent3" refType="h" fact="0.8991"/>
+                  <dgm:constr type="w" for="ch" forName="Child5Accent3" refType="w" fact="0.0287"/>
+                  <dgm:constr type="h" for="ch" forName="Child5Accent3" refType="h" fact="0.0381"/>
+                  <dgm:constr type="r" for="ch" forName="Child5Accent4" refType="w" fact="0.6347"/>
+                  <dgm:constr type="t" for="ch" forName="Child5Accent4" refType="h" fact="0.9619"/>
+                  <dgm:constr type="w" for="ch" forName="Child5Accent4" refType="w" fact="0.0287"/>
+                  <dgm:constr type="h" for="ch" forName="Child5Accent4" refType="h" fact="0.0381"/>
+                  <dgm:constr type="r" for="ch" forName="Child5Accent5" refType="w" fact="0.696"/>
+                  <dgm:constr type="t" for="ch" forName="Child5Accent5" refType="h" fact="0.9619"/>
+                  <dgm:constr type="w" for="ch" forName="Child5Accent5" refType="w" fact="0.0287"/>
+                  <dgm:constr type="h" for="ch" forName="Child5Accent5" refType="h" fact="0.0381"/>
+                  <dgm:constr type="r" for="ch" forName="Child5Accent6" refType="w" fact="0.7574"/>
+                  <dgm:constr type="t" for="ch" forName="Child5Accent6" refType="h" fact="0.9619"/>
+                  <dgm:constr type="w" for="ch" forName="Child5Accent6" refType="w" fact="0.0287"/>
+                  <dgm:constr type="h" for="ch" forName="Child5Accent6" refType="h" fact="0.0381"/>
+                  <dgm:constr type="r" for="ch" forName="Child5Accent7" refType="w" fact="0.8187"/>
+                  <dgm:constr type="t" for="ch" forName="Child5Accent7" refType="h" fact="0.9619"/>
+                  <dgm:constr type="w" for="ch" forName="Child5Accent7" refType="w" fact="0.0287"/>
+                  <dgm:constr type="h" for="ch" forName="Child5Accent7" refType="h" fact="0.0381"/>
+                  <dgm:constr type="r" for="ch" forName="Child5Accent8" refType="w" fact="0.88"/>
+                  <dgm:constr type="t" for="ch" forName="Child5Accent8" refType="h" fact="0.9619"/>
+                  <dgm:constr type="w" for="ch" forName="Child5Accent8" refType="w" fact="0.0287"/>
+                  <dgm:constr type="h" for="ch" forName="Child5Accent8" refType="h" fact="0.0381"/>
+                  <dgm:constr type="r" for="ch" forName="Child5Accent9" refType="w" fact="0.9423"/>
+                  <dgm:constr type="t" for="ch" forName="Child5Accent9" refType="h" fact="0.9619"/>
+                  <dgm:constr type="w" for="ch" forName="Child5Accent9" refType="w" fact="0.0287"/>
+                  <dgm:constr type="h" for="ch" forName="Child5Accent9" refType="h" fact="0.0381"/>
+                  <dgm:constr type="r" for="ch" forName="Child5" refType="w" fact="0.9419"/>
+                  <dgm:constr type="t" for="ch" forName="Child5" refType="h" fact="0.8635"/>
+                  <dgm:constr type="w" for="ch" forName="Child5" refType="w" fact="0.3364"/>
+                  <dgm:constr type="h" for="ch" forName="Child5" refType="h" fact="0.0981"/>
+                  <dgm:constr type="r" for="ch" forName="Child4" refType="w"/>
+                  <dgm:constr type="t" for="ch" forName="Child4" refType="h" fact="0.6701"/>
+                  <dgm:constr type="w" for="ch" forName="Child4" refType="w" fact="0.3364"/>
+                  <dgm:constr type="h" for="ch" forName="Child4" refType="h" fact="0.0981"/>
+                  <dgm:constr type="r" for="ch" forName="Child3" refType="w"/>
+                  <dgm:constr type="t" for="ch" forName="Child3" refType="h" fact="0.4276"/>
+                  <dgm:constr type="w" for="ch" forName="Child3" refType="w" fact="0.2544"/>
+                  <dgm:constr type="h" for="ch" forName="Child3" refType="h" fact="0.0981"/>
+                  <dgm:constr type="r" for="ch" forName="Child2" refType="w"/>
+                  <dgm:constr type="t" for="ch" forName="Child2" refType="h" fact="0.1798"/>
+                  <dgm:constr type="w" for="ch" forName="Child2" refType="w" fact="0.3364"/>
+                  <dgm:constr type="h" for="ch" forName="Child2" refType="h" fact="0.0981"/>
+                  <dgm:constr type="r" for="ch" forName="Child1" refType="w" fact="0.9419"/>
+                  <dgm:constr type="t" for="ch" forName="Child1" refType="h" fact="0"/>
+                  <dgm:constr type="w" for="ch" forName="Child1" refType="w" fact="0.3364"/>
+                  <dgm:constr type="h" for="ch" forName="Child1" refType="h" fact="0.0981"/>
+                  <dgm:constr type="r" for="ch" forName="Parent" refType="w" fact="0.6347"/>
+                  <dgm:constr type="t" for="ch" forName="Parent" refType="h" fact="0.3513"/>
+                  <dgm:constr type="w" for="ch" forName="Parent" refType="w" fact="0.2906"/>
+                  <dgm:constr type="h" for="ch" forName="Parent" refType="h" fact="0.3859"/>
+                </dgm:constrLst>
+              </dgm:else>
+            </dgm:choose>
+          </dgm:else>
+        </dgm:choose>
+        <dgm:layoutNode name="ParentAccent1" styleLbl="alignNode1">
+          <dgm:alg type="sp"/>
+          <dgm:shape xmlns:r="http://schemas.openxmlformats.org/officeDocument/2006/relationships" type="ellipse" r:blip="">
+            <dgm:adjLst/>
+          </dgm:shape>
+          <dgm:presOf/>
+        </dgm:layoutNode>
+        <dgm:layoutNode name="ParentAccent2" styleLbl="alignNode1">
+          <dgm:alg type="sp"/>
+          <dgm:shape xmlns:r="http://schemas.openxmlformats.org/officeDocument/2006/relationships" type="ellipse" r:blip="">
+            <dgm:adjLst/>
+          </dgm:shape>
+          <dgm:presOf/>
+        </dgm:layoutNode>
+        <dgm:layoutNode name="ParentAccent3" styleLbl="alignNode1">
+          <dgm:alg type="sp"/>
+          <dgm:shape xmlns:r="http://schemas.openxmlformats.org/officeDocument/2006/relationships" type="ellipse" r:blip="">
+            <dgm:adjLst/>
+          </dgm:shape>
+          <dgm:presOf/>
+        </dgm:layoutNode>
+        <dgm:layoutNode name="ParentAccent4" styleLbl="alignNode1">
+          <dgm:alg type="sp"/>
+          <dgm:shape xmlns:r="http://schemas.openxmlformats.org/officeDocument/2006/relationships" type="ellipse" r:blip="">
+            <dgm:adjLst/>
+          </dgm:shape>
+          <dgm:presOf/>
+        </dgm:layoutNode>
+        <dgm:layoutNode name="ParentAccent5" styleLbl="alignNode1">
+          <dgm:alg type="sp"/>
+          <dgm:shape xmlns:r="http://schemas.openxmlformats.org/officeDocument/2006/relationships" type="ellipse" r:blip="">
+            <dgm:adjLst/>
+          </dgm:shape>
+          <dgm:presOf/>
+        </dgm:layoutNode>
+        <dgm:layoutNode name="ParentAccent6" styleLbl="alignNode1">
+          <dgm:alg type="sp"/>
+          <dgm:shape xmlns:r="http://schemas.openxmlformats.org/officeDocument/2006/relationships" type="ellipse" r:blip="">
+            <dgm:adjLst/>
+          </dgm:shape>
+          <dgm:presOf/>
+        </dgm:layoutNode>
+        <dgm:layoutNode name="ParentAccent7" styleLbl="alignNode1">
+          <dgm:alg type="sp"/>
+          <dgm:shape xmlns:r="http://schemas.openxmlformats.org/officeDocument/2006/relationships" type="ellipse" r:blip="">
+            <dgm:adjLst/>
+          </dgm:shape>
+          <dgm:presOf/>
+        </dgm:layoutNode>
+        <dgm:layoutNode name="ParentAccent8" styleLbl="alignNode1">
+          <dgm:alg type="sp"/>
+          <dgm:shape xmlns:r="http://schemas.openxmlformats.org/officeDocument/2006/relationships" type="ellipse" r:blip="">
+            <dgm:adjLst/>
+          </dgm:shape>
+          <dgm:presOf/>
+        </dgm:layoutNode>
+        <dgm:layoutNode name="ParentAccent9" styleLbl="alignNode1">
+          <dgm:alg type="sp"/>
+          <dgm:shape xmlns:r="http://schemas.openxmlformats.org/officeDocument/2006/relationships" type="ellipse" r:blip="">
+            <dgm:adjLst/>
+          </dgm:shape>
+          <dgm:presOf/>
+        </dgm:layoutNode>
+        <dgm:layoutNode name="ParentAccent10" styleLbl="alignNode1">
+          <dgm:alg type="sp"/>
+          <dgm:shape xmlns:r="http://schemas.openxmlformats.org/officeDocument/2006/relationships" type="ellipse" r:blip="">
+            <dgm:adjLst/>
+          </dgm:shape>
+          <dgm:presOf/>
+        </dgm:layoutNode>
+        <dgm:layoutNode name="Parent" styleLbl="alignNode1">
+          <dgm:varLst>
+            <dgm:chMax val="5"/>
+            <dgm:chPref val="3"/>
+            <dgm:bulletEnabled val="1"/>
+          </dgm:varLst>
+          <dgm:alg type="tx"/>
+          <dgm:shape xmlns:r="http://schemas.openxmlformats.org/officeDocument/2006/relationships" type="ellipse" r:blip="">
+            <dgm:adjLst/>
+          </dgm:shape>
+          <dgm:presOf axis="self" ptType="node"/>
+          <dgm:constrLst>
+            <dgm:constr type="lMarg" refType="primFontSz" fact="0.1"/>
+            <dgm:constr type="rMarg" refType="primFontSz" fact="0.1"/>
+            <dgm:constr type="tMarg" refType="primFontSz" fact="0.1"/>
+            <dgm:constr type="bMarg" refType="primFontSz" fact="0.1"/>
+          </dgm:constrLst>
+          <dgm:ruleLst>
+            <dgm:rule type="primFontSz" val="5" fact="NaN" max="NaN"/>
+          </dgm:ruleLst>
+        </dgm:layoutNode>
+        <dgm:forEach name="Name21" axis="ch" ptType="node" cnt="1">
+          <dgm:layoutNode name="Child1Accent1" styleLbl="alignNode1">
+            <dgm:alg type="sp"/>
+            <dgm:shape xmlns:r="http://schemas.openxmlformats.org/officeDocument/2006/relationships" type="ellipse" r:blip="">
+              <dgm:adjLst/>
+            </dgm:shape>
+            <dgm:presOf/>
+          </dgm:layoutNode>
+          <dgm:layoutNode name="Child1Accent2" styleLbl="alignNode1">
+            <dgm:alg type="sp"/>
+            <dgm:shape xmlns:r="http://schemas.openxmlformats.org/officeDocument/2006/relationships" type="ellipse" r:blip="">
+              <dgm:adjLst/>
+            </dgm:shape>
+            <dgm:presOf/>
+          </dgm:layoutNode>
+          <dgm:layoutNode name="Child1Accent3" styleLbl="alignNode1">
+            <dgm:alg type="sp"/>
+            <dgm:shape xmlns:r="http://schemas.openxmlformats.org/officeDocument/2006/relationships" type="ellipse" r:blip="">
+              <dgm:adjLst/>
+            </dgm:shape>
+            <dgm:presOf/>
+          </dgm:layoutNode>
+          <dgm:layoutNode name="Child1Accent4" styleLbl="alignNode1">
+            <dgm:alg type="sp"/>
+            <dgm:shape xmlns:r="http://schemas.openxmlformats.org/officeDocument/2006/relationships" type="ellipse" r:blip="">
+              <dgm:adjLst/>
+            </dgm:shape>
+            <dgm:presOf/>
+          </dgm:layoutNode>
+          <dgm:layoutNode name="Child1Accent5" styleLbl="alignNode1">
+            <dgm:alg type="sp"/>
+            <dgm:shape xmlns:r="http://schemas.openxmlformats.org/officeDocument/2006/relationships" type="ellipse" r:blip="">
+              <dgm:adjLst/>
+            </dgm:shape>
+            <dgm:presOf/>
+          </dgm:layoutNode>
+          <dgm:layoutNode name="Child1Accent6" styleLbl="alignNode1">
+            <dgm:alg type="sp"/>
+            <dgm:shape xmlns:r="http://schemas.openxmlformats.org/officeDocument/2006/relationships" type="ellipse" r:blip="">
+              <dgm:adjLst/>
+            </dgm:shape>
+            <dgm:presOf/>
+          </dgm:layoutNode>
+          <dgm:layoutNode name="Child1Accent7" styleLbl="alignNode1">
+            <dgm:alg type="sp"/>
+            <dgm:shape xmlns:r="http://schemas.openxmlformats.org/officeDocument/2006/relationships" type="ellipse" r:blip="">
+              <dgm:adjLst/>
+            </dgm:shape>
+            <dgm:presOf/>
+          </dgm:layoutNode>
+          <dgm:layoutNode name="Child1Accent8" styleLbl="alignNode1">
+            <dgm:alg type="sp"/>
+            <dgm:shape xmlns:r="http://schemas.openxmlformats.org/officeDocument/2006/relationships" type="ellipse" r:blip="">
+              <dgm:adjLst/>
+            </dgm:shape>
+            <dgm:presOf/>
+          </dgm:layoutNode>
+          <dgm:layoutNode name="Child1Accent9" styleLbl="alignNode1">
+            <dgm:alg type="sp"/>
+            <dgm:shape xmlns:r="http://schemas.openxmlformats.org/officeDocument/2006/relationships" type="ellipse" r:blip="">
+              <dgm:adjLst/>
+            </dgm:shape>
+            <dgm:presOf/>
+          </dgm:layoutNode>
+          <dgm:layoutNode name="Child1" styleLbl="revTx">
+            <dgm:varLst>
+              <dgm:chMax/>
+              <dgm:chPref val="0"/>
+              <dgm:bulletEnabled val="1"/>
+            </dgm:varLst>
+            <dgm:alg type="tx">
+              <dgm:param type="parTxLTRAlign" val="l"/>
+              <dgm:param type="txAnchorVert" val="b"/>
+              <dgm:param type="txAnchorVertCh" val="b"/>
+            </dgm:alg>
+            <dgm:shape xmlns:r="http://schemas.openxmlformats.org/officeDocument/2006/relationships" type="rect" r:blip="">
+              <dgm:adjLst/>
+            </dgm:shape>
+            <dgm:presOf axis="desOrSelf" ptType="node"/>
+            <dgm:constrLst>
+              <dgm:constr type="lMarg" refType="primFontSz" fact="0"/>
+              <dgm:constr type="rMarg" refType="primFontSz" fact="0"/>
+              <dgm:constr type="tMarg" refType="primFontSz" fact="0"/>
+              <dgm:constr type="bMarg" refType="primFontSz" fact="0"/>
+            </dgm:constrLst>
+            <dgm:ruleLst>
+              <dgm:rule type="primFontSz" val="5" fact="NaN" max="NaN"/>
+            </dgm:ruleLst>
+          </dgm:layoutNode>
+        </dgm:forEach>
+        <dgm:forEach name="Name22" axis="ch" ptType="node" st="2" cnt="1">
+          <dgm:layoutNode name="Child2Accent1" styleLbl="alignNode1">
+            <dgm:alg type="sp"/>
+            <dgm:shape xmlns:r="http://schemas.openxmlformats.org/officeDocument/2006/relationships" type="ellipse" r:blip="">
+              <dgm:adjLst/>
+            </dgm:shape>
+            <dgm:presOf/>
+          </dgm:layoutNode>
+          <dgm:layoutNode name="Child2Accent2" styleLbl="alignNode1">
+            <dgm:alg type="sp"/>
+            <dgm:shape xmlns:r="http://schemas.openxmlformats.org/officeDocument/2006/relationships" type="ellipse" r:blip="">
+              <dgm:adjLst/>
+            </dgm:shape>
+            <dgm:presOf/>
+          </dgm:layoutNode>
+          <dgm:layoutNode name="Child2Accent3" styleLbl="alignNode1">
+            <dgm:alg type="sp"/>
+            <dgm:shape xmlns:r="http://schemas.openxmlformats.org/officeDocument/2006/relationships" type="ellipse" r:blip="">
+              <dgm:adjLst/>
+            </dgm:shape>
+            <dgm:presOf/>
+          </dgm:layoutNode>
+          <dgm:layoutNode name="Child2Accent4" styleLbl="alignNode1">
+            <dgm:alg type="sp"/>
+            <dgm:shape xmlns:r="http://schemas.openxmlformats.org/officeDocument/2006/relationships" type="ellipse" r:blip="">
+              <dgm:adjLst/>
+            </dgm:shape>
+            <dgm:presOf/>
+          </dgm:layoutNode>
+          <dgm:layoutNode name="Child2Accent5" styleLbl="alignNode1">
+            <dgm:alg type="sp"/>
+            <dgm:shape xmlns:r="http://schemas.openxmlformats.org/officeDocument/2006/relationships" type="ellipse" r:blip="">
+              <dgm:adjLst/>
+            </dgm:shape>
+            <dgm:presOf/>
+          </dgm:layoutNode>
+          <dgm:layoutNode name="Child2Accent6" styleLbl="alignNode1">
+            <dgm:alg type="sp"/>
+            <dgm:shape xmlns:r="http://schemas.openxmlformats.org/officeDocument/2006/relationships" type="ellipse" r:blip="">
+              <dgm:adjLst/>
+            </dgm:shape>
+            <dgm:presOf/>
+          </dgm:layoutNode>
+          <dgm:layoutNode name="Child2Accent7" styleLbl="alignNode1">
+            <dgm:alg type="sp"/>
+            <dgm:shape xmlns:r="http://schemas.openxmlformats.org/officeDocument/2006/relationships" type="ellipse" r:blip="">
+              <dgm:adjLst/>
+            </dgm:shape>
+            <dgm:presOf/>
+          </dgm:layoutNode>
+          <dgm:layoutNode name="Child2" styleLbl="revTx">
+            <dgm:varLst>
+              <dgm:chMax/>
+              <dgm:chPref val="0"/>
+              <dgm:bulletEnabled val="1"/>
+            </dgm:varLst>
+            <dgm:alg type="tx">
+              <dgm:param type="parTxLTRAlign" val="l"/>
+              <dgm:param type="txAnchorVert" val="b"/>
+              <dgm:param type="txAnchorVertCh" val="b"/>
+            </dgm:alg>
+            <dgm:shape xmlns:r="http://schemas.openxmlformats.org/officeDocument/2006/relationships" type="rect" r:blip="">
+              <dgm:adjLst/>
+            </dgm:shape>
+            <dgm:presOf axis="desOrSelf" ptType="node"/>
+            <dgm:constrLst>
+              <dgm:constr type="lMarg" refType="primFontSz" fact="0"/>
+              <dgm:constr type="rMarg" refType="primFontSz" fact="0"/>
+              <dgm:constr type="tMarg" refType="primFontSz" fact="0"/>
+              <dgm:constr type="bMarg" refType="primFontSz" fact="0"/>
+            </dgm:constrLst>
+            <dgm:ruleLst>
+              <dgm:rule type="primFontSz" val="5" fact="NaN" max="NaN"/>
+            </dgm:ruleLst>
+          </dgm:layoutNode>
+        </dgm:forEach>
+        <dgm:forEach name="Name23" axis="ch" ptType="node" st="3" cnt="1">
+          <dgm:layoutNode name="Child3Accent1" styleLbl="alignNode1">
+            <dgm:alg type="sp"/>
+            <dgm:shape xmlns:r="http://schemas.openxmlformats.org/officeDocument/2006/relationships" type="ellipse" r:blip="">
+              <dgm:adjLst/>
+            </dgm:shape>
+            <dgm:presOf/>
+          </dgm:layoutNode>
+          <dgm:layoutNode name="Child3Accent2" styleLbl="alignNode1">
+            <dgm:alg type="sp"/>
+            <dgm:shape xmlns:r="http://schemas.openxmlformats.org/officeDocument/2006/relationships" type="ellipse" r:blip="">
+              <dgm:adjLst/>
+            </dgm:shape>
+            <dgm:presOf/>
+          </dgm:layoutNode>
+          <dgm:layoutNode name="Child3Accent3" styleLbl="alignNode1">
+            <dgm:alg type="sp"/>
+            <dgm:shape xmlns:r="http://schemas.openxmlformats.org/officeDocument/2006/relationships" type="ellipse" r:blip="">
+              <dgm:adjLst/>
+            </dgm:shape>
+            <dgm:presOf/>
+          </dgm:layoutNode>
+          <dgm:layoutNode name="Child3Accent4" styleLbl="alignNode1">
+            <dgm:alg type="sp"/>
+            <dgm:shape xmlns:r="http://schemas.openxmlformats.org/officeDocument/2006/relationships" type="ellipse" r:blip="">
+              <dgm:adjLst/>
+            </dgm:shape>
+            <dgm:presOf/>
+          </dgm:layoutNode>
+          <dgm:layoutNode name="Child3Accent5" styleLbl="alignNode1">
+            <dgm:alg type="sp"/>
+            <dgm:shape xmlns:r="http://schemas.openxmlformats.org/officeDocument/2006/relationships" type="ellipse" r:blip="">
+              <dgm:adjLst/>
+            </dgm:shape>
+            <dgm:presOf/>
+          </dgm:layoutNode>
+          <dgm:layoutNode name="Child3Accent6" styleLbl="alignNode1">
+            <dgm:alg type="sp"/>
+            <dgm:shape xmlns:r="http://schemas.openxmlformats.org/officeDocument/2006/relationships" type="ellipse" r:blip="">
+              <dgm:adjLst/>
+            </dgm:shape>
+            <dgm:presOf/>
+          </dgm:layoutNode>
+          <dgm:layoutNode name="Child3Accent7" styleLbl="alignNode1">
+            <dgm:alg type="sp"/>
+            <dgm:shape xmlns:r="http://schemas.openxmlformats.org/officeDocument/2006/relationships" type="ellipse" r:blip="">
+              <dgm:adjLst/>
+            </dgm:shape>
+            <dgm:presOf/>
+          </dgm:layoutNode>
+          <dgm:layoutNode name="Child3" styleLbl="revTx">
+            <dgm:varLst>
+              <dgm:chMax/>
+              <dgm:chPref val="0"/>
+              <dgm:bulletEnabled val="1"/>
+            </dgm:varLst>
+            <dgm:alg type="tx">
+              <dgm:param type="parTxLTRAlign" val="l"/>
+              <dgm:param type="txAnchorVert" val="b"/>
+              <dgm:param type="txAnchorVertCh" val="b"/>
+            </dgm:alg>
+            <dgm:shape xmlns:r="http://schemas.openxmlformats.org/officeDocument/2006/relationships" type="rect" r:blip="">
+              <dgm:adjLst/>
+            </dgm:shape>
+            <dgm:presOf axis="desOrSelf" ptType="node"/>
+            <dgm:constrLst>
+              <dgm:constr type="lMarg" refType="primFontSz" fact="0"/>
+              <dgm:constr type="rMarg" refType="primFontSz" fact="0"/>
+              <dgm:constr type="tMarg" refType="primFontSz" fact="0"/>
+              <dgm:constr type="bMarg" refType="primFontSz" fact="0"/>
+            </dgm:constrLst>
+            <dgm:ruleLst>
+              <dgm:rule type="primFontSz" val="5" fact="NaN" max="NaN"/>
+            </dgm:ruleLst>
+          </dgm:layoutNode>
+        </dgm:forEach>
+        <dgm:forEach name="Name24" axis="ch" ptType="node" st="4" cnt="1">
+          <dgm:layoutNode name="Child4Accent1" styleLbl="alignNode1">
+            <dgm:alg type="sp"/>
+            <dgm:shape xmlns:r="http://schemas.openxmlformats.org/officeDocument/2006/relationships" type="ellipse" r:blip="">
+              <dgm:adjLst/>
+            </dgm:shape>
+            <dgm:presOf/>
+          </dgm:layoutNode>
+          <dgm:layoutNode name="Child4Accent2" styleLbl="alignNode1">
+            <dgm:alg type="sp"/>
+            <dgm:shape xmlns:r="http://schemas.openxmlformats.org/officeDocument/2006/relationships" type="ellipse" r:blip="">
+              <dgm:adjLst/>
+            </dgm:shape>
+            <dgm:presOf/>
+          </dgm:layoutNode>
+          <dgm:layoutNode name="Child4Accent3" styleLbl="alignNode1">
+            <dgm:alg type="sp"/>
+            <dgm:shape xmlns:r="http://schemas.openxmlformats.org/officeDocument/2006/relationships" type="ellipse" r:blip="">
+              <dgm:adjLst/>
+            </dgm:shape>
+            <dgm:presOf/>
+          </dgm:layoutNode>
+          <dgm:layoutNode name="Child4Accent4" styleLbl="alignNode1">
+            <dgm:alg type="sp"/>
+            <dgm:shape xmlns:r="http://schemas.openxmlformats.org/officeDocument/2006/relationships" type="ellipse" r:blip="">
+              <dgm:adjLst/>
+            </dgm:shape>
+            <dgm:presOf/>
+          </dgm:layoutNode>
+          <dgm:layoutNode name="Child4Accent5" styleLbl="alignNode1">
+            <dgm:alg type="sp"/>
+            <dgm:shape xmlns:r="http://schemas.openxmlformats.org/officeDocument/2006/relationships" type="ellipse" r:blip="">
+              <dgm:adjLst/>
+            </dgm:shape>
+            <dgm:presOf/>
+          </dgm:layoutNode>
+          <dgm:layoutNode name="Child4Accent6" styleLbl="alignNode1">
+            <dgm:alg type="sp"/>
+            <dgm:shape xmlns:r="http://schemas.openxmlformats.org/officeDocument/2006/relationships" type="ellipse" r:blip="">
+              <dgm:adjLst/>
+            </dgm:shape>
+            <dgm:presOf/>
+          </dgm:layoutNode>
+          <dgm:layoutNode name="Child4Accent7" styleLbl="alignNode1">
+            <dgm:alg type="sp"/>
+            <dgm:shape xmlns:r="http://schemas.openxmlformats.org/officeDocument/2006/relationships" type="ellipse" r:blip="">
+              <dgm:adjLst/>
+            </dgm:shape>
+            <dgm:presOf/>
+          </dgm:layoutNode>
+          <dgm:layoutNode name="Child4Accent8" styleLbl="alignNode1">
+            <dgm:alg type="sp"/>
+            <dgm:shape xmlns:r="http://schemas.openxmlformats.org/officeDocument/2006/relationships" type="ellipse" r:blip="">
+              <dgm:adjLst/>
+            </dgm:shape>
+            <dgm:presOf/>
+          </dgm:layoutNode>
+          <dgm:layoutNode name="Child4" styleLbl="revTx">
+            <dgm:varLst>
+              <dgm:chMax/>
+              <dgm:chPref val="0"/>
+              <dgm:bulletEnabled val="1"/>
+            </dgm:varLst>
+            <dgm:alg type="tx">
+              <dgm:param type="parTxLTRAlign" val="l"/>
+              <dgm:param type="txAnchorVert" val="b"/>
+              <dgm:param type="txAnchorVertCh" val="b"/>
+            </dgm:alg>
+            <dgm:shape xmlns:r="http://schemas.openxmlformats.org/officeDocument/2006/relationships" type="rect" r:blip="">
+              <dgm:adjLst/>
+            </dgm:shape>
+            <dgm:presOf axis="desOrSelf" ptType="node"/>
+            <dgm:constrLst>
+              <dgm:constr type="lMarg" refType="primFontSz" fact="0"/>
+              <dgm:constr type="rMarg" refType="primFontSz" fact="0"/>
+              <dgm:constr type="tMarg" refType="primFontSz" fact="0"/>
+              <dgm:constr type="bMarg" refType="primFontSz" fact="0"/>
+            </dgm:constrLst>
+            <dgm:ruleLst>
+              <dgm:rule type="primFontSz" val="5" fact="NaN" max="NaN"/>
+            </dgm:ruleLst>
+          </dgm:layoutNode>
+        </dgm:forEach>
+        <dgm:forEach name="Name25" axis="ch" ptType="node" st="5" cnt="1">
+          <dgm:layoutNode name="Child5Accent1" styleLbl="alignNode1">
+            <dgm:alg type="sp"/>
+            <dgm:shape xmlns:r="http://schemas.openxmlformats.org/officeDocument/2006/relationships" type="ellipse" r:blip="">
+              <dgm:adjLst/>
+            </dgm:shape>
+            <dgm:presOf/>
+          </dgm:layoutNode>
+          <dgm:layoutNode name="Child5Accent2" styleLbl="alignNode1">
+            <dgm:alg type="sp"/>
+            <dgm:shape xmlns:r="http://schemas.openxmlformats.org/officeDocument/2006/relationships" type="ellipse" r:blip="">
+              <dgm:adjLst/>
+            </dgm:shape>
+            <dgm:presOf/>
+          </dgm:layoutNode>
+          <dgm:layoutNode name="Child5Accent3" styleLbl="alignNode1">
+            <dgm:alg type="sp"/>
+            <dgm:shape xmlns:r="http://schemas.openxmlformats.org/officeDocument/2006/relationships" type="ellipse" r:blip="">
+              <dgm:adjLst/>
+            </dgm:shape>
+            <dgm:presOf/>
+          </dgm:layoutNode>
+          <dgm:layoutNode name="Child5Accent4" styleLbl="alignNode1">
+            <dgm:alg type="sp"/>
+            <dgm:shape xmlns:r="http://schemas.openxmlformats.org/officeDocument/2006/relationships" type="ellipse" r:blip="">
+              <dgm:adjLst/>
+            </dgm:shape>
+            <dgm:presOf/>
+          </dgm:layoutNode>
+          <dgm:layoutNode name="Child5Accent5" styleLbl="alignNode1">
+            <dgm:alg type="sp"/>
+            <dgm:shape xmlns:r="http://schemas.openxmlformats.org/officeDocument/2006/relationships" type="ellipse" r:blip="">
+              <dgm:adjLst/>
+            </dgm:shape>
+            <dgm:presOf/>
+          </dgm:layoutNode>
+          <dgm:layoutNode name="Child5Accent6" styleLbl="alignNode1">
+            <dgm:alg type="sp"/>
+            <dgm:shape xmlns:r="http://schemas.openxmlformats.org/officeDocument/2006/relationships" type="ellipse" r:blip="">
+              <dgm:adjLst/>
+            </dgm:shape>
+            <dgm:presOf/>
+          </dgm:layoutNode>
+          <dgm:layoutNode name="Child5Accent7" styleLbl="alignNode1">
+            <dgm:alg type="sp"/>
+            <dgm:shape xmlns:r="http://schemas.openxmlformats.org/officeDocument/2006/relationships" type="ellipse" r:blip="">
+              <dgm:adjLst/>
+            </dgm:shape>
+            <dgm:presOf/>
+          </dgm:layoutNode>
+          <dgm:layoutNode name="Child5Accent8" styleLbl="alignNode1">
+            <dgm:alg type="sp"/>
+            <dgm:shape xmlns:r="http://schemas.openxmlformats.org/officeDocument/2006/relationships" type="ellipse" r:blip="">
+              <dgm:adjLst/>
+            </dgm:shape>
+            <dgm:presOf/>
+          </dgm:layoutNode>
+          <dgm:layoutNode name="Child5Accent9" styleLbl="alignNode1">
+            <dgm:alg type="sp"/>
+            <dgm:shape xmlns:r="http://schemas.openxmlformats.org/officeDocument/2006/relationships" type="ellipse" r:blip="">
+              <dgm:adjLst/>
+            </dgm:shape>
+            <dgm:presOf/>
+          </dgm:layoutNode>
+          <dgm:layoutNode name="Child5" styleLbl="revTx">
+            <dgm:varLst>
+              <dgm:chMax/>
+              <dgm:chPref val="0"/>
+              <dgm:bulletEnabled val="1"/>
+            </dgm:varLst>
+            <dgm:alg type="tx">
+              <dgm:param type="parTxLTRAlign" val="l"/>
+              <dgm:param type="txAnchorVert" val="b"/>
+              <dgm:param type="txAnchorVertCh" val="b"/>
+            </dgm:alg>
+            <dgm:shape xmlns:r="http://schemas.openxmlformats.org/officeDocument/2006/relationships" type="rect" r:blip="">
+              <dgm:adjLst/>
+            </dgm:shape>
+            <dgm:presOf axis="desOrSelf" ptType="node"/>
+            <dgm:constrLst>
+              <dgm:constr type="lMarg" refType="primFontSz" fact="0"/>
+              <dgm:constr type="rMarg" refType="primFontSz" fact="0"/>
+              <dgm:constr type="tMarg" refType="primFontSz" fact="0"/>
+              <dgm:constr type="bMarg" refType="primFontSz" fact="0"/>
+            </dgm:constrLst>
+            <dgm:ruleLst>
+              <dgm:rule type="primFontSz" val="5" fact="NaN" max="NaN"/>
+            </dgm:ruleLst>
+          </dgm:layoutNode>
+        </dgm:forEach>
+      </dgm:layoutNode>
+      <dgm:forEach name="sibTransForEach" axis="followSib" ptType="sibTrans" cnt="1">
+        <dgm:layoutNode name="sibTrans">
+          <dgm:alg type="sp"/>
+          <dgm:shape xmlns:r="http://schemas.openxmlformats.org/officeDocument/2006/relationships" r:blip="">
+            <dgm:adjLst/>
+          </dgm:shape>
+        </dgm:layoutNode>
+      </dgm:forEach>
+    </dgm:forEach>
+  </dgm:layoutNode>
+</dgm:layoutDef>
+</file>
+
+<file path=ppt/diagrams/quickStyle1.xml><?xml version="1.0" encoding="utf-8"?>
+<dgm:styleDef xmlns:dgm="http://schemas.openxmlformats.org/drawingml/2006/diagram" xmlns:a="http://schemas.openxmlformats.org/drawingml/2006/main" uniqueId="urn:microsoft.com/office/officeart/2005/8/quickstyle/simple1">
+  <dgm:title val=""/>
+  <dgm:desc val=""/>
+  <dgm:catLst>
+    <dgm:cat type="simple" pri="10100"/>
+  </dgm:catLst>
+  <dgm:scene3d>
+    <a:camera prst="orthographicFront"/>
+    <a:lightRig rig="threePt" dir="t"/>
+  </dgm:scene3d>
+  <dgm:styleLbl name="node0">
+    <dgm:scene3d>
+      <a:camera prst="orthographicFront"/>
+      <a:lightRig rig="threePt" dir="t"/>
+    </dgm:scene3d>
+    <dgm:sp3d/>
+    <dgm:txPr/>
+    <dgm:style>
+      <a:lnRef idx="2">
+        <a:scrgbClr r="0" g="0" b="0"/>
+      </a:lnRef>
+      <a:fillRef idx="1">
+        <a:scrgbClr r="0" g="0" b="0"/>
+      </a:fillRef>
+      <a:effectRef idx="0">
+        <a:scrgbClr r="0" g="0" b="0"/>
+      </a:effectRef>
+      <a:fontRef idx="minor">
+        <a:schemeClr val="lt1"/>
+      </a:fontRef>
+    </dgm:style>
+  </dgm:styleLbl>
+  <dgm:styleLbl name="lnNode1">
+    <dgm:scene3d>
+      <a:camera prst="orthographicFront"/>
+      <a:lightRig rig="threePt" dir="t"/>
+    </dgm:scene3d>
+    <dgm:sp3d/>
+    <dgm:txPr/>
+    <dgm:style>
+      <a:lnRef idx="2">
+        <a:scrgbClr r="0" g="0" b="0"/>
+      </a:lnRef>
+      <a:fillRef idx="1">
+        <a:scrgbClr r="0" g="0" b="0"/>
+      </a:fillRef>
+      <a:effectRef idx="0">
+        <a:scrgbClr r="0" g="0" b="0"/>
+      </a:effectRef>
+      <a:fontRef idx="minor">
+        <a:schemeClr val="lt1"/>
+      </a:fontRef>
+    </dgm:style>
+  </dgm:styleLbl>
+  <dgm:styleLbl name="vennNode1">
+    <dgm:scene3d>
+      <a:camera prst="orthographicFront"/>
+      <a:lightRig rig="threePt" dir="t"/>
+    </dgm:scene3d>
+    <dgm:sp3d/>
+    <dgm:txPr/>
+    <dgm:style>
+      <a:lnRef idx="2">
+        <a:scrgbClr r="0" g="0" b="0"/>
+      </a:lnRef>
+      <a:fillRef idx="1">
+        <a:scrgbClr r="0" g="0" b="0"/>
+      </a:fillRef>
+      <a:effectRef idx="0">
+        <a:scrgbClr r="0" g="0" b="0"/>
+      </a:effectRef>
+      <a:fontRef idx="minor">
+        <a:schemeClr val="tx1"/>
+      </a:fontRef>
+    </dgm:style>
+  </dgm:styleLbl>
+  <dgm:styleLbl name="alignNode1">
+    <dgm:scene3d>
+      <a:camera prst="orthographicFront"/>
+      <a:lightRig rig="threePt" dir="t"/>
+    </dgm:scene3d>
+    <dgm:sp3d/>
+    <dgm:txPr/>
+    <dgm:style>
+      <a:lnRef idx="2">
+        <a:scrgbClr r="0" g="0" b="0"/>
+      </a:lnRef>
+      <a:fillRef idx="1">
+        <a:scrgbClr r="0" g="0" b="0"/>
+      </a:fillRef>
+      <a:effectRef idx="0">
+        <a:scrgbClr r="0" g="0" b="0"/>
+      </a:effectRef>
+      <a:fontRef idx="minor">
+        <a:schemeClr val="lt1"/>
+      </a:fontRef>
+    </dgm:style>
+  </dgm:styleLbl>
+  <dgm:styleLbl name="node1">
+    <dgm:scene3d>
+      <a:camera prst="orthographicFront"/>
+      <a:lightRig rig="threePt" dir="t"/>
+    </dgm:scene3d>
+    <dgm:sp3d/>
+    <dgm:txPr/>
+    <dgm:style>
+      <a:lnRef idx="2">
+        <a:scrgbClr r="0" g="0" b="0"/>
+      </a:lnRef>
+      <a:fillRef idx="1">
+        <a:scrgbClr r="0" g="0" b="0"/>
+      </a:fillRef>
+      <a:effectRef idx="0">
+        <a:scrgbClr r="0" g="0" b="0"/>
+      </a:effectRef>
+      <a:fontRef idx="minor">
+        <a:schemeClr val="lt1"/>
+      </a:fontRef>
+    </dgm:style>
+  </dgm:styleLbl>
+  <dgm:styleLbl name="node2">
+    <dgm:scene3d>
+      <a:camera prst="orthographicFront"/>
+      <a:lightRig rig="threePt" dir="t"/>
+    </dgm:scene3d>
+    <dgm:sp3d/>
+    <dgm:txPr/>
+    <dgm:style>
+      <a:lnRef idx="2">
+        <a:scrgbClr r="0" g="0" b="0"/>
+      </a:lnRef>
+      <a:fillRef idx="1">
+        <a:scrgbClr r="0" g="0" b="0"/>
+      </a:fillRef>
+      <a:effectRef idx="0">
+        <a:scrgbClr r="0" g="0" b="0"/>
+      </a:effectRef>
+      <a:fontRef idx="minor">
+        <a:schemeClr val="lt1"/>
+      </a:fontRef>
+    </dgm:style>
+  </dgm:styleLbl>
+  <dgm:styleLbl name="node3">
+    <dgm:scene3d>
+      <a:camera prst="orthographicFront"/>
+      <a:lightRig rig="threePt" dir="t"/>
+    </dgm:scene3d>
+    <dgm:sp3d/>
+    <dgm:txPr/>
+    <dgm:style>
+      <a:lnRef idx="2">
+        <a:scrgbClr r="0" g="0" b="0"/>
+      </a:lnRef>
+      <a:fillRef idx="1">
+        <a:scrgbClr r="0" g="0" b="0"/>
+      </a:fillRef>
+      <a:effectRef idx="0">
+        <a:scrgbClr r="0" g="0" b="0"/>
+      </a:effectRef>
+      <a:fontRef idx="minor">
+        <a:schemeClr val="lt1"/>
+      </a:fontRef>
+    </dgm:style>
+  </dgm:styleLbl>
+  <dgm:styleLbl name="node4">
+    <dgm:scene3d>
+      <a:camera prst="orthographicFront"/>
+      <a:lightRig rig="threePt" dir="t"/>
+    </dgm:scene3d>
+    <dgm:sp3d/>
+    <dgm:txPr/>
+    <dgm:style>
+      <a:lnRef idx="2">
+        <a:scrgbClr r="0" g="0" b="0"/>
+      </a:lnRef>
+      <a:fillRef idx="1">
+        <a:scrgbClr r="0" g="0" b="0"/>
+      </a:fillRef>
+      <a:effectRef idx="0">
+        <a:scrgbClr r="0" g="0" b="0"/>
+      </a:effectRef>
+      <a:fontRef idx="minor">
+        <a:schemeClr val="lt1"/>
+      </a:fontRef>
+    </dgm:style>
+  </dgm:styleLbl>
+  <dgm:styleLbl name="fgImgPlace1">
+    <dgm:scene3d>
+      <a:camera prst="orthographicFront"/>
+      <a:lightRig rig="threePt" dir="t"/>
+    </dgm:scene3d>
+    <dgm:sp3d/>
+    <dgm:txPr/>
+    <dgm:style>
+      <a:lnRef idx="2">
+        <a:scrgbClr r="0" g="0" b="0"/>
+      </a:lnRef>
+      <a:fillRef idx="1">
+        <a:scrgbClr r="0" g="0" b="0"/>
+      </a:fillRef>
+      <a:effectRef idx="0">
+        <a:scrgbClr r="0" g="0" b="0"/>
+      </a:effectRef>
+      <a:fontRef idx="minor"/>
+    </dgm:style>
+  </dgm:styleLbl>
+  <dgm:styleLbl name="alignImgPlace1">
+    <dgm:scene3d>
+      <a:camera prst="orthographicFront"/>
+      <a:lightRig rig="threePt" dir="t"/>
+    </dgm:scene3d>
+    <dgm:sp3d/>
+    <dgm:txPr/>
+    <dgm:style>
+      <a:lnRef idx="2">
+        <a:scrgbClr r="0" g="0" b="0"/>
+      </a:lnRef>
+      <a:fillRef idx="1">
+        <a:scrgbClr r="0" g="0" b="0"/>
+      </a:fillRef>
+      <a:effectRef idx="0">
+        <a:scrgbClr r="0" g="0" b="0"/>
+      </a:effectRef>
+      <a:fontRef idx="minor"/>
+    </dgm:style>
+  </dgm:styleLbl>
+  <dgm:styleLbl name="bgImgPlace1">
+    <dgm:scene3d>
+      <a:camera prst="orthographicFront"/>
+      <a:lightRig rig="threePt" dir="t"/>
+    </dgm:scene3d>
+    <dgm:sp3d/>
+    <dgm:txPr/>
+    <dgm:style>
+      <a:lnRef idx="2">
+        <a:scrgbClr r="0" g="0" b="0"/>
+      </a:lnRef>
+      <a:fillRef idx="1">
+        <a:scrgbClr r="0" g="0" b="0"/>
+      </a:fillRef>
+      <a:effectRef idx="0">
+        <a:scrgbClr r="0" g="0" b="0"/>
+      </a:effectRef>
+      <a:fontRef idx="minor"/>
+    </dgm:style>
+  </dgm:styleLbl>
+  <dgm:styleLbl name="sibTrans2D1">
+    <dgm:scene3d>
+      <a:camera prst="orthographicFront"/>
+      <a:lightRig rig="threePt" dir="t"/>
+    </dgm:scene3d>
+    <dgm:sp3d/>
+    <dgm:txPr/>
+    <dgm:style>
+      <a:lnRef idx="0">
+        <a:scrgbClr r="0" g="0" b="0"/>
+      </a:lnRef>
+      <a:fillRef idx="1">
+        <a:scrgbClr r="0" g="0" b="0"/>
+      </a:fillRef>
+      <a:effectRef idx="0">
+        <a:scrgbClr r="0" g="0" b="0"/>
+      </a:effectRef>
+      <a:fontRef idx="minor">
+        <a:schemeClr val="lt1"/>
+      </a:fontRef>
+    </dgm:style>
+  </dgm:styleLbl>
+  <dgm:styleLbl name="fgSibTrans2D1">
+    <dgm:scene3d>
+      <a:camera prst="orthographicFront"/>
+      <a:lightRig rig="threePt" dir="t"/>
+    </dgm:scene3d>
+    <dgm:sp3d/>
+    <dgm:txPr/>
+    <dgm:style>
+      <a:lnRef idx="0">
+        <a:scrgbClr r="0" g="0" b="0"/>
+      </a:lnRef>
+      <a:fillRef idx="1">
+        <a:scrgbClr r="0" g="0" b="0"/>
+      </a:fillRef>
+      <a:effectRef idx="0">
+        <a:scrgbClr r="0" g="0" b="0"/>
+      </a:effectRef>
+      <a:fontRef idx="minor">
+        <a:schemeClr val="lt1"/>
+      </a:fontRef>
+    </dgm:style>
+  </dgm:styleLbl>
+  <dgm:styleLbl name="bgSibTrans2D1">
+    <dgm:scene3d>
+      <a:camera prst="orthographicFront"/>
+      <a:lightRig rig="threePt" dir="t"/>
+    </dgm:scene3d>
+    <dgm:sp3d/>
+    <dgm:txPr/>
+    <dgm:style>
+      <a:lnRef idx="0">
+        <a:scrgbClr r="0" g="0" b="0"/>
+      </a:lnRef>
+      <a:fillRef idx="1">
+        <a:scrgbClr r="0" g="0" b="0"/>
+      </a:fillRef>
+      <a:effectRef idx="0">
+        <a:scrgbClr r="0" g="0" b="0"/>
+      </a:effectRef>
+      <a:fontRef idx="minor">
+        <a:schemeClr val="lt1"/>
+      </a:fontRef>
+    </dgm:style>
+  </dgm:styleLbl>
+  <dgm:styleLbl name="sibTrans1D1">
+    <dgm:scene3d>
+      <a:camera prst="orthographicFront"/>
+      <a:lightRig rig="threePt" dir="t"/>
+    </dgm:scene3d>
+    <dgm:sp3d/>
+    <dgm:txPr/>
+    <dgm:style>
+      <a:lnRef idx="1">
+        <a:scrgbClr r="0" g="0" b="0"/>
+      </a:lnRef>
+      <a:fillRef idx="0">
+        <a:scrgbClr r="0" g="0" b="0"/>
+      </a:fillRef>
+      <a:effectRef idx="0">
+        <a:scrgbClr r="0" g="0" b="0"/>
+      </a:effectRef>
+      <a:fontRef idx="minor"/>
+    </dgm:style>
+  </dgm:styleLbl>
+  <dgm:styleLbl name="callout">
+    <dgm:scene3d>
+      <a:camera prst="orthographicFront"/>
+      <a:lightRig rig="threePt" dir="t"/>
+    </dgm:scene3d>
+    <dgm:sp3d/>
+    <dgm:txPr/>
+    <dgm:style>
+      <a:lnRef idx="2">
+        <a:scrgbClr r="0" g="0" b="0"/>
+      </a:lnRef>
+      <a:fillRef idx="1">
+        <a:scrgbClr r="0" g="0" b="0"/>
+      </a:fillRef>
+      <a:effectRef idx="0">
+        <a:scrgbClr r="0" g="0" b="0"/>
+      </a:effectRef>
+      <a:fontRef idx="minor"/>
+    </dgm:style>
+  </dgm:styleLbl>
+  <dgm:styleLbl name="asst0">
+    <dgm:scene3d>
+      <a:camera prst="orthographicFront"/>
+      <a:lightRig rig="threePt" dir="t"/>
+    </dgm:scene3d>
+    <dgm:sp3d/>
+    <dgm:txPr/>
+    <dgm:style>
+      <a:lnRef idx="2">
+        <a:scrgbClr r="0" g="0" b="0"/>
+      </a:lnRef>
+      <a:fillRef idx="1">
+        <a:scrgbClr r="0" g="0" b="0"/>
+      </a:fillRef>
+      <a:effectRef idx="0">
+        <a:scrgbClr r="0" g="0" b="0"/>
+      </a:effectRef>
+      <a:fontRef idx="minor">
+        <a:schemeClr val="lt1"/>
+      </a:fontRef>
+    </dgm:style>
+  </dgm:styleLbl>
+  <dgm:styleLbl name="asst1">
+    <dgm:scene3d>
+      <a:camera prst="orthographicFront"/>
+      <a:lightRig rig="threePt" dir="t"/>
+    </dgm:scene3d>
+    <dgm:sp3d/>
+    <dgm:txPr/>
+    <dgm:style>
+      <a:lnRef idx="2">
+        <a:scrgbClr r="0" g="0" b="0"/>
+      </a:lnRef>
+      <a:fillRef idx="1">
+        <a:scrgbClr r="0" g="0" b="0"/>
+      </a:fillRef>
+      <a:effectRef idx="0">
+        <a:scrgbClr r="0" g="0" b="0"/>
+      </a:effectRef>
+      <a:fontRef idx="minor">
+        <a:schemeClr val="lt1"/>
+      </a:fontRef>
+    </dgm:style>
+  </dgm:styleLbl>
+  <dgm:styleLbl name="asst2">
+    <dgm:scene3d>
+      <a:camera prst="orthographicFront"/>
+      <a:lightRig rig="threePt" dir="t"/>
+    </dgm:scene3d>
+    <dgm:sp3d/>
+    <dgm:txPr/>
+    <dgm:style>
+      <a:lnRef idx="2">
+        <a:scrgbClr r="0" g="0" b="0"/>
+      </a:lnRef>
+      <a:fillRef idx="1">
+        <a:scrgbClr r="0" g="0" b="0"/>
+      </a:fillRef>
+      <a:effectRef idx="0">
+        <a:scrgbClr r="0" g="0" b="0"/>
+      </a:effectRef>
+      <a:fontRef idx="minor">
+        <a:schemeClr val="lt1"/>
+      </a:fontRef>
+    </dgm:style>
+  </dgm:styleLbl>
+  <dgm:styleLbl name="asst3">
+    <dgm:scene3d>
+      <a:camera prst="orthographicFront"/>
+      <a:lightRig rig="threePt" dir="t"/>
+    </dgm:scene3d>
+    <dgm:sp3d/>
+    <dgm:txPr/>
+    <dgm:style>
+      <a:lnRef idx="2">
+        <a:scrgbClr r="0" g="0" b="0"/>
+      </a:lnRef>
+      <a:fillRef idx="1">
+        <a:scrgbClr r="0" g="0" b="0"/>
+      </a:fillRef>
+      <a:effectRef idx="0">
+        <a:scrgbClr r="0" g="0" b="0"/>
+      </a:effectRef>
+      <a:fontRef idx="minor">
+        <a:schemeClr val="lt1"/>
+      </a:fontRef>
+    </dgm:style>
+  </dgm:styleLbl>
+  <dgm:styleLbl name="asst4">
+    <dgm:scene3d>
+      <a:camera prst="orthographicFront"/>
+      <a:lightRig rig="threePt" dir="t"/>
+    </dgm:scene3d>
+    <dgm:sp3d/>
+    <dgm:txPr/>
+    <dgm:style>
+      <a:lnRef idx="2">
+        <a:scrgbClr r="0" g="0" b="0"/>
+      </a:lnRef>
+      <a:fillRef idx="1">
+        <a:scrgbClr r="0" g="0" b="0"/>
+      </a:fillRef>
+      <a:effectRef idx="0">
+        <a:scrgbClr r="0" g="0" b="0"/>
+      </a:effectRef>
+      <a:fontRef idx="minor">
+        <a:schemeClr val="lt1"/>
+      </a:fontRef>
+    </dgm:style>
+  </dgm:styleLbl>
+  <dgm:styleLbl name="parChTrans2D1">
+    <dgm:scene3d>
+      <a:camera prst="orthographicFront"/>
+      <a:lightRig rig="threePt" dir="t"/>
+    </dgm:scene3d>
+    <dgm:sp3d/>
+    <dgm:txPr/>
+    <dgm:style>
+      <a:lnRef idx="2">
+        <a:scrgbClr r="0" g="0" b="0"/>
+      </a:lnRef>
+      <a:fillRef idx="1">
+        <a:scrgbClr r="0" g="0" b="0"/>
+      </a:fillRef>
+      <a:effectRef idx="0">
+        <a:scrgbClr r="0" g="0" b="0"/>
+      </a:effectRef>
+      <a:fontRef idx="minor">
+        <a:schemeClr val="lt1"/>
+      </a:fontRef>
+    </dgm:style>
+  </dgm:styleLbl>
+  <dgm:styleLbl name="parChTrans2D2">
+    <dgm:scene3d>
+      <a:camera prst="orthographicFront"/>
+      <a:lightRig rig="threePt" dir="t"/>
+    </dgm:scene3d>
+    <dgm:sp3d/>
+    <dgm:txPr/>
+    <dgm:style>
+      <a:lnRef idx="2">
+        <a:scrgbClr r="0" g="0" b="0"/>
+      </a:lnRef>
+      <a:fillRef idx="1">
+        <a:scrgbClr r="0" g="0" b="0"/>
+      </a:fillRef>
+      <a:effectRef idx="0">
+        <a:scrgbClr r="0" g="0" b="0"/>
+      </a:effectRef>
+      <a:fontRef idx="minor">
+        <a:schemeClr val="lt1"/>
+      </a:fontRef>
+    </dgm:style>
+  </dgm:styleLbl>
+  <dgm:styleLbl name="parChTrans2D3">
+    <dgm:scene3d>
+      <a:camera prst="orthographicFront"/>
+      <a:lightRig rig="threePt" dir="t"/>
+    </dgm:scene3d>
+    <dgm:sp3d/>
+    <dgm:txPr/>
+    <dgm:style>
+      <a:lnRef idx="2">
+        <a:scrgbClr r="0" g="0" b="0"/>
+      </a:lnRef>
+      <a:fillRef idx="1">
+        <a:scrgbClr r="0" g="0" b="0"/>
+      </a:fillRef>
+      <a:effectRef idx="0">
+        <a:scrgbClr r="0" g="0" b="0"/>
+      </a:effectRef>
+      <a:fontRef idx="minor">
+        <a:schemeClr val="lt1"/>
+      </a:fontRef>
+    </dgm:style>
+  </dgm:styleLbl>
+  <dgm:styleLbl name="parChTrans2D4">
+    <dgm:scene3d>
+      <a:camera prst="orthographicFront"/>
+      <a:lightRig rig="threePt" dir="t"/>
+    </dgm:scene3d>
+    <dgm:sp3d/>
+    <dgm:txPr/>
+    <dgm:style>
+      <a:lnRef idx="2">
+        <a:scrgbClr r="0" g="0" b="0"/>
+      </a:lnRef>
+      <a:fillRef idx="1">
+        <a:scrgbClr r="0" g="0" b="0"/>
+      </a:fillRef>
+      <a:effectRef idx="0">
+        <a:scrgbClr r="0" g="0" b="0"/>
+      </a:effectRef>
+      <a:fontRef idx="minor">
+        <a:schemeClr val="lt1"/>
+      </a:fontRef>
+    </dgm:style>
+  </dgm:styleLbl>
+  <dgm:styleLbl name="parChTrans1D1">
+    <dgm:scene3d>
+      <a:camera prst="orthographicFront"/>
+      <a:lightRig rig="threePt" dir="t"/>
+    </dgm:scene3d>
+    <dgm:sp3d/>
+    <dgm:txPr/>
+    <dgm:style>
+      <a:lnRef idx="2">
+        <a:scrgbClr r="0" g="0" b="0"/>
+      </a:lnRef>
+      <a:fillRef idx="0">
+        <a:scrgbClr r="0" g="0" b="0"/>
+      </a:fillRef>
+      <a:effectRef idx="0">
+        <a:scrgbClr r="0" g="0" b="0"/>
+      </a:effectRef>
+      <a:fontRef idx="minor"/>
+    </dgm:style>
+  </dgm:styleLbl>
+  <dgm:styleLbl name="parChTrans1D2">
+    <dgm:scene3d>
+      <a:camera prst="orthographicFront"/>
+      <a:lightRig rig="threePt" dir="t"/>
+    </dgm:scene3d>
+    <dgm:sp3d/>
+    <dgm:txPr/>
+    <dgm:style>
+      <a:lnRef idx="2">
+        <a:scrgbClr r="0" g="0" b="0"/>
+      </a:lnRef>
+      <a:fillRef idx="0">
+        <a:scrgbClr r="0" g="0" b="0"/>
+      </a:fillRef>
+      <a:effectRef idx="0">
+        <a:scrgbClr r="0" g="0" b="0"/>
+      </a:effectRef>
+      <a:fontRef idx="minor"/>
+    </dgm:style>
+  </dgm:styleLbl>
+  <dgm:styleLbl name="parChTrans1D3">
+    <dgm:scene3d>
+      <a:camera prst="orthographicFront"/>
+      <a:lightRig rig="threePt" dir="t"/>
+    </dgm:scene3d>
+    <dgm:sp3d/>
+    <dgm:txPr/>
+    <dgm:style>
+      <a:lnRef idx="2">
+        <a:scrgbClr r="0" g="0" b="0"/>
+      </a:lnRef>
+      <a:fillRef idx="0">
+        <a:scrgbClr r="0" g="0" b="0"/>
+      </a:fillRef>
+      <a:effectRef idx="0">
+        <a:scrgbClr r="0" g="0" b="0"/>
+      </a:effectRef>
+      <a:fontRef idx="minor"/>
+    </dgm:style>
+  </dgm:styleLbl>
+  <dgm:styleLbl name="parChTrans1D4">
+    <dgm:scene3d>
+      <a:camera prst="orthographicFront"/>
+      <a:lightRig rig="threePt" dir="t"/>
+    </dgm:scene3d>
+    <dgm:sp3d/>
+    <dgm:txPr/>
+    <dgm:style>
+      <a:lnRef idx="2">
+        <a:scrgbClr r="0" g="0" b="0"/>
+      </a:lnRef>
+      <a:fillRef idx="0">
+        <a:scrgbClr r="0" g="0" b="0"/>
+      </a:fillRef>
+      <a:effectRef idx="0">
+        <a:scrgbClr r="0" g="0" b="0"/>
+      </a:effectRef>
+      <a:fontRef idx="minor"/>
+    </dgm:style>
+  </dgm:styleLbl>
+  <dgm:styleLbl name="fgAcc1">
+    <dgm:scene3d>
+      <a:camera prst="orthographicFront"/>
+      <a:lightRig rig="threePt" dir="t"/>
+    </dgm:scene3d>
+    <dgm:sp3d/>
+    <dgm:txPr/>
+    <dgm:style>
+      <a:lnRef idx="2">
+        <a:scrgbClr r="0" g="0" b="0"/>
+      </a:lnRef>
+      <a:fillRef idx="1">
+        <a:scrgbClr r="0" g="0" b="0"/>
+      </a:fillRef>
+      <a:effectRef idx="0">
+        <a:scrgbClr r="0" g="0" b="0"/>
+      </a:effectRef>
+      <a:fontRef idx="minor"/>
+    </dgm:style>
+  </dgm:styleLbl>
+  <dgm:styleLbl name="conFgAcc1">
+    <dgm:scene3d>
+      <a:camera prst="orthographicFront"/>
+      <a:lightRig rig="threePt" dir="t"/>
+    </dgm:scene3d>
+    <dgm:sp3d/>
+    <dgm:txPr/>
+    <dgm:style>
+      <a:lnRef idx="2">
+        <a:scrgbClr r="0" g="0" b="0"/>
+      </a:lnRef>
+      <a:fillRef idx="1">
+        <a:scrgbClr r="0" g="0" b="0"/>
+      </a:fillRef>
+      <a:effectRef idx="0">
+        <a:scrgbClr r="0" g="0" b="0"/>
+      </a:effectRef>
+      <a:fontRef idx="minor"/>
+    </dgm:style>
+  </dgm:styleLbl>
+  <dgm:styleLbl name="alignAcc1">
+    <dgm:scene3d>
+      <a:camera prst="orthographicFront"/>
+      <a:lightRig rig="threePt" dir="t"/>
+    </dgm:scene3d>
+    <dgm:sp3d/>
+    <dgm:txPr/>
+    <dgm:style>
+      <a:lnRef idx="2">
+        <a:scrgbClr r="0" g="0" b="0"/>
+      </a:lnRef>
+      <a:fillRef idx="1">
+        <a:scrgbClr r="0" g="0" b="0"/>
+      </a:fillRef>
+      <a:effectRef idx="0">
+        <a:scrgbClr r="0" g="0" b="0"/>
+      </a:effectRef>
+      <a:fontRef idx="minor"/>
+    </dgm:style>
+  </dgm:styleLbl>
+  <dgm:styleLbl name="trAlignAcc1">
+    <dgm:scene3d>
+      <a:camera prst="orthographicFront"/>
+      <a:lightRig rig="threePt" dir="t"/>
+    </dgm:scene3d>
+    <dgm:sp3d/>
+    <dgm:txPr/>
+    <dgm:style>
+      <a:lnRef idx="1">
+        <a:scrgbClr r="0" g="0" b="0"/>
+      </a:lnRef>
+      <a:fillRef idx="1">
+        <a:scrgbClr r="0" g="0" b="0"/>
+      </a:fillRef>
+      <a:effectRef idx="0">
+        <a:scrgbClr r="0" g="0" b="0"/>
+      </a:effectRef>
+      <a:fontRef idx="minor"/>
+    </dgm:style>
+  </dgm:styleLbl>
+  <dgm:styleLbl name="bgAcc1">
+    <dgm:scene3d>
+      <a:camera prst="orthographicFront"/>
+      <a:lightRig rig="threePt" dir="t"/>
+    </dgm:scene3d>
+    <dgm:sp3d/>
+    <dgm:txPr/>
+    <dgm:style>
+      <a:lnRef idx="2">
+        <a:scrgbClr r="0" g="0" b="0"/>
+      </a:lnRef>
+      <a:fillRef idx="1">
+        <a:scrgbClr r="0" g="0" b="0"/>
+      </a:fillRef>
+      <a:effectRef idx="0">
+        <a:scrgbClr r="0" g="0" b="0"/>
+      </a:effectRef>
+      <a:fontRef idx="minor"/>
+    </dgm:style>
+  </dgm:styleLbl>
+  <dgm:styleLbl name="solidFgAcc1">
+    <dgm:scene3d>
+      <a:camera prst="orthographicFront"/>
+      <a:lightRig rig="threePt" dir="t"/>
+    </dgm:scene3d>
+    <dgm:sp3d/>
+    <dgm:txPr/>
+    <dgm:style>
+      <a:lnRef idx="2">
+        <a:scrgbClr r="0" g="0" b="0"/>
+      </a:lnRef>
+      <a:fillRef idx="1">
+        <a:scrgbClr r="0" g="0" b="0"/>
+      </a:fillRef>
+      <a:effectRef idx="0">
+        <a:scrgbClr r="0" g="0" b="0"/>
+      </a:effectRef>
+      <a:fontRef idx="minor"/>
+    </dgm:style>
+  </dgm:styleLbl>
+  <dgm:styleLbl name="solidAlignAcc1">
+    <dgm:scene3d>
+      <a:camera prst="orthographicFront"/>
+      <a:lightRig rig="threePt" dir="t"/>
+    </dgm:scene3d>
+    <dgm:sp3d/>
+    <dgm:txPr/>
+    <dgm:style>
+      <a:lnRef idx="2">
+        <a:scrgbClr r="0" g="0" b="0"/>
+      </a:lnRef>
+      <a:fillRef idx="1">
+        <a:scrgbClr r="0" g="0" b="0"/>
+      </a:fillRef>
+      <a:effectRef idx="0">
+        <a:scrgbClr r="0" g="0" b="0"/>
+      </a:effectRef>
+      <a:fontRef idx="minor"/>
+    </dgm:style>
+  </dgm:styleLbl>
+  <dgm:styleLbl name="solidBgAcc1">
+    <dgm:scene3d>
+      <a:camera prst="orthographicFront"/>
+      <a:lightRig rig="threePt" dir="t"/>
+    </dgm:scene3d>
+    <dgm:sp3d/>
+    <dgm:txPr/>
+    <dgm:style>
+      <a:lnRef idx="2">
+        <a:scrgbClr r="0" g="0" b="0"/>
+      </a:lnRef>
+      <a:fillRef idx="1">
+        <a:scrgbClr r="0" g="0" b="0"/>
+      </a:fillRef>
+      <a:effectRef idx="0">
+        <a:scrgbClr r="0" g="0" b="0"/>
+      </a:effectRef>
+      <a:fontRef idx="minor"/>
+    </dgm:style>
+  </dgm:styleLbl>
+  <dgm:styleLbl name="fgAccFollowNode1">
+    <dgm:scene3d>
+      <a:camera prst="orthographicFront"/>
+      <a:lightRig rig="threePt" dir="t"/>
+    </dgm:scene3d>
+    <dgm:sp3d/>
+    <dgm:txPr/>
+    <dgm:style>
+      <a:lnRef idx="2">
+        <a:scrgbClr r="0" g="0" b="0"/>
+      </a:lnRef>
+      <a:fillRef idx="1">
+        <a:scrgbClr r="0" g="0" b="0"/>
+      </a:fillRef>
+      <a:effectRef idx="0">
+        <a:scrgbClr r="0" g="0" b="0"/>
+      </a:effectRef>
+      <a:fontRef idx="minor"/>
+    </dgm:style>
+  </dgm:styleLbl>
+  <dgm:styleLbl name="alignAccFollowNode1">
+    <dgm:scene3d>
+      <a:camera prst="orthographicFront"/>
+      <a:lightRig rig="threePt" dir="t"/>
+    </dgm:scene3d>
+    <dgm:sp3d/>
+    <dgm:txPr/>
+    <dgm:style>
+      <a:lnRef idx="2">
+        <a:scrgbClr r="0" g="0" b="0"/>
+      </a:lnRef>
+      <a:fillRef idx="1">
+        <a:scrgbClr r="0" g="0" b="0"/>
+      </a:fillRef>
+      <a:effectRef idx="0">
+        <a:scrgbClr r="0" g="0" b="0"/>
+      </a:effectRef>
+      <a:fontRef idx="minor"/>
+    </dgm:style>
+  </dgm:styleLbl>
+  <dgm:styleLbl name="bgAccFollowNode1">
+    <dgm:scene3d>
+      <a:camera prst="orthographicFront"/>
+      <a:lightRig rig="threePt" dir="t"/>
+    </dgm:scene3d>
+    <dgm:sp3d/>
+    <dgm:txPr/>
+    <dgm:style>
+      <a:lnRef idx="2">
+        <a:scrgbClr r="0" g="0" b="0"/>
+      </a:lnRef>
+      <a:fillRef idx="1">
+        <a:scrgbClr r="0" g="0" b="0"/>
+      </a:fillRef>
+      <a:effectRef idx="0">
+        <a:scrgbClr r="0" g="0" b="0"/>
+      </a:effectRef>
+      <a:fontRef idx="minor"/>
+    </dgm:style>
+  </dgm:styleLbl>
+  <dgm:styleLbl name="fgAcc0">
+    <dgm:scene3d>
+      <a:camera prst="orthographicFront"/>
+      <a:lightRig rig="threePt" dir="t"/>
+    </dgm:scene3d>
+    <dgm:sp3d/>
+    <dgm:txPr/>
+    <dgm:style>
+      <a:lnRef idx="2">
+        <a:scrgbClr r="0" g="0" b="0"/>
+      </a:lnRef>
+      <a:fillRef idx="1">
+        <a:scrgbClr r="0" g="0" b="0"/>
+      </a:fillRef>
+      <a:effectRef idx="0">
+        <a:scrgbClr r="0" g="0" b="0"/>
+      </a:effectRef>
+      <a:fontRef idx="minor"/>
+    </dgm:style>
+  </dgm:styleLbl>
+  <dgm:styleLbl name="fgAcc2">
+    <dgm:scene3d>
+      <a:camera prst="orthographicFront"/>
+      <a:lightRig rig="threePt" dir="t"/>
+    </dgm:scene3d>
+    <dgm:sp3d/>
+    <dgm:txPr/>
+    <dgm:style>
+      <a:lnRef idx="2">
+        <a:scrgbClr r="0" g="0" b="0"/>
+      </a:lnRef>
+      <a:fillRef idx="1">
+        <a:scrgbClr r="0" g="0" b="0"/>
+      </a:fillRef>
+      <a:effectRef idx="0">
+        <a:scrgbClr r="0" g="0" b="0"/>
+      </a:effectRef>
+      <a:fontRef idx="minor"/>
+    </dgm:style>
+  </dgm:styleLbl>
+  <dgm:styleLbl name="fgAcc3">
+    <dgm:scene3d>
+      <a:camera prst="orthographicFront"/>
+      <a:lightRig rig="threePt" dir="t"/>
+    </dgm:scene3d>
+    <dgm:sp3d/>
+    <dgm:txPr/>
+    <dgm:style>
+      <a:lnRef idx="2">
+        <a:scrgbClr r="0" g="0" b="0"/>
+      </a:lnRef>
+      <a:fillRef idx="1">
+        <a:scrgbClr r="0" g="0" b="0"/>
+      </a:fillRef>
+      <a:effectRef idx="0">
+        <a:scrgbClr r="0" g="0" b="0"/>
+      </a:effectRef>
+      <a:fontRef idx="minor"/>
+    </dgm:style>
+  </dgm:styleLbl>
+  <dgm:styleLbl name="fgAcc4">
+    <dgm:scene3d>
+      <a:camera prst="orthographicFront"/>
+      <a:lightRig rig="threePt" dir="t"/>
+    </dgm:scene3d>
+    <dgm:sp3d/>
+    <dgm:txPr/>
+    <dgm:style>
+      <a:lnRef idx="2">
+        <a:scrgbClr r="0" g="0" b="0"/>
+      </a:lnRef>
+      <a:fillRef idx="1">
+        <a:scrgbClr r="0" g="0" b="0"/>
+      </a:fillRef>
+      <a:effectRef idx="0">
+        <a:scrgbClr r="0" g="0" b="0"/>
+      </a:effectRef>
+      <a:fontRef idx="minor"/>
+    </dgm:style>
+  </dgm:styleLbl>
+  <dgm:styleLbl name="bgShp">
+    <dgm:scene3d>
+      <a:camera prst="orthographicFront"/>
+      <a:lightRig rig="threePt" dir="t"/>
+    </dgm:scene3d>
+    <dgm:sp3d/>
+    <dgm:txPr/>
+    <dgm:style>
+      <a:lnRef idx="0">
+        <a:scrgbClr r="0" g="0" b="0"/>
+      </a:lnRef>
+      <a:fillRef idx="1">
+        <a:scrgbClr r="0" g="0" b="0"/>
+      </a:fillRef>
+      <a:effectRef idx="0">
+        <a:scrgbClr r="0" g="0" b="0"/>
+      </a:effectRef>
+      <a:fontRef idx="minor"/>
+    </dgm:style>
+  </dgm:styleLbl>
+  <dgm:styleLbl name="dkBgShp">
+    <dgm:scene3d>
+      <a:camera prst="orthographicFront"/>
+      <a:lightRig rig="threePt" dir="t"/>
+    </dgm:scene3d>
+    <dgm:sp3d/>
+    <dgm:txPr/>
+    <dgm:style>
+      <a:lnRef idx="0">
+        <a:scrgbClr r="0" g="0" b="0"/>
+      </a:lnRef>
+      <a:fillRef idx="1">
+        <a:scrgbClr r="0" g="0" b="0"/>
+      </a:fillRef>
+      <a:effectRef idx="0">
+        <a:scrgbClr r="0" g="0" b="0"/>
+      </a:effectRef>
+      <a:fontRef idx="minor"/>
+    </dgm:style>
+  </dgm:styleLbl>
+  <dgm:styleLbl name="trBgShp">
+    <dgm:scene3d>
+      <a:camera prst="orthographicFront"/>
+      <a:lightRig rig="threePt" dir="t"/>
+    </dgm:scene3d>
+    <dgm:sp3d/>
+    <dgm:txPr/>
+    <dgm:style>
+      <a:lnRef idx="0">
+        <a:scrgbClr r="0" g="0" b="0"/>
+      </a:lnRef>
+      <a:fillRef idx="1">
+        <a:scrgbClr r="0" g="0" b="0"/>
+      </a:fillRef>
+      <a:effectRef idx="0">
+        <a:scrgbClr r="0" g="0" b="0"/>
+      </a:effectRef>
+      <a:fontRef idx="minor"/>
+    </dgm:style>
+  </dgm:styleLbl>
+  <dgm:styleLbl name="fgShp">
+    <dgm:scene3d>
+      <a:camera prst="orthographicFront"/>
+      <a:lightRig rig="threePt" dir="t"/>
+    </dgm:scene3d>
+    <dgm:sp3d/>
+    <dgm:txPr/>
+    <dgm:style>
+      <a:lnRef idx="2">
+        <a:scrgbClr r="0" g="0" b="0"/>
+      </a:lnRef>
+      <a:fillRef idx="1">
+        <a:scrgbClr r="0" g="0" b="0"/>
+      </a:fillRef>
+      <a:effectRef idx="0">
+        <a:scrgbClr r="0" g="0" b="0"/>
+      </a:effectRef>
+      <a:fontRef idx="minor"/>
+    </dgm:style>
+  </dgm:styleLbl>
+  <dgm:styleLbl name="revTx">
+    <dgm:scene3d>
+      <a:camera prst="orthographicFront"/>
+      <a:lightRig rig="threePt" dir="t"/>
+    </dgm:scene3d>
+    <dgm:sp3d/>
+    <dgm:txPr/>
+    <dgm:style>
+      <a:lnRef idx="0">
+        <a:scrgbClr r="0" g="0" b="0"/>
+      </a:lnRef>
+      <a:fillRef idx="0">
+        <a:scrgbClr r="0" g="0" b="0"/>
+      </a:fillRef>
+      <a:effectRef idx="0">
+        <a:scrgbClr r="0" g="0" b="0"/>
+      </a:effectRef>
+      <a:fontRef idx="minor"/>
+    </dgm:style>
+  </dgm:styleLbl>
+</dgm:styleDef>
 </file>
 
 <file path=ppt/notesMasters/notesMaster1.xml><?xml version="1.0" encoding="utf-8"?>
@@ -483,7 +6862,7 @@
           <a:p>
             <a:fld id="{F7021451-1387-4CA6-816F-3879F97B5CBC}" type="slidenum">
               <a:rPr lang="en-US"/>
-              <a:t>3</a:t>
+              <a:t>4</a:t>
             </a:fld>
             <a:endParaRPr lang="en-US"/>
           </a:p>
@@ -567,7 +6946,7 @@
           <a:p>
             <a:fld id="{F7021451-1387-4CA6-816F-3879F97B5CBC}" type="slidenum">
               <a:rPr lang="en-US"/>
-              <a:t>4</a:t>
+              <a:t>5</a:t>
             </a:fld>
             <a:endParaRPr lang="en-US"/>
           </a:p>
@@ -1387,7 +7766,7 @@
                 <a:ea typeface="Lato" pitchFamily="34" charset="-122"/>
                 <a:cs typeface="Lato" pitchFamily="34" charset="-120"/>
               </a:rPr>
-              <a:t>This project automates ticketing. It converts data from Google Cloud Storage (GCS) to structured JSON format. The pipeline ingests, processes, categorizes, and formats data. It provides data analysts and developers with structured data feeds.</a:t>
+              <a:t>This project automates ticketing. It categorizes an incoming stream of emails into fixed format JSON output for easy API integration. It provides relevant teams with structured data request feeds.</a:t>
             </a:r>
             <a:endParaRPr lang="en-US" sz="1750" dirty="0"/>
           </a:p>
@@ -1631,7 +8010,7 @@
                 <a:ea typeface="Lato" pitchFamily="34" charset="-122"/>
                 <a:cs typeface="Lato" pitchFamily="34" charset="-120"/>
               </a:rPr>
-              <a:t>Visualize the data's journey from raw files to structured JSON.</a:t>
+              <a:t>Visualize the data's journey from raw files to structured JSON in hackathon scope.</a:t>
             </a:r>
             <a:endParaRPr lang="en-US" sz="1750" dirty="0"/>
           </a:p>
@@ -1741,7 +8120,7 @@
                 <a:ea typeface="Lato" pitchFamily="34" charset="-122"/>
                 <a:cs typeface="Lato" pitchFamily="34" charset="-120"/>
               </a:rPr>
-              <a:t>Raw data files are uploaded.</a:t>
+              <a:t>Raw data (emails) files are uploaded.</a:t>
             </a:r>
             <a:endParaRPr lang="en-US" sz="1750" dirty="0"/>
           </a:p>
@@ -1851,7 +8230,7 @@
                 <a:ea typeface="Lato" pitchFamily="34" charset="-122"/>
                 <a:cs typeface="Lato" pitchFamily="34" charset="-120"/>
               </a:rPr>
-              <a:t>Dataflow pipeline triggers.</a:t>
+              <a:t>LLM parses contents of email (and attachments, if any)</a:t>
             </a:r>
             <a:endParaRPr lang="en-US" sz="1750" dirty="0"/>
           </a:p>
@@ -1917,7 +8296,7 @@
                 <a:ea typeface="Lato Bold" pitchFamily="34" charset="-122"/>
                 <a:cs typeface="Lato Bold" pitchFamily="34" charset="-120"/>
               </a:rPr>
-              <a:t>Data Processing</a:t>
+              <a:t>Information Extraction</a:t>
             </a:r>
             <a:endParaRPr lang="en-US" sz="2150" dirty="0">
               <a:latin typeface="+mj-lt"/>
@@ -1953,17 +8332,9 @@
               <a:buNone/>
             </a:pPr>
             <a:r>
-              <a:rPr lang="en-US" sz="1750" dirty="0">
-                <a:solidFill>
-                  <a:srgbClr val="4A4A45"/>
-                </a:solidFill>
-                <a:latin typeface="Lato" pitchFamily="34" charset="0"/>
-                <a:ea typeface="Lato" pitchFamily="34" charset="-122"/>
-                <a:cs typeface="Lato" pitchFamily="34" charset="-120"/>
-              </a:rPr>
-              <a:t>Data is cleaned and transformed.</a:t>
+              <a:rPr lang="en-US" sz="1750" dirty="0"/>
+              <a:t>Required output values are extracted from the emails.</a:t>
             </a:r>
-            <a:endParaRPr lang="en-US" sz="1750" dirty="0"/>
           </a:p>
         </p:txBody>
       </p:sp>
@@ -2071,7 +8442,7 @@
                 <a:ea typeface="Lato" pitchFamily="34" charset="-122"/>
                 <a:cs typeface="Lato" pitchFamily="34" charset="-120"/>
               </a:rPr>
-              <a:t>Data is formatted into JSON.</a:t>
+              <a:t>Insight is delivered as fixed format JSON payload.</a:t>
             </a:r>
             <a:endParaRPr lang="en-US" sz="1750" dirty="0"/>
           </a:p>
@@ -2086,6 +8457,183 @@
 </file>
 
 <file path=ppt/slides/slide3.xml><?xml version="1.0" encoding="utf-8"?>
+<p:sld xmlns:a="http://schemas.openxmlformats.org/drawingml/2006/main" xmlns:r="http://schemas.openxmlformats.org/officeDocument/2006/relationships" xmlns:p="http://schemas.openxmlformats.org/presentationml/2006/main">
+  <p:cSld>
+    <p:spTree>
+      <p:nvGrpSpPr>
+        <p:cNvPr id="1" name=""/>
+        <p:cNvGrpSpPr/>
+        <p:nvPr/>
+      </p:nvGrpSpPr>
+      <p:grpSpPr>
+        <a:xfrm>
+          <a:off x="0" y="0"/>
+          <a:ext cx="0" cy="0"/>
+          <a:chOff x="0" y="0"/>
+          <a:chExt cx="0" cy="0"/>
+        </a:xfrm>
+      </p:grpSpPr>
+      <p:graphicFrame>
+        <p:nvGraphicFramePr>
+          <p:cNvPr id="2" name="Diagram 1">
+            <a:extLst>
+              <a:ext uri="{FF2B5EF4-FFF2-40B4-BE49-F238E27FC236}">
+                <a16:creationId xmlns:a16="http://schemas.microsoft.com/office/drawing/2014/main" id="{6B230025-70FB-FC30-0F5F-388FCE80A929}"/>
+              </a:ext>
+            </a:extLst>
+          </p:cNvPr>
+          <p:cNvGraphicFramePr/>
+          <p:nvPr>
+            <p:extLst>
+              <p:ext uri="{D42A27DB-BD31-4B8C-83A1-F6EECF244321}">
+                <p14:modId xmlns:p14="http://schemas.microsoft.com/office/powerpoint/2010/main" val="3583262246"/>
+              </p:ext>
+            </p:extLst>
+          </p:nvPr>
+        </p:nvGraphicFramePr>
+        <p:xfrm>
+          <a:off x="2438400" y="863600"/>
+          <a:ext cx="9753600" cy="6502400"/>
+        </p:xfrm>
+        <a:graphic>
+          <a:graphicData uri="http://schemas.openxmlformats.org/drawingml/2006/diagram">
+            <dgm:relIds xmlns:dgm="http://schemas.openxmlformats.org/drawingml/2006/diagram" xmlns:r="http://schemas.openxmlformats.org/officeDocument/2006/relationships" r:dm="rId2" r:lo="rId3" r:qs="rId4" r:cs="rId5"/>
+          </a:graphicData>
+        </a:graphic>
+      </p:graphicFrame>
+      <p:pic>
+        <p:nvPicPr>
+          <p:cNvPr id="2050" name="Picture 2" descr="Google Gemini Logo PNG With Transparent Background">
+            <a:extLst>
+              <a:ext uri="{FF2B5EF4-FFF2-40B4-BE49-F238E27FC236}">
+                <a16:creationId xmlns:a16="http://schemas.microsoft.com/office/drawing/2014/main" id="{177AA996-EFFB-3A6A-5C47-E6C88D07C5CA}"/>
+              </a:ext>
+            </a:extLst>
+          </p:cNvPr>
+          <p:cNvPicPr>
+            <a:picLocks noChangeAspect="1" noChangeArrowheads="1"/>
+          </p:cNvPicPr>
+          <p:nvPr/>
+        </p:nvPicPr>
+        <p:blipFill>
+          <a:blip r:embed="rId7">
+            <a:extLst>
+              <a:ext uri="{28A0092B-C50C-407E-A947-70E740481C1C}">
+                <a14:useLocalDpi xmlns:a14="http://schemas.microsoft.com/office/drawing/2010/main" val="0"/>
+              </a:ext>
+            </a:extLst>
+          </a:blip>
+          <a:srcRect/>
+          <a:stretch>
+            <a:fillRect/>
+          </a:stretch>
+        </p:blipFill>
+        <p:spPr bwMode="auto">
+          <a:xfrm>
+            <a:off x="6879021" y="3242441"/>
+            <a:ext cx="1108841" cy="1108841"/>
+          </a:xfrm>
+          <a:prstGeom prst="rect">
+            <a:avLst/>
+          </a:prstGeom>
+          <a:noFill/>
+          <a:extLst>
+            <a:ext uri="{909E8E84-426E-40DD-AFC4-6F175D3DCCD1}">
+              <a14:hiddenFill xmlns:a14="http://schemas.microsoft.com/office/drawing/2010/main">
+                <a:solidFill>
+                  <a:srgbClr val="FFFFFF"/>
+                </a:solidFill>
+              </a14:hiddenFill>
+            </a:ext>
+          </a:extLst>
+        </p:spPr>
+      </p:pic>
+      <p:pic>
+        <p:nvPicPr>
+          <p:cNvPr id="5" name="Graphic 4" descr="Playbook">
+            <a:extLst>
+              <a:ext uri="{FF2B5EF4-FFF2-40B4-BE49-F238E27FC236}">
+                <a16:creationId xmlns:a16="http://schemas.microsoft.com/office/drawing/2014/main" id="{A172F944-2719-ECC9-9834-46B04002D5CB}"/>
+              </a:ext>
+            </a:extLst>
+          </p:cNvPr>
+          <p:cNvPicPr>
+            <a:picLocks noChangeAspect="1"/>
+          </p:cNvPicPr>
+          <p:nvPr/>
+        </p:nvPicPr>
+        <p:blipFill>
+          <a:blip r:embed="rId8">
+            <a:extLst>
+              <a:ext uri="{96DAC541-7B7A-43D3-8B79-37D633B846F1}">
+                <asvg:svgBlip xmlns:asvg="http://schemas.microsoft.com/office/drawing/2016/SVG/main" r:embed="rId9"/>
+              </a:ext>
+            </a:extLst>
+          </a:blip>
+          <a:stretch>
+            <a:fillRect/>
+          </a:stretch>
+        </p:blipFill>
+        <p:spPr>
+          <a:xfrm>
+            <a:off x="12191999" y="3531475"/>
+            <a:ext cx="1860331" cy="1860331"/>
+          </a:xfrm>
+          <a:prstGeom prst="rect">
+            <a:avLst/>
+          </a:prstGeom>
+        </p:spPr>
+      </p:pic>
+      <p:sp>
+        <p:nvSpPr>
+          <p:cNvPr id="6" name="TextBox 5">
+            <a:extLst>
+              <a:ext uri="{FF2B5EF4-FFF2-40B4-BE49-F238E27FC236}">
+                <a16:creationId xmlns:a16="http://schemas.microsoft.com/office/drawing/2014/main" id="{806B8426-9427-FD59-DE17-47CB6C86AA40}"/>
+              </a:ext>
+            </a:extLst>
+          </p:cNvPr>
+          <p:cNvSpPr txBox="1"/>
+          <p:nvPr/>
+        </p:nvSpPr>
+        <p:spPr>
+          <a:xfrm>
+            <a:off x="12228786" y="5307724"/>
+            <a:ext cx="1786758" cy="369332"/>
+          </a:xfrm>
+          <a:prstGeom prst="rect">
+            <a:avLst/>
+          </a:prstGeom>
+          <a:noFill/>
+        </p:spPr>
+        <p:txBody>
+          <a:bodyPr wrap="square" rtlCol="0">
+            <a:spAutoFit/>
+          </a:bodyPr>
+          <a:lstStyle/>
+          <a:p>
+            <a:pPr algn="ctr"/>
+            <a:r>
+              <a:rPr lang="en-IN" dirty="0"/>
+              <a:t>JSON Output</a:t>
+            </a:r>
+          </a:p>
+        </p:txBody>
+      </p:sp>
+    </p:spTree>
+    <p:extLst>
+      <p:ext uri="{BB962C8B-B14F-4D97-AF65-F5344CB8AC3E}">
+        <p14:creationId xmlns:p14="http://schemas.microsoft.com/office/powerpoint/2010/main" val="222939468"/>
+      </p:ext>
+    </p:extLst>
+  </p:cSld>
+  <p:clrMapOvr>
+    <a:masterClrMapping/>
+  </p:clrMapOvr>
+</p:sld>
+</file>
+
+<file path=ppt/slides/slide4.xml><?xml version="1.0" encoding="utf-8"?>
 <p:sld xmlns:a="http://schemas.openxmlformats.org/drawingml/2006/main" xmlns:r="http://schemas.openxmlformats.org/officeDocument/2006/relationships" xmlns:p="http://schemas.openxmlformats.org/presentationml/2006/main">
   <p:cSld name="Slide 3">
     <p:spTree>
@@ -2613,7 +9161,7 @@
 </p:sld>
 </file>
 
-<file path=ppt/slides/slide4.xml><?xml version="1.0" encoding="utf-8"?>
+<file path=ppt/slides/slide5.xml><?xml version="1.0" encoding="utf-8"?>
 <p:sld xmlns:a="http://schemas.openxmlformats.org/drawingml/2006/main" xmlns:r="http://schemas.openxmlformats.org/officeDocument/2006/relationships" xmlns:p="http://schemas.openxmlformats.org/presentationml/2006/main">
   <p:cSld name="Slide 4">
     <p:spTree>
